--- a/QuantLib1.3 16-01-2014.pptx
+++ b/QuantLib1.3 16-01-2014.pptx
@@ -116,6 +116,11 @@
       </a:defRPr>
     </a:lvl9pPr>
   </p:defaultTextStyle>
+  <p:extLst>
+    <p:ext uri="{EFAFB233-063F-42B5-8137-9DF3F51BA10A}">
+      <p15:sldGuideLst xmlns:p15="http://schemas.microsoft.com/office/powerpoint/2012/main"/>
+    </p:ext>
+  </p:extLst>
 </p:presentation>
 </file>
 
@@ -922,7 +927,7 @@
                 </a:schemeClr>
               </a:solidFill>
             </a:rPr>
-            <a:t>Some specifications about QuantLib</a:t>
+            <a:t>QuantLib Architecture</a:t>
           </a:r>
           <a:endParaRPr lang="en-US" sz="3600" b="1" dirty="0" smtClean="0">
             <a:solidFill>
@@ -1000,13 +1005,6 @@
             </a:rPr>
             <a:t>Library components</a:t>
           </a:r>
-          <a:endParaRPr lang="en-US" sz="3600" b="1" dirty="0" smtClean="0">
-            <a:solidFill>
-              <a:schemeClr val="tx1">
-                <a:lumMod val="75000"/>
-              </a:schemeClr>
-            </a:solidFill>
-          </a:endParaRPr>
         </a:p>
       </dgm:t>
     </dgm:pt>
@@ -1076,13 +1074,6 @@
             </a:rPr>
             <a:t>Work flow</a:t>
           </a:r>
-          <a:endParaRPr lang="en-US" sz="3600" b="1" dirty="0" smtClean="0">
-            <a:solidFill>
-              <a:schemeClr val="tx1">
-                <a:lumMod val="75000"/>
-              </a:schemeClr>
-            </a:solidFill>
-          </a:endParaRPr>
         </a:p>
       </dgm:t>
     </dgm:pt>
@@ -1360,6 +1351,13 @@
         </dgm:presLayoutVars>
       </dgm:prSet>
       <dgm:spPr/>
+      <dgm:t>
+        <a:bodyPr/>
+        <a:lstStyle/>
+        <a:p>
+          <a:endParaRPr lang="en-US"/>
+        </a:p>
+      </dgm:t>
     </dgm:pt>
     <dgm:pt modelId="{52AE4C21-0F3C-46FC-A703-8C30012A3A65}" type="pres">
       <dgm:prSet presAssocID="{1EECF149-7A76-4C15-B14C-F06875EB4D75}" presName="composite" presStyleCnt="0"/>
@@ -1412,6 +1410,13 @@
         </dgm:presLayoutVars>
       </dgm:prSet>
       <dgm:spPr/>
+      <dgm:t>
+        <a:bodyPr/>
+        <a:lstStyle/>
+        <a:p>
+          <a:endParaRPr lang="en-US"/>
+        </a:p>
+      </dgm:t>
     </dgm:pt>
     <dgm:pt modelId="{5D21B0F4-0BFF-4375-93B3-BD56BB6213EC}" type="pres">
       <dgm:prSet presAssocID="{885755C5-982A-4DE5-B141-3DF88E43641B}" presName="descendantText" presStyleLbl="alignAcc1" presStyleIdx="1" presStyleCnt="4">
@@ -1444,6 +1449,13 @@
         </dgm:presLayoutVars>
       </dgm:prSet>
       <dgm:spPr/>
+      <dgm:t>
+        <a:bodyPr/>
+        <a:lstStyle/>
+        <a:p>
+          <a:endParaRPr lang="en-US"/>
+        </a:p>
+      </dgm:t>
     </dgm:pt>
     <dgm:pt modelId="{3FF88047-6236-47E6-998D-4E3EA0983E72}" type="pres">
       <dgm:prSet presAssocID="{7B5B3069-EFAE-4C94-921D-D6D3B7C28BB1}" presName="descendantText" presStyleLbl="alignAcc1" presStyleIdx="2" presStyleCnt="4">
@@ -1476,6 +1488,13 @@
         </dgm:presLayoutVars>
       </dgm:prSet>
       <dgm:spPr/>
+      <dgm:t>
+        <a:bodyPr/>
+        <a:lstStyle/>
+        <a:p>
+          <a:endParaRPr lang="en-US"/>
+        </a:p>
+      </dgm:t>
     </dgm:pt>
     <dgm:pt modelId="{0053D2EA-E96A-485A-9B47-065EB2ECE275}" type="pres">
       <dgm:prSet presAssocID="{1D401610-B815-437E-A4BB-1F07B9E46326}" presName="descendantText" presStyleLbl="alignAcc1" presStyleIdx="3" presStyleCnt="4">
@@ -1484,26 +1503,33 @@
         </dgm:presLayoutVars>
       </dgm:prSet>
       <dgm:spPr/>
+      <dgm:t>
+        <a:bodyPr/>
+        <a:lstStyle/>
+        <a:p>
+          <a:endParaRPr lang="en-US"/>
+        </a:p>
+      </dgm:t>
     </dgm:pt>
   </dgm:ptLst>
   <dgm:cxnLst>
+    <dgm:cxn modelId="{1A30709A-9FCB-4E92-9921-7978C9A47D9C}" srcId="{885755C5-982A-4DE5-B141-3DF88E43641B}" destId="{3D661867-E1C8-4021-8727-E93C87587F62}" srcOrd="0" destOrd="0" parTransId="{46034F4C-58A5-4F47-A178-C87E8026F23A}" sibTransId="{7CEC64C7-C80B-44C0-A26D-876C874B7D55}"/>
+    <dgm:cxn modelId="{83605A20-A67A-4C7E-9A0D-7990D0FC4F80}" type="presOf" srcId="{E42F0122-757C-4C37-88A0-FB81BA512B4D}" destId="{7AF6DB63-6D9D-4C50-9DD7-ECCE3A23BA6F}" srcOrd="0" destOrd="0" presId="urn:microsoft.com/office/officeart/2005/8/layout/chevron2"/>
+    <dgm:cxn modelId="{326734E3-0048-4A95-9CD3-3B086DFF48FE}" srcId="{1EECF149-7A76-4C15-B14C-F06875EB4D75}" destId="{6965A9E9-7D1D-4526-AC3D-4F67C234D037}" srcOrd="0" destOrd="0" parTransId="{058F3EBC-0793-44F0-8BC8-27729EE5DAAF}" sibTransId="{0231198A-87DC-46EE-A3D8-F511E24C6DBE}"/>
+    <dgm:cxn modelId="{CD31F1AC-3B9A-4560-85DB-71A0279713F8}" srcId="{E42F0122-757C-4C37-88A0-FB81BA512B4D}" destId="{1D401610-B815-437E-A4BB-1F07B9E46326}" srcOrd="3" destOrd="0" parTransId="{A065899F-8DF3-4BF5-81D3-CCAB2CF4E6DC}" sibTransId="{60823CD2-4541-4D09-BD0F-61B215A1E742}"/>
+    <dgm:cxn modelId="{37E27C8A-AEF0-40F0-8F7A-5C03254F2FEF}" type="presOf" srcId="{6965A9E9-7D1D-4526-AC3D-4F67C234D037}" destId="{CF20245F-33D4-466F-898E-F5BB18451CED}" srcOrd="0" destOrd="0" presId="urn:microsoft.com/office/officeart/2005/8/layout/chevron2"/>
+    <dgm:cxn modelId="{5A023A98-8DD0-49B8-8CD5-158700635EDE}" type="presOf" srcId="{1EECF149-7A76-4C15-B14C-F06875EB4D75}" destId="{889AD724-97DC-4930-B9DB-DBAB3D123053}" srcOrd="0" destOrd="0" presId="urn:microsoft.com/office/officeart/2005/8/layout/chevron2"/>
+    <dgm:cxn modelId="{774D652A-5903-4471-B929-F3BD71637E42}" srcId="{E42F0122-757C-4C37-88A0-FB81BA512B4D}" destId="{7B5B3069-EFAE-4C94-921D-D6D3B7C28BB1}" srcOrd="2" destOrd="0" parTransId="{43DF23F0-5780-4289-94E2-06D88C921A65}" sibTransId="{5FB3A044-CF8B-464B-B94E-A473F34034FF}"/>
+    <dgm:cxn modelId="{B2FB4DA1-268C-45B5-AA69-88810A648ABC}" type="presOf" srcId="{2EA11D65-00CA-4A78-B78B-D77872EDCBD9}" destId="{3FF88047-6236-47E6-998D-4E3EA0983E72}" srcOrd="0" destOrd="0" presId="urn:microsoft.com/office/officeart/2005/8/layout/chevron2"/>
     <dgm:cxn modelId="{40DDB7B8-96D2-4133-A976-3D219E9E6121}" type="presOf" srcId="{DF3886B3-D9F0-4449-97A7-82FBFE04BDB1}" destId="{0053D2EA-E96A-485A-9B47-065EB2ECE275}" srcOrd="0" destOrd="0" presId="urn:microsoft.com/office/officeart/2005/8/layout/chevron2"/>
+    <dgm:cxn modelId="{B3DE9EC0-48CB-4328-B882-46AB1640ED0C}" type="presOf" srcId="{1D401610-B815-437E-A4BB-1F07B9E46326}" destId="{B42C3359-B3EE-455E-8DA8-EEADBB34ADA4}" srcOrd="0" destOrd="0" presId="urn:microsoft.com/office/officeart/2005/8/layout/chevron2"/>
+    <dgm:cxn modelId="{7CBCAA00-4623-4628-8B0B-C6751DF01BE4}" srcId="{E42F0122-757C-4C37-88A0-FB81BA512B4D}" destId="{1EECF149-7A76-4C15-B14C-F06875EB4D75}" srcOrd="0" destOrd="0" parTransId="{0ACD2AF6-740D-4014-917E-8B0B20FAD948}" sibTransId="{A1E9EB9D-5A06-4C81-8536-4377F9B66C57}"/>
+    <dgm:cxn modelId="{D3975777-760C-4AB4-BA55-42F632808929}" srcId="{7B5B3069-EFAE-4C94-921D-D6D3B7C28BB1}" destId="{2EA11D65-00CA-4A78-B78B-D77872EDCBD9}" srcOrd="0" destOrd="0" parTransId="{1CA6863B-F056-4DFB-93B2-51C9DD6B7CEB}" sibTransId="{DF648B09-2058-4DB1-9CFD-BEA71015B7D5}"/>
+    <dgm:cxn modelId="{E10EE016-9C84-4394-A60C-F968C19245E2}" srcId="{E42F0122-757C-4C37-88A0-FB81BA512B4D}" destId="{885755C5-982A-4DE5-B141-3DF88E43641B}" srcOrd="1" destOrd="0" parTransId="{231D4BC0-B307-4531-B3BB-D525237B1B29}" sibTransId="{BDF1DE11-6C9F-453A-B110-4C527D6E7303}"/>
+    <dgm:cxn modelId="{ADA404A4-2709-4F6B-955B-134B6B2111D0}" type="presOf" srcId="{885755C5-982A-4DE5-B141-3DF88E43641B}" destId="{50E7F155-0B28-4EB8-A3DA-F62B28ED4788}" srcOrd="0" destOrd="0" presId="urn:microsoft.com/office/officeart/2005/8/layout/chevron2"/>
+    <dgm:cxn modelId="{4B3A80E3-44FF-4159-90A3-D24332A56200}" type="presOf" srcId="{7B5B3069-EFAE-4C94-921D-D6D3B7C28BB1}" destId="{F19540CE-E2C5-4FD1-A90C-A623A7080392}" srcOrd="0" destOrd="0" presId="urn:microsoft.com/office/officeart/2005/8/layout/chevron2"/>
+    <dgm:cxn modelId="{E7E38B2F-772E-4C87-AC28-CED8FDDB5C21}" srcId="{1D401610-B815-437E-A4BB-1F07B9E46326}" destId="{DF3886B3-D9F0-4449-97A7-82FBFE04BDB1}" srcOrd="0" destOrd="0" parTransId="{88FAFEC4-219F-4CD8-9A78-8CFED220EC4B}" sibTransId="{A29424F8-1EAE-4387-AE6C-BB8741CB6684}"/>
     <dgm:cxn modelId="{669133A1-0926-46A5-BF9B-ACB75A21F02E}" type="presOf" srcId="{3D661867-E1C8-4021-8727-E93C87587F62}" destId="{5D21B0F4-0BFF-4375-93B3-BD56BB6213EC}" srcOrd="0" destOrd="0" presId="urn:microsoft.com/office/officeart/2005/8/layout/chevron2"/>
-    <dgm:cxn modelId="{D3975777-760C-4AB4-BA55-42F632808929}" srcId="{7B5B3069-EFAE-4C94-921D-D6D3B7C28BB1}" destId="{2EA11D65-00CA-4A78-B78B-D77872EDCBD9}" srcOrd="0" destOrd="0" parTransId="{1CA6863B-F056-4DFB-93B2-51C9DD6B7CEB}" sibTransId="{DF648B09-2058-4DB1-9CFD-BEA71015B7D5}"/>
-    <dgm:cxn modelId="{37E27C8A-AEF0-40F0-8F7A-5C03254F2FEF}" type="presOf" srcId="{6965A9E9-7D1D-4526-AC3D-4F67C234D037}" destId="{CF20245F-33D4-466F-898E-F5BB18451CED}" srcOrd="0" destOrd="0" presId="urn:microsoft.com/office/officeart/2005/8/layout/chevron2"/>
-    <dgm:cxn modelId="{83605A20-A67A-4C7E-9A0D-7990D0FC4F80}" type="presOf" srcId="{E42F0122-757C-4C37-88A0-FB81BA512B4D}" destId="{7AF6DB63-6D9D-4C50-9DD7-ECCE3A23BA6F}" srcOrd="0" destOrd="0" presId="urn:microsoft.com/office/officeart/2005/8/layout/chevron2"/>
-    <dgm:cxn modelId="{7CBCAA00-4623-4628-8B0B-C6751DF01BE4}" srcId="{E42F0122-757C-4C37-88A0-FB81BA512B4D}" destId="{1EECF149-7A76-4C15-B14C-F06875EB4D75}" srcOrd="0" destOrd="0" parTransId="{0ACD2AF6-740D-4014-917E-8B0B20FAD948}" sibTransId="{A1E9EB9D-5A06-4C81-8536-4377F9B66C57}"/>
-    <dgm:cxn modelId="{B3DE9EC0-48CB-4328-B882-46AB1640ED0C}" type="presOf" srcId="{1D401610-B815-437E-A4BB-1F07B9E46326}" destId="{B42C3359-B3EE-455E-8DA8-EEADBB34ADA4}" srcOrd="0" destOrd="0" presId="urn:microsoft.com/office/officeart/2005/8/layout/chevron2"/>
-    <dgm:cxn modelId="{4B3A80E3-44FF-4159-90A3-D24332A56200}" type="presOf" srcId="{7B5B3069-EFAE-4C94-921D-D6D3B7C28BB1}" destId="{F19540CE-E2C5-4FD1-A90C-A623A7080392}" srcOrd="0" destOrd="0" presId="urn:microsoft.com/office/officeart/2005/8/layout/chevron2"/>
-    <dgm:cxn modelId="{ADA404A4-2709-4F6B-955B-134B6B2111D0}" type="presOf" srcId="{885755C5-982A-4DE5-B141-3DF88E43641B}" destId="{50E7F155-0B28-4EB8-A3DA-F62B28ED4788}" srcOrd="0" destOrd="0" presId="urn:microsoft.com/office/officeart/2005/8/layout/chevron2"/>
-    <dgm:cxn modelId="{E10EE016-9C84-4394-A60C-F968C19245E2}" srcId="{E42F0122-757C-4C37-88A0-FB81BA512B4D}" destId="{885755C5-982A-4DE5-B141-3DF88E43641B}" srcOrd="1" destOrd="0" parTransId="{231D4BC0-B307-4531-B3BB-D525237B1B29}" sibTransId="{BDF1DE11-6C9F-453A-B110-4C527D6E7303}"/>
-    <dgm:cxn modelId="{B2FB4DA1-268C-45B5-AA69-88810A648ABC}" type="presOf" srcId="{2EA11D65-00CA-4A78-B78B-D77872EDCBD9}" destId="{3FF88047-6236-47E6-998D-4E3EA0983E72}" srcOrd="0" destOrd="0" presId="urn:microsoft.com/office/officeart/2005/8/layout/chevron2"/>
-    <dgm:cxn modelId="{774D652A-5903-4471-B929-F3BD71637E42}" srcId="{E42F0122-757C-4C37-88A0-FB81BA512B4D}" destId="{7B5B3069-EFAE-4C94-921D-D6D3B7C28BB1}" srcOrd="2" destOrd="0" parTransId="{43DF23F0-5780-4289-94E2-06D88C921A65}" sibTransId="{5FB3A044-CF8B-464B-B94E-A473F34034FF}"/>
-    <dgm:cxn modelId="{326734E3-0048-4A95-9CD3-3B086DFF48FE}" srcId="{1EECF149-7A76-4C15-B14C-F06875EB4D75}" destId="{6965A9E9-7D1D-4526-AC3D-4F67C234D037}" srcOrd="0" destOrd="0" parTransId="{058F3EBC-0793-44F0-8BC8-27729EE5DAAF}" sibTransId="{0231198A-87DC-46EE-A3D8-F511E24C6DBE}"/>
-    <dgm:cxn modelId="{5A023A98-8DD0-49B8-8CD5-158700635EDE}" type="presOf" srcId="{1EECF149-7A76-4C15-B14C-F06875EB4D75}" destId="{889AD724-97DC-4930-B9DB-DBAB3D123053}" srcOrd="0" destOrd="0" presId="urn:microsoft.com/office/officeart/2005/8/layout/chevron2"/>
-    <dgm:cxn modelId="{1A30709A-9FCB-4E92-9921-7978C9A47D9C}" srcId="{885755C5-982A-4DE5-B141-3DF88E43641B}" destId="{3D661867-E1C8-4021-8727-E93C87587F62}" srcOrd="0" destOrd="0" parTransId="{46034F4C-58A5-4F47-A178-C87E8026F23A}" sibTransId="{7CEC64C7-C80B-44C0-A26D-876C874B7D55}"/>
-    <dgm:cxn modelId="{CD31F1AC-3B9A-4560-85DB-71A0279713F8}" srcId="{E42F0122-757C-4C37-88A0-FB81BA512B4D}" destId="{1D401610-B815-437E-A4BB-1F07B9E46326}" srcOrd="3" destOrd="0" parTransId="{A065899F-8DF3-4BF5-81D3-CCAB2CF4E6DC}" sibTransId="{60823CD2-4541-4D09-BD0F-61B215A1E742}"/>
-    <dgm:cxn modelId="{E7E38B2F-772E-4C87-AC28-CED8FDDB5C21}" srcId="{1D401610-B815-437E-A4BB-1F07B9E46326}" destId="{DF3886B3-D9F0-4449-97A7-82FBFE04BDB1}" srcOrd="0" destOrd="0" parTransId="{88FAFEC4-219F-4CD8-9A78-8CFED220EC4B}" sibTransId="{A29424F8-1EAE-4387-AE6C-BB8741CB6684}"/>
     <dgm:cxn modelId="{7B30810B-7DF3-4DE6-AC37-0E36A748131E}" type="presParOf" srcId="{7AF6DB63-6D9D-4C50-9DD7-ECCE3A23BA6F}" destId="{52AE4C21-0F3C-46FC-A703-8C30012A3A65}" srcOrd="0" destOrd="0" presId="urn:microsoft.com/office/officeart/2005/8/layout/chevron2"/>
     <dgm:cxn modelId="{6A2722F9-D5A9-477C-BC5A-ADDA627EB8C4}" type="presParOf" srcId="{52AE4C21-0F3C-46FC-A703-8C30012A3A65}" destId="{889AD724-97DC-4930-B9DB-DBAB3D123053}" srcOrd="0" destOrd="0" presId="urn:microsoft.com/office/officeart/2005/8/layout/chevron2"/>
     <dgm:cxn modelId="{3DC27FD3-6064-43A1-95C6-868D7B019C6F}" type="presParOf" srcId="{52AE4C21-0F3C-46FC-A703-8C30012A3A65}" destId="{CF20245F-33D4-466F-898E-F5BB18451CED}" srcOrd="1" destOrd="0" presId="urn:microsoft.com/office/officeart/2005/8/layout/chevron2"/>
@@ -1879,7 +1905,7 @@
                 </a:schemeClr>
               </a:solidFill>
             </a:rPr>
-            <a:t>Some specifications about QuantLib</a:t>
+            <a:t>QuantLib Architecture</a:t>
           </a:r>
           <a:endParaRPr lang="en-US" sz="3600" b="1" kern="1200" dirty="0" smtClean="0">
             <a:solidFill>
@@ -2054,13 +2080,6 @@
             </a:rPr>
             <a:t>Library components</a:t>
           </a:r>
-          <a:endParaRPr lang="en-US" sz="3600" b="1" kern="1200" dirty="0" smtClean="0">
-            <a:solidFill>
-              <a:schemeClr val="tx1">
-                <a:lumMod val="75000"/>
-              </a:schemeClr>
-            </a:solidFill>
-          </a:endParaRPr>
         </a:p>
       </dsp:txBody>
       <dsp:txXfrm rot="-5400000">
@@ -2227,13 +2246,6 @@
             </a:rPr>
             <a:t>Work flow</a:t>
           </a:r>
-          <a:endParaRPr lang="en-US" sz="3600" b="1" kern="1200" dirty="0" smtClean="0">
-            <a:solidFill>
-              <a:schemeClr val="tx1">
-                <a:lumMod val="75000"/>
-              </a:schemeClr>
-            </a:solidFill>
-          </a:endParaRPr>
         </a:p>
       </dsp:txBody>
       <dsp:txXfrm rot="-5400000">
@@ -4136,6 +4148,187 @@
 </p:notes>
 </file>
 
+<file path=ppt/notesSlides/notesSlide2.xml><?xml version="1.0" encoding="utf-8"?>
+<p:notes xmlns:a="http://schemas.openxmlformats.org/drawingml/2006/main" xmlns:r="http://schemas.openxmlformats.org/officeDocument/2006/relationships" xmlns:p="http://schemas.openxmlformats.org/presentationml/2006/main">
+  <p:cSld>
+    <p:spTree>
+      <p:nvGrpSpPr>
+        <p:cNvPr id="1" name=""/>
+        <p:cNvGrpSpPr/>
+        <p:nvPr/>
+      </p:nvGrpSpPr>
+      <p:grpSpPr>
+        <a:xfrm>
+          <a:off x="0" y="0"/>
+          <a:ext cx="0" cy="0"/>
+          <a:chOff x="0" y="0"/>
+          <a:chExt cx="0" cy="0"/>
+        </a:xfrm>
+      </p:grpSpPr>
+      <p:sp>
+        <p:nvSpPr>
+          <p:cNvPr id="2" name="Slide Image Placeholder 1"/>
+          <p:cNvSpPr>
+            <a:spLocks noGrp="1" noRot="1" noChangeAspect="1"/>
+          </p:cNvSpPr>
+          <p:nvPr>
+            <p:ph type="sldImg"/>
+          </p:nvPr>
+        </p:nvSpPr>
+        <p:spPr/>
+      </p:sp>
+      <p:sp>
+        <p:nvSpPr>
+          <p:cNvPr id="3" name="Notes Placeholder 2"/>
+          <p:cNvSpPr>
+            <a:spLocks noGrp="1"/>
+          </p:cNvSpPr>
+          <p:nvPr>
+            <p:ph type="body" idx="1"/>
+          </p:nvPr>
+        </p:nvSpPr>
+        <p:spPr/>
+        <p:txBody>
+          <a:bodyPr/>
+          <a:lstStyle/>
+          <a:p>
+            <a:pPr marL="0" marR="0" indent="0" algn="l" defTabSz="914400" rtl="0" eaLnBrk="1" fontAlgn="auto" latinLnBrk="0" hangingPunct="1">
+              <a:lnSpc>
+                <a:spcPct val="100000"/>
+              </a:lnSpc>
+              <a:spcBef>
+                <a:spcPts val="0"/>
+              </a:spcBef>
+              <a:spcAft>
+                <a:spcPts val="0"/>
+              </a:spcAft>
+              <a:buClrTx/>
+              <a:buSzTx/>
+              <a:buFontTx/>
+              <a:buNone/>
+              <a:tabLst/>
+              <a:defRPr/>
+            </a:pPr>
+            <a:r>
+              <a:rPr lang="en-US" sz="1200" dirty="0" smtClean="0"/>
+              <a:t>-The initial QuantLib</a:t>
+            </a:r>
+            <a:r>
+              <a:rPr lang="en-US" sz="1200" baseline="0" dirty="0" smtClean="0"/>
+              <a:t> </a:t>
+            </a:r>
+            <a:r>
+              <a:rPr lang="en-US" sz="1200" dirty="0" smtClean="0"/>
+              <a:t>release  was 0.1.1 in Nov</a:t>
+            </a:r>
+            <a:r>
+              <a:rPr lang="en-US" sz="1200" baseline="0" dirty="0" smtClean="0"/>
+              <a:t> </a:t>
+            </a:r>
+            <a:r>
+              <a:rPr lang="en-US" sz="1200" dirty="0" smtClean="0"/>
+              <a:t>2000</a:t>
+            </a:r>
+          </a:p>
+          <a:p>
+            <a:r>
+              <a:rPr lang="en-US" sz="1200" b="0" i="0" u="none" strike="noStrike" kern="1200" baseline="0" dirty="0" smtClean="0">
+                <a:solidFill>
+                  <a:schemeClr val="tx1"/>
+                </a:solidFill>
+                <a:latin typeface="+mn-lt"/>
+                <a:ea typeface="+mn-ea"/>
+                <a:cs typeface="+mn-cs"/>
+              </a:rPr>
+              <a:t>-Is primarily the work of Ferdinando </a:t>
+            </a:r>
+            <a:r>
+              <a:rPr lang="en-US" sz="1200" b="0" i="0" u="none" strike="noStrike" kern="1200" baseline="0" dirty="0" err="1" smtClean="0">
+                <a:solidFill>
+                  <a:schemeClr val="tx1"/>
+                </a:solidFill>
+                <a:latin typeface="+mn-lt"/>
+                <a:ea typeface="+mn-ea"/>
+                <a:cs typeface="+mn-cs"/>
+              </a:rPr>
+              <a:t>Ametrano</a:t>
+            </a:r>
+            <a:r>
+              <a:rPr lang="en-US" sz="1200" b="0" i="0" u="none" strike="noStrike" kern="1200" baseline="0" dirty="0" smtClean="0">
+                <a:solidFill>
+                  <a:schemeClr val="tx1"/>
+                </a:solidFill>
+                <a:latin typeface="+mn-lt"/>
+                <a:ea typeface="+mn-ea"/>
+                <a:cs typeface="+mn-cs"/>
+              </a:rPr>
+              <a:t> and Luigi </a:t>
+            </a:r>
+            <a:r>
+              <a:rPr lang="en-US" sz="1200" b="0" i="0" u="none" strike="noStrike" kern="1200" baseline="0" dirty="0" err="1" smtClean="0">
+                <a:solidFill>
+                  <a:schemeClr val="tx1"/>
+                </a:solidFill>
+                <a:latin typeface="+mn-lt"/>
+                <a:ea typeface="+mn-ea"/>
+                <a:cs typeface="+mn-cs"/>
+              </a:rPr>
+              <a:t>Ballabio</a:t>
+            </a:r>
+            <a:endParaRPr lang="en-US" sz="1200" dirty="0" smtClean="0"/>
+          </a:p>
+          <a:p>
+            <a:r>
+              <a:rPr lang="en-US" sz="1200" b="0" i="0" u="none" strike="noStrike" kern="1200" baseline="0" dirty="0" smtClean="0">
+                <a:solidFill>
+                  <a:schemeClr val="tx1"/>
+                </a:solidFill>
+                <a:latin typeface="+mn-lt"/>
+                <a:ea typeface="+mn-ea"/>
+                <a:cs typeface="+mn-cs"/>
+              </a:rPr>
+              <a:t>-Boost has been a QuantLib requirement since July 2004</a:t>
+            </a:r>
+            <a:endParaRPr lang="en-US" dirty="0"/>
+          </a:p>
+        </p:txBody>
+      </p:sp>
+      <p:sp>
+        <p:nvSpPr>
+          <p:cNvPr id="4" name="Slide Number Placeholder 3"/>
+          <p:cNvSpPr>
+            <a:spLocks noGrp="1"/>
+          </p:cNvSpPr>
+          <p:nvPr>
+            <p:ph type="sldNum" sz="quarter" idx="10"/>
+          </p:nvPr>
+        </p:nvSpPr>
+        <p:spPr/>
+        <p:txBody>
+          <a:bodyPr/>
+          <a:lstStyle/>
+          <a:p>
+            <a:fld id="{6BA41965-3D40-4735-8368-97257CDCD385}" type="slidenum">
+              <a:rPr lang="en-US" smtClean="0"/>
+              <a:t>3</a:t>
+            </a:fld>
+            <a:endParaRPr lang="en-US"/>
+          </a:p>
+        </p:txBody>
+      </p:sp>
+    </p:spTree>
+    <p:extLst>
+      <p:ext uri="{BB962C8B-B14F-4D97-AF65-F5344CB8AC3E}">
+        <p14:creationId xmlns:p14="http://schemas.microsoft.com/office/powerpoint/2010/main" val="789169915"/>
+      </p:ext>
+    </p:extLst>
+  </p:cSld>
+  <p:clrMapOvr>
+    <a:masterClrMapping/>
+  </p:clrMapOvr>
+</p:notes>
+</file>
+
 <file path=ppt/slideLayouts/slideLayout1.xml><?xml version="1.0" encoding="utf-8"?>
 <p:sldLayout xmlns:a="http://schemas.openxmlformats.org/drawingml/2006/main" xmlns:r="http://schemas.openxmlformats.org/officeDocument/2006/relationships" xmlns:p="http://schemas.openxmlformats.org/presentationml/2006/main" type="title" preserve="1">
   <p:cSld name="Title Slide">
@@ -4231,7 +4424,7 @@
           <a:effectLst/>
           <a:extLst>
             <a:ext uri="{91240B29-F687-4f45-9708-019B960494DF}">
-              <a14:hiddenLine xmlns:a14="http://schemas.microsoft.com/office/drawing/2010/main" xmlns="" w="9525">
+              <a14:hiddenLine xmlns="" xmlns:a14="http://schemas.microsoft.com/office/drawing/2010/main" w="9525">
                 <a:solidFill>
                   <a:srgbClr val="000000"/>
                 </a:solidFill>
@@ -5753,7 +5946,7 @@
           <a:ln/>
           <a:extLst>
             <a:ext uri="{91240B29-F687-4f45-9708-019B960494DF}">
-              <a14:hiddenLine xmlns:a14="http://schemas.microsoft.com/office/drawing/2010/main" xmlns="" w="9525">
+              <a14:hiddenLine xmlns="" xmlns:a14="http://schemas.microsoft.com/office/drawing/2010/main" w="9525">
                 <a:solidFill>
                   <a:srgbClr val="000000"/>
                 </a:solidFill>
@@ -6028,7 +6221,7 @@
           <a:ln/>
           <a:extLst>
             <a:ext uri="{91240B29-F687-4f45-9708-019B960494DF}">
-              <a14:hiddenLine xmlns:a14="http://schemas.microsoft.com/office/drawing/2010/main" xmlns="" w="9525">
+              <a14:hiddenLine xmlns="" xmlns:a14="http://schemas.microsoft.com/office/drawing/2010/main" w="9525">
                 <a:solidFill>
                   <a:srgbClr val="000000"/>
                 </a:solidFill>
@@ -6311,7 +6504,7 @@
           <a:ln/>
           <a:extLst>
             <a:ext uri="{91240B29-F687-4f45-9708-019B960494DF}">
-              <a14:hiddenLine xmlns:a14="http://schemas.microsoft.com/office/drawing/2010/main" xmlns="" w="9525">
+              <a14:hiddenLine xmlns="" xmlns:a14="http://schemas.microsoft.com/office/drawing/2010/main" w="9525">
                 <a:solidFill>
                   <a:srgbClr val="000000"/>
                 </a:solidFill>
@@ -6937,7 +7130,7 @@
           <a:ln/>
           <a:extLst>
             <a:ext uri="{91240B29-F687-4f45-9708-019B960494DF}">
-              <a14:hiddenLine xmlns:a14="http://schemas.microsoft.com/office/drawing/2010/main" xmlns="" w="9525">
+              <a14:hiddenLine xmlns="" xmlns:a14="http://schemas.microsoft.com/office/drawing/2010/main" w="9525">
                 <a:solidFill>
                   <a:srgbClr val="000000"/>
                 </a:solidFill>
@@ -7276,7 +7469,7 @@
           <a:ln/>
           <a:extLst>
             <a:ext uri="{91240B29-F687-4f45-9708-019B960494DF}">
-              <a14:hiddenLine xmlns:a14="http://schemas.microsoft.com/office/drawing/2010/main" xmlns="" w="9525">
+              <a14:hiddenLine xmlns="" xmlns:a14="http://schemas.microsoft.com/office/drawing/2010/main" w="9525">
                 <a:solidFill>
                   <a:srgbClr val="000000"/>
                 </a:solidFill>
@@ -7753,7 +7946,7 @@
           <a:ln/>
           <a:extLst>
             <a:ext uri="{91240B29-F687-4f45-9708-019B960494DF}">
-              <a14:hiddenLine xmlns:a14="http://schemas.microsoft.com/office/drawing/2010/main" xmlns="" w="9525">
+              <a14:hiddenLine xmlns="" xmlns:a14="http://schemas.microsoft.com/office/drawing/2010/main" w="9525">
                 <a:solidFill>
                   <a:srgbClr val="000000"/>
                 </a:solidFill>
@@ -8182,7 +8375,7 @@
           <a:ln/>
           <a:extLst>
             <a:ext uri="{91240B29-F687-4f45-9708-019B960494DF}">
-              <a14:hiddenLine xmlns:a14="http://schemas.microsoft.com/office/drawing/2010/main" xmlns="" w="9525">
+              <a14:hiddenLine xmlns="" xmlns:a14="http://schemas.microsoft.com/office/drawing/2010/main" w="9525">
                 <a:solidFill>
                   <a:srgbClr val="000000"/>
                 </a:solidFill>
@@ -9885,8 +10078,8 @@
         </p:blipFill>
         <p:spPr>
           <a:xfrm>
-            <a:off x="2885441" y="1449147"/>
-            <a:ext cx="6421120" cy="1203325"/>
+            <a:off x="2885441" y="1078173"/>
+            <a:ext cx="6421120" cy="1574299"/>
           </a:xfrm>
           <a:prstGeom prst="rect">
             <a:avLst/>
@@ -10033,7 +10226,7 @@
           <p:nvPr>
             <p:extLst>
               <p:ext uri="{D42A27DB-BD31-4B8C-83A1-F6EECF244321}">
-                <p14:modId xmlns:p14="http://schemas.microsoft.com/office/powerpoint/2010/main" val="895178172"/>
+                <p14:modId xmlns:p14="http://schemas.microsoft.com/office/powerpoint/2010/main" val="4157675187"/>
               </p:ext>
             </p:extLst>
           </p:nvPr>
@@ -10878,10 +11071,85 @@
         </p:nvSpPr>
         <p:spPr/>
         <p:txBody>
-          <a:bodyPr/>
+          <a:bodyPr>
+            <a:normAutofit/>
+          </a:bodyPr>
           <a:lstStyle/>
           <a:p>
-            <a:endParaRPr lang="en-US"/>
+            <a:r>
+              <a:rPr lang="en-US" sz="3200" b="1" dirty="0"/>
+              <a:t>Quants and </a:t>
+            </a:r>
+            <a:r>
+              <a:rPr lang="en-US" sz="3200" b="1" dirty="0" smtClean="0"/>
+              <a:t>Developers</a:t>
+            </a:r>
+            <a:endParaRPr lang="fr-FR" sz="3200" b="1" dirty="0" smtClean="0"/>
+          </a:p>
+          <a:p>
+            <a:r>
+              <a:rPr lang="fr-FR" sz="3200" b="1" dirty="0" smtClean="0"/>
+              <a:t>C</a:t>
+            </a:r>
+            <a:r>
+              <a:rPr lang="fr-FR" sz="3200" b="1" dirty="0"/>
+              <a:t>++ </a:t>
+            </a:r>
+            <a:r>
+              <a:rPr lang="fr-FR" sz="3200" b="1" dirty="0" smtClean="0"/>
+              <a:t>, 2000</a:t>
+            </a:r>
+          </a:p>
+          <a:p>
+            <a:r>
+              <a:rPr lang="en-US" sz="3200" b="1" dirty="0" smtClean="0"/>
+              <a:t>Ferdinando </a:t>
+            </a:r>
+            <a:r>
+              <a:rPr lang="en-US" sz="3200" b="1" dirty="0" err="1" smtClean="0"/>
+              <a:t>Ametrano</a:t>
+            </a:r>
+            <a:r>
+              <a:rPr lang="en-US" sz="3200" b="1" dirty="0" smtClean="0"/>
+              <a:t> </a:t>
+            </a:r>
+            <a:r>
+              <a:rPr lang="en-US" sz="3200" b="1" dirty="0"/>
+              <a:t>and Luigi </a:t>
+            </a:r>
+            <a:r>
+              <a:rPr lang="en-US" sz="3200" b="1" dirty="0" err="1"/>
+              <a:t>Ballabio</a:t>
+            </a:r>
+            <a:endParaRPr lang="en-US" sz="3200" b="1" dirty="0" smtClean="0"/>
+          </a:p>
+          <a:p>
+            <a:r>
+              <a:rPr lang="en-US" sz="3200" b="1" dirty="0" smtClean="0"/>
+              <a:t>Open </a:t>
+            </a:r>
+            <a:r>
+              <a:rPr lang="en-US" sz="3200" b="1" dirty="0"/>
+              <a:t>Source </a:t>
+            </a:r>
+            <a:r>
+              <a:rPr lang="en-US" sz="3200" b="1" dirty="0" smtClean="0"/>
+              <a:t>Initiative Certified</a:t>
+            </a:r>
+          </a:p>
+          <a:p>
+            <a:r>
+              <a:rPr lang="en-US" sz="3200" b="1" dirty="0" smtClean="0"/>
+              <a:t>Boost </a:t>
+            </a:r>
+            <a:r>
+              <a:rPr lang="en-US" sz="3200" b="1" dirty="0"/>
+              <a:t>library</a:t>
+            </a:r>
+            <a:endParaRPr lang="en-US" sz="3200" b="1" dirty="0" smtClean="0"/>
+          </a:p>
+          <a:p>
+            <a:endParaRPr lang="en-US" dirty="0"/>
           </a:p>
         </p:txBody>
       </p:sp>
@@ -10898,9 +11166,265 @@
   <p:timing>
     <p:tnLst>
       <p:par>
-        <p:cTn id="1" dur="indefinite" restart="never" nodeType="tmRoot"/>
+        <p:cTn id="1" dur="indefinite" restart="never" nodeType="tmRoot">
+          <p:childTnLst>
+            <p:seq concurrent="1" nextAc="seek">
+              <p:cTn id="2" dur="indefinite" nodeType="mainSeq">
+                <p:childTnLst>
+                  <p:par>
+                    <p:cTn id="3" fill="hold">
+                      <p:stCondLst>
+                        <p:cond delay="indefinite"/>
+                        <p:cond evt="onBegin" delay="0">
+                          <p:tn val="2"/>
+                        </p:cond>
+                      </p:stCondLst>
+                      <p:childTnLst>
+                        <p:par>
+                          <p:cTn id="4" fill="hold">
+                            <p:stCondLst>
+                              <p:cond delay="0"/>
+                            </p:stCondLst>
+                            <p:childTnLst>
+                              <p:par>
+                                <p:cTn id="5" presetID="1" presetClass="entr" presetSubtype="0" fill="hold" grpId="0" nodeType="afterEffect">
+                                  <p:stCondLst>
+                                    <p:cond delay="1000"/>
+                                  </p:stCondLst>
+                                  <p:childTnLst>
+                                    <p:set>
+                                      <p:cBhvr>
+                                        <p:cTn id="6" dur="1" fill="hold">
+                                          <p:stCondLst>
+                                            <p:cond delay="0"/>
+                                          </p:stCondLst>
+                                        </p:cTn>
+                                        <p:tgtEl>
+                                          <p:spTgt spid="3">
+                                            <p:txEl>
+                                              <p:pRg st="0" end="0"/>
+                                            </p:txEl>
+                                          </p:spTgt>
+                                        </p:tgtEl>
+                                        <p:attrNameLst>
+                                          <p:attrName>style.visibility</p:attrName>
+                                        </p:attrNameLst>
+                                      </p:cBhvr>
+                                      <p:to>
+                                        <p:strVal val="visible"/>
+                                      </p:to>
+                                    </p:set>
+                                  </p:childTnLst>
+                                </p:cTn>
+                              </p:par>
+                            </p:childTnLst>
+                          </p:cTn>
+                        </p:par>
+                      </p:childTnLst>
+                    </p:cTn>
+                  </p:par>
+                  <p:par>
+                    <p:cTn id="7" fill="hold">
+                      <p:stCondLst>
+                        <p:cond delay="indefinite"/>
+                      </p:stCondLst>
+                      <p:childTnLst>
+                        <p:par>
+                          <p:cTn id="8" fill="hold">
+                            <p:stCondLst>
+                              <p:cond delay="0"/>
+                            </p:stCondLst>
+                            <p:childTnLst>
+                              <p:par>
+                                <p:cTn id="9" presetID="1" presetClass="entr" presetSubtype="0" fill="hold" grpId="0" nodeType="clickEffect">
+                                  <p:stCondLst>
+                                    <p:cond delay="1000"/>
+                                  </p:stCondLst>
+                                  <p:childTnLst>
+                                    <p:set>
+                                      <p:cBhvr>
+                                        <p:cTn id="10" dur="1" fill="hold">
+                                          <p:stCondLst>
+                                            <p:cond delay="0"/>
+                                          </p:stCondLst>
+                                        </p:cTn>
+                                        <p:tgtEl>
+                                          <p:spTgt spid="3">
+                                            <p:txEl>
+                                              <p:pRg st="1" end="1"/>
+                                            </p:txEl>
+                                          </p:spTgt>
+                                        </p:tgtEl>
+                                        <p:attrNameLst>
+                                          <p:attrName>style.visibility</p:attrName>
+                                        </p:attrNameLst>
+                                      </p:cBhvr>
+                                      <p:to>
+                                        <p:strVal val="visible"/>
+                                      </p:to>
+                                    </p:set>
+                                  </p:childTnLst>
+                                </p:cTn>
+                              </p:par>
+                            </p:childTnLst>
+                          </p:cTn>
+                        </p:par>
+                      </p:childTnLst>
+                    </p:cTn>
+                  </p:par>
+                  <p:par>
+                    <p:cTn id="11" fill="hold">
+                      <p:stCondLst>
+                        <p:cond delay="indefinite"/>
+                      </p:stCondLst>
+                      <p:childTnLst>
+                        <p:par>
+                          <p:cTn id="12" fill="hold">
+                            <p:stCondLst>
+                              <p:cond delay="0"/>
+                            </p:stCondLst>
+                            <p:childTnLst>
+                              <p:par>
+                                <p:cTn id="13" presetID="1" presetClass="entr" presetSubtype="0" fill="hold" grpId="0" nodeType="clickEffect">
+                                  <p:stCondLst>
+                                    <p:cond delay="1000"/>
+                                  </p:stCondLst>
+                                  <p:childTnLst>
+                                    <p:set>
+                                      <p:cBhvr>
+                                        <p:cTn id="14" dur="1" fill="hold">
+                                          <p:stCondLst>
+                                            <p:cond delay="0"/>
+                                          </p:stCondLst>
+                                        </p:cTn>
+                                        <p:tgtEl>
+                                          <p:spTgt spid="3">
+                                            <p:txEl>
+                                              <p:pRg st="2" end="2"/>
+                                            </p:txEl>
+                                          </p:spTgt>
+                                        </p:tgtEl>
+                                        <p:attrNameLst>
+                                          <p:attrName>style.visibility</p:attrName>
+                                        </p:attrNameLst>
+                                      </p:cBhvr>
+                                      <p:to>
+                                        <p:strVal val="visible"/>
+                                      </p:to>
+                                    </p:set>
+                                  </p:childTnLst>
+                                </p:cTn>
+                              </p:par>
+                            </p:childTnLst>
+                          </p:cTn>
+                        </p:par>
+                        <p:par>
+                          <p:cTn id="15" fill="hold">
+                            <p:stCondLst>
+                              <p:cond delay="1000"/>
+                            </p:stCondLst>
+                            <p:childTnLst>
+                              <p:par>
+                                <p:cTn id="16" presetID="1" presetClass="entr" presetSubtype="0" fill="hold" grpId="0" nodeType="afterEffect">
+                                  <p:stCondLst>
+                                    <p:cond delay="1000"/>
+                                  </p:stCondLst>
+                                  <p:childTnLst>
+                                    <p:set>
+                                      <p:cBhvr>
+                                        <p:cTn id="17" dur="1" fill="hold">
+                                          <p:stCondLst>
+                                            <p:cond delay="0"/>
+                                          </p:stCondLst>
+                                        </p:cTn>
+                                        <p:tgtEl>
+                                          <p:spTgt spid="3">
+                                            <p:txEl>
+                                              <p:pRg st="3" end="3"/>
+                                            </p:txEl>
+                                          </p:spTgt>
+                                        </p:tgtEl>
+                                        <p:attrNameLst>
+                                          <p:attrName>style.visibility</p:attrName>
+                                        </p:attrNameLst>
+                                      </p:cBhvr>
+                                      <p:to>
+                                        <p:strVal val="visible"/>
+                                      </p:to>
+                                    </p:set>
+                                  </p:childTnLst>
+                                </p:cTn>
+                              </p:par>
+                            </p:childTnLst>
+                          </p:cTn>
+                        </p:par>
+                        <p:par>
+                          <p:cTn id="18" fill="hold">
+                            <p:stCondLst>
+                              <p:cond delay="2000"/>
+                            </p:stCondLst>
+                            <p:childTnLst>
+                              <p:par>
+                                <p:cTn id="19" presetID="1" presetClass="entr" presetSubtype="0" fill="hold" grpId="0" nodeType="afterEffect">
+                                  <p:stCondLst>
+                                    <p:cond delay="1000"/>
+                                  </p:stCondLst>
+                                  <p:childTnLst>
+                                    <p:set>
+                                      <p:cBhvr>
+                                        <p:cTn id="20" dur="1" fill="hold">
+                                          <p:stCondLst>
+                                            <p:cond delay="0"/>
+                                          </p:stCondLst>
+                                        </p:cTn>
+                                        <p:tgtEl>
+                                          <p:spTgt spid="3">
+                                            <p:txEl>
+                                              <p:pRg st="4" end="4"/>
+                                            </p:txEl>
+                                          </p:spTgt>
+                                        </p:tgtEl>
+                                        <p:attrNameLst>
+                                          <p:attrName>style.visibility</p:attrName>
+                                        </p:attrNameLst>
+                                      </p:cBhvr>
+                                      <p:to>
+                                        <p:strVal val="visible"/>
+                                      </p:to>
+                                    </p:set>
+                                  </p:childTnLst>
+                                </p:cTn>
+                              </p:par>
+                            </p:childTnLst>
+                          </p:cTn>
+                        </p:par>
+                      </p:childTnLst>
+                    </p:cTn>
+                  </p:par>
+                </p:childTnLst>
+              </p:cTn>
+              <p:prevCondLst>
+                <p:cond evt="onPrev" delay="0">
+                  <p:tgtEl>
+                    <p:sldTgt/>
+                  </p:tgtEl>
+                </p:cond>
+              </p:prevCondLst>
+              <p:nextCondLst>
+                <p:cond evt="onNext" delay="0">
+                  <p:tgtEl>
+                    <p:sldTgt/>
+                  </p:tgtEl>
+                </p:cond>
+              </p:nextCondLst>
+            </p:seq>
+          </p:childTnLst>
+        </p:cTn>
       </p:par>
     </p:tnLst>
+    <p:bldLst>
+      <p:bldP spid="3" grpId="0" build="p"/>
+    </p:bldLst>
   </p:timing>
 </p:sld>
 </file>
@@ -10932,19 +11456,23 @@
             <p:ph type="title"/>
           </p:nvPr>
         </p:nvSpPr>
-        <p:spPr/>
+        <p:spPr>
+          <a:xfrm>
+            <a:off x="793375" y="447188"/>
+            <a:ext cx="10571998" cy="970450"/>
+          </a:xfrm>
+        </p:spPr>
         <p:txBody>
           <a:bodyPr/>
           <a:lstStyle/>
           <a:p>
-            <a:pPr lvl="0"/>
             <a:r>
               <a:rPr lang="en-US" dirty="0" smtClean="0"/>
               <a:t>II-QuantLib </a:t>
             </a:r>
             <a:r>
               <a:rPr lang="en-US" dirty="0"/>
-              <a:t>Specifications</a:t>
+              <a:t>Architecture</a:t>
             </a:r>
             <a:endParaRPr lang="en-US" dirty="0"/>
           </a:p>

--- a/QuantLib1.3 16-01-2014.pptx
+++ b/QuantLib1.3 16-01-2014.pptx
@@ -5,19 +5,20 @@
     <p:sldMasterId id="2147483660" r:id="rId1"/>
   </p:sldMasterIdLst>
   <p:notesMasterIdLst>
-    <p:notesMasterId r:id="rId9"/>
+    <p:notesMasterId r:id="rId10"/>
   </p:notesMasterIdLst>
   <p:handoutMasterIdLst>
-    <p:handoutMasterId r:id="rId10"/>
+    <p:handoutMasterId r:id="rId11"/>
   </p:handoutMasterIdLst>
   <p:sldIdLst>
     <p:sldId id="256" r:id="rId2"/>
     <p:sldId id="257" r:id="rId3"/>
     <p:sldId id="258" r:id="rId4"/>
     <p:sldId id="259" r:id="rId5"/>
-    <p:sldId id="260" r:id="rId6"/>
-    <p:sldId id="261" r:id="rId7"/>
-    <p:sldId id="262" r:id="rId8"/>
+    <p:sldId id="263" r:id="rId6"/>
+    <p:sldId id="260" r:id="rId7"/>
+    <p:sldId id="261" r:id="rId8"/>
+    <p:sldId id="262" r:id="rId9"/>
   </p:sldIdLst>
   <p:sldSz cx="12192000" cy="6858000"/>
   <p:notesSz cx="6858000" cy="9144000"/>
@@ -929,13 +930,6 @@
             </a:rPr>
             <a:t>QuantLib Architecture</a:t>
           </a:r>
-          <a:endParaRPr lang="en-US" sz="3600" b="1" dirty="0" smtClean="0">
-            <a:solidFill>
-              <a:schemeClr val="tx1">
-                <a:lumMod val="75000"/>
-              </a:schemeClr>
-            </a:solidFill>
-          </a:endParaRPr>
         </a:p>
       </dgm:t>
     </dgm:pt>
@@ -1907,13 +1901,6 @@
             </a:rPr>
             <a:t>QuantLib Architecture</a:t>
           </a:r>
-          <a:endParaRPr lang="en-US" sz="3600" b="1" kern="1200" dirty="0" smtClean="0">
-            <a:solidFill>
-              <a:schemeClr val="tx1">
-                <a:lumMod val="75000"/>
-              </a:schemeClr>
-            </a:solidFill>
-          </a:endParaRPr>
         </a:p>
       </dsp:txBody>
       <dsp:txXfrm rot="-5400000">
@@ -3695,7 +3682,7 @@
           <a:p>
             <a:fld id="{B2FE3A97-0B40-47F5-A976-A7C7A0FD8429}" type="slidenum">
               <a:rPr lang="en-US" smtClean="0"/>
-              <a:t>‹#›</a:t>
+              <a:t>‹N°›</a:t>
             </a:fld>
             <a:endParaRPr lang="en-US"/>
           </a:p>
@@ -3954,7 +3941,7 @@
           <a:p>
             <a:fld id="{6BA41965-3D40-4735-8368-97257CDCD385}" type="slidenum">
               <a:rPr lang="en-US" smtClean="0"/>
-              <a:t>‹#›</a:t>
+              <a:t>‹N°›</a:t>
             </a:fld>
             <a:endParaRPr lang="en-US"/>
           </a:p>
@@ -4131,7 +4118,7 @@
               <a:rPr lang="en-US" smtClean="0"/>
               <a:t>1</a:t>
             </a:fld>
-            <a:endParaRPr lang="en-US"/>
+            <a:endParaRPr lang="en-US" dirty="0"/>
           </a:p>
         </p:txBody>
       </p:sp>
@@ -4329,6 +4316,225 @@
 </p:notes>
 </file>
 
+<file path=ppt/notesSlides/notesSlide3.xml><?xml version="1.0" encoding="utf-8"?>
+<p:notes xmlns:a="http://schemas.openxmlformats.org/drawingml/2006/main" xmlns:r="http://schemas.openxmlformats.org/officeDocument/2006/relationships" xmlns:p="http://schemas.openxmlformats.org/presentationml/2006/main">
+  <p:cSld>
+    <p:spTree>
+      <p:nvGrpSpPr>
+        <p:cNvPr id="1" name=""/>
+        <p:cNvGrpSpPr/>
+        <p:nvPr/>
+      </p:nvGrpSpPr>
+      <p:grpSpPr>
+        <a:xfrm>
+          <a:off x="0" y="0"/>
+          <a:ext cx="0" cy="0"/>
+          <a:chOff x="0" y="0"/>
+          <a:chExt cx="0" cy="0"/>
+        </a:xfrm>
+      </p:grpSpPr>
+      <p:sp>
+        <p:nvSpPr>
+          <p:cNvPr id="2" name="Espace réservé de l'image des diapositives 1"/>
+          <p:cNvSpPr>
+            <a:spLocks noGrp="1" noRot="1" noChangeAspect="1"/>
+          </p:cNvSpPr>
+          <p:nvPr>
+            <p:ph type="sldImg"/>
+          </p:nvPr>
+        </p:nvSpPr>
+        <p:spPr/>
+      </p:sp>
+      <p:sp>
+        <p:nvSpPr>
+          <p:cNvPr id="3" name="Espace réservé des commentaires 2"/>
+          <p:cNvSpPr>
+            <a:spLocks noGrp="1"/>
+          </p:cNvSpPr>
+          <p:nvPr>
+            <p:ph type="body" idx="1"/>
+          </p:nvPr>
+        </p:nvSpPr>
+        <p:spPr/>
+        <p:txBody>
+          <a:bodyPr/>
+          <a:lstStyle/>
+          <a:p>
+            <a:r>
+              <a:rPr lang="fr-FR" dirty="0" smtClean="0"/>
+              <a:t>Instruments </a:t>
+            </a:r>
+            <a:r>
+              <a:rPr lang="fr-FR" dirty="0" err="1" smtClean="0"/>
+              <a:t>allow</a:t>
+            </a:r>
+            <a:r>
+              <a:rPr lang="fr-FR" dirty="0" smtClean="0"/>
+              <a:t> to </a:t>
+            </a:r>
+            <a:r>
+              <a:rPr lang="fr-FR" dirty="0" err="1" smtClean="0"/>
+              <a:t>represent</a:t>
+            </a:r>
+            <a:r>
+              <a:rPr lang="fr-FR" baseline="0" dirty="0" smtClean="0"/>
+              <a:t> an </a:t>
+            </a:r>
+            <a:r>
+              <a:rPr lang="fr-FR" baseline="0" dirty="0" err="1" smtClean="0"/>
+              <a:t>financial</a:t>
+            </a:r>
+            <a:r>
+              <a:rPr lang="fr-FR" baseline="0" dirty="0" smtClean="0"/>
+              <a:t> instrument </a:t>
+            </a:r>
+            <a:r>
+              <a:rPr lang="fr-FR" baseline="0" dirty="0" err="1" smtClean="0"/>
+              <a:t>like</a:t>
+            </a:r>
+            <a:r>
+              <a:rPr lang="fr-FR" baseline="0" dirty="0" smtClean="0"/>
+              <a:t> a </a:t>
+            </a:r>
+            <a:r>
+              <a:rPr lang="fr-FR" baseline="0" dirty="0" err="1" smtClean="0"/>
+              <a:t>Vanilla</a:t>
+            </a:r>
+            <a:r>
+              <a:rPr lang="fr-FR" baseline="0" dirty="0" smtClean="0"/>
+              <a:t> Option </a:t>
+            </a:r>
+            <a:r>
+              <a:rPr lang="fr-FR" baseline="0" dirty="0" err="1" smtClean="0"/>
+              <a:t>with</a:t>
+            </a:r>
+            <a:r>
+              <a:rPr lang="fr-FR" baseline="0" dirty="0" smtClean="0"/>
+              <a:t> </a:t>
+            </a:r>
+            <a:r>
+              <a:rPr lang="fr-FR" baseline="0" dirty="0" err="1" smtClean="0"/>
+              <a:t>this</a:t>
+            </a:r>
+            <a:r>
+              <a:rPr lang="fr-FR" baseline="0" dirty="0" smtClean="0"/>
+              <a:t> </a:t>
+            </a:r>
+            <a:r>
+              <a:rPr lang="fr-FR" baseline="0" dirty="0" err="1" smtClean="0"/>
+              <a:t>differents</a:t>
+            </a:r>
+            <a:r>
+              <a:rPr lang="fr-FR" baseline="0" dirty="0" smtClean="0"/>
+              <a:t> </a:t>
+            </a:r>
+            <a:r>
+              <a:rPr lang="fr-FR" baseline="0" dirty="0" err="1" smtClean="0"/>
+              <a:t>parameters</a:t>
+            </a:r>
+            <a:r>
+              <a:rPr lang="fr-FR" baseline="0" dirty="0" smtClean="0"/>
+              <a:t> (</a:t>
+            </a:r>
+            <a:r>
+              <a:rPr lang="fr-FR" baseline="0" dirty="0" err="1" smtClean="0"/>
+              <a:t>volatility</a:t>
+            </a:r>
+            <a:r>
+              <a:rPr lang="fr-FR" baseline="0" dirty="0" smtClean="0"/>
+              <a:t>, </a:t>
+            </a:r>
+            <a:r>
+              <a:rPr lang="fr-FR" baseline="0" dirty="0" err="1" smtClean="0"/>
+              <a:t>strike</a:t>
+            </a:r>
+            <a:r>
+              <a:rPr lang="fr-FR" baseline="0" dirty="0" smtClean="0"/>
+              <a:t>, </a:t>
+            </a:r>
+            <a:r>
+              <a:rPr lang="fr-FR" baseline="0" dirty="0" err="1" smtClean="0"/>
+              <a:t>maturity</a:t>
+            </a:r>
+            <a:r>
+              <a:rPr lang="fr-FR" baseline="0" dirty="0" smtClean="0"/>
+              <a:t> …)</a:t>
+            </a:r>
+            <a:endParaRPr lang="fr-FR" baseline="0" dirty="0" smtClean="0"/>
+          </a:p>
+          <a:p>
+            <a:r>
+              <a:rPr lang="fr-FR" baseline="0" dirty="0" err="1" smtClean="0"/>
+              <a:t>Pricing</a:t>
+            </a:r>
+            <a:r>
+              <a:rPr lang="fr-FR" baseline="0" dirty="0" smtClean="0"/>
+              <a:t> </a:t>
+            </a:r>
+            <a:r>
+              <a:rPr lang="fr-FR" baseline="0" dirty="0" err="1" smtClean="0"/>
+              <a:t>Engine</a:t>
+            </a:r>
+            <a:r>
+              <a:rPr lang="fr-FR" baseline="0" dirty="0" smtClean="0"/>
+              <a:t> </a:t>
+            </a:r>
+            <a:r>
+              <a:rPr lang="fr-FR" baseline="0" dirty="0" err="1" smtClean="0"/>
+              <a:t>allow</a:t>
+            </a:r>
+            <a:r>
+              <a:rPr lang="fr-FR" baseline="0" dirty="0" smtClean="0"/>
+              <a:t> to </a:t>
+            </a:r>
+            <a:r>
+              <a:rPr lang="fr-FR" baseline="0" dirty="0" err="1" smtClean="0"/>
+              <a:t>calculate</a:t>
+            </a:r>
+            <a:r>
+              <a:rPr lang="fr-FR" baseline="0" dirty="0" smtClean="0"/>
+              <a:t> the instrument values.</a:t>
+            </a:r>
+            <a:endParaRPr lang="fr-FR" dirty="0"/>
+          </a:p>
+        </p:txBody>
+      </p:sp>
+      <p:sp>
+        <p:nvSpPr>
+          <p:cNvPr id="4" name="Espace réservé du numéro de diapositive 3"/>
+          <p:cNvSpPr>
+            <a:spLocks noGrp="1"/>
+          </p:cNvSpPr>
+          <p:nvPr>
+            <p:ph type="sldNum" sz="quarter" idx="10"/>
+          </p:nvPr>
+        </p:nvSpPr>
+        <p:spPr/>
+        <p:txBody>
+          <a:bodyPr/>
+          <a:lstStyle/>
+          <a:p>
+            <a:fld id="{6BA41965-3D40-4735-8368-97257CDCD385}" type="slidenum">
+              <a:rPr lang="en-US" smtClean="0"/>
+              <a:t>4</a:t>
+            </a:fld>
+            <a:endParaRPr lang="en-US"/>
+          </a:p>
+        </p:txBody>
+      </p:sp>
+    </p:spTree>
+    <p:extLst>
+      <p:ext uri="{BB962C8B-B14F-4D97-AF65-F5344CB8AC3E}">
+        <p14:creationId xmlns:p14="http://schemas.microsoft.com/office/powerpoint/2010/main" val="1679995911"/>
+      </p:ext>
+    </p:extLst>
+  </p:cSld>
+  <p:clrMapOvr>
+    <a:masterClrMapping/>
+  </p:clrMapOvr>
+</p:notes>
+</file>
+
 <file path=ppt/slideLayouts/slideLayout1.xml><?xml version="1.0" encoding="utf-8"?>
 <p:sldLayout xmlns:a="http://schemas.openxmlformats.org/drawingml/2006/main" xmlns:r="http://schemas.openxmlformats.org/officeDocument/2006/relationships" xmlns:p="http://schemas.openxmlformats.org/presentationml/2006/main" type="title" preserve="1">
   <p:cSld name="Title Slide">
@@ -4424,7 +4630,7 @@
           <a:effectLst/>
           <a:extLst>
             <a:ext uri="{91240B29-F687-4f45-9708-019B960494DF}">
-              <a14:hiddenLine xmlns="" xmlns:a14="http://schemas.microsoft.com/office/drawing/2010/main" w="9525">
+              <a14:hiddenLine xmlns:a14="http://schemas.microsoft.com/office/drawing/2010/main" xmlns="" w="9525">
                 <a:solidFill>
                   <a:srgbClr val="000000"/>
                 </a:solidFill>
@@ -4658,7 +4864,7 @@
           <a:p>
             <a:fld id="{91CCA55A-3F50-488D-A5E8-01F0969640CB}" type="slidenum">
               <a:rPr lang="en-US" smtClean="0"/>
-              <a:t>‹#›</a:t>
+              <a:t>‹N°›</a:t>
             </a:fld>
             <a:endParaRPr lang="en-US"/>
           </a:p>
@@ -4976,7 +5182,7 @@
           <a:p>
             <a:fld id="{91CCA55A-3F50-488D-A5E8-01F0969640CB}" type="slidenum">
               <a:rPr lang="en-US" smtClean="0"/>
-              <a:t>‹#›</a:t>
+              <a:t>‹N°›</a:t>
             </a:fld>
             <a:endParaRPr lang="en-US"/>
           </a:p>
@@ -5464,7 +5670,7 @@
           <a:p>
             <a:fld id="{91CCA55A-3F50-488D-A5E8-01F0969640CB}" type="slidenum">
               <a:rPr lang="en-US" smtClean="0"/>
-              <a:t>‹#›</a:t>
+              <a:t>‹N°›</a:t>
             </a:fld>
             <a:endParaRPr lang="en-US"/>
           </a:p>
@@ -5833,7 +6039,7 @@
           <a:p>
             <a:fld id="{91CCA55A-3F50-488D-A5E8-01F0969640CB}" type="slidenum">
               <a:rPr lang="en-US" smtClean="0"/>
-              <a:t>‹#›</a:t>
+              <a:t>‹N°›</a:t>
             </a:fld>
             <a:endParaRPr lang="en-US"/>
           </a:p>
@@ -5946,7 +6152,7 @@
           <a:ln/>
           <a:extLst>
             <a:ext uri="{91240B29-F687-4f45-9708-019B960494DF}">
-              <a14:hiddenLine xmlns="" xmlns:a14="http://schemas.microsoft.com/office/drawing/2010/main" w="9525">
+              <a14:hiddenLine xmlns:a14="http://schemas.microsoft.com/office/drawing/2010/main" xmlns="" w="9525">
                 <a:solidFill>
                   <a:srgbClr val="000000"/>
                 </a:solidFill>
@@ -6106,7 +6312,7 @@
           <a:p>
             <a:fld id="{91CCA55A-3F50-488D-A5E8-01F0969640CB}" type="slidenum">
               <a:rPr lang="en-US" smtClean="0"/>
-              <a:t>‹#›</a:t>
+              <a:t>‹N°›</a:t>
             </a:fld>
             <a:endParaRPr lang="en-US"/>
           </a:p>
@@ -6221,7 +6427,7 @@
           <a:ln/>
           <a:extLst>
             <a:ext uri="{91240B29-F687-4f45-9708-019B960494DF}">
-              <a14:hiddenLine xmlns="" xmlns:a14="http://schemas.microsoft.com/office/drawing/2010/main" w="9525">
+              <a14:hiddenLine xmlns:a14="http://schemas.microsoft.com/office/drawing/2010/main" xmlns="" w="9525">
                 <a:solidFill>
                   <a:srgbClr val="000000"/>
                 </a:solidFill>
@@ -6391,7 +6597,7 @@
           <a:p>
             <a:fld id="{91CCA55A-3F50-488D-A5E8-01F0969640CB}" type="slidenum">
               <a:rPr lang="en-US" smtClean="0"/>
-              <a:t>‹#›</a:t>
+              <a:t>‹N°›</a:t>
             </a:fld>
             <a:endParaRPr lang="en-US"/>
           </a:p>
@@ -6504,7 +6710,7 @@
           <a:ln/>
           <a:extLst>
             <a:ext uri="{91240B29-F687-4f45-9708-019B960494DF}">
-              <a14:hiddenLine xmlns="" xmlns:a14="http://schemas.microsoft.com/office/drawing/2010/main" w="9525">
+              <a14:hiddenLine xmlns:a14="http://schemas.microsoft.com/office/drawing/2010/main" xmlns="" w="9525">
                 <a:solidFill>
                   <a:srgbClr val="000000"/>
                 </a:solidFill>
@@ -6674,7 +6880,7 @@
           <a:p>
             <a:fld id="{91CCA55A-3F50-488D-A5E8-01F0969640CB}" type="slidenum">
               <a:rPr lang="en-US" smtClean="0"/>
-              <a:t>‹#›</a:t>
+              <a:t>‹N°›</a:t>
             </a:fld>
             <a:endParaRPr lang="en-US"/>
           </a:p>
@@ -7017,7 +7223,7 @@
           <a:p>
             <a:fld id="{91CCA55A-3F50-488D-A5E8-01F0969640CB}" type="slidenum">
               <a:rPr lang="en-US" smtClean="0"/>
-              <a:t>‹#›</a:t>
+              <a:t>‹N°›</a:t>
             </a:fld>
             <a:endParaRPr lang="en-US"/>
           </a:p>
@@ -7130,7 +7336,7 @@
           <a:ln/>
           <a:extLst>
             <a:ext uri="{91240B29-F687-4f45-9708-019B960494DF}">
-              <a14:hiddenLine xmlns="" xmlns:a14="http://schemas.microsoft.com/office/drawing/2010/main" w="9525">
+              <a14:hiddenLine xmlns:a14="http://schemas.microsoft.com/office/drawing/2010/main" xmlns="" w="9525">
                 <a:solidFill>
                   <a:srgbClr val="000000"/>
                 </a:solidFill>
@@ -7356,7 +7562,7 @@
           <a:p>
             <a:fld id="{91CCA55A-3F50-488D-A5E8-01F0969640CB}" type="slidenum">
               <a:rPr lang="en-US" smtClean="0"/>
-              <a:t>‹#›</a:t>
+              <a:t>‹N°›</a:t>
             </a:fld>
             <a:endParaRPr lang="en-US"/>
           </a:p>
@@ -7469,7 +7675,7 @@
           <a:ln/>
           <a:extLst>
             <a:ext uri="{91240B29-F687-4f45-9708-019B960494DF}">
-              <a14:hiddenLine xmlns="" xmlns:a14="http://schemas.microsoft.com/office/drawing/2010/main" w="9525">
+              <a14:hiddenLine xmlns:a14="http://schemas.microsoft.com/office/drawing/2010/main" xmlns="" w="9525">
                 <a:solidFill>
                   <a:srgbClr val="000000"/>
                 </a:solidFill>
@@ -7833,7 +8039,7 @@
           <a:p>
             <a:fld id="{91CCA55A-3F50-488D-A5E8-01F0969640CB}" type="slidenum">
               <a:rPr lang="en-US" smtClean="0"/>
-              <a:t>‹#›</a:t>
+              <a:t>‹N°›</a:t>
             </a:fld>
             <a:endParaRPr lang="en-US"/>
           </a:p>
@@ -7946,7 +8152,7 @@
           <a:ln/>
           <a:extLst>
             <a:ext uri="{91240B29-F687-4f45-9708-019B960494DF}">
-              <a14:hiddenLine xmlns="" xmlns:a14="http://schemas.microsoft.com/office/drawing/2010/main" w="9525">
+              <a14:hiddenLine xmlns:a14="http://schemas.microsoft.com/office/drawing/2010/main" xmlns="" w="9525">
                 <a:solidFill>
                   <a:srgbClr val="000000"/>
                 </a:solidFill>
@@ -8054,7 +8260,7 @@
           <a:p>
             <a:fld id="{91CCA55A-3F50-488D-A5E8-01F0969640CB}" type="slidenum">
               <a:rPr lang="en-US" smtClean="0"/>
-              <a:t>‹#›</a:t>
+              <a:t>‹N°›</a:t>
             </a:fld>
             <a:endParaRPr lang="en-US"/>
           </a:p>
@@ -8149,7 +8355,7 @@
           <a:p>
             <a:fld id="{91CCA55A-3F50-488D-A5E8-01F0969640CB}" type="slidenum">
               <a:rPr lang="en-US" smtClean="0"/>
-              <a:t>‹#›</a:t>
+              <a:t>‹N°›</a:t>
             </a:fld>
             <a:endParaRPr lang="en-US"/>
           </a:p>
@@ -8375,7 +8581,7 @@
           <a:ln/>
           <a:extLst>
             <a:ext uri="{91240B29-F687-4f45-9708-019B960494DF}">
-              <a14:hiddenLine xmlns="" xmlns:a14="http://schemas.microsoft.com/office/drawing/2010/main" w="9525">
+              <a14:hiddenLine xmlns:a14="http://schemas.microsoft.com/office/drawing/2010/main" xmlns="" w="9525">
                 <a:solidFill>
                   <a:srgbClr val="000000"/>
                 </a:solidFill>
@@ -8616,7 +8822,7 @@
           <a:p>
             <a:fld id="{91CCA55A-3F50-488D-A5E8-01F0969640CB}" type="slidenum">
               <a:rPr lang="en-US" smtClean="0"/>
-              <a:t>‹#›</a:t>
+              <a:t>‹N°›</a:t>
             </a:fld>
             <a:endParaRPr lang="en-US"/>
           </a:p>
@@ -8939,7 +9145,7 @@
           <a:p>
             <a:fld id="{91CCA55A-3F50-488D-A5E8-01F0969640CB}" type="slidenum">
               <a:rPr lang="en-US" smtClean="0"/>
-              <a:t>‹#›</a:t>
+              <a:t>‹N°›</a:t>
             </a:fld>
             <a:endParaRPr lang="en-US"/>
           </a:p>
@@ -9196,7 +9402,7 @@
           <a:p>
             <a:fld id="{91CCA55A-3F50-488D-A5E8-01F0969640CB}" type="slidenum">
               <a:rPr lang="en-US" smtClean="0"/>
-              <a:t>‹#›</a:t>
+              <a:t>‹N°›</a:t>
             </a:fld>
             <a:endParaRPr lang="en-US"/>
           </a:p>
@@ -11474,13 +11680,12 @@
               <a:rPr lang="en-US" dirty="0"/>
               <a:t>Architecture</a:t>
             </a:r>
-            <a:endParaRPr lang="en-US" dirty="0"/>
           </a:p>
         </p:txBody>
       </p:sp>
       <p:sp>
         <p:nvSpPr>
-          <p:cNvPr id="3" name="Content Placeholder 2"/>
+          <p:cNvPr id="5" name="Content Placeholder 2"/>
           <p:cNvSpPr>
             <a:spLocks noGrp="1"/>
           </p:cNvSpPr>
@@ -11488,12 +11693,50 @@
             <p:ph idx="1"/>
           </p:nvPr>
         </p:nvSpPr>
-        <p:spPr/>
+        <p:spPr>
+          <a:xfrm>
+            <a:off x="818712" y="2222287"/>
+            <a:ext cx="10554574" cy="3636511"/>
+          </a:xfrm>
+        </p:spPr>
         <p:txBody>
-          <a:bodyPr/>
+          <a:bodyPr>
+            <a:normAutofit/>
+          </a:bodyPr>
           <a:lstStyle/>
           <a:p>
-            <a:endParaRPr lang="en-US"/>
+            <a:r>
+              <a:rPr lang="en-US" sz="3200" b="1" dirty="0" smtClean="0"/>
+              <a:t>Instruments</a:t>
+            </a:r>
+            <a:endParaRPr lang="fr-FR" sz="3200" b="1" dirty="0" smtClean="0"/>
+          </a:p>
+          <a:p>
+            <a:r>
+              <a:rPr lang="fr-FR" sz="3200" b="1" dirty="0" err="1" smtClean="0"/>
+              <a:t>Pricing</a:t>
+            </a:r>
+            <a:r>
+              <a:rPr lang="fr-FR" sz="3200" b="1" dirty="0" smtClean="0"/>
+              <a:t> </a:t>
+            </a:r>
+            <a:r>
+              <a:rPr lang="fr-FR" sz="3200" b="1" dirty="0" err="1" smtClean="0"/>
+              <a:t>Engine</a:t>
+            </a:r>
+            <a:endParaRPr lang="fr-FR" sz="3200" b="1" dirty="0" smtClean="0"/>
+          </a:p>
+          <a:p>
+            <a:r>
+              <a:rPr lang="en-US" sz="3200" b="1" dirty="0" smtClean="0"/>
+              <a:t>Pattern allow to add new financial instrument</a:t>
+            </a:r>
+          </a:p>
+          <a:p>
+            <a:endParaRPr lang="en-US" sz="3200" b="1" dirty="0" smtClean="0"/>
+          </a:p>
+          <a:p>
+            <a:endParaRPr lang="en-US" dirty="0"/>
           </a:p>
         </p:txBody>
       </p:sp>
@@ -11510,9 +11753,185 @@
   <p:timing>
     <p:tnLst>
       <p:par>
-        <p:cTn id="1" dur="indefinite" restart="never" nodeType="tmRoot"/>
+        <p:cTn id="1" dur="indefinite" restart="never" nodeType="tmRoot">
+          <p:childTnLst>
+            <p:seq concurrent="1" nextAc="seek">
+              <p:cTn id="2" dur="indefinite" nodeType="mainSeq">
+                <p:childTnLst>
+                  <p:par>
+                    <p:cTn id="3" fill="hold">
+                      <p:stCondLst>
+                        <p:cond delay="indefinite"/>
+                        <p:cond evt="onBegin" delay="0">
+                          <p:tn val="2"/>
+                        </p:cond>
+                      </p:stCondLst>
+                      <p:childTnLst>
+                        <p:par>
+                          <p:cTn id="4" fill="hold">
+                            <p:stCondLst>
+                              <p:cond delay="0"/>
+                            </p:stCondLst>
+                            <p:childTnLst>
+                              <p:par>
+                                <p:cTn id="5" presetID="1" presetClass="entr" presetSubtype="0" fill="hold" grpId="0" nodeType="afterEffect">
+                                  <p:stCondLst>
+                                    <p:cond delay="1000"/>
+                                  </p:stCondLst>
+                                  <p:childTnLst>
+                                    <p:set>
+                                      <p:cBhvr>
+                                        <p:cTn id="6" dur="1" fill="hold">
+                                          <p:stCondLst>
+                                            <p:cond delay="0"/>
+                                          </p:stCondLst>
+                                        </p:cTn>
+                                        <p:tgtEl>
+                                          <p:spTgt spid="5">
+                                            <p:txEl>
+                                              <p:pRg st="0" end="0"/>
+                                            </p:txEl>
+                                          </p:spTgt>
+                                        </p:tgtEl>
+                                        <p:attrNameLst>
+                                          <p:attrName>style.visibility</p:attrName>
+                                        </p:attrNameLst>
+                                      </p:cBhvr>
+                                      <p:to>
+                                        <p:strVal val="visible"/>
+                                      </p:to>
+                                    </p:set>
+                                  </p:childTnLst>
+                                </p:cTn>
+                              </p:par>
+                            </p:childTnLst>
+                          </p:cTn>
+                        </p:par>
+                      </p:childTnLst>
+                    </p:cTn>
+                  </p:par>
+                  <p:par>
+                    <p:cTn id="7" fill="hold">
+                      <p:stCondLst>
+                        <p:cond delay="indefinite"/>
+                      </p:stCondLst>
+                      <p:childTnLst>
+                        <p:par>
+                          <p:cTn id="8" fill="hold">
+                            <p:stCondLst>
+                              <p:cond delay="0"/>
+                            </p:stCondLst>
+                            <p:childTnLst>
+                              <p:par>
+                                <p:cTn id="9" presetID="1" presetClass="entr" presetSubtype="0" fill="hold" grpId="0" nodeType="clickEffect">
+                                  <p:stCondLst>
+                                    <p:cond delay="1000"/>
+                                  </p:stCondLst>
+                                  <p:childTnLst>
+                                    <p:set>
+                                      <p:cBhvr>
+                                        <p:cTn id="10" dur="1" fill="hold">
+                                          <p:stCondLst>
+                                            <p:cond delay="0"/>
+                                          </p:stCondLst>
+                                        </p:cTn>
+                                        <p:tgtEl>
+                                          <p:spTgt spid="5">
+                                            <p:txEl>
+                                              <p:pRg st="1" end="1"/>
+                                            </p:txEl>
+                                          </p:spTgt>
+                                        </p:tgtEl>
+                                        <p:attrNameLst>
+                                          <p:attrName>style.visibility</p:attrName>
+                                        </p:attrNameLst>
+                                      </p:cBhvr>
+                                      <p:to>
+                                        <p:strVal val="visible"/>
+                                      </p:to>
+                                    </p:set>
+                                  </p:childTnLst>
+                                </p:cTn>
+                              </p:par>
+                            </p:childTnLst>
+                          </p:cTn>
+                        </p:par>
+                      </p:childTnLst>
+                    </p:cTn>
+                  </p:par>
+                  <p:par>
+                    <p:cTn id="11" fill="hold">
+                      <p:stCondLst>
+                        <p:cond delay="indefinite"/>
+                      </p:stCondLst>
+                      <p:childTnLst>
+                        <p:par>
+                          <p:cTn id="12" fill="hold">
+                            <p:stCondLst>
+                              <p:cond delay="0"/>
+                            </p:stCondLst>
+                            <p:childTnLst>
+                              <p:par>
+                                <p:cTn id="13" presetID="1" presetClass="entr" presetSubtype="0" fill="hold" grpId="0" nodeType="clickEffect">
+                                  <p:stCondLst>
+                                    <p:cond delay="1000"/>
+                                  </p:stCondLst>
+                                  <p:childTnLst>
+                                    <p:set>
+                                      <p:cBhvr>
+                                        <p:cTn id="14" dur="1" fill="hold">
+                                          <p:stCondLst>
+                                            <p:cond delay="0"/>
+                                          </p:stCondLst>
+                                        </p:cTn>
+                                        <p:tgtEl>
+                                          <p:spTgt spid="5">
+                                            <p:txEl>
+                                              <p:pRg st="2" end="2"/>
+                                            </p:txEl>
+                                          </p:spTgt>
+                                        </p:tgtEl>
+                                        <p:attrNameLst>
+                                          <p:attrName>style.visibility</p:attrName>
+                                        </p:attrNameLst>
+                                      </p:cBhvr>
+                                      <p:to>
+                                        <p:strVal val="visible"/>
+                                      </p:to>
+                                    </p:set>
+                                  </p:childTnLst>
+                                </p:cTn>
+                              </p:par>
+                            </p:childTnLst>
+                          </p:cTn>
+                        </p:par>
+                      </p:childTnLst>
+                    </p:cTn>
+                  </p:par>
+                </p:childTnLst>
+              </p:cTn>
+              <p:prevCondLst>
+                <p:cond evt="onPrev" delay="0">
+                  <p:tgtEl>
+                    <p:sldTgt/>
+                  </p:tgtEl>
+                </p:cond>
+              </p:prevCondLst>
+              <p:nextCondLst>
+                <p:cond evt="onNext" delay="0">
+                  <p:tgtEl>
+                    <p:sldTgt/>
+                  </p:tgtEl>
+                </p:cond>
+              </p:nextCondLst>
+            </p:seq>
+          </p:childTnLst>
+        </p:cTn>
       </p:par>
     </p:tnLst>
+    <p:bldLst>
+      <p:bldP spid="5" grpId="0" build="p"/>
+    </p:bldLst>
   </p:timing>
 </p:sld>
 </file>
@@ -11520,6 +11939,19 @@
 <file path=ppt/slides/slide5.xml><?xml version="1.0" encoding="utf-8"?>
 <p:sld xmlns:a="http://schemas.openxmlformats.org/drawingml/2006/main" xmlns:r="http://schemas.openxmlformats.org/officeDocument/2006/relationships" xmlns:p="http://schemas.openxmlformats.org/presentationml/2006/main">
   <p:cSld>
+    <p:bg>
+      <p:bgPr>
+        <a:pattFill prst="pct5">
+          <a:fgClr>
+            <a:schemeClr val="bg2"/>
+          </a:fgClr>
+          <a:bgClr>
+            <a:schemeClr val="bg1"/>
+          </a:bgClr>
+        </a:pattFill>
+        <a:effectLst/>
+      </p:bgPr>
+    </p:bg>
     <p:spTree>
       <p:nvGrpSpPr>
         <p:cNvPr id="1" name=""/>
@@ -11534,53 +11966,34 @@
           <a:chExt cx="0" cy="0"/>
         </a:xfrm>
       </p:grpSpPr>
-      <p:sp>
-        <p:nvSpPr>
-          <p:cNvPr id="2" name="Title 1"/>
-          <p:cNvSpPr>
-            <a:spLocks noGrp="1"/>
-          </p:cNvSpPr>
-          <p:nvPr>
-            <p:ph type="title"/>
-          </p:nvPr>
-        </p:nvSpPr>
-        <p:spPr/>
-        <p:txBody>
-          <a:bodyPr/>
-          <a:lstStyle/>
-          <a:p>
-            <a:pPr lvl="0"/>
-            <a:r>
-              <a:rPr lang="en-US" dirty="0" smtClean="0"/>
-              <a:t>III-Library components</a:t>
-            </a:r>
-            <a:endParaRPr lang="en-US" dirty="0"/>
-          </a:p>
-        </p:txBody>
-      </p:sp>
-      <p:sp>
-        <p:nvSpPr>
-          <p:cNvPr id="3" name="Content Placeholder 2"/>
-          <p:cNvSpPr>
-            <a:spLocks noGrp="1"/>
-          </p:cNvSpPr>
-          <p:nvPr>
-            <p:ph idx="1"/>
-          </p:nvPr>
-        </p:nvSpPr>
-        <p:spPr/>
-        <p:txBody>
-          <a:bodyPr/>
-          <a:lstStyle/>
-          <a:p>
-            <a:endParaRPr lang="en-US"/>
-          </a:p>
-        </p:txBody>
-      </p:sp>
+      <p:pic>
+        <p:nvPicPr>
+          <p:cNvPr id="4" name="Image 3"/>
+          <p:cNvPicPr>
+            <a:picLocks noChangeAspect="1"/>
+          </p:cNvPicPr>
+          <p:nvPr/>
+        </p:nvPicPr>
+        <p:blipFill>
+          <a:blip r:embed="rId2"/>
+          <a:stretch>
+            <a:fillRect/>
+          </a:stretch>
+        </p:blipFill>
+        <p:spPr>
+          <a:xfrm>
+            <a:off x="1995056" y="0"/>
+            <a:ext cx="8312726" cy="6858000"/>
+          </a:xfrm>
+          <a:prstGeom prst="rect">
+            <a:avLst/>
+          </a:prstGeom>
+        </p:spPr>
+      </p:pic>
     </p:spTree>
     <p:extLst>
       <p:ext uri="{BB962C8B-B14F-4D97-AF65-F5344CB8AC3E}">
-        <p14:creationId xmlns:p14="http://schemas.microsoft.com/office/powerpoint/2010/main" val="850240937"/>
+        <p14:creationId xmlns:p14="http://schemas.microsoft.com/office/powerpoint/2010/main" val="1600448702"/>
       </p:ext>
     </p:extLst>
   </p:cSld>
@@ -11632,6 +12045,86 @@
             <a:pPr lvl="0"/>
             <a:r>
               <a:rPr lang="en-US" dirty="0" smtClean="0"/>
+              <a:t>III-Library components</a:t>
+            </a:r>
+            <a:endParaRPr lang="en-US" dirty="0"/>
+          </a:p>
+        </p:txBody>
+      </p:sp>
+      <p:sp>
+        <p:nvSpPr>
+          <p:cNvPr id="3" name="Content Placeholder 2"/>
+          <p:cNvSpPr>
+            <a:spLocks noGrp="1"/>
+          </p:cNvSpPr>
+          <p:nvPr>
+            <p:ph idx="1"/>
+          </p:nvPr>
+        </p:nvSpPr>
+        <p:spPr/>
+        <p:txBody>
+          <a:bodyPr/>
+          <a:lstStyle/>
+          <a:p>
+            <a:endParaRPr lang="en-US"/>
+          </a:p>
+        </p:txBody>
+      </p:sp>
+    </p:spTree>
+    <p:extLst>
+      <p:ext uri="{BB962C8B-B14F-4D97-AF65-F5344CB8AC3E}">
+        <p14:creationId xmlns:p14="http://schemas.microsoft.com/office/powerpoint/2010/main" val="850240937"/>
+      </p:ext>
+    </p:extLst>
+  </p:cSld>
+  <p:clrMapOvr>
+    <a:masterClrMapping/>
+  </p:clrMapOvr>
+  <p:timing>
+    <p:tnLst>
+      <p:par>
+        <p:cTn id="1" dur="indefinite" restart="never" nodeType="tmRoot"/>
+      </p:par>
+    </p:tnLst>
+  </p:timing>
+</p:sld>
+</file>
+
+<file path=ppt/slides/slide7.xml><?xml version="1.0" encoding="utf-8"?>
+<p:sld xmlns:a="http://schemas.openxmlformats.org/drawingml/2006/main" xmlns:r="http://schemas.openxmlformats.org/officeDocument/2006/relationships" xmlns:p="http://schemas.openxmlformats.org/presentationml/2006/main">
+  <p:cSld>
+    <p:spTree>
+      <p:nvGrpSpPr>
+        <p:cNvPr id="1" name=""/>
+        <p:cNvGrpSpPr/>
+        <p:nvPr/>
+      </p:nvGrpSpPr>
+      <p:grpSpPr>
+        <a:xfrm>
+          <a:off x="0" y="0"/>
+          <a:ext cx="0" cy="0"/>
+          <a:chOff x="0" y="0"/>
+          <a:chExt cx="0" cy="0"/>
+        </a:xfrm>
+      </p:grpSpPr>
+      <p:sp>
+        <p:nvSpPr>
+          <p:cNvPr id="2" name="Title 1"/>
+          <p:cNvSpPr>
+            <a:spLocks noGrp="1"/>
+          </p:cNvSpPr>
+          <p:nvPr>
+            <p:ph type="title"/>
+          </p:nvPr>
+        </p:nvSpPr>
+        <p:spPr/>
+        <p:txBody>
+          <a:bodyPr/>
+          <a:lstStyle/>
+          <a:p>
+            <a:pPr lvl="0"/>
+            <a:r>
+              <a:rPr lang="en-US" dirty="0" smtClean="0"/>
               <a:t>IV-Work flow</a:t>
             </a:r>
             <a:endParaRPr lang="en-US" dirty="0"/>
@@ -11677,7 +12170,7 @@
 </p:sld>
 </file>
 
-<file path=ppt/slides/slide7.xml><?xml version="1.0" encoding="utf-8"?>
+<file path=ppt/slides/slide8.xml><?xml version="1.0" encoding="utf-8"?>
 <p:sld xmlns:a="http://schemas.openxmlformats.org/drawingml/2006/main" xmlns:r="http://schemas.openxmlformats.org/officeDocument/2006/relationships" xmlns:p="http://schemas.openxmlformats.org/presentationml/2006/main">
   <p:cSld>
     <p:spTree>

--- a/QuantLib1.3 16-01-2014.pptx
+++ b/QuantLib1.3 16-01-2014.pptx
@@ -5,20 +5,21 @@
     <p:sldMasterId id="2147483660" r:id="rId1"/>
   </p:sldMasterIdLst>
   <p:notesMasterIdLst>
-    <p:notesMasterId r:id="rId10"/>
+    <p:notesMasterId r:id="rId11"/>
   </p:notesMasterIdLst>
   <p:handoutMasterIdLst>
-    <p:handoutMasterId r:id="rId11"/>
+    <p:handoutMasterId r:id="rId12"/>
   </p:handoutMasterIdLst>
   <p:sldIdLst>
     <p:sldId id="256" r:id="rId2"/>
     <p:sldId id="257" r:id="rId3"/>
     <p:sldId id="258" r:id="rId4"/>
     <p:sldId id="259" r:id="rId5"/>
-    <p:sldId id="263" r:id="rId6"/>
-    <p:sldId id="260" r:id="rId7"/>
-    <p:sldId id="261" r:id="rId8"/>
-    <p:sldId id="262" r:id="rId9"/>
+    <p:sldId id="260" r:id="rId6"/>
+    <p:sldId id="263" r:id="rId7"/>
+    <p:sldId id="264" r:id="rId8"/>
+    <p:sldId id="261" r:id="rId9"/>
+    <p:sldId id="262" r:id="rId10"/>
   </p:sldIdLst>
   <p:sldSz cx="12192000" cy="6858000"/>
   <p:notesSz cx="6858000" cy="9144000"/>
@@ -872,6 +873,788 @@
 </dgm:colorsDef>
 </file>
 
+<file path=ppt/diagrams/colors2.xml><?xml version="1.0" encoding="utf-8"?>
+<dgm:colorsDef xmlns:dgm="http://schemas.openxmlformats.org/drawingml/2006/diagram" xmlns:a="http://schemas.openxmlformats.org/drawingml/2006/main" uniqueId="urn:microsoft.com/office/officeart/2005/8/colors/colorful5">
+  <dgm:title val=""/>
+  <dgm:desc val=""/>
+  <dgm:catLst>
+    <dgm:cat type="colorful" pri="10500"/>
+  </dgm:catLst>
+  <dgm:styleLbl name="node0">
+    <dgm:fillClrLst meth="repeat">
+      <a:schemeClr val="accent4"/>
+    </dgm:fillClrLst>
+    <dgm:linClrLst meth="repeat">
+      <a:schemeClr val="lt1"/>
+    </dgm:linClrLst>
+    <dgm:effectClrLst/>
+    <dgm:txLinClrLst/>
+    <dgm:txFillClrLst/>
+    <dgm:txEffectClrLst/>
+  </dgm:styleLbl>
+  <dgm:styleLbl name="node1">
+    <dgm:fillClrLst>
+      <a:schemeClr val="accent5"/>
+      <a:schemeClr val="accent6"/>
+    </dgm:fillClrLst>
+    <dgm:linClrLst meth="repeat">
+      <a:schemeClr val="lt1"/>
+    </dgm:linClrLst>
+    <dgm:effectClrLst/>
+    <dgm:txLinClrLst/>
+    <dgm:txFillClrLst/>
+    <dgm:txEffectClrLst/>
+  </dgm:styleLbl>
+  <dgm:styleLbl name="alignNode1">
+    <dgm:fillClrLst>
+      <a:schemeClr val="accent5"/>
+      <a:schemeClr val="accent6"/>
+    </dgm:fillClrLst>
+    <dgm:linClrLst>
+      <a:schemeClr val="accent5"/>
+      <a:schemeClr val="accent6"/>
+    </dgm:linClrLst>
+    <dgm:effectClrLst/>
+    <dgm:txLinClrLst/>
+    <dgm:txFillClrLst/>
+    <dgm:txEffectClrLst/>
+  </dgm:styleLbl>
+  <dgm:styleLbl name="lnNode1">
+    <dgm:fillClrLst>
+      <a:schemeClr val="accent5"/>
+      <a:schemeClr val="accent6"/>
+    </dgm:fillClrLst>
+    <dgm:linClrLst meth="repeat">
+      <a:schemeClr val="lt1"/>
+    </dgm:linClrLst>
+    <dgm:effectClrLst/>
+    <dgm:txLinClrLst/>
+    <dgm:txFillClrLst/>
+    <dgm:txEffectClrLst/>
+  </dgm:styleLbl>
+  <dgm:styleLbl name="vennNode1">
+    <dgm:fillClrLst>
+      <a:schemeClr val="accent5">
+        <a:alpha val="50000"/>
+      </a:schemeClr>
+      <a:schemeClr val="accent6">
+        <a:alpha val="50000"/>
+      </a:schemeClr>
+    </dgm:fillClrLst>
+    <dgm:linClrLst meth="repeat">
+      <a:schemeClr val="lt1"/>
+    </dgm:linClrLst>
+    <dgm:effectClrLst/>
+    <dgm:txLinClrLst/>
+    <dgm:txFillClrLst/>
+    <dgm:txEffectClrLst/>
+  </dgm:styleLbl>
+  <dgm:styleLbl name="node2">
+    <dgm:fillClrLst>
+      <a:schemeClr val="accent6"/>
+    </dgm:fillClrLst>
+    <dgm:linClrLst meth="repeat">
+      <a:schemeClr val="lt1"/>
+    </dgm:linClrLst>
+    <dgm:effectClrLst/>
+    <dgm:txLinClrLst/>
+    <dgm:txFillClrLst/>
+    <dgm:txEffectClrLst/>
+  </dgm:styleLbl>
+  <dgm:styleLbl name="node3">
+    <dgm:fillClrLst>
+      <a:schemeClr val="accent1"/>
+    </dgm:fillClrLst>
+    <dgm:linClrLst meth="repeat">
+      <a:schemeClr val="lt1"/>
+    </dgm:linClrLst>
+    <dgm:effectClrLst/>
+    <dgm:txLinClrLst/>
+    <dgm:txFillClrLst/>
+    <dgm:txEffectClrLst/>
+  </dgm:styleLbl>
+  <dgm:styleLbl name="node4">
+    <dgm:fillClrLst>
+      <a:schemeClr val="accent2"/>
+    </dgm:fillClrLst>
+    <dgm:linClrLst meth="repeat">
+      <a:schemeClr val="lt1"/>
+    </dgm:linClrLst>
+    <dgm:effectClrLst/>
+    <dgm:txLinClrLst/>
+    <dgm:txFillClrLst/>
+    <dgm:txEffectClrLst/>
+  </dgm:styleLbl>
+  <dgm:styleLbl name="fgImgPlace1">
+    <dgm:fillClrLst>
+      <a:schemeClr val="accent5">
+        <a:tint val="50000"/>
+      </a:schemeClr>
+      <a:schemeClr val="accent6">
+        <a:tint val="50000"/>
+      </a:schemeClr>
+    </dgm:fillClrLst>
+    <dgm:linClrLst meth="repeat">
+      <a:schemeClr val="lt1"/>
+    </dgm:linClrLst>
+    <dgm:effectClrLst/>
+    <dgm:txLinClrLst/>
+    <dgm:txFillClrLst meth="repeat">
+      <a:schemeClr val="lt1"/>
+    </dgm:txFillClrLst>
+    <dgm:txEffectClrLst/>
+  </dgm:styleLbl>
+  <dgm:styleLbl name="alignImgPlace1">
+    <dgm:fillClrLst>
+      <a:schemeClr val="accent5">
+        <a:tint val="50000"/>
+      </a:schemeClr>
+      <a:schemeClr val="accent6">
+        <a:tint val="20000"/>
+      </a:schemeClr>
+    </dgm:fillClrLst>
+    <dgm:linClrLst meth="repeat">
+      <a:schemeClr val="lt1"/>
+    </dgm:linClrLst>
+    <dgm:effectClrLst/>
+    <dgm:txLinClrLst/>
+    <dgm:txFillClrLst meth="repeat">
+      <a:schemeClr val="lt1"/>
+    </dgm:txFillClrLst>
+    <dgm:txEffectClrLst/>
+  </dgm:styleLbl>
+  <dgm:styleLbl name="bgImgPlace1">
+    <dgm:fillClrLst>
+      <a:schemeClr val="accent5">
+        <a:tint val="50000"/>
+      </a:schemeClr>
+      <a:schemeClr val="accent6">
+        <a:tint val="20000"/>
+      </a:schemeClr>
+    </dgm:fillClrLst>
+    <dgm:linClrLst meth="repeat">
+      <a:schemeClr val="lt1"/>
+    </dgm:linClrLst>
+    <dgm:effectClrLst/>
+    <dgm:txLinClrLst/>
+    <dgm:txFillClrLst meth="repeat">
+      <a:schemeClr val="lt1"/>
+    </dgm:txFillClrLst>
+    <dgm:txEffectClrLst/>
+  </dgm:styleLbl>
+  <dgm:styleLbl name="sibTrans2D1">
+    <dgm:fillClrLst>
+      <a:schemeClr val="accent5"/>
+      <a:schemeClr val="accent6"/>
+    </dgm:fillClrLst>
+    <dgm:linClrLst meth="repeat">
+      <a:schemeClr val="lt1"/>
+    </dgm:linClrLst>
+    <dgm:effectClrLst/>
+    <dgm:txLinClrLst/>
+    <dgm:txFillClrLst/>
+    <dgm:txEffectClrLst/>
+  </dgm:styleLbl>
+  <dgm:styleLbl name="fgSibTrans2D1">
+    <dgm:fillClrLst>
+      <a:schemeClr val="accent5"/>
+      <a:schemeClr val="accent6"/>
+    </dgm:fillClrLst>
+    <dgm:linClrLst meth="repeat">
+      <a:schemeClr val="lt1"/>
+    </dgm:linClrLst>
+    <dgm:effectClrLst/>
+    <dgm:txLinClrLst/>
+    <dgm:txFillClrLst meth="repeat">
+      <a:schemeClr val="lt1"/>
+    </dgm:txFillClrLst>
+    <dgm:txEffectClrLst/>
+  </dgm:styleLbl>
+  <dgm:styleLbl name="bgSibTrans2D1">
+    <dgm:fillClrLst>
+      <a:schemeClr val="accent5"/>
+      <a:schemeClr val="accent6"/>
+    </dgm:fillClrLst>
+    <dgm:linClrLst meth="repeat">
+      <a:schemeClr val="lt1"/>
+    </dgm:linClrLst>
+    <dgm:effectClrLst/>
+    <dgm:txLinClrLst/>
+    <dgm:txFillClrLst meth="repeat">
+      <a:schemeClr val="lt1"/>
+    </dgm:txFillClrLst>
+    <dgm:txEffectClrLst/>
+  </dgm:styleLbl>
+  <dgm:styleLbl name="sibTrans1D1">
+    <dgm:fillClrLst/>
+    <dgm:linClrLst>
+      <a:schemeClr val="accent5"/>
+      <a:schemeClr val="accent6"/>
+    </dgm:linClrLst>
+    <dgm:effectClrLst/>
+    <dgm:txLinClrLst/>
+    <dgm:txFillClrLst meth="repeat">
+      <a:schemeClr val="tx1"/>
+    </dgm:txFillClrLst>
+    <dgm:txEffectClrLst/>
+  </dgm:styleLbl>
+  <dgm:styleLbl name="callout">
+    <dgm:fillClrLst meth="repeat">
+      <a:schemeClr val="accent5"/>
+    </dgm:fillClrLst>
+    <dgm:linClrLst meth="repeat">
+      <a:schemeClr val="accent5">
+        <a:tint val="50000"/>
+      </a:schemeClr>
+    </dgm:linClrLst>
+    <dgm:effectClrLst/>
+    <dgm:txLinClrLst/>
+    <dgm:txFillClrLst meth="repeat">
+      <a:schemeClr val="tx1"/>
+    </dgm:txFillClrLst>
+    <dgm:txEffectClrLst/>
+  </dgm:styleLbl>
+  <dgm:styleLbl name="asst0">
+    <dgm:fillClrLst meth="repeat">
+      <a:schemeClr val="accent5"/>
+    </dgm:fillClrLst>
+    <dgm:linClrLst meth="repeat">
+      <a:schemeClr val="lt1">
+        <a:shade val="80000"/>
+      </a:schemeClr>
+    </dgm:linClrLst>
+    <dgm:effectClrLst/>
+    <dgm:txLinClrLst/>
+    <dgm:txFillClrLst/>
+    <dgm:txEffectClrLst/>
+  </dgm:styleLbl>
+  <dgm:styleLbl name="asst1">
+    <dgm:fillClrLst meth="repeat">
+      <a:schemeClr val="accent6"/>
+    </dgm:fillClrLst>
+    <dgm:linClrLst meth="repeat">
+      <a:schemeClr val="lt1">
+        <a:shade val="80000"/>
+      </a:schemeClr>
+    </dgm:linClrLst>
+    <dgm:effectClrLst/>
+    <dgm:txLinClrLst/>
+    <dgm:txFillClrLst/>
+    <dgm:txEffectClrLst/>
+  </dgm:styleLbl>
+  <dgm:styleLbl name="asst2">
+    <dgm:fillClrLst>
+      <a:schemeClr val="accent1"/>
+    </dgm:fillClrLst>
+    <dgm:linClrLst meth="repeat">
+      <a:schemeClr val="lt1"/>
+    </dgm:linClrLst>
+    <dgm:effectClrLst/>
+    <dgm:txLinClrLst/>
+    <dgm:txFillClrLst/>
+    <dgm:txEffectClrLst/>
+  </dgm:styleLbl>
+  <dgm:styleLbl name="asst3">
+    <dgm:fillClrLst>
+      <a:schemeClr val="accent2"/>
+    </dgm:fillClrLst>
+    <dgm:linClrLst meth="repeat">
+      <a:schemeClr val="lt1"/>
+    </dgm:linClrLst>
+    <dgm:effectClrLst/>
+    <dgm:txLinClrLst/>
+    <dgm:txFillClrLst/>
+    <dgm:txEffectClrLst/>
+  </dgm:styleLbl>
+  <dgm:styleLbl name="asst4">
+    <dgm:fillClrLst>
+      <a:schemeClr val="accent3"/>
+    </dgm:fillClrLst>
+    <dgm:linClrLst meth="repeat">
+      <a:schemeClr val="lt1"/>
+    </dgm:linClrLst>
+    <dgm:effectClrLst/>
+    <dgm:txLinClrLst/>
+    <dgm:txFillClrLst/>
+    <dgm:txEffectClrLst/>
+  </dgm:styleLbl>
+  <dgm:styleLbl name="parChTrans2D1">
+    <dgm:fillClrLst meth="repeat">
+      <a:schemeClr val="accent5"/>
+    </dgm:fillClrLst>
+    <dgm:linClrLst meth="repeat">
+      <a:schemeClr val="lt1"/>
+    </dgm:linClrLst>
+    <dgm:effectClrLst/>
+    <dgm:txLinClrLst/>
+    <dgm:txFillClrLst meth="repeat">
+      <a:schemeClr val="lt1"/>
+    </dgm:txFillClrLst>
+    <dgm:txEffectClrLst/>
+  </dgm:styleLbl>
+  <dgm:styleLbl name="parChTrans2D2">
+    <dgm:fillClrLst meth="repeat">
+      <a:schemeClr val="accent6"/>
+    </dgm:fillClrLst>
+    <dgm:linClrLst meth="repeat">
+      <a:schemeClr val="lt1"/>
+    </dgm:linClrLst>
+    <dgm:effectClrLst/>
+    <dgm:txLinClrLst/>
+    <dgm:txFillClrLst/>
+    <dgm:txEffectClrLst/>
+  </dgm:styleLbl>
+  <dgm:styleLbl name="parChTrans2D3">
+    <dgm:fillClrLst meth="repeat">
+      <a:schemeClr val="accent6"/>
+    </dgm:fillClrLst>
+    <dgm:linClrLst meth="repeat">
+      <a:schemeClr val="lt1"/>
+    </dgm:linClrLst>
+    <dgm:effectClrLst/>
+    <dgm:txLinClrLst/>
+    <dgm:txFillClrLst/>
+    <dgm:txEffectClrLst/>
+  </dgm:styleLbl>
+  <dgm:styleLbl name="parChTrans2D4">
+    <dgm:fillClrLst meth="repeat">
+      <a:schemeClr val="accent1"/>
+    </dgm:fillClrLst>
+    <dgm:linClrLst meth="repeat">
+      <a:schemeClr val="lt1"/>
+    </dgm:linClrLst>
+    <dgm:effectClrLst/>
+    <dgm:txLinClrLst/>
+    <dgm:txFillClrLst meth="repeat">
+      <a:schemeClr val="lt1"/>
+    </dgm:txFillClrLst>
+    <dgm:txEffectClrLst/>
+  </dgm:styleLbl>
+  <dgm:styleLbl name="parChTrans1D1">
+    <dgm:fillClrLst meth="repeat">
+      <a:schemeClr val="accent5"/>
+    </dgm:fillClrLst>
+    <dgm:linClrLst meth="repeat">
+      <a:schemeClr val="accent5"/>
+    </dgm:linClrLst>
+    <dgm:effectClrLst/>
+    <dgm:txLinClrLst/>
+    <dgm:txFillClrLst meth="repeat">
+      <a:schemeClr val="tx1"/>
+    </dgm:txFillClrLst>
+    <dgm:txEffectClrLst/>
+  </dgm:styleLbl>
+  <dgm:styleLbl name="parChTrans1D2">
+    <dgm:fillClrLst meth="repeat">
+      <a:schemeClr val="accent6">
+        <a:tint val="90000"/>
+      </a:schemeClr>
+    </dgm:fillClrLst>
+    <dgm:linClrLst meth="repeat">
+      <a:schemeClr val="accent6"/>
+    </dgm:linClrLst>
+    <dgm:effectClrLst/>
+    <dgm:txLinClrLst/>
+    <dgm:txFillClrLst meth="repeat">
+      <a:schemeClr val="tx1"/>
+    </dgm:txFillClrLst>
+    <dgm:txEffectClrLst/>
+  </dgm:styleLbl>
+  <dgm:styleLbl name="parChTrans1D3">
+    <dgm:fillClrLst meth="repeat">
+      <a:schemeClr val="accent6">
+        <a:tint val="70000"/>
+      </a:schemeClr>
+    </dgm:fillClrLst>
+    <dgm:linClrLst meth="repeat">
+      <a:schemeClr val="accent1"/>
+    </dgm:linClrLst>
+    <dgm:effectClrLst/>
+    <dgm:txLinClrLst/>
+    <dgm:txFillClrLst meth="repeat">
+      <a:schemeClr val="tx1"/>
+    </dgm:txFillClrLst>
+    <dgm:txEffectClrLst/>
+  </dgm:styleLbl>
+  <dgm:styleLbl name="parChTrans1D4">
+    <dgm:fillClrLst meth="repeat">
+      <a:schemeClr val="accent6">
+        <a:tint val="50000"/>
+      </a:schemeClr>
+    </dgm:fillClrLst>
+    <dgm:linClrLst meth="repeat">
+      <a:schemeClr val="accent2"/>
+    </dgm:linClrLst>
+    <dgm:effectClrLst/>
+    <dgm:txLinClrLst/>
+    <dgm:txFillClrLst meth="repeat">
+      <a:schemeClr val="tx1"/>
+    </dgm:txFillClrLst>
+    <dgm:txEffectClrLst/>
+  </dgm:styleLbl>
+  <dgm:styleLbl name="fgAcc1">
+    <dgm:fillClrLst meth="repeat">
+      <a:schemeClr val="lt1">
+        <a:alpha val="90000"/>
+      </a:schemeClr>
+    </dgm:fillClrLst>
+    <dgm:linClrLst>
+      <a:schemeClr val="accent5"/>
+      <a:schemeClr val="accent6"/>
+    </dgm:linClrLst>
+    <dgm:effectClrLst/>
+    <dgm:txLinClrLst/>
+    <dgm:txFillClrLst meth="repeat">
+      <a:schemeClr val="dk1"/>
+    </dgm:txFillClrLst>
+    <dgm:txEffectClrLst/>
+  </dgm:styleLbl>
+  <dgm:styleLbl name="conFgAcc1">
+    <dgm:fillClrLst meth="repeat">
+      <a:schemeClr val="lt1">
+        <a:alpha val="90000"/>
+      </a:schemeClr>
+    </dgm:fillClrLst>
+    <dgm:linClrLst>
+      <a:schemeClr val="accent5"/>
+      <a:schemeClr val="accent6"/>
+    </dgm:linClrLst>
+    <dgm:effectClrLst/>
+    <dgm:txLinClrLst/>
+    <dgm:txFillClrLst meth="repeat">
+      <a:schemeClr val="dk1"/>
+    </dgm:txFillClrLst>
+    <dgm:txEffectClrLst/>
+  </dgm:styleLbl>
+  <dgm:styleLbl name="alignAcc1">
+    <dgm:fillClrLst meth="repeat">
+      <a:schemeClr val="lt1">
+        <a:alpha val="90000"/>
+      </a:schemeClr>
+    </dgm:fillClrLst>
+    <dgm:linClrLst>
+      <a:schemeClr val="accent5"/>
+      <a:schemeClr val="accent6"/>
+    </dgm:linClrLst>
+    <dgm:effectClrLst/>
+    <dgm:txLinClrLst/>
+    <dgm:txFillClrLst meth="repeat">
+      <a:schemeClr val="dk1"/>
+    </dgm:txFillClrLst>
+    <dgm:txEffectClrLst/>
+  </dgm:styleLbl>
+  <dgm:styleLbl name="trAlignAcc1">
+    <dgm:fillClrLst meth="repeat">
+      <a:schemeClr val="lt1">
+        <a:alpha val="40000"/>
+      </a:schemeClr>
+    </dgm:fillClrLst>
+    <dgm:linClrLst meth="repeat">
+      <a:schemeClr val="accent5"/>
+    </dgm:linClrLst>
+    <dgm:effectClrLst/>
+    <dgm:txLinClrLst/>
+    <dgm:txFillClrLst meth="repeat">
+      <a:schemeClr val="dk1"/>
+    </dgm:txFillClrLst>
+    <dgm:txEffectClrLst/>
+  </dgm:styleLbl>
+  <dgm:styleLbl name="bgAcc1">
+    <dgm:fillClrLst meth="repeat">
+      <a:schemeClr val="lt1">
+        <a:alpha val="90000"/>
+      </a:schemeClr>
+    </dgm:fillClrLst>
+    <dgm:linClrLst>
+      <a:schemeClr val="accent5"/>
+      <a:schemeClr val="accent6"/>
+    </dgm:linClrLst>
+    <dgm:effectClrLst/>
+    <dgm:txLinClrLst/>
+    <dgm:txFillClrLst meth="repeat">
+      <a:schemeClr val="dk1"/>
+    </dgm:txFillClrLst>
+    <dgm:txEffectClrLst/>
+  </dgm:styleLbl>
+  <dgm:styleLbl name="solidFgAcc1">
+    <dgm:fillClrLst meth="repeat">
+      <a:schemeClr val="lt1"/>
+    </dgm:fillClrLst>
+    <dgm:linClrLst>
+      <a:schemeClr val="accent5"/>
+      <a:schemeClr val="accent6"/>
+    </dgm:linClrLst>
+    <dgm:effectClrLst/>
+    <dgm:txLinClrLst/>
+    <dgm:txFillClrLst meth="repeat">
+      <a:schemeClr val="dk1"/>
+    </dgm:txFillClrLst>
+    <dgm:txEffectClrLst/>
+  </dgm:styleLbl>
+  <dgm:styleLbl name="solidAlignAcc1">
+    <dgm:fillClrLst meth="repeat">
+      <a:schemeClr val="lt1"/>
+    </dgm:fillClrLst>
+    <dgm:linClrLst>
+      <a:schemeClr val="accent5"/>
+      <a:schemeClr val="accent6"/>
+    </dgm:linClrLst>
+    <dgm:effectClrLst/>
+    <dgm:txLinClrLst/>
+    <dgm:txFillClrLst meth="repeat">
+      <a:schemeClr val="dk1"/>
+    </dgm:txFillClrLst>
+    <dgm:txEffectClrLst/>
+  </dgm:styleLbl>
+  <dgm:styleLbl name="solidBgAcc1">
+    <dgm:fillClrLst meth="repeat">
+      <a:schemeClr val="lt1"/>
+    </dgm:fillClrLst>
+    <dgm:linClrLst>
+      <a:schemeClr val="accent5"/>
+      <a:schemeClr val="accent6"/>
+    </dgm:linClrLst>
+    <dgm:effectClrLst/>
+    <dgm:txLinClrLst/>
+    <dgm:txFillClrLst meth="repeat">
+      <a:schemeClr val="dk1"/>
+    </dgm:txFillClrLst>
+    <dgm:txEffectClrLst/>
+  </dgm:styleLbl>
+  <dgm:styleLbl name="fgAccFollowNode1">
+    <dgm:fillClrLst>
+      <a:schemeClr val="accent5">
+        <a:tint val="40000"/>
+        <a:alpha val="90000"/>
+      </a:schemeClr>
+      <a:schemeClr val="accent6">
+        <a:tint val="40000"/>
+        <a:alpha val="90000"/>
+      </a:schemeClr>
+    </dgm:fillClrLst>
+    <dgm:linClrLst>
+      <a:schemeClr val="accent5">
+        <a:tint val="40000"/>
+        <a:alpha val="90000"/>
+      </a:schemeClr>
+      <a:schemeClr val="accent5">
+        <a:tint val="40000"/>
+        <a:alpha val="90000"/>
+      </a:schemeClr>
+    </dgm:linClrLst>
+    <dgm:effectClrLst/>
+    <dgm:txLinClrLst/>
+    <dgm:txFillClrLst meth="repeat">
+      <a:schemeClr val="dk1"/>
+    </dgm:txFillClrLst>
+    <dgm:txEffectClrLst/>
+  </dgm:styleLbl>
+  <dgm:styleLbl name="alignAccFollowNode1">
+    <dgm:fillClrLst>
+      <a:schemeClr val="accent5">
+        <a:tint val="40000"/>
+        <a:alpha val="90000"/>
+      </a:schemeClr>
+      <a:schemeClr val="accent6">
+        <a:tint val="40000"/>
+        <a:alpha val="90000"/>
+      </a:schemeClr>
+    </dgm:fillClrLst>
+    <dgm:linClrLst>
+      <a:schemeClr val="accent5">
+        <a:tint val="40000"/>
+        <a:alpha val="90000"/>
+      </a:schemeClr>
+      <a:schemeClr val="accent6">
+        <a:tint val="40000"/>
+        <a:alpha val="90000"/>
+      </a:schemeClr>
+    </dgm:linClrLst>
+    <dgm:effectClrLst/>
+    <dgm:txLinClrLst/>
+    <dgm:txFillClrLst meth="repeat">
+      <a:schemeClr val="dk1"/>
+    </dgm:txFillClrLst>
+    <dgm:txEffectClrLst/>
+  </dgm:styleLbl>
+  <dgm:styleLbl name="bgAccFollowNode1">
+    <dgm:fillClrLst>
+      <a:schemeClr val="accent5">
+        <a:tint val="40000"/>
+        <a:alpha val="90000"/>
+      </a:schemeClr>
+      <a:schemeClr val="accent6">
+        <a:tint val="40000"/>
+        <a:alpha val="90000"/>
+      </a:schemeClr>
+    </dgm:fillClrLst>
+    <dgm:linClrLst>
+      <a:schemeClr val="accent5">
+        <a:tint val="40000"/>
+        <a:alpha val="90000"/>
+      </a:schemeClr>
+      <a:schemeClr val="accent6">
+        <a:tint val="40000"/>
+        <a:alpha val="90000"/>
+      </a:schemeClr>
+    </dgm:linClrLst>
+    <dgm:effectClrLst/>
+    <dgm:txLinClrLst/>
+    <dgm:txFillClrLst meth="repeat">
+      <a:schemeClr val="dk1"/>
+    </dgm:txFillClrLst>
+    <dgm:txEffectClrLst/>
+  </dgm:styleLbl>
+  <dgm:styleLbl name="fgAcc0">
+    <dgm:fillClrLst meth="repeat">
+      <a:schemeClr val="lt1">
+        <a:alpha val="90000"/>
+      </a:schemeClr>
+    </dgm:fillClrLst>
+    <dgm:linClrLst>
+      <a:schemeClr val="accent4"/>
+    </dgm:linClrLst>
+    <dgm:effectClrLst/>
+    <dgm:txLinClrLst/>
+    <dgm:txFillClrLst meth="repeat">
+      <a:schemeClr val="dk1"/>
+    </dgm:txFillClrLst>
+    <dgm:txEffectClrLst/>
+  </dgm:styleLbl>
+  <dgm:styleLbl name="fgAcc2">
+    <dgm:fillClrLst meth="repeat">
+      <a:schemeClr val="lt1">
+        <a:alpha val="90000"/>
+      </a:schemeClr>
+    </dgm:fillClrLst>
+    <dgm:linClrLst>
+      <a:schemeClr val="accent6"/>
+    </dgm:linClrLst>
+    <dgm:effectClrLst/>
+    <dgm:txLinClrLst/>
+    <dgm:txFillClrLst meth="repeat">
+      <a:schemeClr val="dk1"/>
+    </dgm:txFillClrLst>
+    <dgm:txEffectClrLst/>
+  </dgm:styleLbl>
+  <dgm:styleLbl name="fgAcc3">
+    <dgm:fillClrLst meth="repeat">
+      <a:schemeClr val="lt1">
+        <a:alpha val="90000"/>
+      </a:schemeClr>
+    </dgm:fillClrLst>
+    <dgm:linClrLst>
+      <a:schemeClr val="accent1"/>
+    </dgm:linClrLst>
+    <dgm:effectClrLst/>
+    <dgm:txLinClrLst/>
+    <dgm:txFillClrLst meth="repeat">
+      <a:schemeClr val="dk1"/>
+    </dgm:txFillClrLst>
+    <dgm:txEffectClrLst/>
+  </dgm:styleLbl>
+  <dgm:styleLbl name="fgAcc4">
+    <dgm:fillClrLst meth="repeat">
+      <a:schemeClr val="lt1">
+        <a:alpha val="90000"/>
+      </a:schemeClr>
+    </dgm:fillClrLst>
+    <dgm:linClrLst>
+      <a:schemeClr val="accent2"/>
+    </dgm:linClrLst>
+    <dgm:effectClrLst/>
+    <dgm:txLinClrLst/>
+    <dgm:txFillClrLst meth="repeat">
+      <a:schemeClr val="dk1"/>
+    </dgm:txFillClrLst>
+    <dgm:txEffectClrLst/>
+  </dgm:styleLbl>
+  <dgm:styleLbl name="bgShp">
+    <dgm:fillClrLst meth="repeat">
+      <a:schemeClr val="accent5">
+        <a:tint val="40000"/>
+      </a:schemeClr>
+    </dgm:fillClrLst>
+    <dgm:linClrLst meth="repeat">
+      <a:schemeClr val="dk1"/>
+    </dgm:linClrLst>
+    <dgm:effectClrLst/>
+    <dgm:txLinClrLst/>
+    <dgm:txFillClrLst meth="repeat">
+      <a:schemeClr val="dk1"/>
+    </dgm:txFillClrLst>
+    <dgm:txEffectClrLst/>
+  </dgm:styleLbl>
+  <dgm:styleLbl name="dkBgShp">
+    <dgm:fillClrLst meth="repeat">
+      <a:schemeClr val="accent5">
+        <a:shade val="90000"/>
+      </a:schemeClr>
+    </dgm:fillClrLst>
+    <dgm:linClrLst meth="repeat">
+      <a:schemeClr val="dk1"/>
+    </dgm:linClrLst>
+    <dgm:effectClrLst/>
+    <dgm:txLinClrLst/>
+    <dgm:txFillClrLst meth="repeat">
+      <a:schemeClr val="lt1"/>
+    </dgm:txFillClrLst>
+    <dgm:txEffectClrLst/>
+  </dgm:styleLbl>
+  <dgm:styleLbl name="trBgShp">
+    <dgm:fillClrLst meth="repeat">
+      <a:schemeClr val="accent5">
+        <a:tint val="50000"/>
+        <a:alpha val="40000"/>
+      </a:schemeClr>
+    </dgm:fillClrLst>
+    <dgm:linClrLst meth="repeat">
+      <a:schemeClr val="accent5"/>
+    </dgm:linClrLst>
+    <dgm:effectClrLst/>
+    <dgm:txLinClrLst/>
+    <dgm:txFillClrLst meth="repeat">
+      <a:schemeClr val="lt1"/>
+    </dgm:txFillClrLst>
+    <dgm:txEffectClrLst/>
+  </dgm:styleLbl>
+  <dgm:styleLbl name="fgShp">
+    <dgm:fillClrLst meth="repeat">
+      <a:schemeClr val="accent5">
+        <a:tint val="40000"/>
+      </a:schemeClr>
+    </dgm:fillClrLst>
+    <dgm:linClrLst meth="repeat">
+      <a:schemeClr val="lt1"/>
+    </dgm:linClrLst>
+    <dgm:effectClrLst/>
+    <dgm:txLinClrLst/>
+    <dgm:txFillClrLst meth="repeat">
+      <a:schemeClr val="dk1"/>
+    </dgm:txFillClrLst>
+    <dgm:txEffectClrLst/>
+  </dgm:styleLbl>
+  <dgm:styleLbl name="revTx">
+    <dgm:fillClrLst meth="repeat">
+      <a:schemeClr val="lt1">
+        <a:alpha val="0"/>
+      </a:schemeClr>
+    </dgm:fillClrLst>
+    <dgm:linClrLst meth="repeat">
+      <a:schemeClr val="dk1">
+        <a:alpha val="0"/>
+      </a:schemeClr>
+    </dgm:linClrLst>
+    <dgm:effectClrLst/>
+    <dgm:txLinClrLst/>
+    <dgm:txFillClrLst meth="repeat">
+      <a:schemeClr val="tx1"/>
+    </dgm:txFillClrLst>
+    <dgm:txEffectClrLst/>
+  </dgm:styleLbl>
+</dgm:colorsDef>
+</file>
+
 <file path=ppt/diagrams/data1.xml><?xml version="1.0" encoding="utf-8"?>
 <dgm:dataModel xmlns:dgm="http://schemas.openxmlformats.org/drawingml/2006/diagram" xmlns:a="http://schemas.openxmlformats.org/drawingml/2006/main">
   <dgm:ptLst>
@@ -928,8 +1711,15 @@
                 </a:schemeClr>
               </a:solidFill>
             </a:rPr>
-            <a:t>QuantLib Architecture</a:t>
+            <a:t>Library components</a:t>
           </a:r>
+          <a:endParaRPr lang="en-US" sz="3600" b="1" dirty="0" smtClean="0">
+            <a:solidFill>
+              <a:schemeClr val="tx1">
+                <a:lumMod val="75000"/>
+              </a:schemeClr>
+            </a:solidFill>
+          </a:endParaRPr>
         </a:p>
       </dgm:t>
     </dgm:pt>
@@ -997,8 +1787,15 @@
                 </a:schemeClr>
               </a:solidFill>
             </a:rPr>
-            <a:t>Library components</a:t>
+            <a:t>Barrier Options</a:t>
           </a:r>
+          <a:endParaRPr lang="en-US" sz="3600" b="1" dirty="0" smtClean="0">
+            <a:solidFill>
+              <a:schemeClr val="tx1">
+                <a:lumMod val="75000"/>
+              </a:schemeClr>
+            </a:solidFill>
+          </a:endParaRPr>
         </a:p>
       </dgm:t>
     </dgm:pt>
@@ -1550,6 +2347,2214 @@
 </dgm:dataModel>
 </file>
 
+<file path=ppt/diagrams/data2.xml><?xml version="1.0" encoding="utf-8"?>
+<dgm:dataModel xmlns:dgm="http://schemas.openxmlformats.org/drawingml/2006/diagram" xmlns:a="http://schemas.openxmlformats.org/drawingml/2006/main">
+  <dgm:ptLst>
+    <dgm:pt modelId="{28495203-B470-42B2-964A-C44909A03B01}" type="doc">
+      <dgm:prSet loTypeId="urn:microsoft.com/office/officeart/2005/8/layout/default" loCatId="list" qsTypeId="urn:microsoft.com/office/officeart/2005/8/quickstyle/simple1" qsCatId="simple" csTypeId="urn:microsoft.com/office/officeart/2005/8/colors/colorful5" csCatId="colorful" phldr="1"/>
+      <dgm:spPr/>
+      <dgm:t>
+        <a:bodyPr/>
+        <a:lstStyle/>
+        <a:p>
+          <a:endParaRPr lang="en-US"/>
+        </a:p>
+      </dgm:t>
+    </dgm:pt>
+    <dgm:pt modelId="{562F99D0-6AB3-4C76-936E-755766763C1D}">
+      <dgm:prSet phldrT="[Text]" custT="1">
+        <dgm:style>
+          <a:lnRef idx="1">
+            <a:schemeClr val="accent1"/>
+          </a:lnRef>
+          <a:fillRef idx="3">
+            <a:schemeClr val="accent1"/>
+          </a:fillRef>
+          <a:effectRef idx="2">
+            <a:schemeClr val="accent1"/>
+          </a:effectRef>
+          <a:fontRef idx="minor">
+            <a:schemeClr val="lt1"/>
+          </a:fontRef>
+        </dgm:style>
+      </dgm:prSet>
+      <dgm:spPr>
+        <a:ln>
+          <a:solidFill>
+            <a:srgbClr val="FFC000"/>
+          </a:solidFill>
+        </a:ln>
+        <a:effectLst>
+          <a:glow rad="101600">
+            <a:schemeClr val="accent5">
+              <a:satMod val="175000"/>
+              <a:alpha val="40000"/>
+            </a:schemeClr>
+          </a:glow>
+        </a:effectLst>
+      </dgm:spPr>
+      <dgm:t>
+        <a:bodyPr/>
+        <a:lstStyle/>
+        <a:p>
+          <a:pPr rtl="0"/>
+          <a:r>
+            <a:rPr lang="en-US" sz="1800" b="1" dirty="0" smtClean="0">
+              <a:solidFill>
+                <a:schemeClr val="bg1">
+                  <a:lumMod val="95000"/>
+                  <a:lumOff val="5000"/>
+                </a:schemeClr>
+              </a:solidFill>
+            </a:rPr>
+            <a:t>Macros</a:t>
+          </a:r>
+          <a:br>
+            <a:rPr lang="en-US" sz="1800" b="1" dirty="0" smtClean="0">
+              <a:solidFill>
+                <a:schemeClr val="bg1">
+                  <a:lumMod val="95000"/>
+                  <a:lumOff val="5000"/>
+                </a:schemeClr>
+              </a:solidFill>
+            </a:rPr>
+          </a:br>
+          <a:r>
+            <a:rPr lang="en-US" sz="1800" b="1" dirty="0" smtClean="0">
+              <a:solidFill>
+                <a:schemeClr val="bg1">
+                  <a:lumMod val="95000"/>
+                  <a:lumOff val="5000"/>
+                </a:schemeClr>
+              </a:solidFill>
+            </a:rPr>
+            <a:t>&lt;</a:t>
+          </a:r>
+          <a:r>
+            <a:rPr lang="en-US" sz="1800" b="1" dirty="0" err="1" smtClean="0">
+              <a:solidFill>
+                <a:schemeClr val="bg1">
+                  <a:lumMod val="95000"/>
+                  <a:lumOff val="5000"/>
+                </a:schemeClr>
+              </a:solidFill>
+            </a:rPr>
+            <a:t>ql</a:t>
+          </a:r>
+          <a:r>
+            <a:rPr lang="en-US" sz="1800" b="1" dirty="0" smtClean="0">
+              <a:solidFill>
+                <a:schemeClr val="bg1">
+                  <a:lumMod val="95000"/>
+                  <a:lumOff val="5000"/>
+                </a:schemeClr>
+              </a:solidFill>
+            </a:rPr>
+            <a:t>/</a:t>
+          </a:r>
+        </a:p>
+        <a:p>
+          <a:r>
+            <a:rPr lang="en-US" sz="1800" b="1" dirty="0" smtClean="0">
+              <a:solidFill>
+                <a:schemeClr val="bg1">
+                  <a:lumMod val="95000"/>
+                  <a:lumOff val="5000"/>
+                </a:schemeClr>
+              </a:solidFill>
+            </a:rPr>
+            <a:t>qldefines.hpp&gt;</a:t>
+          </a:r>
+          <a:endParaRPr lang="en-US" sz="1800" b="1" dirty="0">
+            <a:solidFill>
+              <a:schemeClr val="bg1">
+                <a:lumMod val="95000"/>
+                <a:lumOff val="5000"/>
+              </a:schemeClr>
+            </a:solidFill>
+          </a:endParaRPr>
+        </a:p>
+      </dgm:t>
+    </dgm:pt>
+    <dgm:pt modelId="{5ED5535B-65A7-4496-99FD-A661532CFDAE}" type="parTrans" cxnId="{CCF6B7CA-2576-464A-B788-6A9CEE01A7C9}">
+      <dgm:prSet/>
+      <dgm:spPr/>
+      <dgm:t>
+        <a:bodyPr/>
+        <a:lstStyle/>
+        <a:p>
+          <a:endParaRPr lang="en-US"/>
+        </a:p>
+      </dgm:t>
+    </dgm:pt>
+    <dgm:pt modelId="{28AE290C-DF1F-40C7-AE8F-56B3E4016A1E}" type="sibTrans" cxnId="{CCF6B7CA-2576-464A-B788-6A9CEE01A7C9}">
+      <dgm:prSet/>
+      <dgm:spPr/>
+      <dgm:t>
+        <a:bodyPr/>
+        <a:lstStyle/>
+        <a:p>
+          <a:endParaRPr lang="en-US"/>
+        </a:p>
+      </dgm:t>
+    </dgm:pt>
+    <dgm:pt modelId="{F5FA9416-192F-4DEE-AA7D-AA0CD3B2E886}">
+      <dgm:prSet custT="1">
+        <dgm:style>
+          <a:lnRef idx="1">
+            <a:schemeClr val="accent1"/>
+          </a:lnRef>
+          <a:fillRef idx="3">
+            <a:schemeClr val="accent1"/>
+          </a:fillRef>
+          <a:effectRef idx="2">
+            <a:schemeClr val="accent1"/>
+          </a:effectRef>
+          <a:fontRef idx="minor">
+            <a:schemeClr val="lt1"/>
+          </a:fontRef>
+        </dgm:style>
+      </dgm:prSet>
+      <dgm:spPr>
+        <a:ln>
+          <a:solidFill>
+            <a:srgbClr val="FFC000"/>
+          </a:solidFill>
+        </a:ln>
+        <a:effectLst>
+          <a:glow rad="101600">
+            <a:schemeClr val="accent5">
+              <a:satMod val="175000"/>
+              <a:alpha val="40000"/>
+            </a:schemeClr>
+          </a:glow>
+        </a:effectLst>
+      </dgm:spPr>
+      <dgm:t>
+        <a:bodyPr/>
+        <a:lstStyle/>
+        <a:p>
+          <a:r>
+            <a:rPr lang="en-US" sz="1800" b="1" dirty="0" smtClean="0">
+              <a:solidFill>
+                <a:schemeClr val="bg1">
+                  <a:lumMod val="95000"/>
+                  <a:lumOff val="5000"/>
+                </a:schemeClr>
+              </a:solidFill>
+            </a:rPr>
+            <a:t>Design patterns</a:t>
+          </a:r>
+          <a:br>
+            <a:rPr lang="en-US" sz="1800" b="1" dirty="0" smtClean="0">
+              <a:solidFill>
+                <a:schemeClr val="bg1">
+                  <a:lumMod val="95000"/>
+                  <a:lumOff val="5000"/>
+                </a:schemeClr>
+              </a:solidFill>
+            </a:rPr>
+          </a:br>
+          <a:r>
+            <a:rPr lang="en-US" sz="1800" b="1" dirty="0" smtClean="0">
+              <a:solidFill>
+                <a:schemeClr val="bg1">
+                  <a:lumMod val="95000"/>
+                  <a:lumOff val="5000"/>
+                </a:schemeClr>
+              </a:solidFill>
+            </a:rPr>
+            <a:t>&lt;</a:t>
+          </a:r>
+          <a:r>
+            <a:rPr lang="en-US" sz="1800" b="1" dirty="0" err="1" smtClean="0">
+              <a:solidFill>
+                <a:schemeClr val="bg1">
+                  <a:lumMod val="95000"/>
+                  <a:lumOff val="5000"/>
+                </a:schemeClr>
+              </a:solidFill>
+            </a:rPr>
+            <a:t>ql</a:t>
+          </a:r>
+          <a:r>
+            <a:rPr lang="en-US" sz="1800" b="1" dirty="0" smtClean="0">
+              <a:solidFill>
+                <a:schemeClr val="bg1">
+                  <a:lumMod val="95000"/>
+                  <a:lumOff val="5000"/>
+                </a:schemeClr>
+              </a:solidFill>
+            </a:rPr>
+            <a:t>/patterns&gt;</a:t>
+          </a:r>
+          <a:endParaRPr lang="en-US" sz="1800" b="1" dirty="0">
+            <a:solidFill>
+              <a:schemeClr val="bg1">
+                <a:lumMod val="95000"/>
+                <a:lumOff val="5000"/>
+              </a:schemeClr>
+            </a:solidFill>
+          </a:endParaRPr>
+        </a:p>
+      </dgm:t>
+    </dgm:pt>
+    <dgm:pt modelId="{334D663A-6FEE-43D7-99FB-126EFC9E0533}" type="parTrans" cxnId="{D95C9A6B-116D-4FAF-B0F9-93572A4F88D7}">
+      <dgm:prSet/>
+      <dgm:spPr/>
+      <dgm:t>
+        <a:bodyPr/>
+        <a:lstStyle/>
+        <a:p>
+          <a:endParaRPr lang="en-US"/>
+        </a:p>
+      </dgm:t>
+    </dgm:pt>
+    <dgm:pt modelId="{2EBDF58F-3360-41AB-88C0-61EFB1808C8C}" type="sibTrans" cxnId="{D95C9A6B-116D-4FAF-B0F9-93572A4F88D7}">
+      <dgm:prSet/>
+      <dgm:spPr/>
+      <dgm:t>
+        <a:bodyPr/>
+        <a:lstStyle/>
+        <a:p>
+          <a:endParaRPr lang="en-US"/>
+        </a:p>
+      </dgm:t>
+    </dgm:pt>
+    <dgm:pt modelId="{0E96282A-0062-402E-91AF-7B600A4ADD58}">
+      <dgm:prSet custT="1">
+        <dgm:style>
+          <a:lnRef idx="1">
+            <a:schemeClr val="accent1"/>
+          </a:lnRef>
+          <a:fillRef idx="3">
+            <a:schemeClr val="accent1"/>
+          </a:fillRef>
+          <a:effectRef idx="2">
+            <a:schemeClr val="accent1"/>
+          </a:effectRef>
+          <a:fontRef idx="minor">
+            <a:schemeClr val="lt1"/>
+          </a:fontRef>
+        </dgm:style>
+      </dgm:prSet>
+      <dgm:spPr>
+        <a:ln>
+          <a:solidFill>
+            <a:srgbClr val="FFC000"/>
+          </a:solidFill>
+        </a:ln>
+        <a:effectLst>
+          <a:glow rad="101600">
+            <a:schemeClr val="accent5">
+              <a:satMod val="175000"/>
+              <a:alpha val="40000"/>
+            </a:schemeClr>
+          </a:glow>
+        </a:effectLst>
+      </dgm:spPr>
+      <dgm:t>
+        <a:bodyPr/>
+        <a:lstStyle/>
+        <a:p>
+          <a:r>
+            <a:rPr lang="en-US" sz="1800" b="1" dirty="0" smtClean="0">
+              <a:solidFill>
+                <a:schemeClr val="bg1">
+                  <a:lumMod val="95000"/>
+                  <a:lumOff val="5000"/>
+                </a:schemeClr>
+              </a:solidFill>
+            </a:rPr>
+            <a:t>Utilities</a:t>
+          </a:r>
+          <a:br>
+            <a:rPr lang="en-US" sz="1800" b="1" dirty="0" smtClean="0">
+              <a:solidFill>
+                <a:schemeClr val="bg1">
+                  <a:lumMod val="95000"/>
+                  <a:lumOff val="5000"/>
+                </a:schemeClr>
+              </a:solidFill>
+            </a:rPr>
+          </a:br>
+          <a:r>
+            <a:rPr lang="en-US" sz="1800" b="1" dirty="0" smtClean="0">
+              <a:solidFill>
+                <a:schemeClr val="bg1">
+                  <a:lumMod val="95000"/>
+                  <a:lumOff val="5000"/>
+                </a:schemeClr>
+              </a:solidFill>
+            </a:rPr>
+            <a:t>&lt;</a:t>
+          </a:r>
+          <a:r>
+            <a:rPr lang="en-US" sz="1800" b="1" dirty="0" err="1" smtClean="0">
+              <a:solidFill>
+                <a:schemeClr val="bg1">
+                  <a:lumMod val="95000"/>
+                  <a:lumOff val="5000"/>
+                </a:schemeClr>
+              </a:solidFill>
+            </a:rPr>
+            <a:t>ql</a:t>
+          </a:r>
+          <a:r>
+            <a:rPr lang="en-US" sz="1800" b="1" dirty="0" smtClean="0">
+              <a:solidFill>
+                <a:schemeClr val="bg1">
+                  <a:lumMod val="95000"/>
+                  <a:lumOff val="5000"/>
+                </a:schemeClr>
+              </a:solidFill>
+            </a:rPr>
+            <a:t>/utilities&gt;</a:t>
+          </a:r>
+          <a:endParaRPr lang="en-US" sz="1800" b="1" dirty="0">
+            <a:solidFill>
+              <a:schemeClr val="bg1">
+                <a:lumMod val="95000"/>
+                <a:lumOff val="5000"/>
+              </a:schemeClr>
+            </a:solidFill>
+          </a:endParaRPr>
+        </a:p>
+      </dgm:t>
+    </dgm:pt>
+    <dgm:pt modelId="{F4EBF6EF-D3BA-452F-9992-51264D611D25}" type="parTrans" cxnId="{827E4305-CFB7-4438-BD61-5E2263822395}">
+      <dgm:prSet/>
+      <dgm:spPr/>
+      <dgm:t>
+        <a:bodyPr/>
+        <a:lstStyle/>
+        <a:p>
+          <a:endParaRPr lang="en-US"/>
+        </a:p>
+      </dgm:t>
+    </dgm:pt>
+    <dgm:pt modelId="{CC3F135B-47E5-4011-A137-FB29A2878EEA}" type="sibTrans" cxnId="{827E4305-CFB7-4438-BD61-5E2263822395}">
+      <dgm:prSet/>
+      <dgm:spPr/>
+      <dgm:t>
+        <a:bodyPr/>
+        <a:lstStyle/>
+        <a:p>
+          <a:endParaRPr lang="en-US"/>
+        </a:p>
+      </dgm:t>
+    </dgm:pt>
+    <dgm:pt modelId="{E56B29C0-77D9-4022-BB79-3AD166AF2748}">
+      <dgm:prSet custT="1">
+        <dgm:style>
+          <a:lnRef idx="1">
+            <a:schemeClr val="accent1"/>
+          </a:lnRef>
+          <a:fillRef idx="3">
+            <a:schemeClr val="accent1"/>
+          </a:fillRef>
+          <a:effectRef idx="2">
+            <a:schemeClr val="accent1"/>
+          </a:effectRef>
+          <a:fontRef idx="minor">
+            <a:schemeClr val="lt1"/>
+          </a:fontRef>
+        </dgm:style>
+      </dgm:prSet>
+      <dgm:spPr>
+        <a:ln>
+          <a:solidFill>
+            <a:srgbClr val="FFC000"/>
+          </a:solidFill>
+        </a:ln>
+        <a:effectLst>
+          <a:glow rad="101600">
+            <a:schemeClr val="accent5">
+              <a:satMod val="175000"/>
+              <a:alpha val="40000"/>
+            </a:schemeClr>
+          </a:glow>
+        </a:effectLst>
+      </dgm:spPr>
+      <dgm:t>
+        <a:bodyPr/>
+        <a:lstStyle/>
+        <a:p>
+          <a:r>
+            <a:rPr lang="en-US" sz="1800" b="1" dirty="0" smtClean="0">
+              <a:solidFill>
+                <a:schemeClr val="bg1">
+                  <a:lumMod val="95000"/>
+                  <a:lumOff val="5000"/>
+                </a:schemeClr>
+              </a:solidFill>
+            </a:rPr>
+            <a:t>Numeric types</a:t>
+          </a:r>
+          <a:br>
+            <a:rPr lang="en-US" sz="1800" b="1" dirty="0" smtClean="0">
+              <a:solidFill>
+                <a:schemeClr val="bg1">
+                  <a:lumMod val="95000"/>
+                  <a:lumOff val="5000"/>
+                </a:schemeClr>
+              </a:solidFill>
+            </a:rPr>
+          </a:br>
+          <a:r>
+            <a:rPr lang="en-US" sz="1800" b="1" dirty="0" smtClean="0">
+              <a:solidFill>
+                <a:schemeClr val="bg1">
+                  <a:lumMod val="95000"/>
+                  <a:lumOff val="5000"/>
+                </a:schemeClr>
+              </a:solidFill>
+            </a:rPr>
+            <a:t>&lt;</a:t>
+          </a:r>
+          <a:r>
+            <a:rPr lang="en-US" sz="1800" b="1" dirty="0" err="1" smtClean="0">
+              <a:solidFill>
+                <a:schemeClr val="bg1">
+                  <a:lumMod val="95000"/>
+                  <a:lumOff val="5000"/>
+                </a:schemeClr>
+              </a:solidFill>
+            </a:rPr>
+            <a:t>ql</a:t>
+          </a:r>
+          <a:r>
+            <a:rPr lang="en-US" sz="1800" b="1" dirty="0" smtClean="0">
+              <a:solidFill>
+                <a:schemeClr val="bg1">
+                  <a:lumMod val="95000"/>
+                  <a:lumOff val="5000"/>
+                </a:schemeClr>
+              </a:solidFill>
+            </a:rPr>
+            <a:t>/types.hpp&gt;</a:t>
+          </a:r>
+          <a:endParaRPr lang="en-US" sz="1800" b="1" dirty="0">
+            <a:solidFill>
+              <a:schemeClr val="bg1">
+                <a:lumMod val="95000"/>
+                <a:lumOff val="5000"/>
+              </a:schemeClr>
+            </a:solidFill>
+          </a:endParaRPr>
+        </a:p>
+      </dgm:t>
+    </dgm:pt>
+    <dgm:pt modelId="{181073A3-D400-48EA-A1BA-7AFD51255304}" type="parTrans" cxnId="{ECD0D5EA-5EC0-4FA0-941C-8288CC1F9D97}">
+      <dgm:prSet/>
+      <dgm:spPr/>
+      <dgm:t>
+        <a:bodyPr/>
+        <a:lstStyle/>
+        <a:p>
+          <a:endParaRPr lang="en-US"/>
+        </a:p>
+      </dgm:t>
+    </dgm:pt>
+    <dgm:pt modelId="{8583F6E0-E596-415C-B0AD-D90C9736B651}" type="sibTrans" cxnId="{ECD0D5EA-5EC0-4FA0-941C-8288CC1F9D97}">
+      <dgm:prSet/>
+      <dgm:spPr/>
+      <dgm:t>
+        <a:bodyPr/>
+        <a:lstStyle/>
+        <a:p>
+          <a:endParaRPr lang="en-US"/>
+        </a:p>
+      </dgm:t>
+    </dgm:pt>
+    <dgm:pt modelId="{E2B3A366-141A-4002-BB11-51805E584482}">
+      <dgm:prSet custT="1"/>
+      <dgm:spPr/>
+      <dgm:t>
+        <a:bodyPr/>
+        <a:lstStyle/>
+        <a:p>
+          <a:r>
+            <a:rPr lang="en-US" sz="1800" b="1" dirty="0" smtClean="0">
+              <a:solidFill>
+                <a:schemeClr val="bg1">
+                  <a:lumMod val="95000"/>
+                  <a:lumOff val="5000"/>
+                </a:schemeClr>
+              </a:solidFill>
+            </a:rPr>
+            <a:t>Currencies and FX rates</a:t>
+          </a:r>
+          <a:br>
+            <a:rPr lang="en-US" sz="1800" b="1" dirty="0" smtClean="0">
+              <a:solidFill>
+                <a:schemeClr val="bg1">
+                  <a:lumMod val="95000"/>
+                  <a:lumOff val="5000"/>
+                </a:schemeClr>
+              </a:solidFill>
+            </a:rPr>
+          </a:br>
+          <a:r>
+            <a:rPr lang="en-US" sz="1800" b="1" dirty="0" smtClean="0">
+              <a:solidFill>
+                <a:schemeClr val="bg1">
+                  <a:lumMod val="95000"/>
+                  <a:lumOff val="5000"/>
+                </a:schemeClr>
+              </a:solidFill>
+            </a:rPr>
+            <a:t>&lt;</a:t>
+          </a:r>
+          <a:r>
+            <a:rPr lang="en-US" sz="1800" b="1" dirty="0" err="1" smtClean="0">
+              <a:solidFill>
+                <a:schemeClr val="bg1">
+                  <a:lumMod val="95000"/>
+                  <a:lumOff val="5000"/>
+                </a:schemeClr>
+              </a:solidFill>
+            </a:rPr>
+            <a:t>ql</a:t>
+          </a:r>
+          <a:r>
+            <a:rPr lang="en-US" sz="1800" b="1" dirty="0" smtClean="0">
+              <a:solidFill>
+                <a:schemeClr val="bg1">
+                  <a:lumMod val="95000"/>
+                  <a:lumOff val="5000"/>
+                </a:schemeClr>
+              </a:solidFill>
+            </a:rPr>
+            <a:t>/currencies&gt;</a:t>
+          </a:r>
+          <a:endParaRPr lang="en-US" sz="1800" b="1" dirty="0">
+            <a:solidFill>
+              <a:schemeClr val="bg1">
+                <a:lumMod val="95000"/>
+                <a:lumOff val="5000"/>
+              </a:schemeClr>
+            </a:solidFill>
+          </a:endParaRPr>
+        </a:p>
+      </dgm:t>
+    </dgm:pt>
+    <dgm:pt modelId="{7BD7F695-AE50-4BF3-9878-430846ED5BDC}" type="parTrans" cxnId="{D2229DBD-98B6-416D-A243-39F539EC7BB7}">
+      <dgm:prSet/>
+      <dgm:spPr/>
+      <dgm:t>
+        <a:bodyPr/>
+        <a:lstStyle/>
+        <a:p>
+          <a:endParaRPr lang="en-US"/>
+        </a:p>
+      </dgm:t>
+    </dgm:pt>
+    <dgm:pt modelId="{7F51FEE6-6EC4-4AC9-81C6-6C3C7E54A954}" type="sibTrans" cxnId="{D2229DBD-98B6-416D-A243-39F539EC7BB7}">
+      <dgm:prSet/>
+      <dgm:spPr/>
+      <dgm:t>
+        <a:bodyPr/>
+        <a:lstStyle/>
+        <a:p>
+          <a:endParaRPr lang="en-US"/>
+        </a:p>
+      </dgm:t>
+    </dgm:pt>
+    <dgm:pt modelId="{ABBAFCB6-97D4-4020-B1F8-28172DC4C1C3}">
+      <dgm:prSet custT="1"/>
+      <dgm:spPr/>
+      <dgm:t>
+        <a:bodyPr/>
+        <a:lstStyle/>
+        <a:p>
+          <a:r>
+            <a:rPr lang="en-US" sz="1800" b="1" dirty="0" smtClean="0">
+              <a:solidFill>
+                <a:schemeClr val="bg1">
+                  <a:lumMod val="95000"/>
+                  <a:lumOff val="5000"/>
+                </a:schemeClr>
+              </a:solidFill>
+            </a:rPr>
+            <a:t>Date and time calculations</a:t>
+          </a:r>
+          <a:br>
+            <a:rPr lang="en-US" sz="1800" b="1" dirty="0" smtClean="0">
+              <a:solidFill>
+                <a:schemeClr val="bg1">
+                  <a:lumMod val="95000"/>
+                  <a:lumOff val="5000"/>
+                </a:schemeClr>
+              </a:solidFill>
+            </a:rPr>
+          </a:br>
+          <a:r>
+            <a:rPr lang="en-US" sz="1800" b="1" dirty="0" smtClean="0">
+              <a:solidFill>
+                <a:schemeClr val="bg1">
+                  <a:lumMod val="95000"/>
+                  <a:lumOff val="5000"/>
+                </a:schemeClr>
+              </a:solidFill>
+            </a:rPr>
+            <a:t>&lt;</a:t>
+          </a:r>
+          <a:r>
+            <a:rPr lang="en-US" sz="1800" b="1" dirty="0" err="1" smtClean="0">
+              <a:solidFill>
+                <a:schemeClr val="bg1">
+                  <a:lumMod val="95000"/>
+                  <a:lumOff val="5000"/>
+                </a:schemeClr>
+              </a:solidFill>
+            </a:rPr>
+            <a:t>ql</a:t>
+          </a:r>
+          <a:r>
+            <a:rPr lang="en-US" sz="1800" b="1" dirty="0" smtClean="0">
+              <a:solidFill>
+                <a:schemeClr val="bg1">
+                  <a:lumMod val="95000"/>
+                  <a:lumOff val="5000"/>
+                </a:schemeClr>
+              </a:solidFill>
+            </a:rPr>
+            <a:t>/time&gt;</a:t>
+          </a:r>
+          <a:endParaRPr lang="en-US" sz="1800" b="1" dirty="0">
+            <a:solidFill>
+              <a:schemeClr val="bg1">
+                <a:lumMod val="95000"/>
+                <a:lumOff val="5000"/>
+              </a:schemeClr>
+            </a:solidFill>
+          </a:endParaRPr>
+        </a:p>
+      </dgm:t>
+    </dgm:pt>
+    <dgm:pt modelId="{61AF90AF-FD7C-4ACA-9727-B2815BC509BB}" type="parTrans" cxnId="{AF5EE334-40ED-4FA0-8A68-74EFEE76B0CB}">
+      <dgm:prSet/>
+      <dgm:spPr/>
+      <dgm:t>
+        <a:bodyPr/>
+        <a:lstStyle/>
+        <a:p>
+          <a:endParaRPr lang="en-US"/>
+        </a:p>
+      </dgm:t>
+    </dgm:pt>
+    <dgm:pt modelId="{3D01129D-DB42-4151-807E-FFBF01E67E06}" type="sibTrans" cxnId="{AF5EE334-40ED-4FA0-8A68-74EFEE76B0CB}">
+      <dgm:prSet/>
+      <dgm:spPr/>
+      <dgm:t>
+        <a:bodyPr/>
+        <a:lstStyle/>
+        <a:p>
+          <a:endParaRPr lang="en-US"/>
+        </a:p>
+      </dgm:t>
+    </dgm:pt>
+    <dgm:pt modelId="{013E46F7-AFAA-45F3-9675-8822F98273A2}">
+      <dgm:prSet custT="1"/>
+      <dgm:spPr/>
+      <dgm:t>
+        <a:bodyPr/>
+        <a:lstStyle/>
+        <a:p>
+          <a:r>
+            <a:rPr lang="en-US" sz="1800" b="1" dirty="0" smtClean="0">
+              <a:solidFill>
+                <a:schemeClr val="bg1">
+                  <a:lumMod val="95000"/>
+                  <a:lumOff val="5000"/>
+                </a:schemeClr>
+              </a:solidFill>
+            </a:rPr>
+            <a:t>Math tools</a:t>
+          </a:r>
+          <a:br>
+            <a:rPr lang="en-US" sz="1800" b="1" dirty="0" smtClean="0">
+              <a:solidFill>
+                <a:schemeClr val="bg1">
+                  <a:lumMod val="95000"/>
+                  <a:lumOff val="5000"/>
+                </a:schemeClr>
+              </a:solidFill>
+            </a:rPr>
+          </a:br>
+          <a:r>
+            <a:rPr lang="en-US" sz="1800" b="1" dirty="0" smtClean="0">
+              <a:solidFill>
+                <a:schemeClr val="bg1">
+                  <a:lumMod val="95000"/>
+                  <a:lumOff val="5000"/>
+                </a:schemeClr>
+              </a:solidFill>
+            </a:rPr>
+            <a:t>&lt;</a:t>
+          </a:r>
+          <a:r>
+            <a:rPr lang="en-US" sz="1800" b="1" dirty="0" err="1" smtClean="0">
+              <a:solidFill>
+                <a:schemeClr val="bg1">
+                  <a:lumMod val="95000"/>
+                  <a:lumOff val="5000"/>
+                </a:schemeClr>
+              </a:solidFill>
+            </a:rPr>
+            <a:t>ql</a:t>
+          </a:r>
+          <a:r>
+            <a:rPr lang="en-US" sz="1800" b="1" dirty="0" smtClean="0">
+              <a:solidFill>
+                <a:schemeClr val="bg1">
+                  <a:lumMod val="95000"/>
+                  <a:lumOff val="5000"/>
+                </a:schemeClr>
+              </a:solidFill>
+            </a:rPr>
+            <a:t>/math&gt;</a:t>
+          </a:r>
+          <a:endParaRPr lang="en-US" sz="1800" b="1" dirty="0">
+            <a:solidFill>
+              <a:schemeClr val="bg1">
+                <a:lumMod val="95000"/>
+                <a:lumOff val="5000"/>
+              </a:schemeClr>
+            </a:solidFill>
+          </a:endParaRPr>
+        </a:p>
+      </dgm:t>
+    </dgm:pt>
+    <dgm:pt modelId="{BA734633-7832-49B8-841F-610AAB57A2DE}" type="parTrans" cxnId="{EC4D7E37-7083-4980-B4B5-DF6CB0BC520D}">
+      <dgm:prSet/>
+      <dgm:spPr/>
+      <dgm:t>
+        <a:bodyPr/>
+        <a:lstStyle/>
+        <a:p>
+          <a:endParaRPr lang="en-US"/>
+        </a:p>
+      </dgm:t>
+    </dgm:pt>
+    <dgm:pt modelId="{FF576013-B751-4591-A29E-78E9193C8CEE}" type="sibTrans" cxnId="{EC4D7E37-7083-4980-B4B5-DF6CB0BC520D}">
+      <dgm:prSet/>
+      <dgm:spPr/>
+      <dgm:t>
+        <a:bodyPr/>
+        <a:lstStyle/>
+        <a:p>
+          <a:endParaRPr lang="en-US"/>
+        </a:p>
+      </dgm:t>
+    </dgm:pt>
+    <dgm:pt modelId="{9C8EF1E1-FA61-4EFF-B7C8-EA5617828477}">
+      <dgm:prSet custT="1"/>
+      <dgm:spPr/>
+      <dgm:t>
+        <a:bodyPr/>
+        <a:lstStyle/>
+        <a:p>
+          <a:r>
+            <a:rPr lang="en-US" sz="1800" b="1" dirty="0" smtClean="0">
+              <a:solidFill>
+                <a:schemeClr val="bg1">
+                  <a:lumMod val="95000"/>
+                  <a:lumOff val="5000"/>
+                </a:schemeClr>
+              </a:solidFill>
+            </a:rPr>
+            <a:t>Stochastic &lt;</a:t>
+          </a:r>
+          <a:r>
+            <a:rPr lang="en-US" sz="1800" b="1" dirty="0" err="1" smtClean="0">
+              <a:solidFill>
+                <a:schemeClr val="bg1">
+                  <a:lumMod val="95000"/>
+                  <a:lumOff val="5000"/>
+                </a:schemeClr>
+              </a:solidFill>
+            </a:rPr>
+            <a:t>ql</a:t>
+          </a:r>
+          <a:r>
+            <a:rPr lang="en-US" sz="1800" b="1" dirty="0" smtClean="0">
+              <a:solidFill>
+                <a:schemeClr val="bg1">
+                  <a:lumMod val="95000"/>
+                  <a:lumOff val="5000"/>
+                </a:schemeClr>
+              </a:solidFill>
+            </a:rPr>
+            <a:t>/processes&gt;</a:t>
+          </a:r>
+          <a:endParaRPr lang="en-US" sz="1800" b="1" dirty="0">
+            <a:solidFill>
+              <a:schemeClr val="bg1">
+                <a:lumMod val="95000"/>
+                <a:lumOff val="5000"/>
+              </a:schemeClr>
+            </a:solidFill>
+          </a:endParaRPr>
+        </a:p>
+      </dgm:t>
+    </dgm:pt>
+    <dgm:pt modelId="{D6F386B6-56A2-4022-9F9D-3D82921358B5}" type="parTrans" cxnId="{4B978928-8B26-42ED-933D-1F389B1D5856}">
+      <dgm:prSet/>
+      <dgm:spPr/>
+      <dgm:t>
+        <a:bodyPr/>
+        <a:lstStyle/>
+        <a:p>
+          <a:endParaRPr lang="en-US"/>
+        </a:p>
+      </dgm:t>
+    </dgm:pt>
+    <dgm:pt modelId="{6CD4722A-0BA0-41FC-86F1-03A2662BE932}" type="sibTrans" cxnId="{4B978928-8B26-42ED-933D-1F389B1D5856}">
+      <dgm:prSet/>
+      <dgm:spPr/>
+      <dgm:t>
+        <a:bodyPr/>
+        <a:lstStyle/>
+        <a:p>
+          <a:endParaRPr lang="en-US"/>
+        </a:p>
+      </dgm:t>
+    </dgm:pt>
+    <dgm:pt modelId="{EAE68BA2-AA1D-469F-9FFA-1607351824E6}">
+      <dgm:prSet custT="1"/>
+      <dgm:spPr/>
+      <dgm:t>
+        <a:bodyPr/>
+        <a:lstStyle/>
+        <a:p>
+          <a:r>
+            <a:rPr lang="en-US" sz="1800" b="1" dirty="0" err="1" smtClean="0">
+              <a:solidFill>
+                <a:schemeClr val="bg1">
+                  <a:lumMod val="95000"/>
+                  <a:lumOff val="5000"/>
+                </a:schemeClr>
+              </a:solidFill>
+            </a:rPr>
+            <a:t>Cashflows</a:t>
+          </a:r>
+          <a:r>
+            <a:rPr lang="en-US" sz="1800" b="1" dirty="0" smtClean="0">
+              <a:solidFill>
+                <a:schemeClr val="bg1">
+                  <a:lumMod val="95000"/>
+                  <a:lumOff val="5000"/>
+                </a:schemeClr>
+              </a:solidFill>
+            </a:rPr>
+            <a:t/>
+          </a:r>
+          <a:br>
+            <a:rPr lang="en-US" sz="1800" b="1" dirty="0" smtClean="0">
+              <a:solidFill>
+                <a:schemeClr val="bg1">
+                  <a:lumMod val="95000"/>
+                  <a:lumOff val="5000"/>
+                </a:schemeClr>
+              </a:solidFill>
+            </a:rPr>
+          </a:br>
+          <a:r>
+            <a:rPr lang="en-US" sz="1800" b="1" dirty="0" smtClean="0">
+              <a:solidFill>
+                <a:schemeClr val="bg1">
+                  <a:lumMod val="95000"/>
+                  <a:lumOff val="5000"/>
+                </a:schemeClr>
+              </a:solidFill>
+            </a:rPr>
+            <a:t>&lt;</a:t>
+          </a:r>
+          <a:r>
+            <a:rPr lang="en-US" sz="1800" b="1" dirty="0" err="1" smtClean="0">
+              <a:solidFill>
+                <a:schemeClr val="bg1">
+                  <a:lumMod val="95000"/>
+                  <a:lumOff val="5000"/>
+                </a:schemeClr>
+              </a:solidFill>
+            </a:rPr>
+            <a:t>ql</a:t>
+          </a:r>
+          <a:r>
+            <a:rPr lang="en-US" sz="1800" b="1" dirty="0" smtClean="0">
+              <a:solidFill>
+                <a:schemeClr val="bg1">
+                  <a:lumMod val="95000"/>
+                  <a:lumOff val="5000"/>
+                </a:schemeClr>
+              </a:solidFill>
+            </a:rPr>
+            <a:t>/</a:t>
+          </a:r>
+          <a:r>
+            <a:rPr lang="en-US" sz="1800" b="1" dirty="0" err="1" smtClean="0">
+              <a:solidFill>
+                <a:schemeClr val="bg1">
+                  <a:lumMod val="95000"/>
+                  <a:lumOff val="5000"/>
+                </a:schemeClr>
+              </a:solidFill>
+            </a:rPr>
+            <a:t>cashflows</a:t>
+          </a:r>
+          <a:r>
+            <a:rPr lang="en-US" sz="1800" b="1" dirty="0" smtClean="0">
+              <a:solidFill>
+                <a:schemeClr val="bg1">
+                  <a:lumMod val="95000"/>
+                  <a:lumOff val="5000"/>
+                </a:schemeClr>
+              </a:solidFill>
+            </a:rPr>
+            <a:t>&gt;</a:t>
+          </a:r>
+          <a:endParaRPr lang="en-US" sz="1800" b="1" dirty="0">
+            <a:solidFill>
+              <a:schemeClr val="bg1">
+                <a:lumMod val="95000"/>
+                <a:lumOff val="5000"/>
+              </a:schemeClr>
+            </a:solidFill>
+          </a:endParaRPr>
+        </a:p>
+      </dgm:t>
+    </dgm:pt>
+    <dgm:pt modelId="{08B671D7-A11B-4319-98F7-35529A6D5D93}" type="parTrans" cxnId="{F703313F-A500-4F29-B4DF-13129CEFED8A}">
+      <dgm:prSet/>
+      <dgm:spPr/>
+      <dgm:t>
+        <a:bodyPr/>
+        <a:lstStyle/>
+        <a:p>
+          <a:endParaRPr lang="en-US"/>
+        </a:p>
+      </dgm:t>
+    </dgm:pt>
+    <dgm:pt modelId="{D86A8322-548B-4C6B-B4F8-55D6261F11BF}" type="sibTrans" cxnId="{F703313F-A500-4F29-B4DF-13129CEFED8A}">
+      <dgm:prSet/>
+      <dgm:spPr/>
+      <dgm:t>
+        <a:bodyPr/>
+        <a:lstStyle/>
+        <a:p>
+          <a:endParaRPr lang="en-US"/>
+        </a:p>
+      </dgm:t>
+    </dgm:pt>
+    <dgm:pt modelId="{8106FC76-E90F-4E53-9112-30BF279B7732}">
+      <dgm:prSet custT="1"/>
+      <dgm:spPr/>
+      <dgm:t>
+        <a:bodyPr/>
+        <a:lstStyle/>
+        <a:p>
+          <a:r>
+            <a:rPr lang="en-US" sz="1800" b="1" dirty="0" smtClean="0">
+              <a:solidFill>
+                <a:schemeClr val="bg1">
+                  <a:lumMod val="95000"/>
+                  <a:lumOff val="5000"/>
+                </a:schemeClr>
+              </a:solidFill>
+            </a:rPr>
+            <a:t>Term structures</a:t>
+          </a:r>
+          <a:br>
+            <a:rPr lang="en-US" sz="1800" b="1" dirty="0" smtClean="0">
+              <a:solidFill>
+                <a:schemeClr val="bg1">
+                  <a:lumMod val="95000"/>
+                  <a:lumOff val="5000"/>
+                </a:schemeClr>
+              </a:solidFill>
+            </a:rPr>
+          </a:br>
+          <a:r>
+            <a:rPr lang="en-US" sz="1800" b="1" dirty="0" smtClean="0">
+              <a:solidFill>
+                <a:schemeClr val="bg1">
+                  <a:lumMod val="95000"/>
+                  <a:lumOff val="5000"/>
+                </a:schemeClr>
+              </a:solidFill>
+            </a:rPr>
+            <a:t>&lt;</a:t>
+          </a:r>
+          <a:r>
+            <a:rPr lang="en-US" sz="1800" b="1" dirty="0" err="1" smtClean="0">
+              <a:solidFill>
+                <a:schemeClr val="bg1">
+                  <a:lumMod val="95000"/>
+                  <a:lumOff val="5000"/>
+                </a:schemeClr>
+              </a:solidFill>
+            </a:rPr>
+            <a:t>ql</a:t>
+          </a:r>
+          <a:r>
+            <a:rPr lang="en-US" sz="1800" b="1" dirty="0" smtClean="0">
+              <a:solidFill>
+                <a:schemeClr val="bg1">
+                  <a:lumMod val="95000"/>
+                  <a:lumOff val="5000"/>
+                </a:schemeClr>
+              </a:solidFill>
+            </a:rPr>
+            <a:t>/</a:t>
+          </a:r>
+        </a:p>
+        <a:p>
+          <a:r>
+            <a:rPr lang="en-US" sz="1800" b="1" dirty="0" err="1" smtClean="0">
+              <a:solidFill>
+                <a:schemeClr val="bg1">
+                  <a:lumMod val="95000"/>
+                  <a:lumOff val="5000"/>
+                </a:schemeClr>
+              </a:solidFill>
+            </a:rPr>
+            <a:t>termstructures</a:t>
+          </a:r>
+          <a:r>
+            <a:rPr lang="en-US" sz="1800" b="1" dirty="0" smtClean="0">
+              <a:solidFill>
+                <a:schemeClr val="bg1">
+                  <a:lumMod val="95000"/>
+                  <a:lumOff val="5000"/>
+                </a:schemeClr>
+              </a:solidFill>
+            </a:rPr>
+            <a:t>&gt;</a:t>
+          </a:r>
+          <a:endParaRPr lang="en-US" sz="1800" b="1" dirty="0">
+            <a:solidFill>
+              <a:schemeClr val="bg1">
+                <a:lumMod val="95000"/>
+                <a:lumOff val="5000"/>
+              </a:schemeClr>
+            </a:solidFill>
+          </a:endParaRPr>
+        </a:p>
+      </dgm:t>
+    </dgm:pt>
+    <dgm:pt modelId="{32C33697-2E9F-42F2-96C2-B79C6B21863C}" type="parTrans" cxnId="{BEC76483-E6A7-446E-9D88-FD534A778EA8}">
+      <dgm:prSet/>
+      <dgm:spPr/>
+      <dgm:t>
+        <a:bodyPr/>
+        <a:lstStyle/>
+        <a:p>
+          <a:endParaRPr lang="en-US"/>
+        </a:p>
+      </dgm:t>
+    </dgm:pt>
+    <dgm:pt modelId="{80833B0A-D777-44FD-BE87-7D308AA08227}" type="sibTrans" cxnId="{BEC76483-E6A7-446E-9D88-FD534A778EA8}">
+      <dgm:prSet/>
+      <dgm:spPr/>
+      <dgm:t>
+        <a:bodyPr/>
+        <a:lstStyle/>
+        <a:p>
+          <a:endParaRPr lang="en-US"/>
+        </a:p>
+      </dgm:t>
+    </dgm:pt>
+    <dgm:pt modelId="{B8483860-9286-4D21-A9D4-D058515DF723}">
+      <dgm:prSet custT="1"/>
+      <dgm:spPr/>
+      <dgm:t>
+        <a:bodyPr/>
+        <a:lstStyle/>
+        <a:p>
+          <a:r>
+            <a:rPr lang="en-US" sz="1800" b="1" dirty="0" smtClean="0">
+              <a:solidFill>
+                <a:schemeClr val="bg1">
+                  <a:lumMod val="95000"/>
+                  <a:lumOff val="5000"/>
+                </a:schemeClr>
+              </a:solidFill>
+            </a:rPr>
+            <a:t>Indexes</a:t>
+          </a:r>
+          <a:br>
+            <a:rPr lang="en-US" sz="1800" b="1" dirty="0" smtClean="0">
+              <a:solidFill>
+                <a:schemeClr val="bg1">
+                  <a:lumMod val="95000"/>
+                  <a:lumOff val="5000"/>
+                </a:schemeClr>
+              </a:solidFill>
+            </a:rPr>
+          </a:br>
+          <a:r>
+            <a:rPr lang="en-US" sz="1800" b="1" dirty="0" smtClean="0">
+              <a:solidFill>
+                <a:schemeClr val="bg1">
+                  <a:lumMod val="95000"/>
+                  <a:lumOff val="5000"/>
+                </a:schemeClr>
+              </a:solidFill>
+            </a:rPr>
+            <a:t>&lt;</a:t>
+          </a:r>
+          <a:r>
+            <a:rPr lang="en-US" sz="1800" b="1" dirty="0" err="1" smtClean="0">
+              <a:solidFill>
+                <a:schemeClr val="bg1">
+                  <a:lumMod val="95000"/>
+                  <a:lumOff val="5000"/>
+                </a:schemeClr>
+              </a:solidFill>
+            </a:rPr>
+            <a:t>ql</a:t>
+          </a:r>
+          <a:r>
+            <a:rPr lang="en-US" sz="1800" b="1" dirty="0" smtClean="0">
+              <a:solidFill>
+                <a:schemeClr val="bg1">
+                  <a:lumMod val="95000"/>
+                  <a:lumOff val="5000"/>
+                </a:schemeClr>
+              </a:solidFill>
+            </a:rPr>
+            <a:t>/indexes&gt;</a:t>
+          </a:r>
+          <a:endParaRPr lang="en-US" sz="1800" b="1" dirty="0">
+            <a:solidFill>
+              <a:schemeClr val="bg1">
+                <a:lumMod val="95000"/>
+                <a:lumOff val="5000"/>
+              </a:schemeClr>
+            </a:solidFill>
+          </a:endParaRPr>
+        </a:p>
+      </dgm:t>
+    </dgm:pt>
+    <dgm:pt modelId="{FC78E7BF-8222-4DD0-9BFF-0B44B52A682A}" type="parTrans" cxnId="{4E33D1C0-8FB1-42EB-9149-A4CC904D868F}">
+      <dgm:prSet/>
+      <dgm:spPr/>
+      <dgm:t>
+        <a:bodyPr/>
+        <a:lstStyle/>
+        <a:p>
+          <a:endParaRPr lang="en-US"/>
+        </a:p>
+      </dgm:t>
+    </dgm:pt>
+    <dgm:pt modelId="{5D59D491-8C91-411A-ABFB-6AB275F154A6}" type="sibTrans" cxnId="{4E33D1C0-8FB1-42EB-9149-A4CC904D868F}">
+      <dgm:prSet/>
+      <dgm:spPr/>
+      <dgm:t>
+        <a:bodyPr/>
+        <a:lstStyle/>
+        <a:p>
+          <a:endParaRPr lang="en-US"/>
+        </a:p>
+      </dgm:t>
+    </dgm:pt>
+    <dgm:pt modelId="{458FFFAC-A97C-4FE0-A9DF-2DBFDDD2BB2C}">
+      <dgm:prSet custT="1"/>
+      <dgm:spPr/>
+      <dgm:t>
+        <a:bodyPr/>
+        <a:lstStyle/>
+        <a:p>
+          <a:r>
+            <a:rPr lang="en-US" sz="1800" b="1" dirty="0" smtClean="0">
+              <a:solidFill>
+                <a:schemeClr val="bg1">
+                  <a:lumMod val="95000"/>
+                  <a:lumOff val="5000"/>
+                </a:schemeClr>
+              </a:solidFill>
+            </a:rPr>
+            <a:t>Quotes</a:t>
+          </a:r>
+          <a:br>
+            <a:rPr lang="en-US" sz="1800" b="1" dirty="0" smtClean="0">
+              <a:solidFill>
+                <a:schemeClr val="bg1">
+                  <a:lumMod val="95000"/>
+                  <a:lumOff val="5000"/>
+                </a:schemeClr>
+              </a:solidFill>
+            </a:rPr>
+          </a:br>
+          <a:r>
+            <a:rPr lang="en-US" sz="1800" b="1" dirty="0" smtClean="0">
+              <a:solidFill>
+                <a:schemeClr val="bg1">
+                  <a:lumMod val="95000"/>
+                  <a:lumOff val="5000"/>
+                </a:schemeClr>
+              </a:solidFill>
+            </a:rPr>
+            <a:t>&lt;</a:t>
+          </a:r>
+          <a:r>
+            <a:rPr lang="en-US" sz="1800" b="1" dirty="0" err="1" smtClean="0">
+              <a:solidFill>
+                <a:schemeClr val="bg1">
+                  <a:lumMod val="95000"/>
+                  <a:lumOff val="5000"/>
+                </a:schemeClr>
+              </a:solidFill>
+            </a:rPr>
+            <a:t>ql</a:t>
+          </a:r>
+          <a:r>
+            <a:rPr lang="en-US" sz="1800" b="1" dirty="0" smtClean="0">
+              <a:solidFill>
+                <a:schemeClr val="bg1">
+                  <a:lumMod val="95000"/>
+                  <a:lumOff val="5000"/>
+                </a:schemeClr>
+              </a:solidFill>
+            </a:rPr>
+            <a:t>/quotes&gt;</a:t>
+          </a:r>
+          <a:endParaRPr lang="en-US" sz="1800" b="1" dirty="0">
+            <a:solidFill>
+              <a:schemeClr val="bg1">
+                <a:lumMod val="95000"/>
+                <a:lumOff val="5000"/>
+              </a:schemeClr>
+            </a:solidFill>
+          </a:endParaRPr>
+        </a:p>
+      </dgm:t>
+    </dgm:pt>
+    <dgm:pt modelId="{8795E19B-1886-4D93-B99F-89B574F9CA61}" type="parTrans" cxnId="{71C310F6-DCB6-4DA7-BF88-A6830291BB09}">
+      <dgm:prSet/>
+      <dgm:spPr/>
+      <dgm:t>
+        <a:bodyPr/>
+        <a:lstStyle/>
+        <a:p>
+          <a:endParaRPr lang="en-US"/>
+        </a:p>
+      </dgm:t>
+    </dgm:pt>
+    <dgm:pt modelId="{455F2D5B-CC7E-4C48-AF5E-E2D6ECEB08D0}" type="sibTrans" cxnId="{71C310F6-DCB6-4DA7-BF88-A6830291BB09}">
+      <dgm:prSet/>
+      <dgm:spPr/>
+      <dgm:t>
+        <a:bodyPr/>
+        <a:lstStyle/>
+        <a:p>
+          <a:endParaRPr lang="en-US"/>
+        </a:p>
+      </dgm:t>
+    </dgm:pt>
+    <dgm:pt modelId="{39EEEC24-1E6A-46D4-97D7-D7BE4DCDA6B7}">
+      <dgm:prSet custT="1"/>
+      <dgm:spPr>
+        <a:solidFill>
+          <a:schemeClr val="bg1">
+            <a:lumMod val="85000"/>
+            <a:lumOff val="15000"/>
+          </a:schemeClr>
+        </a:solidFill>
+        <a:ln>
+          <a:solidFill>
+            <a:srgbClr val="FFC000"/>
+          </a:solidFill>
+        </a:ln>
+        <a:effectLst>
+          <a:glow rad="101600">
+            <a:schemeClr val="accent5">
+              <a:satMod val="175000"/>
+              <a:alpha val="40000"/>
+            </a:schemeClr>
+          </a:glow>
+        </a:effectLst>
+      </dgm:spPr>
+      <dgm:t>
+        <a:bodyPr/>
+        <a:lstStyle/>
+        <a:p>
+          <a:r>
+            <a:rPr lang="en-US" sz="1800" b="1" dirty="0" smtClean="0">
+              <a:solidFill>
+                <a:srgbClr val="00B0F0"/>
+              </a:solidFill>
+            </a:rPr>
+            <a:t>Financial instruments</a:t>
+          </a:r>
+          <a:br>
+            <a:rPr lang="en-US" sz="1800" b="1" dirty="0" smtClean="0">
+              <a:solidFill>
+                <a:srgbClr val="00B0F0"/>
+              </a:solidFill>
+            </a:rPr>
+          </a:br>
+          <a:r>
+            <a:rPr lang="en-US" sz="1800" b="1" dirty="0" smtClean="0">
+              <a:solidFill>
+                <a:srgbClr val="00B0F0"/>
+              </a:solidFill>
+            </a:rPr>
+            <a:t>&lt;</a:t>
+          </a:r>
+          <a:r>
+            <a:rPr lang="en-US" sz="1800" b="1" dirty="0" err="1" smtClean="0">
+              <a:solidFill>
+                <a:srgbClr val="00B0F0"/>
+              </a:solidFill>
+            </a:rPr>
+            <a:t>ql</a:t>
+          </a:r>
+          <a:r>
+            <a:rPr lang="en-US" sz="1800" b="1" dirty="0" smtClean="0">
+              <a:solidFill>
+                <a:srgbClr val="00B0F0"/>
+              </a:solidFill>
+            </a:rPr>
+            <a:t>/instruments&gt;</a:t>
+          </a:r>
+          <a:endParaRPr lang="en-US" sz="1800" b="1" dirty="0">
+            <a:solidFill>
+              <a:srgbClr val="00B0F0"/>
+            </a:solidFill>
+          </a:endParaRPr>
+        </a:p>
+      </dgm:t>
+    </dgm:pt>
+    <dgm:pt modelId="{BF0B2BFB-25A7-4C20-ABBE-8B9BA71DB3BC}" type="parTrans" cxnId="{1A162A32-37EC-4847-B92F-C0B9159B9132}">
+      <dgm:prSet/>
+      <dgm:spPr/>
+      <dgm:t>
+        <a:bodyPr/>
+        <a:lstStyle/>
+        <a:p>
+          <a:endParaRPr lang="en-US"/>
+        </a:p>
+      </dgm:t>
+    </dgm:pt>
+    <dgm:pt modelId="{A05C6022-B239-4085-B6AF-4171E73217DC}" type="sibTrans" cxnId="{1A162A32-37EC-4847-B92F-C0B9159B9132}">
+      <dgm:prSet/>
+      <dgm:spPr/>
+      <dgm:t>
+        <a:bodyPr/>
+        <a:lstStyle/>
+        <a:p>
+          <a:endParaRPr lang="en-US"/>
+        </a:p>
+      </dgm:t>
+    </dgm:pt>
+    <dgm:pt modelId="{6E6B3509-C532-4E3E-BABC-19A5EC8EFD53}">
+      <dgm:prSet custT="1"/>
+      <dgm:spPr>
+        <a:solidFill>
+          <a:schemeClr val="bg1">
+            <a:lumMod val="85000"/>
+            <a:lumOff val="15000"/>
+          </a:schemeClr>
+        </a:solidFill>
+        <a:ln>
+          <a:solidFill>
+            <a:srgbClr val="FFC000"/>
+          </a:solidFill>
+        </a:ln>
+        <a:effectLst>
+          <a:glow rad="101600">
+            <a:schemeClr val="accent5">
+              <a:satMod val="175000"/>
+              <a:alpha val="40000"/>
+            </a:schemeClr>
+          </a:glow>
+        </a:effectLst>
+      </dgm:spPr>
+      <dgm:t>
+        <a:bodyPr/>
+        <a:lstStyle/>
+        <a:p>
+          <a:r>
+            <a:rPr lang="en-US" sz="1800" b="1" dirty="0" smtClean="0">
+              <a:solidFill>
+                <a:srgbClr val="00B0F0"/>
+              </a:solidFill>
+            </a:rPr>
+            <a:t>Models</a:t>
+          </a:r>
+          <a:br>
+            <a:rPr lang="en-US" sz="1800" b="1" dirty="0" smtClean="0">
+              <a:solidFill>
+                <a:srgbClr val="00B0F0"/>
+              </a:solidFill>
+            </a:rPr>
+          </a:br>
+          <a:r>
+            <a:rPr lang="en-US" sz="1800" b="1" dirty="0" smtClean="0">
+              <a:solidFill>
+                <a:srgbClr val="00B0F0"/>
+              </a:solidFill>
+            </a:rPr>
+            <a:t>&lt;</a:t>
+          </a:r>
+          <a:r>
+            <a:rPr lang="en-US" sz="1800" b="1" dirty="0" err="1" smtClean="0">
+              <a:solidFill>
+                <a:srgbClr val="00B0F0"/>
+              </a:solidFill>
+            </a:rPr>
+            <a:t>ql</a:t>
+          </a:r>
+          <a:r>
+            <a:rPr lang="en-US" sz="1800" b="1" dirty="0" smtClean="0">
+              <a:solidFill>
+                <a:srgbClr val="00B0F0"/>
+              </a:solidFill>
+            </a:rPr>
+            <a:t>/models&gt;</a:t>
+          </a:r>
+          <a:endParaRPr lang="en-US" sz="1800" b="1" dirty="0">
+            <a:solidFill>
+              <a:srgbClr val="00B0F0"/>
+            </a:solidFill>
+          </a:endParaRPr>
+        </a:p>
+      </dgm:t>
+    </dgm:pt>
+    <dgm:pt modelId="{4960678D-B486-4853-98E6-A35D2D7CB403}" type="parTrans" cxnId="{7CA861F2-D86B-482C-BDB1-7B2D087BF67B}">
+      <dgm:prSet/>
+      <dgm:spPr/>
+      <dgm:t>
+        <a:bodyPr/>
+        <a:lstStyle/>
+        <a:p>
+          <a:endParaRPr lang="en-US"/>
+        </a:p>
+      </dgm:t>
+    </dgm:pt>
+    <dgm:pt modelId="{9ACE6B4D-4845-4A9B-B136-B737CC63C6FD}" type="sibTrans" cxnId="{7CA861F2-D86B-482C-BDB1-7B2D087BF67B}">
+      <dgm:prSet/>
+      <dgm:spPr/>
+      <dgm:t>
+        <a:bodyPr/>
+        <a:lstStyle/>
+        <a:p>
+          <a:endParaRPr lang="en-US"/>
+        </a:p>
+      </dgm:t>
+    </dgm:pt>
+    <dgm:pt modelId="{6DA3FD95-9326-4DC7-91A0-F3F876E31698}">
+      <dgm:prSet custT="1"/>
+      <dgm:spPr>
+        <a:solidFill>
+          <a:schemeClr val="bg1">
+            <a:lumMod val="85000"/>
+            <a:lumOff val="15000"/>
+          </a:schemeClr>
+        </a:solidFill>
+        <a:ln>
+          <a:solidFill>
+            <a:srgbClr val="FFC000"/>
+          </a:solidFill>
+        </a:ln>
+        <a:effectLst>
+          <a:glow rad="101600">
+            <a:schemeClr val="accent5">
+              <a:satMod val="175000"/>
+              <a:alpha val="40000"/>
+            </a:schemeClr>
+          </a:glow>
+        </a:effectLst>
+      </dgm:spPr>
+      <dgm:t>
+        <a:bodyPr/>
+        <a:lstStyle/>
+        <a:p>
+          <a:r>
+            <a:rPr lang="en-US" sz="1800" b="1" dirty="0" smtClean="0">
+              <a:solidFill>
+                <a:srgbClr val="00B0F0"/>
+              </a:solidFill>
+            </a:rPr>
+            <a:t>Methods</a:t>
+          </a:r>
+          <a:br>
+            <a:rPr lang="en-US" sz="1800" b="1" dirty="0" smtClean="0">
+              <a:solidFill>
+                <a:srgbClr val="00B0F0"/>
+              </a:solidFill>
+            </a:rPr>
+          </a:br>
+          <a:r>
+            <a:rPr lang="en-US" sz="1800" b="1" dirty="0" smtClean="0">
+              <a:solidFill>
+                <a:srgbClr val="00B0F0"/>
+              </a:solidFill>
+            </a:rPr>
+            <a:t>&lt;</a:t>
+          </a:r>
+          <a:r>
+            <a:rPr lang="en-US" sz="1800" b="1" dirty="0" err="1" smtClean="0">
+              <a:solidFill>
+                <a:srgbClr val="00B0F0"/>
+              </a:solidFill>
+            </a:rPr>
+            <a:t>ql</a:t>
+          </a:r>
+          <a:r>
+            <a:rPr lang="en-US" sz="1800" b="1" dirty="0" smtClean="0">
+              <a:solidFill>
+                <a:srgbClr val="00B0F0"/>
+              </a:solidFill>
+            </a:rPr>
+            <a:t>/methods&gt;</a:t>
+          </a:r>
+          <a:endParaRPr lang="en-US" sz="1800" b="1" dirty="0">
+            <a:solidFill>
+              <a:srgbClr val="00B0F0"/>
+            </a:solidFill>
+          </a:endParaRPr>
+        </a:p>
+      </dgm:t>
+    </dgm:pt>
+    <dgm:pt modelId="{5F5FD9BA-5F79-4021-AFD2-5BCCF293F993}" type="parTrans" cxnId="{2E2F88F7-BBB5-418E-9F7B-23F1AB3E1BCF}">
+      <dgm:prSet/>
+      <dgm:spPr/>
+      <dgm:t>
+        <a:bodyPr/>
+        <a:lstStyle/>
+        <a:p>
+          <a:endParaRPr lang="en-US"/>
+        </a:p>
+      </dgm:t>
+    </dgm:pt>
+    <dgm:pt modelId="{DD08ECC5-CFDE-447A-AE70-3B4F8F9D9A39}" type="sibTrans" cxnId="{2E2F88F7-BBB5-418E-9F7B-23F1AB3E1BCF}">
+      <dgm:prSet/>
+      <dgm:spPr/>
+      <dgm:t>
+        <a:bodyPr/>
+        <a:lstStyle/>
+        <a:p>
+          <a:endParaRPr lang="en-US"/>
+        </a:p>
+      </dgm:t>
+    </dgm:pt>
+    <dgm:pt modelId="{DF941110-61E7-45C9-ADD3-7C84EF4E37B2}">
+      <dgm:prSet custT="1"/>
+      <dgm:spPr>
+        <a:solidFill>
+          <a:schemeClr val="bg1">
+            <a:lumMod val="85000"/>
+            <a:lumOff val="15000"/>
+          </a:schemeClr>
+        </a:solidFill>
+        <a:ln>
+          <a:solidFill>
+            <a:srgbClr val="FFC000"/>
+          </a:solidFill>
+        </a:ln>
+        <a:effectLst>
+          <a:glow rad="101600">
+            <a:schemeClr val="accent5">
+              <a:satMod val="175000"/>
+              <a:alpha val="40000"/>
+            </a:schemeClr>
+          </a:glow>
+        </a:effectLst>
+      </dgm:spPr>
+      <dgm:t>
+        <a:bodyPr/>
+        <a:lstStyle/>
+        <a:p>
+          <a:r>
+            <a:rPr lang="en-US" sz="1800" b="1" dirty="0" smtClean="0">
+              <a:solidFill>
+                <a:srgbClr val="00B0F0"/>
+              </a:solidFill>
+            </a:rPr>
+            <a:t>Pricing engines</a:t>
+          </a:r>
+          <a:br>
+            <a:rPr lang="en-US" sz="1800" b="1" dirty="0" smtClean="0">
+              <a:solidFill>
+                <a:srgbClr val="00B0F0"/>
+              </a:solidFill>
+            </a:rPr>
+          </a:br>
+          <a:r>
+            <a:rPr lang="en-US" sz="1800" b="1" dirty="0" smtClean="0">
+              <a:solidFill>
+                <a:srgbClr val="00B0F0"/>
+              </a:solidFill>
+            </a:rPr>
+            <a:t>&lt;</a:t>
+          </a:r>
+          <a:r>
+            <a:rPr lang="en-US" sz="1800" b="1" dirty="0" err="1" smtClean="0">
+              <a:solidFill>
+                <a:srgbClr val="00B0F0"/>
+              </a:solidFill>
+            </a:rPr>
+            <a:t>ql</a:t>
+          </a:r>
+          <a:r>
+            <a:rPr lang="en-US" sz="1800" b="1" dirty="0" smtClean="0">
+              <a:solidFill>
+                <a:srgbClr val="00B0F0"/>
+              </a:solidFill>
+            </a:rPr>
+            <a:t>/</a:t>
+          </a:r>
+        </a:p>
+        <a:p>
+          <a:r>
+            <a:rPr lang="en-US" sz="1800" b="1" dirty="0" err="1" smtClean="0">
+              <a:solidFill>
+                <a:srgbClr val="00B0F0"/>
+              </a:solidFill>
+            </a:rPr>
+            <a:t>pricingengines</a:t>
+          </a:r>
+          <a:r>
+            <a:rPr lang="en-US" sz="1800" b="1" dirty="0" smtClean="0">
+              <a:solidFill>
+                <a:srgbClr val="00B0F0"/>
+              </a:solidFill>
+            </a:rPr>
+            <a:t>&gt;</a:t>
+          </a:r>
+          <a:endParaRPr lang="en-US" sz="1800" b="1" dirty="0">
+            <a:solidFill>
+              <a:srgbClr val="00B0F0"/>
+            </a:solidFill>
+          </a:endParaRPr>
+        </a:p>
+      </dgm:t>
+    </dgm:pt>
+    <dgm:pt modelId="{9E7F0F06-ED90-4781-9EAC-2DAEC61CE6A1}" type="parTrans" cxnId="{7A72D317-89D7-4D91-8A23-43FB0C8D4611}">
+      <dgm:prSet/>
+      <dgm:spPr/>
+      <dgm:t>
+        <a:bodyPr/>
+        <a:lstStyle/>
+        <a:p>
+          <a:endParaRPr lang="en-US"/>
+        </a:p>
+      </dgm:t>
+    </dgm:pt>
+    <dgm:pt modelId="{2ADA857A-60AF-45CC-8D83-F2A67AA2DD30}" type="sibTrans" cxnId="{7A72D317-89D7-4D91-8A23-43FB0C8D4611}">
+      <dgm:prSet/>
+      <dgm:spPr/>
+      <dgm:t>
+        <a:bodyPr/>
+        <a:lstStyle/>
+        <a:p>
+          <a:endParaRPr lang="en-US"/>
+        </a:p>
+      </dgm:t>
+    </dgm:pt>
+    <dgm:pt modelId="{3297FF5F-844D-4E17-A855-154B429740AE}" type="pres">
+      <dgm:prSet presAssocID="{28495203-B470-42B2-964A-C44909A03B01}" presName="diagram" presStyleCnt="0">
+        <dgm:presLayoutVars>
+          <dgm:dir/>
+          <dgm:resizeHandles val="exact"/>
+        </dgm:presLayoutVars>
+      </dgm:prSet>
+      <dgm:spPr/>
+      <dgm:t>
+        <a:bodyPr/>
+        <a:lstStyle/>
+        <a:p>
+          <a:endParaRPr lang="en-US"/>
+        </a:p>
+      </dgm:t>
+    </dgm:pt>
+    <dgm:pt modelId="{AC755BD8-DC67-46EF-9D15-700F438CC005}" type="pres">
+      <dgm:prSet presAssocID="{562F99D0-6AB3-4C76-936E-755766763C1D}" presName="node" presStyleLbl="node1" presStyleIdx="0" presStyleCnt="16">
+        <dgm:presLayoutVars>
+          <dgm:bulletEnabled val="1"/>
+        </dgm:presLayoutVars>
+      </dgm:prSet>
+      <dgm:spPr/>
+      <dgm:t>
+        <a:bodyPr/>
+        <a:lstStyle/>
+        <a:p>
+          <a:endParaRPr lang="en-US"/>
+        </a:p>
+      </dgm:t>
+    </dgm:pt>
+    <dgm:pt modelId="{75276895-2CAD-4037-9B59-D657F3BDE8D2}" type="pres">
+      <dgm:prSet presAssocID="{28AE290C-DF1F-40C7-AE8F-56B3E4016A1E}" presName="sibTrans" presStyleCnt="0"/>
+      <dgm:spPr/>
+      <dgm:t>
+        <a:bodyPr/>
+        <a:lstStyle/>
+        <a:p>
+          <a:endParaRPr lang="en-US"/>
+        </a:p>
+      </dgm:t>
+    </dgm:pt>
+    <dgm:pt modelId="{E1B0E9A4-80BC-4BE1-AFC6-851C9D5AEC53}" type="pres">
+      <dgm:prSet presAssocID="{F5FA9416-192F-4DEE-AA7D-AA0CD3B2E886}" presName="node" presStyleLbl="node1" presStyleIdx="1" presStyleCnt="16">
+        <dgm:presLayoutVars>
+          <dgm:bulletEnabled val="1"/>
+        </dgm:presLayoutVars>
+      </dgm:prSet>
+      <dgm:spPr/>
+      <dgm:t>
+        <a:bodyPr/>
+        <a:lstStyle/>
+        <a:p>
+          <a:endParaRPr lang="en-US"/>
+        </a:p>
+      </dgm:t>
+    </dgm:pt>
+    <dgm:pt modelId="{97A45991-4AA5-4915-869E-FBCFB4E101C4}" type="pres">
+      <dgm:prSet presAssocID="{2EBDF58F-3360-41AB-88C0-61EFB1808C8C}" presName="sibTrans" presStyleCnt="0"/>
+      <dgm:spPr/>
+      <dgm:t>
+        <a:bodyPr/>
+        <a:lstStyle/>
+        <a:p>
+          <a:endParaRPr lang="en-US"/>
+        </a:p>
+      </dgm:t>
+    </dgm:pt>
+    <dgm:pt modelId="{F330022E-AEF2-4F3F-987D-D67ADFE6F099}" type="pres">
+      <dgm:prSet presAssocID="{0E96282A-0062-402E-91AF-7B600A4ADD58}" presName="node" presStyleLbl="node1" presStyleIdx="2" presStyleCnt="16">
+        <dgm:presLayoutVars>
+          <dgm:bulletEnabled val="1"/>
+        </dgm:presLayoutVars>
+      </dgm:prSet>
+      <dgm:spPr/>
+      <dgm:t>
+        <a:bodyPr/>
+        <a:lstStyle/>
+        <a:p>
+          <a:endParaRPr lang="en-US"/>
+        </a:p>
+      </dgm:t>
+    </dgm:pt>
+    <dgm:pt modelId="{AA452AF4-73EE-426B-9943-8DDBE935866C}" type="pres">
+      <dgm:prSet presAssocID="{CC3F135B-47E5-4011-A137-FB29A2878EEA}" presName="sibTrans" presStyleCnt="0"/>
+      <dgm:spPr/>
+      <dgm:t>
+        <a:bodyPr/>
+        <a:lstStyle/>
+        <a:p>
+          <a:endParaRPr lang="en-US"/>
+        </a:p>
+      </dgm:t>
+    </dgm:pt>
+    <dgm:pt modelId="{6D247183-54AA-470A-818E-1A1184FF6399}" type="pres">
+      <dgm:prSet presAssocID="{E56B29C0-77D9-4022-BB79-3AD166AF2748}" presName="node" presStyleLbl="node1" presStyleIdx="3" presStyleCnt="16">
+        <dgm:presLayoutVars>
+          <dgm:bulletEnabled val="1"/>
+        </dgm:presLayoutVars>
+      </dgm:prSet>
+      <dgm:spPr/>
+      <dgm:t>
+        <a:bodyPr/>
+        <a:lstStyle/>
+        <a:p>
+          <a:endParaRPr lang="en-US"/>
+        </a:p>
+      </dgm:t>
+    </dgm:pt>
+    <dgm:pt modelId="{8064BA85-5AEF-412B-B2FC-B59DD9946C0A}" type="pres">
+      <dgm:prSet presAssocID="{8583F6E0-E596-415C-B0AD-D90C9736B651}" presName="sibTrans" presStyleCnt="0"/>
+      <dgm:spPr/>
+      <dgm:t>
+        <a:bodyPr/>
+        <a:lstStyle/>
+        <a:p>
+          <a:endParaRPr lang="en-US"/>
+        </a:p>
+      </dgm:t>
+    </dgm:pt>
+    <dgm:pt modelId="{6A53CF5B-9893-4B1C-B44C-E79FBB2092FC}" type="pres">
+      <dgm:prSet presAssocID="{E2B3A366-141A-4002-BB11-51805E584482}" presName="node" presStyleLbl="node1" presStyleIdx="4" presStyleCnt="16">
+        <dgm:presLayoutVars>
+          <dgm:bulletEnabled val="1"/>
+        </dgm:presLayoutVars>
+      </dgm:prSet>
+      <dgm:spPr/>
+      <dgm:t>
+        <a:bodyPr/>
+        <a:lstStyle/>
+        <a:p>
+          <a:endParaRPr lang="en-US"/>
+        </a:p>
+      </dgm:t>
+    </dgm:pt>
+    <dgm:pt modelId="{3FDFB8A3-C8D2-44E3-BB79-ED4052AD1F94}" type="pres">
+      <dgm:prSet presAssocID="{7F51FEE6-6EC4-4AC9-81C6-6C3C7E54A954}" presName="sibTrans" presStyleCnt="0"/>
+      <dgm:spPr/>
+      <dgm:t>
+        <a:bodyPr/>
+        <a:lstStyle/>
+        <a:p>
+          <a:endParaRPr lang="en-US"/>
+        </a:p>
+      </dgm:t>
+    </dgm:pt>
+    <dgm:pt modelId="{2C53E5C2-566A-461A-9257-EDC0680E4DFF}" type="pres">
+      <dgm:prSet presAssocID="{ABBAFCB6-97D4-4020-B1F8-28172DC4C1C3}" presName="node" presStyleLbl="node1" presStyleIdx="5" presStyleCnt="16">
+        <dgm:presLayoutVars>
+          <dgm:bulletEnabled val="1"/>
+        </dgm:presLayoutVars>
+      </dgm:prSet>
+      <dgm:spPr/>
+      <dgm:t>
+        <a:bodyPr/>
+        <a:lstStyle/>
+        <a:p>
+          <a:endParaRPr lang="en-US"/>
+        </a:p>
+      </dgm:t>
+    </dgm:pt>
+    <dgm:pt modelId="{06DFB127-4CC0-4A84-9293-6354C50CCC40}" type="pres">
+      <dgm:prSet presAssocID="{3D01129D-DB42-4151-807E-FFBF01E67E06}" presName="sibTrans" presStyleCnt="0"/>
+      <dgm:spPr/>
+      <dgm:t>
+        <a:bodyPr/>
+        <a:lstStyle/>
+        <a:p>
+          <a:endParaRPr lang="en-US"/>
+        </a:p>
+      </dgm:t>
+    </dgm:pt>
+    <dgm:pt modelId="{74DEC44E-F9F0-4333-A04E-3F9D13DDA045}" type="pres">
+      <dgm:prSet presAssocID="{013E46F7-AFAA-45F3-9675-8822F98273A2}" presName="node" presStyleLbl="node1" presStyleIdx="6" presStyleCnt="16">
+        <dgm:presLayoutVars>
+          <dgm:bulletEnabled val="1"/>
+        </dgm:presLayoutVars>
+      </dgm:prSet>
+      <dgm:spPr/>
+      <dgm:t>
+        <a:bodyPr/>
+        <a:lstStyle/>
+        <a:p>
+          <a:endParaRPr lang="en-US"/>
+        </a:p>
+      </dgm:t>
+    </dgm:pt>
+    <dgm:pt modelId="{BE8C9ADF-10B5-4555-8734-D1C4DF6901EE}" type="pres">
+      <dgm:prSet presAssocID="{FF576013-B751-4591-A29E-78E9193C8CEE}" presName="sibTrans" presStyleCnt="0"/>
+      <dgm:spPr/>
+      <dgm:t>
+        <a:bodyPr/>
+        <a:lstStyle/>
+        <a:p>
+          <a:endParaRPr lang="en-US"/>
+        </a:p>
+      </dgm:t>
+    </dgm:pt>
+    <dgm:pt modelId="{C31FE0EB-84D7-4A83-B6CE-DC7E615AAA5D}" type="pres">
+      <dgm:prSet presAssocID="{9C8EF1E1-FA61-4EFF-B7C8-EA5617828477}" presName="node" presStyleLbl="node1" presStyleIdx="7" presStyleCnt="16">
+        <dgm:presLayoutVars>
+          <dgm:bulletEnabled val="1"/>
+        </dgm:presLayoutVars>
+      </dgm:prSet>
+      <dgm:spPr/>
+      <dgm:t>
+        <a:bodyPr/>
+        <a:lstStyle/>
+        <a:p>
+          <a:endParaRPr lang="en-US"/>
+        </a:p>
+      </dgm:t>
+    </dgm:pt>
+    <dgm:pt modelId="{0B5B26EB-EAD0-4972-A820-E763BA28A267}" type="pres">
+      <dgm:prSet presAssocID="{6CD4722A-0BA0-41FC-86F1-03A2662BE932}" presName="sibTrans" presStyleCnt="0"/>
+      <dgm:spPr/>
+      <dgm:t>
+        <a:bodyPr/>
+        <a:lstStyle/>
+        <a:p>
+          <a:endParaRPr lang="en-US"/>
+        </a:p>
+      </dgm:t>
+    </dgm:pt>
+    <dgm:pt modelId="{50649DEC-791A-4FF7-9B18-579EC07E270C}" type="pres">
+      <dgm:prSet presAssocID="{EAE68BA2-AA1D-469F-9FFA-1607351824E6}" presName="node" presStyleLbl="node1" presStyleIdx="8" presStyleCnt="16">
+        <dgm:presLayoutVars>
+          <dgm:bulletEnabled val="1"/>
+        </dgm:presLayoutVars>
+      </dgm:prSet>
+      <dgm:spPr/>
+      <dgm:t>
+        <a:bodyPr/>
+        <a:lstStyle/>
+        <a:p>
+          <a:endParaRPr lang="en-US"/>
+        </a:p>
+      </dgm:t>
+    </dgm:pt>
+    <dgm:pt modelId="{29AEC669-2044-450C-8275-9A94005339DB}" type="pres">
+      <dgm:prSet presAssocID="{D86A8322-548B-4C6B-B4F8-55D6261F11BF}" presName="sibTrans" presStyleCnt="0"/>
+      <dgm:spPr/>
+      <dgm:t>
+        <a:bodyPr/>
+        <a:lstStyle/>
+        <a:p>
+          <a:endParaRPr lang="en-US"/>
+        </a:p>
+      </dgm:t>
+    </dgm:pt>
+    <dgm:pt modelId="{9F8A8351-82EF-4AE4-82D6-56EA0A0B511F}" type="pres">
+      <dgm:prSet presAssocID="{8106FC76-E90F-4E53-9112-30BF279B7732}" presName="node" presStyleLbl="node1" presStyleIdx="9" presStyleCnt="16">
+        <dgm:presLayoutVars>
+          <dgm:bulletEnabled val="1"/>
+        </dgm:presLayoutVars>
+      </dgm:prSet>
+      <dgm:spPr/>
+      <dgm:t>
+        <a:bodyPr/>
+        <a:lstStyle/>
+        <a:p>
+          <a:endParaRPr lang="en-US"/>
+        </a:p>
+      </dgm:t>
+    </dgm:pt>
+    <dgm:pt modelId="{81C983E8-43DA-478E-98C2-56DA909FF988}" type="pres">
+      <dgm:prSet presAssocID="{80833B0A-D777-44FD-BE87-7D308AA08227}" presName="sibTrans" presStyleCnt="0"/>
+      <dgm:spPr/>
+      <dgm:t>
+        <a:bodyPr/>
+        <a:lstStyle/>
+        <a:p>
+          <a:endParaRPr lang="en-US"/>
+        </a:p>
+      </dgm:t>
+    </dgm:pt>
+    <dgm:pt modelId="{86017A4D-0547-4BD9-8D95-8425BFFB89D0}" type="pres">
+      <dgm:prSet presAssocID="{B8483860-9286-4D21-A9D4-D058515DF723}" presName="node" presStyleLbl="node1" presStyleIdx="10" presStyleCnt="16">
+        <dgm:presLayoutVars>
+          <dgm:bulletEnabled val="1"/>
+        </dgm:presLayoutVars>
+      </dgm:prSet>
+      <dgm:spPr/>
+      <dgm:t>
+        <a:bodyPr/>
+        <a:lstStyle/>
+        <a:p>
+          <a:endParaRPr lang="en-US"/>
+        </a:p>
+      </dgm:t>
+    </dgm:pt>
+    <dgm:pt modelId="{AB181113-51B2-40A9-BB34-279AEFB96280}" type="pres">
+      <dgm:prSet presAssocID="{5D59D491-8C91-411A-ABFB-6AB275F154A6}" presName="sibTrans" presStyleCnt="0"/>
+      <dgm:spPr/>
+      <dgm:t>
+        <a:bodyPr/>
+        <a:lstStyle/>
+        <a:p>
+          <a:endParaRPr lang="en-US"/>
+        </a:p>
+      </dgm:t>
+    </dgm:pt>
+    <dgm:pt modelId="{138AFA0B-F911-438F-9D6E-4483510E0887}" type="pres">
+      <dgm:prSet presAssocID="{458FFFAC-A97C-4FE0-A9DF-2DBFDDD2BB2C}" presName="node" presStyleLbl="node1" presStyleIdx="11" presStyleCnt="16">
+        <dgm:presLayoutVars>
+          <dgm:bulletEnabled val="1"/>
+        </dgm:presLayoutVars>
+      </dgm:prSet>
+      <dgm:spPr/>
+      <dgm:t>
+        <a:bodyPr/>
+        <a:lstStyle/>
+        <a:p>
+          <a:endParaRPr lang="en-US"/>
+        </a:p>
+      </dgm:t>
+    </dgm:pt>
+    <dgm:pt modelId="{CF64C03F-5FB1-4366-ADBA-E86AB6A1F93A}" type="pres">
+      <dgm:prSet presAssocID="{455F2D5B-CC7E-4C48-AF5E-E2D6ECEB08D0}" presName="sibTrans" presStyleCnt="0"/>
+      <dgm:spPr/>
+      <dgm:t>
+        <a:bodyPr/>
+        <a:lstStyle/>
+        <a:p>
+          <a:endParaRPr lang="en-US"/>
+        </a:p>
+      </dgm:t>
+    </dgm:pt>
+    <dgm:pt modelId="{4EF6EB47-A064-400A-807C-204EE74E3E61}" type="pres">
+      <dgm:prSet presAssocID="{39EEEC24-1E6A-46D4-97D7-D7BE4DCDA6B7}" presName="node" presStyleLbl="node1" presStyleIdx="12" presStyleCnt="16">
+        <dgm:presLayoutVars>
+          <dgm:bulletEnabled val="1"/>
+        </dgm:presLayoutVars>
+      </dgm:prSet>
+      <dgm:spPr/>
+      <dgm:t>
+        <a:bodyPr/>
+        <a:lstStyle/>
+        <a:p>
+          <a:endParaRPr lang="en-US"/>
+        </a:p>
+      </dgm:t>
+    </dgm:pt>
+    <dgm:pt modelId="{87771E4F-EA3D-4314-9969-373E871C26D4}" type="pres">
+      <dgm:prSet presAssocID="{A05C6022-B239-4085-B6AF-4171E73217DC}" presName="sibTrans" presStyleCnt="0"/>
+      <dgm:spPr/>
+      <dgm:t>
+        <a:bodyPr/>
+        <a:lstStyle/>
+        <a:p>
+          <a:endParaRPr lang="en-US"/>
+        </a:p>
+      </dgm:t>
+    </dgm:pt>
+    <dgm:pt modelId="{25EF8A6E-5345-4F34-9AFD-D8E4DF2CC5DA}" type="pres">
+      <dgm:prSet presAssocID="{6E6B3509-C532-4E3E-BABC-19A5EC8EFD53}" presName="node" presStyleLbl="node1" presStyleIdx="13" presStyleCnt="16">
+        <dgm:presLayoutVars>
+          <dgm:bulletEnabled val="1"/>
+        </dgm:presLayoutVars>
+      </dgm:prSet>
+      <dgm:spPr/>
+      <dgm:t>
+        <a:bodyPr/>
+        <a:lstStyle/>
+        <a:p>
+          <a:endParaRPr lang="en-US"/>
+        </a:p>
+      </dgm:t>
+    </dgm:pt>
+    <dgm:pt modelId="{30DC84A0-D884-426C-B97E-BFB718A6487E}" type="pres">
+      <dgm:prSet presAssocID="{9ACE6B4D-4845-4A9B-B136-B737CC63C6FD}" presName="sibTrans" presStyleCnt="0"/>
+      <dgm:spPr/>
+      <dgm:t>
+        <a:bodyPr/>
+        <a:lstStyle/>
+        <a:p>
+          <a:endParaRPr lang="en-US"/>
+        </a:p>
+      </dgm:t>
+    </dgm:pt>
+    <dgm:pt modelId="{3E1C0D1B-A561-4DCF-A5F1-08D512C181E2}" type="pres">
+      <dgm:prSet presAssocID="{6DA3FD95-9326-4DC7-91A0-F3F876E31698}" presName="node" presStyleLbl="node1" presStyleIdx="14" presStyleCnt="16">
+        <dgm:presLayoutVars>
+          <dgm:bulletEnabled val="1"/>
+        </dgm:presLayoutVars>
+      </dgm:prSet>
+      <dgm:spPr/>
+      <dgm:t>
+        <a:bodyPr/>
+        <a:lstStyle/>
+        <a:p>
+          <a:endParaRPr lang="en-US"/>
+        </a:p>
+      </dgm:t>
+    </dgm:pt>
+    <dgm:pt modelId="{FD295CB8-9972-407D-A5D0-7E1D98E6E23E}" type="pres">
+      <dgm:prSet presAssocID="{DD08ECC5-CFDE-447A-AE70-3B4F8F9D9A39}" presName="sibTrans" presStyleCnt="0"/>
+      <dgm:spPr/>
+      <dgm:t>
+        <a:bodyPr/>
+        <a:lstStyle/>
+        <a:p>
+          <a:endParaRPr lang="en-US"/>
+        </a:p>
+      </dgm:t>
+    </dgm:pt>
+    <dgm:pt modelId="{3D17B0CD-4579-410F-A86F-1AE519060AAD}" type="pres">
+      <dgm:prSet presAssocID="{DF941110-61E7-45C9-ADD3-7C84EF4E37B2}" presName="node" presStyleLbl="node1" presStyleIdx="15" presStyleCnt="16">
+        <dgm:presLayoutVars>
+          <dgm:bulletEnabled val="1"/>
+        </dgm:presLayoutVars>
+      </dgm:prSet>
+      <dgm:spPr/>
+      <dgm:t>
+        <a:bodyPr/>
+        <a:lstStyle/>
+        <a:p>
+          <a:endParaRPr lang="en-US"/>
+        </a:p>
+      </dgm:t>
+    </dgm:pt>
+  </dgm:ptLst>
+  <dgm:cxnLst>
+    <dgm:cxn modelId="{827E4305-CFB7-4438-BD61-5E2263822395}" srcId="{28495203-B470-42B2-964A-C44909A03B01}" destId="{0E96282A-0062-402E-91AF-7B600A4ADD58}" srcOrd="2" destOrd="0" parTransId="{F4EBF6EF-D3BA-452F-9992-51264D611D25}" sibTransId="{CC3F135B-47E5-4011-A137-FB29A2878EEA}"/>
+    <dgm:cxn modelId="{C5BA9F1E-9566-46A9-AD9A-416ADE0C757A}" type="presOf" srcId="{458FFFAC-A97C-4FE0-A9DF-2DBFDDD2BB2C}" destId="{138AFA0B-F911-438F-9D6E-4483510E0887}" srcOrd="0" destOrd="0" presId="urn:microsoft.com/office/officeart/2005/8/layout/default"/>
+    <dgm:cxn modelId="{CCF6B7CA-2576-464A-B788-6A9CEE01A7C9}" srcId="{28495203-B470-42B2-964A-C44909A03B01}" destId="{562F99D0-6AB3-4C76-936E-755766763C1D}" srcOrd="0" destOrd="0" parTransId="{5ED5535B-65A7-4496-99FD-A661532CFDAE}" sibTransId="{28AE290C-DF1F-40C7-AE8F-56B3E4016A1E}"/>
+    <dgm:cxn modelId="{AF5EE334-40ED-4FA0-8A68-74EFEE76B0CB}" srcId="{28495203-B470-42B2-964A-C44909A03B01}" destId="{ABBAFCB6-97D4-4020-B1F8-28172DC4C1C3}" srcOrd="5" destOrd="0" parTransId="{61AF90AF-FD7C-4ACA-9727-B2815BC509BB}" sibTransId="{3D01129D-DB42-4151-807E-FFBF01E67E06}"/>
+    <dgm:cxn modelId="{D2229DBD-98B6-416D-A243-39F539EC7BB7}" srcId="{28495203-B470-42B2-964A-C44909A03B01}" destId="{E2B3A366-141A-4002-BB11-51805E584482}" srcOrd="4" destOrd="0" parTransId="{7BD7F695-AE50-4BF3-9878-430846ED5BDC}" sibTransId="{7F51FEE6-6EC4-4AC9-81C6-6C3C7E54A954}"/>
+    <dgm:cxn modelId="{BEC76483-E6A7-446E-9D88-FD534A778EA8}" srcId="{28495203-B470-42B2-964A-C44909A03B01}" destId="{8106FC76-E90F-4E53-9112-30BF279B7732}" srcOrd="9" destOrd="0" parTransId="{32C33697-2E9F-42F2-96C2-B79C6B21863C}" sibTransId="{80833B0A-D777-44FD-BE87-7D308AA08227}"/>
+    <dgm:cxn modelId="{1A162A32-37EC-4847-B92F-C0B9159B9132}" srcId="{28495203-B470-42B2-964A-C44909A03B01}" destId="{39EEEC24-1E6A-46D4-97D7-D7BE4DCDA6B7}" srcOrd="12" destOrd="0" parTransId="{BF0B2BFB-25A7-4C20-ABBE-8B9BA71DB3BC}" sibTransId="{A05C6022-B239-4085-B6AF-4171E73217DC}"/>
+    <dgm:cxn modelId="{4B978928-8B26-42ED-933D-1F389B1D5856}" srcId="{28495203-B470-42B2-964A-C44909A03B01}" destId="{9C8EF1E1-FA61-4EFF-B7C8-EA5617828477}" srcOrd="7" destOrd="0" parTransId="{D6F386B6-56A2-4022-9F9D-3D82921358B5}" sibTransId="{6CD4722A-0BA0-41FC-86F1-03A2662BE932}"/>
+    <dgm:cxn modelId="{440D0FED-8C30-4C1B-9C95-316CC6AC00EC}" type="presOf" srcId="{8106FC76-E90F-4E53-9112-30BF279B7732}" destId="{9F8A8351-82EF-4AE4-82D6-56EA0A0B511F}" srcOrd="0" destOrd="0" presId="urn:microsoft.com/office/officeart/2005/8/layout/default"/>
+    <dgm:cxn modelId="{D95C9A6B-116D-4FAF-B0F9-93572A4F88D7}" srcId="{28495203-B470-42B2-964A-C44909A03B01}" destId="{F5FA9416-192F-4DEE-AA7D-AA0CD3B2E886}" srcOrd="1" destOrd="0" parTransId="{334D663A-6FEE-43D7-99FB-126EFC9E0533}" sibTransId="{2EBDF58F-3360-41AB-88C0-61EFB1808C8C}"/>
+    <dgm:cxn modelId="{77954780-7939-489B-826C-45ECF311910B}" type="presOf" srcId="{B8483860-9286-4D21-A9D4-D058515DF723}" destId="{86017A4D-0547-4BD9-8D95-8425BFFB89D0}" srcOrd="0" destOrd="0" presId="urn:microsoft.com/office/officeart/2005/8/layout/default"/>
+    <dgm:cxn modelId="{EC4D7E37-7083-4980-B4B5-DF6CB0BC520D}" srcId="{28495203-B470-42B2-964A-C44909A03B01}" destId="{013E46F7-AFAA-45F3-9675-8822F98273A2}" srcOrd="6" destOrd="0" parTransId="{BA734633-7832-49B8-841F-610AAB57A2DE}" sibTransId="{FF576013-B751-4591-A29E-78E9193C8CEE}"/>
+    <dgm:cxn modelId="{74536551-0796-4D9D-A5B0-20AD1EB5CBDC}" type="presOf" srcId="{9C8EF1E1-FA61-4EFF-B7C8-EA5617828477}" destId="{C31FE0EB-84D7-4A83-B6CE-DC7E615AAA5D}" srcOrd="0" destOrd="0" presId="urn:microsoft.com/office/officeart/2005/8/layout/default"/>
+    <dgm:cxn modelId="{2E2F88F7-BBB5-418E-9F7B-23F1AB3E1BCF}" srcId="{28495203-B470-42B2-964A-C44909A03B01}" destId="{6DA3FD95-9326-4DC7-91A0-F3F876E31698}" srcOrd="14" destOrd="0" parTransId="{5F5FD9BA-5F79-4021-AFD2-5BCCF293F993}" sibTransId="{DD08ECC5-CFDE-447A-AE70-3B4F8F9D9A39}"/>
+    <dgm:cxn modelId="{857B140F-7CF7-473A-8122-F777B4E82001}" type="presOf" srcId="{28495203-B470-42B2-964A-C44909A03B01}" destId="{3297FF5F-844D-4E17-A855-154B429740AE}" srcOrd="0" destOrd="0" presId="urn:microsoft.com/office/officeart/2005/8/layout/default"/>
+    <dgm:cxn modelId="{8FE90030-BA4F-4414-AF0C-EEC564A4992C}" type="presOf" srcId="{ABBAFCB6-97D4-4020-B1F8-28172DC4C1C3}" destId="{2C53E5C2-566A-461A-9257-EDC0680E4DFF}" srcOrd="0" destOrd="0" presId="urn:microsoft.com/office/officeart/2005/8/layout/default"/>
+    <dgm:cxn modelId="{BDB82987-A4E4-4906-8A94-77B83D556E4B}" type="presOf" srcId="{013E46F7-AFAA-45F3-9675-8822F98273A2}" destId="{74DEC44E-F9F0-4333-A04E-3F9D13DDA045}" srcOrd="0" destOrd="0" presId="urn:microsoft.com/office/officeart/2005/8/layout/default"/>
+    <dgm:cxn modelId="{B8FC86BE-5CE4-427C-810D-B23255B46647}" type="presOf" srcId="{E2B3A366-141A-4002-BB11-51805E584482}" destId="{6A53CF5B-9893-4B1C-B44C-E79FBB2092FC}" srcOrd="0" destOrd="0" presId="urn:microsoft.com/office/officeart/2005/8/layout/default"/>
+    <dgm:cxn modelId="{699722AD-1E43-42FA-BED2-4333ADD98A8B}" type="presOf" srcId="{F5FA9416-192F-4DEE-AA7D-AA0CD3B2E886}" destId="{E1B0E9A4-80BC-4BE1-AFC6-851C9D5AEC53}" srcOrd="0" destOrd="0" presId="urn:microsoft.com/office/officeart/2005/8/layout/default"/>
+    <dgm:cxn modelId="{D7DBCB06-4AA6-4B9F-AE85-53C662986B73}" type="presOf" srcId="{0E96282A-0062-402E-91AF-7B600A4ADD58}" destId="{F330022E-AEF2-4F3F-987D-D67ADFE6F099}" srcOrd="0" destOrd="0" presId="urn:microsoft.com/office/officeart/2005/8/layout/default"/>
+    <dgm:cxn modelId="{285E0963-D645-40A7-B0F0-C43E1EDA3F94}" type="presOf" srcId="{39EEEC24-1E6A-46D4-97D7-D7BE4DCDA6B7}" destId="{4EF6EB47-A064-400A-807C-204EE74E3E61}" srcOrd="0" destOrd="0" presId="urn:microsoft.com/office/officeart/2005/8/layout/default"/>
+    <dgm:cxn modelId="{4FB7C848-7784-4092-A42E-C034DB2630A8}" type="presOf" srcId="{562F99D0-6AB3-4C76-936E-755766763C1D}" destId="{AC755BD8-DC67-46EF-9D15-700F438CC005}" srcOrd="0" destOrd="0" presId="urn:microsoft.com/office/officeart/2005/8/layout/default"/>
+    <dgm:cxn modelId="{7A72D317-89D7-4D91-8A23-43FB0C8D4611}" srcId="{28495203-B470-42B2-964A-C44909A03B01}" destId="{DF941110-61E7-45C9-ADD3-7C84EF4E37B2}" srcOrd="15" destOrd="0" parTransId="{9E7F0F06-ED90-4781-9EAC-2DAEC61CE6A1}" sibTransId="{2ADA857A-60AF-45CC-8D83-F2A67AA2DD30}"/>
+    <dgm:cxn modelId="{4E33D1C0-8FB1-42EB-9149-A4CC904D868F}" srcId="{28495203-B470-42B2-964A-C44909A03B01}" destId="{B8483860-9286-4D21-A9D4-D058515DF723}" srcOrd="10" destOrd="0" parTransId="{FC78E7BF-8222-4DD0-9BFF-0B44B52A682A}" sibTransId="{5D59D491-8C91-411A-ABFB-6AB275F154A6}"/>
+    <dgm:cxn modelId="{9E2286B0-1A52-4CF7-BEB7-113576E9D3D0}" type="presOf" srcId="{6DA3FD95-9326-4DC7-91A0-F3F876E31698}" destId="{3E1C0D1B-A561-4DCF-A5F1-08D512C181E2}" srcOrd="0" destOrd="0" presId="urn:microsoft.com/office/officeart/2005/8/layout/default"/>
+    <dgm:cxn modelId="{71C310F6-DCB6-4DA7-BF88-A6830291BB09}" srcId="{28495203-B470-42B2-964A-C44909A03B01}" destId="{458FFFAC-A97C-4FE0-A9DF-2DBFDDD2BB2C}" srcOrd="11" destOrd="0" parTransId="{8795E19B-1886-4D93-B99F-89B574F9CA61}" sibTransId="{455F2D5B-CC7E-4C48-AF5E-E2D6ECEB08D0}"/>
+    <dgm:cxn modelId="{F703313F-A500-4F29-B4DF-13129CEFED8A}" srcId="{28495203-B470-42B2-964A-C44909A03B01}" destId="{EAE68BA2-AA1D-469F-9FFA-1607351824E6}" srcOrd="8" destOrd="0" parTransId="{08B671D7-A11B-4319-98F7-35529A6D5D93}" sibTransId="{D86A8322-548B-4C6B-B4F8-55D6261F11BF}"/>
+    <dgm:cxn modelId="{ECD0D5EA-5EC0-4FA0-941C-8288CC1F9D97}" srcId="{28495203-B470-42B2-964A-C44909A03B01}" destId="{E56B29C0-77D9-4022-BB79-3AD166AF2748}" srcOrd="3" destOrd="0" parTransId="{181073A3-D400-48EA-A1BA-7AFD51255304}" sibTransId="{8583F6E0-E596-415C-B0AD-D90C9736B651}"/>
+    <dgm:cxn modelId="{9B6AE4E9-06BC-488C-A859-1641181D8039}" type="presOf" srcId="{DF941110-61E7-45C9-ADD3-7C84EF4E37B2}" destId="{3D17B0CD-4579-410F-A86F-1AE519060AAD}" srcOrd="0" destOrd="0" presId="urn:microsoft.com/office/officeart/2005/8/layout/default"/>
+    <dgm:cxn modelId="{95E4EE2F-E116-4C67-B46B-44F8CD56C0E3}" type="presOf" srcId="{6E6B3509-C532-4E3E-BABC-19A5EC8EFD53}" destId="{25EF8A6E-5345-4F34-9AFD-D8E4DF2CC5DA}" srcOrd="0" destOrd="0" presId="urn:microsoft.com/office/officeart/2005/8/layout/default"/>
+    <dgm:cxn modelId="{E5802E37-D108-434B-B399-4DACB4243DE1}" type="presOf" srcId="{E56B29C0-77D9-4022-BB79-3AD166AF2748}" destId="{6D247183-54AA-470A-818E-1A1184FF6399}" srcOrd="0" destOrd="0" presId="urn:microsoft.com/office/officeart/2005/8/layout/default"/>
+    <dgm:cxn modelId="{2273884C-03B6-4F2C-AA33-4788FCE715BC}" type="presOf" srcId="{EAE68BA2-AA1D-469F-9FFA-1607351824E6}" destId="{50649DEC-791A-4FF7-9B18-579EC07E270C}" srcOrd="0" destOrd="0" presId="urn:microsoft.com/office/officeart/2005/8/layout/default"/>
+    <dgm:cxn modelId="{7CA861F2-D86B-482C-BDB1-7B2D087BF67B}" srcId="{28495203-B470-42B2-964A-C44909A03B01}" destId="{6E6B3509-C532-4E3E-BABC-19A5EC8EFD53}" srcOrd="13" destOrd="0" parTransId="{4960678D-B486-4853-98E6-A35D2D7CB403}" sibTransId="{9ACE6B4D-4845-4A9B-B136-B737CC63C6FD}"/>
+    <dgm:cxn modelId="{2B92CF67-E05E-4131-952A-319689522389}" type="presParOf" srcId="{3297FF5F-844D-4E17-A855-154B429740AE}" destId="{AC755BD8-DC67-46EF-9D15-700F438CC005}" srcOrd="0" destOrd="0" presId="urn:microsoft.com/office/officeart/2005/8/layout/default"/>
+    <dgm:cxn modelId="{CC0E8FAC-39D7-4946-B8FB-4BEB8819491A}" type="presParOf" srcId="{3297FF5F-844D-4E17-A855-154B429740AE}" destId="{75276895-2CAD-4037-9B59-D657F3BDE8D2}" srcOrd="1" destOrd="0" presId="urn:microsoft.com/office/officeart/2005/8/layout/default"/>
+    <dgm:cxn modelId="{EE38A66B-EEAF-4980-8877-9D2F947D2125}" type="presParOf" srcId="{3297FF5F-844D-4E17-A855-154B429740AE}" destId="{E1B0E9A4-80BC-4BE1-AFC6-851C9D5AEC53}" srcOrd="2" destOrd="0" presId="urn:microsoft.com/office/officeart/2005/8/layout/default"/>
+    <dgm:cxn modelId="{3031A8C6-5DA2-4DCA-9ACE-7CA07F5FC4BF}" type="presParOf" srcId="{3297FF5F-844D-4E17-A855-154B429740AE}" destId="{97A45991-4AA5-4915-869E-FBCFB4E101C4}" srcOrd="3" destOrd="0" presId="urn:microsoft.com/office/officeart/2005/8/layout/default"/>
+    <dgm:cxn modelId="{17952672-ADBE-4A3B-AC85-7C64C7AAD553}" type="presParOf" srcId="{3297FF5F-844D-4E17-A855-154B429740AE}" destId="{F330022E-AEF2-4F3F-987D-D67ADFE6F099}" srcOrd="4" destOrd="0" presId="urn:microsoft.com/office/officeart/2005/8/layout/default"/>
+    <dgm:cxn modelId="{F9E86264-E9F2-4284-986F-63DB3C3946F5}" type="presParOf" srcId="{3297FF5F-844D-4E17-A855-154B429740AE}" destId="{AA452AF4-73EE-426B-9943-8DDBE935866C}" srcOrd="5" destOrd="0" presId="urn:microsoft.com/office/officeart/2005/8/layout/default"/>
+    <dgm:cxn modelId="{6CB2A009-8B68-44E6-9F1A-3035C798C32E}" type="presParOf" srcId="{3297FF5F-844D-4E17-A855-154B429740AE}" destId="{6D247183-54AA-470A-818E-1A1184FF6399}" srcOrd="6" destOrd="0" presId="urn:microsoft.com/office/officeart/2005/8/layout/default"/>
+    <dgm:cxn modelId="{B2A85B6A-C05B-43AF-89D4-521CDBC78F46}" type="presParOf" srcId="{3297FF5F-844D-4E17-A855-154B429740AE}" destId="{8064BA85-5AEF-412B-B2FC-B59DD9946C0A}" srcOrd="7" destOrd="0" presId="urn:microsoft.com/office/officeart/2005/8/layout/default"/>
+    <dgm:cxn modelId="{0B48A951-2CDD-4646-AB8C-D7CEA501C48C}" type="presParOf" srcId="{3297FF5F-844D-4E17-A855-154B429740AE}" destId="{6A53CF5B-9893-4B1C-B44C-E79FBB2092FC}" srcOrd="8" destOrd="0" presId="urn:microsoft.com/office/officeart/2005/8/layout/default"/>
+    <dgm:cxn modelId="{F38D5DAD-B5A7-4441-86D5-F9C5B2F2CAD7}" type="presParOf" srcId="{3297FF5F-844D-4E17-A855-154B429740AE}" destId="{3FDFB8A3-C8D2-44E3-BB79-ED4052AD1F94}" srcOrd="9" destOrd="0" presId="urn:microsoft.com/office/officeart/2005/8/layout/default"/>
+    <dgm:cxn modelId="{EAE8F400-7A51-48BB-B88A-C04A24472F25}" type="presParOf" srcId="{3297FF5F-844D-4E17-A855-154B429740AE}" destId="{2C53E5C2-566A-461A-9257-EDC0680E4DFF}" srcOrd="10" destOrd="0" presId="urn:microsoft.com/office/officeart/2005/8/layout/default"/>
+    <dgm:cxn modelId="{6F0ABDA0-A8BF-4DAC-B801-2AD77556FB87}" type="presParOf" srcId="{3297FF5F-844D-4E17-A855-154B429740AE}" destId="{06DFB127-4CC0-4A84-9293-6354C50CCC40}" srcOrd="11" destOrd="0" presId="urn:microsoft.com/office/officeart/2005/8/layout/default"/>
+    <dgm:cxn modelId="{ACFAB7B6-967F-4910-806F-FBB2F5EABC74}" type="presParOf" srcId="{3297FF5F-844D-4E17-A855-154B429740AE}" destId="{74DEC44E-F9F0-4333-A04E-3F9D13DDA045}" srcOrd="12" destOrd="0" presId="urn:microsoft.com/office/officeart/2005/8/layout/default"/>
+    <dgm:cxn modelId="{2A9693FB-6D1D-4C4C-A000-0850C2CEC25A}" type="presParOf" srcId="{3297FF5F-844D-4E17-A855-154B429740AE}" destId="{BE8C9ADF-10B5-4555-8734-D1C4DF6901EE}" srcOrd="13" destOrd="0" presId="urn:microsoft.com/office/officeart/2005/8/layout/default"/>
+    <dgm:cxn modelId="{E0041D0B-E79B-4E25-8519-6F3A0BB700A2}" type="presParOf" srcId="{3297FF5F-844D-4E17-A855-154B429740AE}" destId="{C31FE0EB-84D7-4A83-B6CE-DC7E615AAA5D}" srcOrd="14" destOrd="0" presId="urn:microsoft.com/office/officeart/2005/8/layout/default"/>
+    <dgm:cxn modelId="{0B257021-3C4C-45F4-9A54-F77C9795E816}" type="presParOf" srcId="{3297FF5F-844D-4E17-A855-154B429740AE}" destId="{0B5B26EB-EAD0-4972-A820-E763BA28A267}" srcOrd="15" destOrd="0" presId="urn:microsoft.com/office/officeart/2005/8/layout/default"/>
+    <dgm:cxn modelId="{3D8BDCD2-FB75-472B-8CA7-7C3E51207433}" type="presParOf" srcId="{3297FF5F-844D-4E17-A855-154B429740AE}" destId="{50649DEC-791A-4FF7-9B18-579EC07E270C}" srcOrd="16" destOrd="0" presId="urn:microsoft.com/office/officeart/2005/8/layout/default"/>
+    <dgm:cxn modelId="{9F3867C0-0B3C-4D76-A6C3-B56B62856E65}" type="presParOf" srcId="{3297FF5F-844D-4E17-A855-154B429740AE}" destId="{29AEC669-2044-450C-8275-9A94005339DB}" srcOrd="17" destOrd="0" presId="urn:microsoft.com/office/officeart/2005/8/layout/default"/>
+    <dgm:cxn modelId="{58E5078B-3775-494E-8211-5C82925B6DCE}" type="presParOf" srcId="{3297FF5F-844D-4E17-A855-154B429740AE}" destId="{9F8A8351-82EF-4AE4-82D6-56EA0A0B511F}" srcOrd="18" destOrd="0" presId="urn:microsoft.com/office/officeart/2005/8/layout/default"/>
+    <dgm:cxn modelId="{C9B48BB9-6EDB-49BA-98BA-4BD4B88A8984}" type="presParOf" srcId="{3297FF5F-844D-4E17-A855-154B429740AE}" destId="{81C983E8-43DA-478E-98C2-56DA909FF988}" srcOrd="19" destOrd="0" presId="urn:microsoft.com/office/officeart/2005/8/layout/default"/>
+    <dgm:cxn modelId="{D1FB7279-5A6E-49F7-B5EF-59F69339F8FD}" type="presParOf" srcId="{3297FF5F-844D-4E17-A855-154B429740AE}" destId="{86017A4D-0547-4BD9-8D95-8425BFFB89D0}" srcOrd="20" destOrd="0" presId="urn:microsoft.com/office/officeart/2005/8/layout/default"/>
+    <dgm:cxn modelId="{112FF2B2-D3D3-4ECF-8DA4-8CEECB136E05}" type="presParOf" srcId="{3297FF5F-844D-4E17-A855-154B429740AE}" destId="{AB181113-51B2-40A9-BB34-279AEFB96280}" srcOrd="21" destOrd="0" presId="urn:microsoft.com/office/officeart/2005/8/layout/default"/>
+    <dgm:cxn modelId="{DA54BED3-DA80-4E61-B7F5-1A0838201CEC}" type="presParOf" srcId="{3297FF5F-844D-4E17-A855-154B429740AE}" destId="{138AFA0B-F911-438F-9D6E-4483510E0887}" srcOrd="22" destOrd="0" presId="urn:microsoft.com/office/officeart/2005/8/layout/default"/>
+    <dgm:cxn modelId="{0DBF5EAE-4A4A-4CCF-A8A1-250B685B9E20}" type="presParOf" srcId="{3297FF5F-844D-4E17-A855-154B429740AE}" destId="{CF64C03F-5FB1-4366-ADBA-E86AB6A1F93A}" srcOrd="23" destOrd="0" presId="urn:microsoft.com/office/officeart/2005/8/layout/default"/>
+    <dgm:cxn modelId="{457CDBFC-9768-4DE3-A38B-4328F955832D}" type="presParOf" srcId="{3297FF5F-844D-4E17-A855-154B429740AE}" destId="{4EF6EB47-A064-400A-807C-204EE74E3E61}" srcOrd="24" destOrd="0" presId="urn:microsoft.com/office/officeart/2005/8/layout/default"/>
+    <dgm:cxn modelId="{D5C7F625-A081-4A4B-89BF-97EF2260A642}" type="presParOf" srcId="{3297FF5F-844D-4E17-A855-154B429740AE}" destId="{87771E4F-EA3D-4314-9969-373E871C26D4}" srcOrd="25" destOrd="0" presId="urn:microsoft.com/office/officeart/2005/8/layout/default"/>
+    <dgm:cxn modelId="{EC7C0914-5980-43B7-855B-52F708467AE1}" type="presParOf" srcId="{3297FF5F-844D-4E17-A855-154B429740AE}" destId="{25EF8A6E-5345-4F34-9AFD-D8E4DF2CC5DA}" srcOrd="26" destOrd="0" presId="urn:microsoft.com/office/officeart/2005/8/layout/default"/>
+    <dgm:cxn modelId="{E71E0E12-3760-400B-8988-2D740C88FF44}" type="presParOf" srcId="{3297FF5F-844D-4E17-A855-154B429740AE}" destId="{30DC84A0-D884-426C-B97E-BFB718A6487E}" srcOrd="27" destOrd="0" presId="urn:microsoft.com/office/officeart/2005/8/layout/default"/>
+    <dgm:cxn modelId="{1F4716B2-3251-4F69-8778-24C80A00E9D2}" type="presParOf" srcId="{3297FF5F-844D-4E17-A855-154B429740AE}" destId="{3E1C0D1B-A561-4DCF-A5F1-08D512C181E2}" srcOrd="28" destOrd="0" presId="urn:microsoft.com/office/officeart/2005/8/layout/default"/>
+    <dgm:cxn modelId="{9E7C0D5F-BA09-4347-9E07-7FA0955C0BD6}" type="presParOf" srcId="{3297FF5F-844D-4E17-A855-154B429740AE}" destId="{FD295CB8-9972-407D-A5D0-7E1D98E6E23E}" srcOrd="29" destOrd="0" presId="urn:microsoft.com/office/officeart/2005/8/layout/default"/>
+    <dgm:cxn modelId="{B317C3BF-3EC5-4472-BDDA-806C2414CCA4}" type="presParOf" srcId="{3297FF5F-844D-4E17-A855-154B429740AE}" destId="{3D17B0CD-4579-410F-A86F-1AE519060AAD}" srcOrd="30" destOrd="0" presId="urn:microsoft.com/office/officeart/2005/8/layout/default"/>
+  </dgm:cxnLst>
+  <dgm:bg/>
+  <dgm:whole/>
+  <dgm:extLst>
+    <a:ext uri="http://schemas.microsoft.com/office/drawing/2008/diagram">
+      <dsp:dataModelExt xmlns:dsp="http://schemas.microsoft.com/office/drawing/2008/diagram" relId="rId7" minVer="http://schemas.openxmlformats.org/drawingml/2006/diagram"/>
+    </a:ext>
+  </dgm:extLst>
+</dgm:dataModel>
+</file>
+
 <file path=ppt/diagrams/drawing1.xml><?xml version="1.0" encoding="utf-8"?>
 <dsp:drawing xmlns:dgm="http://schemas.openxmlformats.org/drawingml/2006/diagram" xmlns:dsp="http://schemas.microsoft.com/office/drawing/2008/diagram" xmlns:a="http://schemas.openxmlformats.org/drawingml/2006/main">
   <dsp:spTree>
@@ -1899,8 +4904,15 @@
                 </a:schemeClr>
               </a:solidFill>
             </a:rPr>
-            <a:t>QuantLib Architecture</a:t>
+            <a:t>Library components</a:t>
           </a:r>
+          <a:endParaRPr lang="en-US" sz="3600" b="1" kern="1200" dirty="0" smtClean="0">
+            <a:solidFill>
+              <a:schemeClr val="tx1">
+                <a:lumMod val="75000"/>
+              </a:schemeClr>
+            </a:solidFill>
+          </a:endParaRPr>
         </a:p>
       </dsp:txBody>
       <dsp:txXfrm rot="-5400000">
@@ -2065,8 +5077,15 @@
                 </a:schemeClr>
               </a:solidFill>
             </a:rPr>
-            <a:t>Library components</a:t>
+            <a:t>Barrier Options</a:t>
           </a:r>
+          <a:endParaRPr lang="en-US" sz="3600" b="1" kern="1200" dirty="0" smtClean="0">
+            <a:solidFill>
+              <a:schemeClr val="tx1">
+                <a:lumMod val="75000"/>
+              </a:schemeClr>
+            </a:solidFill>
+          </a:endParaRPr>
         </a:p>
       </dsp:txBody>
       <dsp:txXfrm rot="-5400000">
@@ -2238,6 +5257,2226 @@
       <dsp:txXfrm rot="-5400000">
         <a:off x="826965" y="3138309"/>
         <a:ext cx="11327549" cy="692924"/>
+      </dsp:txXfrm>
+    </dsp:sp>
+  </dsp:spTree>
+</dsp:drawing>
+</file>
+
+<file path=ppt/diagrams/drawing2.xml><?xml version="1.0" encoding="utf-8"?>
+<dsp:drawing xmlns:dgm="http://schemas.openxmlformats.org/drawingml/2006/diagram" xmlns:dsp="http://schemas.microsoft.com/office/drawing/2008/diagram" xmlns:a="http://schemas.openxmlformats.org/drawingml/2006/main">
+  <dsp:spTree>
+    <dsp:nvGrpSpPr>
+      <dsp:cNvPr id="0" name=""/>
+      <dsp:cNvGrpSpPr/>
+    </dsp:nvGrpSpPr>
+    <dsp:grpSpPr/>
+    <dsp:sp modelId="{AC755BD8-DC67-46EF-9D15-700F438CC005}">
+      <dsp:nvSpPr>
+        <dsp:cNvPr id="0" name=""/>
+        <dsp:cNvSpPr/>
+      </dsp:nvSpPr>
+      <dsp:spPr>
+        <a:xfrm>
+          <a:off x="447654" y="737"/>
+          <a:ext cx="2006367" cy="1203820"/>
+        </a:xfrm>
+        <a:prstGeom prst="rect">
+          <a:avLst/>
+        </a:prstGeom>
+        <a:blipFill rotWithShape="1">
+          <a:blip xmlns:r="http://schemas.openxmlformats.org/officeDocument/2006/relationships" r:embed="rId1">
+            <a:duotone>
+              <a:schemeClr val="accent1">
+                <a:tint val="98000"/>
+                <a:lumMod val="102000"/>
+              </a:schemeClr>
+              <a:schemeClr val="accent1">
+                <a:shade val="98000"/>
+                <a:lumMod val="98000"/>
+              </a:schemeClr>
+            </a:duotone>
+          </a:blip>
+          <a:tile tx="0" ty="0" sx="100000" sy="100000" flip="none" algn="tl"/>
+        </a:blipFill>
+        <a:ln w="9525" cap="rnd" cmpd="sng" algn="ctr">
+          <a:solidFill>
+            <a:srgbClr val="FFC000"/>
+          </a:solidFill>
+          <a:prstDash val="solid"/>
+        </a:ln>
+        <a:effectLst>
+          <a:glow rad="101600">
+            <a:schemeClr val="accent5">
+              <a:satMod val="175000"/>
+              <a:alpha val="40000"/>
+            </a:schemeClr>
+          </a:glow>
+        </a:effectLst>
+      </dsp:spPr>
+      <dsp:style>
+        <a:lnRef idx="1">
+          <a:schemeClr val="accent1"/>
+        </a:lnRef>
+        <a:fillRef idx="3">
+          <a:schemeClr val="accent1"/>
+        </a:fillRef>
+        <a:effectRef idx="2">
+          <a:schemeClr val="accent1"/>
+        </a:effectRef>
+        <a:fontRef idx="minor">
+          <a:schemeClr val="lt1"/>
+        </a:fontRef>
+      </dsp:style>
+      <dsp:txBody>
+        <a:bodyPr spcFirstLastPara="0" vert="horz" wrap="square" lIns="68580" tIns="68580" rIns="68580" bIns="68580" numCol="1" spcCol="1270" anchor="ctr" anchorCtr="0">
+          <a:noAutofit/>
+        </a:bodyPr>
+        <a:lstStyle/>
+        <a:p>
+          <a:pPr lvl="0" algn="ctr" defTabSz="800100" rtl="0">
+            <a:lnSpc>
+              <a:spcPct val="90000"/>
+            </a:lnSpc>
+            <a:spcBef>
+              <a:spcPct val="0"/>
+            </a:spcBef>
+            <a:spcAft>
+              <a:spcPct val="35000"/>
+            </a:spcAft>
+          </a:pPr>
+          <a:r>
+            <a:rPr lang="en-US" sz="1800" b="1" kern="1200" dirty="0" smtClean="0">
+              <a:solidFill>
+                <a:schemeClr val="bg1">
+                  <a:lumMod val="95000"/>
+                  <a:lumOff val="5000"/>
+                </a:schemeClr>
+              </a:solidFill>
+            </a:rPr>
+            <a:t>Macros</a:t>
+          </a:r>
+          <a:br>
+            <a:rPr lang="en-US" sz="1800" b="1" kern="1200" dirty="0" smtClean="0">
+              <a:solidFill>
+                <a:schemeClr val="bg1">
+                  <a:lumMod val="95000"/>
+                  <a:lumOff val="5000"/>
+                </a:schemeClr>
+              </a:solidFill>
+            </a:rPr>
+          </a:br>
+          <a:r>
+            <a:rPr lang="en-US" sz="1800" b="1" kern="1200" dirty="0" smtClean="0">
+              <a:solidFill>
+                <a:schemeClr val="bg1">
+                  <a:lumMod val="95000"/>
+                  <a:lumOff val="5000"/>
+                </a:schemeClr>
+              </a:solidFill>
+            </a:rPr>
+            <a:t>&lt;</a:t>
+          </a:r>
+          <a:r>
+            <a:rPr lang="en-US" sz="1800" b="1" kern="1200" dirty="0" err="1" smtClean="0">
+              <a:solidFill>
+                <a:schemeClr val="bg1">
+                  <a:lumMod val="95000"/>
+                  <a:lumOff val="5000"/>
+                </a:schemeClr>
+              </a:solidFill>
+            </a:rPr>
+            <a:t>ql</a:t>
+          </a:r>
+          <a:r>
+            <a:rPr lang="en-US" sz="1800" b="1" kern="1200" dirty="0" smtClean="0">
+              <a:solidFill>
+                <a:schemeClr val="bg1">
+                  <a:lumMod val="95000"/>
+                  <a:lumOff val="5000"/>
+                </a:schemeClr>
+              </a:solidFill>
+            </a:rPr>
+            <a:t>/</a:t>
+          </a:r>
+        </a:p>
+        <a:p>
+          <a:pPr lvl="0" algn="ctr" defTabSz="800100">
+            <a:lnSpc>
+              <a:spcPct val="90000"/>
+            </a:lnSpc>
+            <a:spcBef>
+              <a:spcPct val="0"/>
+            </a:spcBef>
+            <a:spcAft>
+              <a:spcPct val="35000"/>
+            </a:spcAft>
+          </a:pPr>
+          <a:r>
+            <a:rPr lang="en-US" sz="1800" b="1" kern="1200" dirty="0" smtClean="0">
+              <a:solidFill>
+                <a:schemeClr val="bg1">
+                  <a:lumMod val="95000"/>
+                  <a:lumOff val="5000"/>
+                </a:schemeClr>
+              </a:solidFill>
+            </a:rPr>
+            <a:t>qldefines.hpp&gt;</a:t>
+          </a:r>
+          <a:endParaRPr lang="en-US" sz="1800" b="1" kern="1200" dirty="0">
+            <a:solidFill>
+              <a:schemeClr val="bg1">
+                <a:lumMod val="95000"/>
+                <a:lumOff val="5000"/>
+              </a:schemeClr>
+            </a:solidFill>
+          </a:endParaRPr>
+        </a:p>
+      </dsp:txBody>
+      <dsp:txXfrm>
+        <a:off x="447654" y="737"/>
+        <a:ext cx="2006367" cy="1203820"/>
+      </dsp:txXfrm>
+    </dsp:sp>
+    <dsp:sp modelId="{E1B0E9A4-80BC-4BE1-AFC6-851C9D5AEC53}">
+      <dsp:nvSpPr>
+        <dsp:cNvPr id="0" name=""/>
+        <dsp:cNvSpPr/>
+      </dsp:nvSpPr>
+      <dsp:spPr>
+        <a:xfrm>
+          <a:off x="2654659" y="737"/>
+          <a:ext cx="2006367" cy="1203820"/>
+        </a:xfrm>
+        <a:prstGeom prst="rect">
+          <a:avLst/>
+        </a:prstGeom>
+        <a:blipFill rotWithShape="1">
+          <a:blip xmlns:r="http://schemas.openxmlformats.org/officeDocument/2006/relationships" r:embed="rId1">
+            <a:duotone>
+              <a:schemeClr val="accent1">
+                <a:tint val="98000"/>
+                <a:lumMod val="102000"/>
+              </a:schemeClr>
+              <a:schemeClr val="accent1">
+                <a:shade val="98000"/>
+                <a:lumMod val="98000"/>
+              </a:schemeClr>
+            </a:duotone>
+          </a:blip>
+          <a:tile tx="0" ty="0" sx="100000" sy="100000" flip="none" algn="tl"/>
+        </a:blipFill>
+        <a:ln w="9525" cap="rnd" cmpd="sng" algn="ctr">
+          <a:solidFill>
+            <a:srgbClr val="FFC000"/>
+          </a:solidFill>
+          <a:prstDash val="solid"/>
+        </a:ln>
+        <a:effectLst>
+          <a:glow rad="101600">
+            <a:schemeClr val="accent5">
+              <a:satMod val="175000"/>
+              <a:alpha val="40000"/>
+            </a:schemeClr>
+          </a:glow>
+        </a:effectLst>
+      </dsp:spPr>
+      <dsp:style>
+        <a:lnRef idx="1">
+          <a:schemeClr val="accent1"/>
+        </a:lnRef>
+        <a:fillRef idx="3">
+          <a:schemeClr val="accent1"/>
+        </a:fillRef>
+        <a:effectRef idx="2">
+          <a:schemeClr val="accent1"/>
+        </a:effectRef>
+        <a:fontRef idx="minor">
+          <a:schemeClr val="lt1"/>
+        </a:fontRef>
+      </dsp:style>
+      <dsp:txBody>
+        <a:bodyPr spcFirstLastPara="0" vert="horz" wrap="square" lIns="68580" tIns="68580" rIns="68580" bIns="68580" numCol="1" spcCol="1270" anchor="ctr" anchorCtr="0">
+          <a:noAutofit/>
+        </a:bodyPr>
+        <a:lstStyle/>
+        <a:p>
+          <a:pPr lvl="0" algn="ctr" defTabSz="800100">
+            <a:lnSpc>
+              <a:spcPct val="90000"/>
+            </a:lnSpc>
+            <a:spcBef>
+              <a:spcPct val="0"/>
+            </a:spcBef>
+            <a:spcAft>
+              <a:spcPct val="35000"/>
+            </a:spcAft>
+          </a:pPr>
+          <a:r>
+            <a:rPr lang="en-US" sz="1800" b="1" kern="1200" dirty="0" smtClean="0">
+              <a:solidFill>
+                <a:schemeClr val="bg1">
+                  <a:lumMod val="95000"/>
+                  <a:lumOff val="5000"/>
+                </a:schemeClr>
+              </a:solidFill>
+            </a:rPr>
+            <a:t>Design patterns</a:t>
+          </a:r>
+          <a:br>
+            <a:rPr lang="en-US" sz="1800" b="1" kern="1200" dirty="0" smtClean="0">
+              <a:solidFill>
+                <a:schemeClr val="bg1">
+                  <a:lumMod val="95000"/>
+                  <a:lumOff val="5000"/>
+                </a:schemeClr>
+              </a:solidFill>
+            </a:rPr>
+          </a:br>
+          <a:r>
+            <a:rPr lang="en-US" sz="1800" b="1" kern="1200" dirty="0" smtClean="0">
+              <a:solidFill>
+                <a:schemeClr val="bg1">
+                  <a:lumMod val="95000"/>
+                  <a:lumOff val="5000"/>
+                </a:schemeClr>
+              </a:solidFill>
+            </a:rPr>
+            <a:t>&lt;</a:t>
+          </a:r>
+          <a:r>
+            <a:rPr lang="en-US" sz="1800" b="1" kern="1200" dirty="0" err="1" smtClean="0">
+              <a:solidFill>
+                <a:schemeClr val="bg1">
+                  <a:lumMod val="95000"/>
+                  <a:lumOff val="5000"/>
+                </a:schemeClr>
+              </a:solidFill>
+            </a:rPr>
+            <a:t>ql</a:t>
+          </a:r>
+          <a:r>
+            <a:rPr lang="en-US" sz="1800" b="1" kern="1200" dirty="0" smtClean="0">
+              <a:solidFill>
+                <a:schemeClr val="bg1">
+                  <a:lumMod val="95000"/>
+                  <a:lumOff val="5000"/>
+                </a:schemeClr>
+              </a:solidFill>
+            </a:rPr>
+            <a:t>/patterns&gt;</a:t>
+          </a:r>
+          <a:endParaRPr lang="en-US" sz="1800" b="1" kern="1200" dirty="0">
+            <a:solidFill>
+              <a:schemeClr val="bg1">
+                <a:lumMod val="95000"/>
+                <a:lumOff val="5000"/>
+              </a:schemeClr>
+            </a:solidFill>
+          </a:endParaRPr>
+        </a:p>
+      </dsp:txBody>
+      <dsp:txXfrm>
+        <a:off x="2654659" y="737"/>
+        <a:ext cx="2006367" cy="1203820"/>
+      </dsp:txXfrm>
+    </dsp:sp>
+    <dsp:sp modelId="{F330022E-AEF2-4F3F-987D-D67ADFE6F099}">
+      <dsp:nvSpPr>
+        <dsp:cNvPr id="0" name=""/>
+        <dsp:cNvSpPr/>
+      </dsp:nvSpPr>
+      <dsp:spPr>
+        <a:xfrm>
+          <a:off x="4861663" y="737"/>
+          <a:ext cx="2006367" cy="1203820"/>
+        </a:xfrm>
+        <a:prstGeom prst="rect">
+          <a:avLst/>
+        </a:prstGeom>
+        <a:blipFill rotWithShape="1">
+          <a:blip xmlns:r="http://schemas.openxmlformats.org/officeDocument/2006/relationships" r:embed="rId1">
+            <a:duotone>
+              <a:schemeClr val="accent1">
+                <a:tint val="98000"/>
+                <a:lumMod val="102000"/>
+              </a:schemeClr>
+              <a:schemeClr val="accent1">
+                <a:shade val="98000"/>
+                <a:lumMod val="98000"/>
+              </a:schemeClr>
+            </a:duotone>
+          </a:blip>
+          <a:tile tx="0" ty="0" sx="100000" sy="100000" flip="none" algn="tl"/>
+        </a:blipFill>
+        <a:ln w="9525" cap="rnd" cmpd="sng" algn="ctr">
+          <a:solidFill>
+            <a:srgbClr val="FFC000"/>
+          </a:solidFill>
+          <a:prstDash val="solid"/>
+        </a:ln>
+        <a:effectLst>
+          <a:glow rad="101600">
+            <a:schemeClr val="accent5">
+              <a:satMod val="175000"/>
+              <a:alpha val="40000"/>
+            </a:schemeClr>
+          </a:glow>
+        </a:effectLst>
+      </dsp:spPr>
+      <dsp:style>
+        <a:lnRef idx="1">
+          <a:schemeClr val="accent1"/>
+        </a:lnRef>
+        <a:fillRef idx="3">
+          <a:schemeClr val="accent1"/>
+        </a:fillRef>
+        <a:effectRef idx="2">
+          <a:schemeClr val="accent1"/>
+        </a:effectRef>
+        <a:fontRef idx="minor">
+          <a:schemeClr val="lt1"/>
+        </a:fontRef>
+      </dsp:style>
+      <dsp:txBody>
+        <a:bodyPr spcFirstLastPara="0" vert="horz" wrap="square" lIns="68580" tIns="68580" rIns="68580" bIns="68580" numCol="1" spcCol="1270" anchor="ctr" anchorCtr="0">
+          <a:noAutofit/>
+        </a:bodyPr>
+        <a:lstStyle/>
+        <a:p>
+          <a:pPr lvl="0" algn="ctr" defTabSz="800100">
+            <a:lnSpc>
+              <a:spcPct val="90000"/>
+            </a:lnSpc>
+            <a:spcBef>
+              <a:spcPct val="0"/>
+            </a:spcBef>
+            <a:spcAft>
+              <a:spcPct val="35000"/>
+            </a:spcAft>
+          </a:pPr>
+          <a:r>
+            <a:rPr lang="en-US" sz="1800" b="1" kern="1200" dirty="0" smtClean="0">
+              <a:solidFill>
+                <a:schemeClr val="bg1">
+                  <a:lumMod val="95000"/>
+                  <a:lumOff val="5000"/>
+                </a:schemeClr>
+              </a:solidFill>
+            </a:rPr>
+            <a:t>Utilities</a:t>
+          </a:r>
+          <a:br>
+            <a:rPr lang="en-US" sz="1800" b="1" kern="1200" dirty="0" smtClean="0">
+              <a:solidFill>
+                <a:schemeClr val="bg1">
+                  <a:lumMod val="95000"/>
+                  <a:lumOff val="5000"/>
+                </a:schemeClr>
+              </a:solidFill>
+            </a:rPr>
+          </a:br>
+          <a:r>
+            <a:rPr lang="en-US" sz="1800" b="1" kern="1200" dirty="0" smtClean="0">
+              <a:solidFill>
+                <a:schemeClr val="bg1">
+                  <a:lumMod val="95000"/>
+                  <a:lumOff val="5000"/>
+                </a:schemeClr>
+              </a:solidFill>
+            </a:rPr>
+            <a:t>&lt;</a:t>
+          </a:r>
+          <a:r>
+            <a:rPr lang="en-US" sz="1800" b="1" kern="1200" dirty="0" err="1" smtClean="0">
+              <a:solidFill>
+                <a:schemeClr val="bg1">
+                  <a:lumMod val="95000"/>
+                  <a:lumOff val="5000"/>
+                </a:schemeClr>
+              </a:solidFill>
+            </a:rPr>
+            <a:t>ql</a:t>
+          </a:r>
+          <a:r>
+            <a:rPr lang="en-US" sz="1800" b="1" kern="1200" dirty="0" smtClean="0">
+              <a:solidFill>
+                <a:schemeClr val="bg1">
+                  <a:lumMod val="95000"/>
+                  <a:lumOff val="5000"/>
+                </a:schemeClr>
+              </a:solidFill>
+            </a:rPr>
+            <a:t>/utilities&gt;</a:t>
+          </a:r>
+          <a:endParaRPr lang="en-US" sz="1800" b="1" kern="1200" dirty="0">
+            <a:solidFill>
+              <a:schemeClr val="bg1">
+                <a:lumMod val="95000"/>
+                <a:lumOff val="5000"/>
+              </a:schemeClr>
+            </a:solidFill>
+          </a:endParaRPr>
+        </a:p>
+      </dsp:txBody>
+      <dsp:txXfrm>
+        <a:off x="4861663" y="737"/>
+        <a:ext cx="2006367" cy="1203820"/>
+      </dsp:txXfrm>
+    </dsp:sp>
+    <dsp:sp modelId="{6D247183-54AA-470A-818E-1A1184FF6399}">
+      <dsp:nvSpPr>
+        <dsp:cNvPr id="0" name=""/>
+        <dsp:cNvSpPr/>
+      </dsp:nvSpPr>
+      <dsp:spPr>
+        <a:xfrm>
+          <a:off x="7068667" y="737"/>
+          <a:ext cx="2006367" cy="1203820"/>
+        </a:xfrm>
+        <a:prstGeom prst="rect">
+          <a:avLst/>
+        </a:prstGeom>
+        <a:blipFill rotWithShape="1">
+          <a:blip xmlns:r="http://schemas.openxmlformats.org/officeDocument/2006/relationships" r:embed="rId1">
+            <a:duotone>
+              <a:schemeClr val="accent1">
+                <a:tint val="98000"/>
+                <a:lumMod val="102000"/>
+              </a:schemeClr>
+              <a:schemeClr val="accent1">
+                <a:shade val="98000"/>
+                <a:lumMod val="98000"/>
+              </a:schemeClr>
+            </a:duotone>
+          </a:blip>
+          <a:tile tx="0" ty="0" sx="100000" sy="100000" flip="none" algn="tl"/>
+        </a:blipFill>
+        <a:ln w="9525" cap="rnd" cmpd="sng" algn="ctr">
+          <a:solidFill>
+            <a:srgbClr val="FFC000"/>
+          </a:solidFill>
+          <a:prstDash val="solid"/>
+        </a:ln>
+        <a:effectLst>
+          <a:glow rad="101600">
+            <a:schemeClr val="accent5">
+              <a:satMod val="175000"/>
+              <a:alpha val="40000"/>
+            </a:schemeClr>
+          </a:glow>
+        </a:effectLst>
+      </dsp:spPr>
+      <dsp:style>
+        <a:lnRef idx="1">
+          <a:schemeClr val="accent1"/>
+        </a:lnRef>
+        <a:fillRef idx="3">
+          <a:schemeClr val="accent1"/>
+        </a:fillRef>
+        <a:effectRef idx="2">
+          <a:schemeClr val="accent1"/>
+        </a:effectRef>
+        <a:fontRef idx="minor">
+          <a:schemeClr val="lt1"/>
+        </a:fontRef>
+      </dsp:style>
+      <dsp:txBody>
+        <a:bodyPr spcFirstLastPara="0" vert="horz" wrap="square" lIns="68580" tIns="68580" rIns="68580" bIns="68580" numCol="1" spcCol="1270" anchor="ctr" anchorCtr="0">
+          <a:noAutofit/>
+        </a:bodyPr>
+        <a:lstStyle/>
+        <a:p>
+          <a:pPr lvl="0" algn="ctr" defTabSz="800100">
+            <a:lnSpc>
+              <a:spcPct val="90000"/>
+            </a:lnSpc>
+            <a:spcBef>
+              <a:spcPct val="0"/>
+            </a:spcBef>
+            <a:spcAft>
+              <a:spcPct val="35000"/>
+            </a:spcAft>
+          </a:pPr>
+          <a:r>
+            <a:rPr lang="en-US" sz="1800" b="1" kern="1200" dirty="0" smtClean="0">
+              <a:solidFill>
+                <a:schemeClr val="bg1">
+                  <a:lumMod val="95000"/>
+                  <a:lumOff val="5000"/>
+                </a:schemeClr>
+              </a:solidFill>
+            </a:rPr>
+            <a:t>Numeric types</a:t>
+          </a:r>
+          <a:br>
+            <a:rPr lang="en-US" sz="1800" b="1" kern="1200" dirty="0" smtClean="0">
+              <a:solidFill>
+                <a:schemeClr val="bg1">
+                  <a:lumMod val="95000"/>
+                  <a:lumOff val="5000"/>
+                </a:schemeClr>
+              </a:solidFill>
+            </a:rPr>
+          </a:br>
+          <a:r>
+            <a:rPr lang="en-US" sz="1800" b="1" kern="1200" dirty="0" smtClean="0">
+              <a:solidFill>
+                <a:schemeClr val="bg1">
+                  <a:lumMod val="95000"/>
+                  <a:lumOff val="5000"/>
+                </a:schemeClr>
+              </a:solidFill>
+            </a:rPr>
+            <a:t>&lt;</a:t>
+          </a:r>
+          <a:r>
+            <a:rPr lang="en-US" sz="1800" b="1" kern="1200" dirty="0" err="1" smtClean="0">
+              <a:solidFill>
+                <a:schemeClr val="bg1">
+                  <a:lumMod val="95000"/>
+                  <a:lumOff val="5000"/>
+                </a:schemeClr>
+              </a:solidFill>
+            </a:rPr>
+            <a:t>ql</a:t>
+          </a:r>
+          <a:r>
+            <a:rPr lang="en-US" sz="1800" b="1" kern="1200" dirty="0" smtClean="0">
+              <a:solidFill>
+                <a:schemeClr val="bg1">
+                  <a:lumMod val="95000"/>
+                  <a:lumOff val="5000"/>
+                </a:schemeClr>
+              </a:solidFill>
+            </a:rPr>
+            <a:t>/types.hpp&gt;</a:t>
+          </a:r>
+          <a:endParaRPr lang="en-US" sz="1800" b="1" kern="1200" dirty="0">
+            <a:solidFill>
+              <a:schemeClr val="bg1">
+                <a:lumMod val="95000"/>
+                <a:lumOff val="5000"/>
+              </a:schemeClr>
+            </a:solidFill>
+          </a:endParaRPr>
+        </a:p>
+      </dsp:txBody>
+      <dsp:txXfrm>
+        <a:off x="7068667" y="737"/>
+        <a:ext cx="2006367" cy="1203820"/>
+      </dsp:txXfrm>
+    </dsp:sp>
+    <dsp:sp modelId="{6A53CF5B-9893-4B1C-B44C-E79FBB2092FC}">
+      <dsp:nvSpPr>
+        <dsp:cNvPr id="0" name=""/>
+        <dsp:cNvSpPr/>
+      </dsp:nvSpPr>
+      <dsp:spPr>
+        <a:xfrm>
+          <a:off x="447654" y="1405194"/>
+          <a:ext cx="2006367" cy="1203820"/>
+        </a:xfrm>
+        <a:prstGeom prst="rect">
+          <a:avLst/>
+        </a:prstGeom>
+        <a:solidFill>
+          <a:schemeClr val="accent5">
+            <a:hueOff val="5545649"/>
+            <a:satOff val="-151"/>
+            <a:lumOff val="-837"/>
+            <a:alphaOff val="0"/>
+          </a:schemeClr>
+        </a:solidFill>
+        <a:ln w="15875" cap="rnd" cmpd="sng" algn="ctr">
+          <a:solidFill>
+            <a:schemeClr val="lt1">
+              <a:hueOff val="0"/>
+              <a:satOff val="0"/>
+              <a:lumOff val="0"/>
+              <a:alphaOff val="0"/>
+            </a:schemeClr>
+          </a:solidFill>
+          <a:prstDash val="solid"/>
+        </a:ln>
+        <a:effectLst/>
+      </dsp:spPr>
+      <dsp:style>
+        <a:lnRef idx="2">
+          <a:scrgbClr r="0" g="0" b="0"/>
+        </a:lnRef>
+        <a:fillRef idx="1">
+          <a:scrgbClr r="0" g="0" b="0"/>
+        </a:fillRef>
+        <a:effectRef idx="0">
+          <a:scrgbClr r="0" g="0" b="0"/>
+        </a:effectRef>
+        <a:fontRef idx="minor">
+          <a:schemeClr val="lt1"/>
+        </a:fontRef>
+      </dsp:style>
+      <dsp:txBody>
+        <a:bodyPr spcFirstLastPara="0" vert="horz" wrap="square" lIns="68580" tIns="68580" rIns="68580" bIns="68580" numCol="1" spcCol="1270" anchor="ctr" anchorCtr="0">
+          <a:noAutofit/>
+        </a:bodyPr>
+        <a:lstStyle/>
+        <a:p>
+          <a:pPr lvl="0" algn="ctr" defTabSz="800100">
+            <a:lnSpc>
+              <a:spcPct val="90000"/>
+            </a:lnSpc>
+            <a:spcBef>
+              <a:spcPct val="0"/>
+            </a:spcBef>
+            <a:spcAft>
+              <a:spcPct val="35000"/>
+            </a:spcAft>
+          </a:pPr>
+          <a:r>
+            <a:rPr lang="en-US" sz="1800" b="1" kern="1200" dirty="0" smtClean="0">
+              <a:solidFill>
+                <a:schemeClr val="bg1">
+                  <a:lumMod val="95000"/>
+                  <a:lumOff val="5000"/>
+                </a:schemeClr>
+              </a:solidFill>
+            </a:rPr>
+            <a:t>Currencies and FX rates</a:t>
+          </a:r>
+          <a:br>
+            <a:rPr lang="en-US" sz="1800" b="1" kern="1200" dirty="0" smtClean="0">
+              <a:solidFill>
+                <a:schemeClr val="bg1">
+                  <a:lumMod val="95000"/>
+                  <a:lumOff val="5000"/>
+                </a:schemeClr>
+              </a:solidFill>
+            </a:rPr>
+          </a:br>
+          <a:r>
+            <a:rPr lang="en-US" sz="1800" b="1" kern="1200" dirty="0" smtClean="0">
+              <a:solidFill>
+                <a:schemeClr val="bg1">
+                  <a:lumMod val="95000"/>
+                  <a:lumOff val="5000"/>
+                </a:schemeClr>
+              </a:solidFill>
+            </a:rPr>
+            <a:t>&lt;</a:t>
+          </a:r>
+          <a:r>
+            <a:rPr lang="en-US" sz="1800" b="1" kern="1200" dirty="0" err="1" smtClean="0">
+              <a:solidFill>
+                <a:schemeClr val="bg1">
+                  <a:lumMod val="95000"/>
+                  <a:lumOff val="5000"/>
+                </a:schemeClr>
+              </a:solidFill>
+            </a:rPr>
+            <a:t>ql</a:t>
+          </a:r>
+          <a:r>
+            <a:rPr lang="en-US" sz="1800" b="1" kern="1200" dirty="0" smtClean="0">
+              <a:solidFill>
+                <a:schemeClr val="bg1">
+                  <a:lumMod val="95000"/>
+                  <a:lumOff val="5000"/>
+                </a:schemeClr>
+              </a:solidFill>
+            </a:rPr>
+            <a:t>/currencies&gt;</a:t>
+          </a:r>
+          <a:endParaRPr lang="en-US" sz="1800" b="1" kern="1200" dirty="0">
+            <a:solidFill>
+              <a:schemeClr val="bg1">
+                <a:lumMod val="95000"/>
+                <a:lumOff val="5000"/>
+              </a:schemeClr>
+            </a:solidFill>
+          </a:endParaRPr>
+        </a:p>
+      </dsp:txBody>
+      <dsp:txXfrm>
+        <a:off x="447654" y="1405194"/>
+        <a:ext cx="2006367" cy="1203820"/>
+      </dsp:txXfrm>
+    </dsp:sp>
+    <dsp:sp modelId="{2C53E5C2-566A-461A-9257-EDC0680E4DFF}">
+      <dsp:nvSpPr>
+        <dsp:cNvPr id="0" name=""/>
+        <dsp:cNvSpPr/>
+      </dsp:nvSpPr>
+      <dsp:spPr>
+        <a:xfrm>
+          <a:off x="2654659" y="1405194"/>
+          <a:ext cx="2006367" cy="1203820"/>
+        </a:xfrm>
+        <a:prstGeom prst="rect">
+          <a:avLst/>
+        </a:prstGeom>
+        <a:solidFill>
+          <a:schemeClr val="accent5">
+            <a:hueOff val="6932061"/>
+            <a:satOff val="-189"/>
+            <a:lumOff val="-1046"/>
+            <a:alphaOff val="0"/>
+          </a:schemeClr>
+        </a:solidFill>
+        <a:ln w="15875" cap="rnd" cmpd="sng" algn="ctr">
+          <a:solidFill>
+            <a:schemeClr val="lt1">
+              <a:hueOff val="0"/>
+              <a:satOff val="0"/>
+              <a:lumOff val="0"/>
+              <a:alphaOff val="0"/>
+            </a:schemeClr>
+          </a:solidFill>
+          <a:prstDash val="solid"/>
+        </a:ln>
+        <a:effectLst/>
+      </dsp:spPr>
+      <dsp:style>
+        <a:lnRef idx="2">
+          <a:scrgbClr r="0" g="0" b="0"/>
+        </a:lnRef>
+        <a:fillRef idx="1">
+          <a:scrgbClr r="0" g="0" b="0"/>
+        </a:fillRef>
+        <a:effectRef idx="0">
+          <a:scrgbClr r="0" g="0" b="0"/>
+        </a:effectRef>
+        <a:fontRef idx="minor">
+          <a:schemeClr val="lt1"/>
+        </a:fontRef>
+      </dsp:style>
+      <dsp:txBody>
+        <a:bodyPr spcFirstLastPara="0" vert="horz" wrap="square" lIns="68580" tIns="68580" rIns="68580" bIns="68580" numCol="1" spcCol="1270" anchor="ctr" anchorCtr="0">
+          <a:noAutofit/>
+        </a:bodyPr>
+        <a:lstStyle/>
+        <a:p>
+          <a:pPr lvl="0" algn="ctr" defTabSz="800100">
+            <a:lnSpc>
+              <a:spcPct val="90000"/>
+            </a:lnSpc>
+            <a:spcBef>
+              <a:spcPct val="0"/>
+            </a:spcBef>
+            <a:spcAft>
+              <a:spcPct val="35000"/>
+            </a:spcAft>
+          </a:pPr>
+          <a:r>
+            <a:rPr lang="en-US" sz="1800" b="1" kern="1200" dirty="0" smtClean="0">
+              <a:solidFill>
+                <a:schemeClr val="bg1">
+                  <a:lumMod val="95000"/>
+                  <a:lumOff val="5000"/>
+                </a:schemeClr>
+              </a:solidFill>
+            </a:rPr>
+            <a:t>Date and time calculations</a:t>
+          </a:r>
+          <a:br>
+            <a:rPr lang="en-US" sz="1800" b="1" kern="1200" dirty="0" smtClean="0">
+              <a:solidFill>
+                <a:schemeClr val="bg1">
+                  <a:lumMod val="95000"/>
+                  <a:lumOff val="5000"/>
+                </a:schemeClr>
+              </a:solidFill>
+            </a:rPr>
+          </a:br>
+          <a:r>
+            <a:rPr lang="en-US" sz="1800" b="1" kern="1200" dirty="0" smtClean="0">
+              <a:solidFill>
+                <a:schemeClr val="bg1">
+                  <a:lumMod val="95000"/>
+                  <a:lumOff val="5000"/>
+                </a:schemeClr>
+              </a:solidFill>
+            </a:rPr>
+            <a:t>&lt;</a:t>
+          </a:r>
+          <a:r>
+            <a:rPr lang="en-US" sz="1800" b="1" kern="1200" dirty="0" err="1" smtClean="0">
+              <a:solidFill>
+                <a:schemeClr val="bg1">
+                  <a:lumMod val="95000"/>
+                  <a:lumOff val="5000"/>
+                </a:schemeClr>
+              </a:solidFill>
+            </a:rPr>
+            <a:t>ql</a:t>
+          </a:r>
+          <a:r>
+            <a:rPr lang="en-US" sz="1800" b="1" kern="1200" dirty="0" smtClean="0">
+              <a:solidFill>
+                <a:schemeClr val="bg1">
+                  <a:lumMod val="95000"/>
+                  <a:lumOff val="5000"/>
+                </a:schemeClr>
+              </a:solidFill>
+            </a:rPr>
+            <a:t>/time&gt;</a:t>
+          </a:r>
+          <a:endParaRPr lang="en-US" sz="1800" b="1" kern="1200" dirty="0">
+            <a:solidFill>
+              <a:schemeClr val="bg1">
+                <a:lumMod val="95000"/>
+                <a:lumOff val="5000"/>
+              </a:schemeClr>
+            </a:solidFill>
+          </a:endParaRPr>
+        </a:p>
+      </dsp:txBody>
+      <dsp:txXfrm>
+        <a:off x="2654659" y="1405194"/>
+        <a:ext cx="2006367" cy="1203820"/>
+      </dsp:txXfrm>
+    </dsp:sp>
+    <dsp:sp modelId="{74DEC44E-F9F0-4333-A04E-3F9D13DDA045}">
+      <dsp:nvSpPr>
+        <dsp:cNvPr id="0" name=""/>
+        <dsp:cNvSpPr/>
+      </dsp:nvSpPr>
+      <dsp:spPr>
+        <a:xfrm>
+          <a:off x="4861663" y="1405194"/>
+          <a:ext cx="2006367" cy="1203820"/>
+        </a:xfrm>
+        <a:prstGeom prst="rect">
+          <a:avLst/>
+        </a:prstGeom>
+        <a:solidFill>
+          <a:schemeClr val="accent5">
+            <a:hueOff val="8318473"/>
+            <a:satOff val="-227"/>
+            <a:lumOff val="-1255"/>
+            <a:alphaOff val="0"/>
+          </a:schemeClr>
+        </a:solidFill>
+        <a:ln w="15875" cap="rnd" cmpd="sng" algn="ctr">
+          <a:solidFill>
+            <a:schemeClr val="lt1">
+              <a:hueOff val="0"/>
+              <a:satOff val="0"/>
+              <a:lumOff val="0"/>
+              <a:alphaOff val="0"/>
+            </a:schemeClr>
+          </a:solidFill>
+          <a:prstDash val="solid"/>
+        </a:ln>
+        <a:effectLst/>
+      </dsp:spPr>
+      <dsp:style>
+        <a:lnRef idx="2">
+          <a:scrgbClr r="0" g="0" b="0"/>
+        </a:lnRef>
+        <a:fillRef idx="1">
+          <a:scrgbClr r="0" g="0" b="0"/>
+        </a:fillRef>
+        <a:effectRef idx="0">
+          <a:scrgbClr r="0" g="0" b="0"/>
+        </a:effectRef>
+        <a:fontRef idx="minor">
+          <a:schemeClr val="lt1"/>
+        </a:fontRef>
+      </dsp:style>
+      <dsp:txBody>
+        <a:bodyPr spcFirstLastPara="0" vert="horz" wrap="square" lIns="68580" tIns="68580" rIns="68580" bIns="68580" numCol="1" spcCol="1270" anchor="ctr" anchorCtr="0">
+          <a:noAutofit/>
+        </a:bodyPr>
+        <a:lstStyle/>
+        <a:p>
+          <a:pPr lvl="0" algn="ctr" defTabSz="800100">
+            <a:lnSpc>
+              <a:spcPct val="90000"/>
+            </a:lnSpc>
+            <a:spcBef>
+              <a:spcPct val="0"/>
+            </a:spcBef>
+            <a:spcAft>
+              <a:spcPct val="35000"/>
+            </a:spcAft>
+          </a:pPr>
+          <a:r>
+            <a:rPr lang="en-US" sz="1800" b="1" kern="1200" dirty="0" smtClean="0">
+              <a:solidFill>
+                <a:schemeClr val="bg1">
+                  <a:lumMod val="95000"/>
+                  <a:lumOff val="5000"/>
+                </a:schemeClr>
+              </a:solidFill>
+            </a:rPr>
+            <a:t>Math tools</a:t>
+          </a:r>
+          <a:br>
+            <a:rPr lang="en-US" sz="1800" b="1" kern="1200" dirty="0" smtClean="0">
+              <a:solidFill>
+                <a:schemeClr val="bg1">
+                  <a:lumMod val="95000"/>
+                  <a:lumOff val="5000"/>
+                </a:schemeClr>
+              </a:solidFill>
+            </a:rPr>
+          </a:br>
+          <a:r>
+            <a:rPr lang="en-US" sz="1800" b="1" kern="1200" dirty="0" smtClean="0">
+              <a:solidFill>
+                <a:schemeClr val="bg1">
+                  <a:lumMod val="95000"/>
+                  <a:lumOff val="5000"/>
+                </a:schemeClr>
+              </a:solidFill>
+            </a:rPr>
+            <a:t>&lt;</a:t>
+          </a:r>
+          <a:r>
+            <a:rPr lang="en-US" sz="1800" b="1" kern="1200" dirty="0" err="1" smtClean="0">
+              <a:solidFill>
+                <a:schemeClr val="bg1">
+                  <a:lumMod val="95000"/>
+                  <a:lumOff val="5000"/>
+                </a:schemeClr>
+              </a:solidFill>
+            </a:rPr>
+            <a:t>ql</a:t>
+          </a:r>
+          <a:r>
+            <a:rPr lang="en-US" sz="1800" b="1" kern="1200" dirty="0" smtClean="0">
+              <a:solidFill>
+                <a:schemeClr val="bg1">
+                  <a:lumMod val="95000"/>
+                  <a:lumOff val="5000"/>
+                </a:schemeClr>
+              </a:solidFill>
+            </a:rPr>
+            <a:t>/math&gt;</a:t>
+          </a:r>
+          <a:endParaRPr lang="en-US" sz="1800" b="1" kern="1200" dirty="0">
+            <a:solidFill>
+              <a:schemeClr val="bg1">
+                <a:lumMod val="95000"/>
+                <a:lumOff val="5000"/>
+              </a:schemeClr>
+            </a:solidFill>
+          </a:endParaRPr>
+        </a:p>
+      </dsp:txBody>
+      <dsp:txXfrm>
+        <a:off x="4861663" y="1405194"/>
+        <a:ext cx="2006367" cy="1203820"/>
+      </dsp:txXfrm>
+    </dsp:sp>
+    <dsp:sp modelId="{C31FE0EB-84D7-4A83-B6CE-DC7E615AAA5D}">
+      <dsp:nvSpPr>
+        <dsp:cNvPr id="0" name=""/>
+        <dsp:cNvSpPr/>
+      </dsp:nvSpPr>
+      <dsp:spPr>
+        <a:xfrm>
+          <a:off x="7068667" y="1405194"/>
+          <a:ext cx="2006367" cy="1203820"/>
+        </a:xfrm>
+        <a:prstGeom prst="rect">
+          <a:avLst/>
+        </a:prstGeom>
+        <a:solidFill>
+          <a:schemeClr val="accent5">
+            <a:hueOff val="9704886"/>
+            <a:satOff val="-265"/>
+            <a:lumOff val="-1464"/>
+            <a:alphaOff val="0"/>
+          </a:schemeClr>
+        </a:solidFill>
+        <a:ln w="15875" cap="rnd" cmpd="sng" algn="ctr">
+          <a:solidFill>
+            <a:schemeClr val="lt1">
+              <a:hueOff val="0"/>
+              <a:satOff val="0"/>
+              <a:lumOff val="0"/>
+              <a:alphaOff val="0"/>
+            </a:schemeClr>
+          </a:solidFill>
+          <a:prstDash val="solid"/>
+        </a:ln>
+        <a:effectLst/>
+      </dsp:spPr>
+      <dsp:style>
+        <a:lnRef idx="2">
+          <a:scrgbClr r="0" g="0" b="0"/>
+        </a:lnRef>
+        <a:fillRef idx="1">
+          <a:scrgbClr r="0" g="0" b="0"/>
+        </a:fillRef>
+        <a:effectRef idx="0">
+          <a:scrgbClr r="0" g="0" b="0"/>
+        </a:effectRef>
+        <a:fontRef idx="minor">
+          <a:schemeClr val="lt1"/>
+        </a:fontRef>
+      </dsp:style>
+      <dsp:txBody>
+        <a:bodyPr spcFirstLastPara="0" vert="horz" wrap="square" lIns="68580" tIns="68580" rIns="68580" bIns="68580" numCol="1" spcCol="1270" anchor="ctr" anchorCtr="0">
+          <a:noAutofit/>
+        </a:bodyPr>
+        <a:lstStyle/>
+        <a:p>
+          <a:pPr lvl="0" algn="ctr" defTabSz="800100">
+            <a:lnSpc>
+              <a:spcPct val="90000"/>
+            </a:lnSpc>
+            <a:spcBef>
+              <a:spcPct val="0"/>
+            </a:spcBef>
+            <a:spcAft>
+              <a:spcPct val="35000"/>
+            </a:spcAft>
+          </a:pPr>
+          <a:r>
+            <a:rPr lang="en-US" sz="1800" b="1" kern="1200" dirty="0" smtClean="0">
+              <a:solidFill>
+                <a:schemeClr val="bg1">
+                  <a:lumMod val="95000"/>
+                  <a:lumOff val="5000"/>
+                </a:schemeClr>
+              </a:solidFill>
+            </a:rPr>
+            <a:t>Stochastic &lt;</a:t>
+          </a:r>
+          <a:r>
+            <a:rPr lang="en-US" sz="1800" b="1" kern="1200" dirty="0" err="1" smtClean="0">
+              <a:solidFill>
+                <a:schemeClr val="bg1">
+                  <a:lumMod val="95000"/>
+                  <a:lumOff val="5000"/>
+                </a:schemeClr>
+              </a:solidFill>
+            </a:rPr>
+            <a:t>ql</a:t>
+          </a:r>
+          <a:r>
+            <a:rPr lang="en-US" sz="1800" b="1" kern="1200" dirty="0" smtClean="0">
+              <a:solidFill>
+                <a:schemeClr val="bg1">
+                  <a:lumMod val="95000"/>
+                  <a:lumOff val="5000"/>
+                </a:schemeClr>
+              </a:solidFill>
+            </a:rPr>
+            <a:t>/processes&gt;</a:t>
+          </a:r>
+          <a:endParaRPr lang="en-US" sz="1800" b="1" kern="1200" dirty="0">
+            <a:solidFill>
+              <a:schemeClr val="bg1">
+                <a:lumMod val="95000"/>
+                <a:lumOff val="5000"/>
+              </a:schemeClr>
+            </a:solidFill>
+          </a:endParaRPr>
+        </a:p>
+      </dsp:txBody>
+      <dsp:txXfrm>
+        <a:off x="7068667" y="1405194"/>
+        <a:ext cx="2006367" cy="1203820"/>
+      </dsp:txXfrm>
+    </dsp:sp>
+    <dsp:sp modelId="{50649DEC-791A-4FF7-9B18-579EC07E270C}">
+      <dsp:nvSpPr>
+        <dsp:cNvPr id="0" name=""/>
+        <dsp:cNvSpPr/>
+      </dsp:nvSpPr>
+      <dsp:spPr>
+        <a:xfrm>
+          <a:off x="447654" y="2809651"/>
+          <a:ext cx="2006367" cy="1203820"/>
+        </a:xfrm>
+        <a:prstGeom prst="rect">
+          <a:avLst/>
+        </a:prstGeom>
+        <a:solidFill>
+          <a:schemeClr val="accent5">
+            <a:hueOff val="11091299"/>
+            <a:satOff val="-303"/>
+            <a:lumOff val="-1674"/>
+            <a:alphaOff val="0"/>
+          </a:schemeClr>
+        </a:solidFill>
+        <a:ln w="15875" cap="rnd" cmpd="sng" algn="ctr">
+          <a:solidFill>
+            <a:schemeClr val="lt1">
+              <a:hueOff val="0"/>
+              <a:satOff val="0"/>
+              <a:lumOff val="0"/>
+              <a:alphaOff val="0"/>
+            </a:schemeClr>
+          </a:solidFill>
+          <a:prstDash val="solid"/>
+        </a:ln>
+        <a:effectLst/>
+      </dsp:spPr>
+      <dsp:style>
+        <a:lnRef idx="2">
+          <a:scrgbClr r="0" g="0" b="0"/>
+        </a:lnRef>
+        <a:fillRef idx="1">
+          <a:scrgbClr r="0" g="0" b="0"/>
+        </a:fillRef>
+        <a:effectRef idx="0">
+          <a:scrgbClr r="0" g="0" b="0"/>
+        </a:effectRef>
+        <a:fontRef idx="minor">
+          <a:schemeClr val="lt1"/>
+        </a:fontRef>
+      </dsp:style>
+      <dsp:txBody>
+        <a:bodyPr spcFirstLastPara="0" vert="horz" wrap="square" lIns="68580" tIns="68580" rIns="68580" bIns="68580" numCol="1" spcCol="1270" anchor="ctr" anchorCtr="0">
+          <a:noAutofit/>
+        </a:bodyPr>
+        <a:lstStyle/>
+        <a:p>
+          <a:pPr lvl="0" algn="ctr" defTabSz="800100">
+            <a:lnSpc>
+              <a:spcPct val="90000"/>
+            </a:lnSpc>
+            <a:spcBef>
+              <a:spcPct val="0"/>
+            </a:spcBef>
+            <a:spcAft>
+              <a:spcPct val="35000"/>
+            </a:spcAft>
+          </a:pPr>
+          <a:r>
+            <a:rPr lang="en-US" sz="1800" b="1" kern="1200" dirty="0" err="1" smtClean="0">
+              <a:solidFill>
+                <a:schemeClr val="bg1">
+                  <a:lumMod val="95000"/>
+                  <a:lumOff val="5000"/>
+                </a:schemeClr>
+              </a:solidFill>
+            </a:rPr>
+            <a:t>Cashflows</a:t>
+          </a:r>
+          <a:r>
+            <a:rPr lang="en-US" sz="1800" b="1" kern="1200" dirty="0" smtClean="0">
+              <a:solidFill>
+                <a:schemeClr val="bg1">
+                  <a:lumMod val="95000"/>
+                  <a:lumOff val="5000"/>
+                </a:schemeClr>
+              </a:solidFill>
+            </a:rPr>
+            <a:t/>
+          </a:r>
+          <a:br>
+            <a:rPr lang="en-US" sz="1800" b="1" kern="1200" dirty="0" smtClean="0">
+              <a:solidFill>
+                <a:schemeClr val="bg1">
+                  <a:lumMod val="95000"/>
+                  <a:lumOff val="5000"/>
+                </a:schemeClr>
+              </a:solidFill>
+            </a:rPr>
+          </a:br>
+          <a:r>
+            <a:rPr lang="en-US" sz="1800" b="1" kern="1200" dirty="0" smtClean="0">
+              <a:solidFill>
+                <a:schemeClr val="bg1">
+                  <a:lumMod val="95000"/>
+                  <a:lumOff val="5000"/>
+                </a:schemeClr>
+              </a:solidFill>
+            </a:rPr>
+            <a:t>&lt;</a:t>
+          </a:r>
+          <a:r>
+            <a:rPr lang="en-US" sz="1800" b="1" kern="1200" dirty="0" err="1" smtClean="0">
+              <a:solidFill>
+                <a:schemeClr val="bg1">
+                  <a:lumMod val="95000"/>
+                  <a:lumOff val="5000"/>
+                </a:schemeClr>
+              </a:solidFill>
+            </a:rPr>
+            <a:t>ql</a:t>
+          </a:r>
+          <a:r>
+            <a:rPr lang="en-US" sz="1800" b="1" kern="1200" dirty="0" smtClean="0">
+              <a:solidFill>
+                <a:schemeClr val="bg1">
+                  <a:lumMod val="95000"/>
+                  <a:lumOff val="5000"/>
+                </a:schemeClr>
+              </a:solidFill>
+            </a:rPr>
+            <a:t>/</a:t>
+          </a:r>
+          <a:r>
+            <a:rPr lang="en-US" sz="1800" b="1" kern="1200" dirty="0" err="1" smtClean="0">
+              <a:solidFill>
+                <a:schemeClr val="bg1">
+                  <a:lumMod val="95000"/>
+                  <a:lumOff val="5000"/>
+                </a:schemeClr>
+              </a:solidFill>
+            </a:rPr>
+            <a:t>cashflows</a:t>
+          </a:r>
+          <a:r>
+            <a:rPr lang="en-US" sz="1800" b="1" kern="1200" dirty="0" smtClean="0">
+              <a:solidFill>
+                <a:schemeClr val="bg1">
+                  <a:lumMod val="95000"/>
+                  <a:lumOff val="5000"/>
+                </a:schemeClr>
+              </a:solidFill>
+            </a:rPr>
+            <a:t>&gt;</a:t>
+          </a:r>
+          <a:endParaRPr lang="en-US" sz="1800" b="1" kern="1200" dirty="0">
+            <a:solidFill>
+              <a:schemeClr val="bg1">
+                <a:lumMod val="95000"/>
+                <a:lumOff val="5000"/>
+              </a:schemeClr>
+            </a:solidFill>
+          </a:endParaRPr>
+        </a:p>
+      </dsp:txBody>
+      <dsp:txXfrm>
+        <a:off x="447654" y="2809651"/>
+        <a:ext cx="2006367" cy="1203820"/>
+      </dsp:txXfrm>
+    </dsp:sp>
+    <dsp:sp modelId="{9F8A8351-82EF-4AE4-82D6-56EA0A0B511F}">
+      <dsp:nvSpPr>
+        <dsp:cNvPr id="0" name=""/>
+        <dsp:cNvSpPr/>
+      </dsp:nvSpPr>
+      <dsp:spPr>
+        <a:xfrm>
+          <a:off x="2654659" y="2809651"/>
+          <a:ext cx="2006367" cy="1203820"/>
+        </a:xfrm>
+        <a:prstGeom prst="rect">
+          <a:avLst/>
+        </a:prstGeom>
+        <a:solidFill>
+          <a:schemeClr val="accent5">
+            <a:hueOff val="12477710"/>
+            <a:satOff val="-341"/>
+            <a:lumOff val="-1883"/>
+            <a:alphaOff val="0"/>
+          </a:schemeClr>
+        </a:solidFill>
+        <a:ln w="15875" cap="rnd" cmpd="sng" algn="ctr">
+          <a:solidFill>
+            <a:schemeClr val="lt1">
+              <a:hueOff val="0"/>
+              <a:satOff val="0"/>
+              <a:lumOff val="0"/>
+              <a:alphaOff val="0"/>
+            </a:schemeClr>
+          </a:solidFill>
+          <a:prstDash val="solid"/>
+        </a:ln>
+        <a:effectLst/>
+      </dsp:spPr>
+      <dsp:style>
+        <a:lnRef idx="2">
+          <a:scrgbClr r="0" g="0" b="0"/>
+        </a:lnRef>
+        <a:fillRef idx="1">
+          <a:scrgbClr r="0" g="0" b="0"/>
+        </a:fillRef>
+        <a:effectRef idx="0">
+          <a:scrgbClr r="0" g="0" b="0"/>
+        </a:effectRef>
+        <a:fontRef idx="minor">
+          <a:schemeClr val="lt1"/>
+        </a:fontRef>
+      </dsp:style>
+      <dsp:txBody>
+        <a:bodyPr spcFirstLastPara="0" vert="horz" wrap="square" lIns="68580" tIns="68580" rIns="68580" bIns="68580" numCol="1" spcCol="1270" anchor="ctr" anchorCtr="0">
+          <a:noAutofit/>
+        </a:bodyPr>
+        <a:lstStyle/>
+        <a:p>
+          <a:pPr lvl="0" algn="ctr" defTabSz="800100">
+            <a:lnSpc>
+              <a:spcPct val="90000"/>
+            </a:lnSpc>
+            <a:spcBef>
+              <a:spcPct val="0"/>
+            </a:spcBef>
+            <a:spcAft>
+              <a:spcPct val="35000"/>
+            </a:spcAft>
+          </a:pPr>
+          <a:r>
+            <a:rPr lang="en-US" sz="1800" b="1" kern="1200" dirty="0" smtClean="0">
+              <a:solidFill>
+                <a:schemeClr val="bg1">
+                  <a:lumMod val="95000"/>
+                  <a:lumOff val="5000"/>
+                </a:schemeClr>
+              </a:solidFill>
+            </a:rPr>
+            <a:t>Term structures</a:t>
+          </a:r>
+          <a:br>
+            <a:rPr lang="en-US" sz="1800" b="1" kern="1200" dirty="0" smtClean="0">
+              <a:solidFill>
+                <a:schemeClr val="bg1">
+                  <a:lumMod val="95000"/>
+                  <a:lumOff val="5000"/>
+                </a:schemeClr>
+              </a:solidFill>
+            </a:rPr>
+          </a:br>
+          <a:r>
+            <a:rPr lang="en-US" sz="1800" b="1" kern="1200" dirty="0" smtClean="0">
+              <a:solidFill>
+                <a:schemeClr val="bg1">
+                  <a:lumMod val="95000"/>
+                  <a:lumOff val="5000"/>
+                </a:schemeClr>
+              </a:solidFill>
+            </a:rPr>
+            <a:t>&lt;</a:t>
+          </a:r>
+          <a:r>
+            <a:rPr lang="en-US" sz="1800" b="1" kern="1200" dirty="0" err="1" smtClean="0">
+              <a:solidFill>
+                <a:schemeClr val="bg1">
+                  <a:lumMod val="95000"/>
+                  <a:lumOff val="5000"/>
+                </a:schemeClr>
+              </a:solidFill>
+            </a:rPr>
+            <a:t>ql</a:t>
+          </a:r>
+          <a:r>
+            <a:rPr lang="en-US" sz="1800" b="1" kern="1200" dirty="0" smtClean="0">
+              <a:solidFill>
+                <a:schemeClr val="bg1">
+                  <a:lumMod val="95000"/>
+                  <a:lumOff val="5000"/>
+                </a:schemeClr>
+              </a:solidFill>
+            </a:rPr>
+            <a:t>/</a:t>
+          </a:r>
+        </a:p>
+        <a:p>
+          <a:pPr lvl="0" algn="ctr" defTabSz="800100">
+            <a:lnSpc>
+              <a:spcPct val="90000"/>
+            </a:lnSpc>
+            <a:spcBef>
+              <a:spcPct val="0"/>
+            </a:spcBef>
+            <a:spcAft>
+              <a:spcPct val="35000"/>
+            </a:spcAft>
+          </a:pPr>
+          <a:r>
+            <a:rPr lang="en-US" sz="1800" b="1" kern="1200" dirty="0" err="1" smtClean="0">
+              <a:solidFill>
+                <a:schemeClr val="bg1">
+                  <a:lumMod val="95000"/>
+                  <a:lumOff val="5000"/>
+                </a:schemeClr>
+              </a:solidFill>
+            </a:rPr>
+            <a:t>termstructures</a:t>
+          </a:r>
+          <a:r>
+            <a:rPr lang="en-US" sz="1800" b="1" kern="1200" dirty="0" smtClean="0">
+              <a:solidFill>
+                <a:schemeClr val="bg1">
+                  <a:lumMod val="95000"/>
+                  <a:lumOff val="5000"/>
+                </a:schemeClr>
+              </a:solidFill>
+            </a:rPr>
+            <a:t>&gt;</a:t>
+          </a:r>
+          <a:endParaRPr lang="en-US" sz="1800" b="1" kern="1200" dirty="0">
+            <a:solidFill>
+              <a:schemeClr val="bg1">
+                <a:lumMod val="95000"/>
+                <a:lumOff val="5000"/>
+              </a:schemeClr>
+            </a:solidFill>
+          </a:endParaRPr>
+        </a:p>
+      </dsp:txBody>
+      <dsp:txXfrm>
+        <a:off x="2654659" y="2809651"/>
+        <a:ext cx="2006367" cy="1203820"/>
+      </dsp:txXfrm>
+    </dsp:sp>
+    <dsp:sp modelId="{86017A4D-0547-4BD9-8D95-8425BFFB89D0}">
+      <dsp:nvSpPr>
+        <dsp:cNvPr id="0" name=""/>
+        <dsp:cNvSpPr/>
+      </dsp:nvSpPr>
+      <dsp:spPr>
+        <a:xfrm>
+          <a:off x="4861663" y="2809651"/>
+          <a:ext cx="2006367" cy="1203820"/>
+        </a:xfrm>
+        <a:prstGeom prst="rect">
+          <a:avLst/>
+        </a:prstGeom>
+        <a:solidFill>
+          <a:schemeClr val="accent5">
+            <a:hueOff val="13864123"/>
+            <a:satOff val="-379"/>
+            <a:lumOff val="-2092"/>
+            <a:alphaOff val="0"/>
+          </a:schemeClr>
+        </a:solidFill>
+        <a:ln w="15875" cap="rnd" cmpd="sng" algn="ctr">
+          <a:solidFill>
+            <a:schemeClr val="lt1">
+              <a:hueOff val="0"/>
+              <a:satOff val="0"/>
+              <a:lumOff val="0"/>
+              <a:alphaOff val="0"/>
+            </a:schemeClr>
+          </a:solidFill>
+          <a:prstDash val="solid"/>
+        </a:ln>
+        <a:effectLst/>
+      </dsp:spPr>
+      <dsp:style>
+        <a:lnRef idx="2">
+          <a:scrgbClr r="0" g="0" b="0"/>
+        </a:lnRef>
+        <a:fillRef idx="1">
+          <a:scrgbClr r="0" g="0" b="0"/>
+        </a:fillRef>
+        <a:effectRef idx="0">
+          <a:scrgbClr r="0" g="0" b="0"/>
+        </a:effectRef>
+        <a:fontRef idx="minor">
+          <a:schemeClr val="lt1"/>
+        </a:fontRef>
+      </dsp:style>
+      <dsp:txBody>
+        <a:bodyPr spcFirstLastPara="0" vert="horz" wrap="square" lIns="68580" tIns="68580" rIns="68580" bIns="68580" numCol="1" spcCol="1270" anchor="ctr" anchorCtr="0">
+          <a:noAutofit/>
+        </a:bodyPr>
+        <a:lstStyle/>
+        <a:p>
+          <a:pPr lvl="0" algn="ctr" defTabSz="800100">
+            <a:lnSpc>
+              <a:spcPct val="90000"/>
+            </a:lnSpc>
+            <a:spcBef>
+              <a:spcPct val="0"/>
+            </a:spcBef>
+            <a:spcAft>
+              <a:spcPct val="35000"/>
+            </a:spcAft>
+          </a:pPr>
+          <a:r>
+            <a:rPr lang="en-US" sz="1800" b="1" kern="1200" dirty="0" smtClean="0">
+              <a:solidFill>
+                <a:schemeClr val="bg1">
+                  <a:lumMod val="95000"/>
+                  <a:lumOff val="5000"/>
+                </a:schemeClr>
+              </a:solidFill>
+            </a:rPr>
+            <a:t>Indexes</a:t>
+          </a:r>
+          <a:br>
+            <a:rPr lang="en-US" sz="1800" b="1" kern="1200" dirty="0" smtClean="0">
+              <a:solidFill>
+                <a:schemeClr val="bg1">
+                  <a:lumMod val="95000"/>
+                  <a:lumOff val="5000"/>
+                </a:schemeClr>
+              </a:solidFill>
+            </a:rPr>
+          </a:br>
+          <a:r>
+            <a:rPr lang="en-US" sz="1800" b="1" kern="1200" dirty="0" smtClean="0">
+              <a:solidFill>
+                <a:schemeClr val="bg1">
+                  <a:lumMod val="95000"/>
+                  <a:lumOff val="5000"/>
+                </a:schemeClr>
+              </a:solidFill>
+            </a:rPr>
+            <a:t>&lt;</a:t>
+          </a:r>
+          <a:r>
+            <a:rPr lang="en-US" sz="1800" b="1" kern="1200" dirty="0" err="1" smtClean="0">
+              <a:solidFill>
+                <a:schemeClr val="bg1">
+                  <a:lumMod val="95000"/>
+                  <a:lumOff val="5000"/>
+                </a:schemeClr>
+              </a:solidFill>
+            </a:rPr>
+            <a:t>ql</a:t>
+          </a:r>
+          <a:r>
+            <a:rPr lang="en-US" sz="1800" b="1" kern="1200" dirty="0" smtClean="0">
+              <a:solidFill>
+                <a:schemeClr val="bg1">
+                  <a:lumMod val="95000"/>
+                  <a:lumOff val="5000"/>
+                </a:schemeClr>
+              </a:solidFill>
+            </a:rPr>
+            <a:t>/indexes&gt;</a:t>
+          </a:r>
+          <a:endParaRPr lang="en-US" sz="1800" b="1" kern="1200" dirty="0">
+            <a:solidFill>
+              <a:schemeClr val="bg1">
+                <a:lumMod val="95000"/>
+                <a:lumOff val="5000"/>
+              </a:schemeClr>
+            </a:solidFill>
+          </a:endParaRPr>
+        </a:p>
+      </dsp:txBody>
+      <dsp:txXfrm>
+        <a:off x="4861663" y="2809651"/>
+        <a:ext cx="2006367" cy="1203820"/>
+      </dsp:txXfrm>
+    </dsp:sp>
+    <dsp:sp modelId="{138AFA0B-F911-438F-9D6E-4483510E0887}">
+      <dsp:nvSpPr>
+        <dsp:cNvPr id="0" name=""/>
+        <dsp:cNvSpPr/>
+      </dsp:nvSpPr>
+      <dsp:spPr>
+        <a:xfrm>
+          <a:off x="7068667" y="2809651"/>
+          <a:ext cx="2006367" cy="1203820"/>
+        </a:xfrm>
+        <a:prstGeom prst="rect">
+          <a:avLst/>
+        </a:prstGeom>
+        <a:solidFill>
+          <a:schemeClr val="accent5">
+            <a:hueOff val="15250535"/>
+            <a:satOff val="-417"/>
+            <a:lumOff val="-2301"/>
+            <a:alphaOff val="0"/>
+          </a:schemeClr>
+        </a:solidFill>
+        <a:ln w="15875" cap="rnd" cmpd="sng" algn="ctr">
+          <a:solidFill>
+            <a:schemeClr val="lt1">
+              <a:hueOff val="0"/>
+              <a:satOff val="0"/>
+              <a:lumOff val="0"/>
+              <a:alphaOff val="0"/>
+            </a:schemeClr>
+          </a:solidFill>
+          <a:prstDash val="solid"/>
+        </a:ln>
+        <a:effectLst/>
+      </dsp:spPr>
+      <dsp:style>
+        <a:lnRef idx="2">
+          <a:scrgbClr r="0" g="0" b="0"/>
+        </a:lnRef>
+        <a:fillRef idx="1">
+          <a:scrgbClr r="0" g="0" b="0"/>
+        </a:fillRef>
+        <a:effectRef idx="0">
+          <a:scrgbClr r="0" g="0" b="0"/>
+        </a:effectRef>
+        <a:fontRef idx="minor">
+          <a:schemeClr val="lt1"/>
+        </a:fontRef>
+      </dsp:style>
+      <dsp:txBody>
+        <a:bodyPr spcFirstLastPara="0" vert="horz" wrap="square" lIns="68580" tIns="68580" rIns="68580" bIns="68580" numCol="1" spcCol="1270" anchor="ctr" anchorCtr="0">
+          <a:noAutofit/>
+        </a:bodyPr>
+        <a:lstStyle/>
+        <a:p>
+          <a:pPr lvl="0" algn="ctr" defTabSz="800100">
+            <a:lnSpc>
+              <a:spcPct val="90000"/>
+            </a:lnSpc>
+            <a:spcBef>
+              <a:spcPct val="0"/>
+            </a:spcBef>
+            <a:spcAft>
+              <a:spcPct val="35000"/>
+            </a:spcAft>
+          </a:pPr>
+          <a:r>
+            <a:rPr lang="en-US" sz="1800" b="1" kern="1200" dirty="0" smtClean="0">
+              <a:solidFill>
+                <a:schemeClr val="bg1">
+                  <a:lumMod val="95000"/>
+                  <a:lumOff val="5000"/>
+                </a:schemeClr>
+              </a:solidFill>
+            </a:rPr>
+            <a:t>Quotes</a:t>
+          </a:r>
+          <a:br>
+            <a:rPr lang="en-US" sz="1800" b="1" kern="1200" dirty="0" smtClean="0">
+              <a:solidFill>
+                <a:schemeClr val="bg1">
+                  <a:lumMod val="95000"/>
+                  <a:lumOff val="5000"/>
+                </a:schemeClr>
+              </a:solidFill>
+            </a:rPr>
+          </a:br>
+          <a:r>
+            <a:rPr lang="en-US" sz="1800" b="1" kern="1200" dirty="0" smtClean="0">
+              <a:solidFill>
+                <a:schemeClr val="bg1">
+                  <a:lumMod val="95000"/>
+                  <a:lumOff val="5000"/>
+                </a:schemeClr>
+              </a:solidFill>
+            </a:rPr>
+            <a:t>&lt;</a:t>
+          </a:r>
+          <a:r>
+            <a:rPr lang="en-US" sz="1800" b="1" kern="1200" dirty="0" err="1" smtClean="0">
+              <a:solidFill>
+                <a:schemeClr val="bg1">
+                  <a:lumMod val="95000"/>
+                  <a:lumOff val="5000"/>
+                </a:schemeClr>
+              </a:solidFill>
+            </a:rPr>
+            <a:t>ql</a:t>
+          </a:r>
+          <a:r>
+            <a:rPr lang="en-US" sz="1800" b="1" kern="1200" dirty="0" smtClean="0">
+              <a:solidFill>
+                <a:schemeClr val="bg1">
+                  <a:lumMod val="95000"/>
+                  <a:lumOff val="5000"/>
+                </a:schemeClr>
+              </a:solidFill>
+            </a:rPr>
+            <a:t>/quotes&gt;</a:t>
+          </a:r>
+          <a:endParaRPr lang="en-US" sz="1800" b="1" kern="1200" dirty="0">
+            <a:solidFill>
+              <a:schemeClr val="bg1">
+                <a:lumMod val="95000"/>
+                <a:lumOff val="5000"/>
+              </a:schemeClr>
+            </a:solidFill>
+          </a:endParaRPr>
+        </a:p>
+      </dsp:txBody>
+      <dsp:txXfrm>
+        <a:off x="7068667" y="2809651"/>
+        <a:ext cx="2006367" cy="1203820"/>
+      </dsp:txXfrm>
+    </dsp:sp>
+    <dsp:sp modelId="{4EF6EB47-A064-400A-807C-204EE74E3E61}">
+      <dsp:nvSpPr>
+        <dsp:cNvPr id="0" name=""/>
+        <dsp:cNvSpPr/>
+      </dsp:nvSpPr>
+      <dsp:spPr>
+        <a:xfrm>
+          <a:off x="447654" y="4214109"/>
+          <a:ext cx="2006367" cy="1203820"/>
+        </a:xfrm>
+        <a:prstGeom prst="rect">
+          <a:avLst/>
+        </a:prstGeom>
+        <a:solidFill>
+          <a:schemeClr val="bg1">
+            <a:lumMod val="85000"/>
+            <a:lumOff val="15000"/>
+          </a:schemeClr>
+        </a:solidFill>
+        <a:ln w="15875" cap="rnd" cmpd="sng" algn="ctr">
+          <a:solidFill>
+            <a:srgbClr val="FFC000"/>
+          </a:solidFill>
+          <a:prstDash val="solid"/>
+        </a:ln>
+        <a:effectLst>
+          <a:glow rad="101600">
+            <a:schemeClr val="accent5">
+              <a:satMod val="175000"/>
+              <a:alpha val="40000"/>
+            </a:schemeClr>
+          </a:glow>
+        </a:effectLst>
+      </dsp:spPr>
+      <dsp:style>
+        <a:lnRef idx="2">
+          <a:scrgbClr r="0" g="0" b="0"/>
+        </a:lnRef>
+        <a:fillRef idx="1">
+          <a:scrgbClr r="0" g="0" b="0"/>
+        </a:fillRef>
+        <a:effectRef idx="0">
+          <a:scrgbClr r="0" g="0" b="0"/>
+        </a:effectRef>
+        <a:fontRef idx="minor">
+          <a:schemeClr val="lt1"/>
+        </a:fontRef>
+      </dsp:style>
+      <dsp:txBody>
+        <a:bodyPr spcFirstLastPara="0" vert="horz" wrap="square" lIns="68580" tIns="68580" rIns="68580" bIns="68580" numCol="1" spcCol="1270" anchor="ctr" anchorCtr="0">
+          <a:noAutofit/>
+        </a:bodyPr>
+        <a:lstStyle/>
+        <a:p>
+          <a:pPr lvl="0" algn="ctr" defTabSz="800100">
+            <a:lnSpc>
+              <a:spcPct val="90000"/>
+            </a:lnSpc>
+            <a:spcBef>
+              <a:spcPct val="0"/>
+            </a:spcBef>
+            <a:spcAft>
+              <a:spcPct val="35000"/>
+            </a:spcAft>
+          </a:pPr>
+          <a:r>
+            <a:rPr lang="en-US" sz="1800" b="1" kern="1200" dirty="0" smtClean="0">
+              <a:solidFill>
+                <a:srgbClr val="00B0F0"/>
+              </a:solidFill>
+            </a:rPr>
+            <a:t>Financial instruments</a:t>
+          </a:r>
+          <a:br>
+            <a:rPr lang="en-US" sz="1800" b="1" kern="1200" dirty="0" smtClean="0">
+              <a:solidFill>
+                <a:srgbClr val="00B0F0"/>
+              </a:solidFill>
+            </a:rPr>
+          </a:br>
+          <a:r>
+            <a:rPr lang="en-US" sz="1800" b="1" kern="1200" dirty="0" smtClean="0">
+              <a:solidFill>
+                <a:srgbClr val="00B0F0"/>
+              </a:solidFill>
+            </a:rPr>
+            <a:t>&lt;</a:t>
+          </a:r>
+          <a:r>
+            <a:rPr lang="en-US" sz="1800" b="1" kern="1200" dirty="0" err="1" smtClean="0">
+              <a:solidFill>
+                <a:srgbClr val="00B0F0"/>
+              </a:solidFill>
+            </a:rPr>
+            <a:t>ql</a:t>
+          </a:r>
+          <a:r>
+            <a:rPr lang="en-US" sz="1800" b="1" kern="1200" dirty="0" smtClean="0">
+              <a:solidFill>
+                <a:srgbClr val="00B0F0"/>
+              </a:solidFill>
+            </a:rPr>
+            <a:t>/instruments&gt;</a:t>
+          </a:r>
+          <a:endParaRPr lang="en-US" sz="1800" b="1" kern="1200" dirty="0">
+            <a:solidFill>
+              <a:srgbClr val="00B0F0"/>
+            </a:solidFill>
+          </a:endParaRPr>
+        </a:p>
+      </dsp:txBody>
+      <dsp:txXfrm>
+        <a:off x="447654" y="4214109"/>
+        <a:ext cx="2006367" cy="1203820"/>
+      </dsp:txXfrm>
+    </dsp:sp>
+    <dsp:sp modelId="{25EF8A6E-5345-4F34-9AFD-D8E4DF2CC5DA}">
+      <dsp:nvSpPr>
+        <dsp:cNvPr id="0" name=""/>
+        <dsp:cNvSpPr/>
+      </dsp:nvSpPr>
+      <dsp:spPr>
+        <a:xfrm>
+          <a:off x="2654659" y="4214109"/>
+          <a:ext cx="2006367" cy="1203820"/>
+        </a:xfrm>
+        <a:prstGeom prst="rect">
+          <a:avLst/>
+        </a:prstGeom>
+        <a:solidFill>
+          <a:schemeClr val="bg1">
+            <a:lumMod val="85000"/>
+            <a:lumOff val="15000"/>
+          </a:schemeClr>
+        </a:solidFill>
+        <a:ln w="15875" cap="rnd" cmpd="sng" algn="ctr">
+          <a:solidFill>
+            <a:srgbClr val="FFC000"/>
+          </a:solidFill>
+          <a:prstDash val="solid"/>
+        </a:ln>
+        <a:effectLst>
+          <a:glow rad="101600">
+            <a:schemeClr val="accent5">
+              <a:satMod val="175000"/>
+              <a:alpha val="40000"/>
+            </a:schemeClr>
+          </a:glow>
+        </a:effectLst>
+      </dsp:spPr>
+      <dsp:style>
+        <a:lnRef idx="2">
+          <a:scrgbClr r="0" g="0" b="0"/>
+        </a:lnRef>
+        <a:fillRef idx="1">
+          <a:scrgbClr r="0" g="0" b="0"/>
+        </a:fillRef>
+        <a:effectRef idx="0">
+          <a:scrgbClr r="0" g="0" b="0"/>
+        </a:effectRef>
+        <a:fontRef idx="minor">
+          <a:schemeClr val="lt1"/>
+        </a:fontRef>
+      </dsp:style>
+      <dsp:txBody>
+        <a:bodyPr spcFirstLastPara="0" vert="horz" wrap="square" lIns="68580" tIns="68580" rIns="68580" bIns="68580" numCol="1" spcCol="1270" anchor="ctr" anchorCtr="0">
+          <a:noAutofit/>
+        </a:bodyPr>
+        <a:lstStyle/>
+        <a:p>
+          <a:pPr lvl="0" algn="ctr" defTabSz="800100">
+            <a:lnSpc>
+              <a:spcPct val="90000"/>
+            </a:lnSpc>
+            <a:spcBef>
+              <a:spcPct val="0"/>
+            </a:spcBef>
+            <a:spcAft>
+              <a:spcPct val="35000"/>
+            </a:spcAft>
+          </a:pPr>
+          <a:r>
+            <a:rPr lang="en-US" sz="1800" b="1" kern="1200" dirty="0" smtClean="0">
+              <a:solidFill>
+                <a:srgbClr val="00B0F0"/>
+              </a:solidFill>
+            </a:rPr>
+            <a:t>Models</a:t>
+          </a:r>
+          <a:br>
+            <a:rPr lang="en-US" sz="1800" b="1" kern="1200" dirty="0" smtClean="0">
+              <a:solidFill>
+                <a:srgbClr val="00B0F0"/>
+              </a:solidFill>
+            </a:rPr>
+          </a:br>
+          <a:r>
+            <a:rPr lang="en-US" sz="1800" b="1" kern="1200" dirty="0" smtClean="0">
+              <a:solidFill>
+                <a:srgbClr val="00B0F0"/>
+              </a:solidFill>
+            </a:rPr>
+            <a:t>&lt;</a:t>
+          </a:r>
+          <a:r>
+            <a:rPr lang="en-US" sz="1800" b="1" kern="1200" dirty="0" err="1" smtClean="0">
+              <a:solidFill>
+                <a:srgbClr val="00B0F0"/>
+              </a:solidFill>
+            </a:rPr>
+            <a:t>ql</a:t>
+          </a:r>
+          <a:r>
+            <a:rPr lang="en-US" sz="1800" b="1" kern="1200" dirty="0" smtClean="0">
+              <a:solidFill>
+                <a:srgbClr val="00B0F0"/>
+              </a:solidFill>
+            </a:rPr>
+            <a:t>/models&gt;</a:t>
+          </a:r>
+          <a:endParaRPr lang="en-US" sz="1800" b="1" kern="1200" dirty="0">
+            <a:solidFill>
+              <a:srgbClr val="00B0F0"/>
+            </a:solidFill>
+          </a:endParaRPr>
+        </a:p>
+      </dsp:txBody>
+      <dsp:txXfrm>
+        <a:off x="2654659" y="4214109"/>
+        <a:ext cx="2006367" cy="1203820"/>
+      </dsp:txXfrm>
+    </dsp:sp>
+    <dsp:sp modelId="{3E1C0D1B-A561-4DCF-A5F1-08D512C181E2}">
+      <dsp:nvSpPr>
+        <dsp:cNvPr id="0" name=""/>
+        <dsp:cNvSpPr/>
+      </dsp:nvSpPr>
+      <dsp:spPr>
+        <a:xfrm>
+          <a:off x="4861663" y="4214109"/>
+          <a:ext cx="2006367" cy="1203820"/>
+        </a:xfrm>
+        <a:prstGeom prst="rect">
+          <a:avLst/>
+        </a:prstGeom>
+        <a:solidFill>
+          <a:schemeClr val="bg1">
+            <a:lumMod val="85000"/>
+            <a:lumOff val="15000"/>
+          </a:schemeClr>
+        </a:solidFill>
+        <a:ln w="15875" cap="rnd" cmpd="sng" algn="ctr">
+          <a:solidFill>
+            <a:srgbClr val="FFC000"/>
+          </a:solidFill>
+          <a:prstDash val="solid"/>
+        </a:ln>
+        <a:effectLst>
+          <a:glow rad="101600">
+            <a:schemeClr val="accent5">
+              <a:satMod val="175000"/>
+              <a:alpha val="40000"/>
+            </a:schemeClr>
+          </a:glow>
+        </a:effectLst>
+      </dsp:spPr>
+      <dsp:style>
+        <a:lnRef idx="2">
+          <a:scrgbClr r="0" g="0" b="0"/>
+        </a:lnRef>
+        <a:fillRef idx="1">
+          <a:scrgbClr r="0" g="0" b="0"/>
+        </a:fillRef>
+        <a:effectRef idx="0">
+          <a:scrgbClr r="0" g="0" b="0"/>
+        </a:effectRef>
+        <a:fontRef idx="minor">
+          <a:schemeClr val="lt1"/>
+        </a:fontRef>
+      </dsp:style>
+      <dsp:txBody>
+        <a:bodyPr spcFirstLastPara="0" vert="horz" wrap="square" lIns="68580" tIns="68580" rIns="68580" bIns="68580" numCol="1" spcCol="1270" anchor="ctr" anchorCtr="0">
+          <a:noAutofit/>
+        </a:bodyPr>
+        <a:lstStyle/>
+        <a:p>
+          <a:pPr lvl="0" algn="ctr" defTabSz="800100">
+            <a:lnSpc>
+              <a:spcPct val="90000"/>
+            </a:lnSpc>
+            <a:spcBef>
+              <a:spcPct val="0"/>
+            </a:spcBef>
+            <a:spcAft>
+              <a:spcPct val="35000"/>
+            </a:spcAft>
+          </a:pPr>
+          <a:r>
+            <a:rPr lang="en-US" sz="1800" b="1" kern="1200" dirty="0" smtClean="0">
+              <a:solidFill>
+                <a:srgbClr val="00B0F0"/>
+              </a:solidFill>
+            </a:rPr>
+            <a:t>Methods</a:t>
+          </a:r>
+          <a:br>
+            <a:rPr lang="en-US" sz="1800" b="1" kern="1200" dirty="0" smtClean="0">
+              <a:solidFill>
+                <a:srgbClr val="00B0F0"/>
+              </a:solidFill>
+            </a:rPr>
+          </a:br>
+          <a:r>
+            <a:rPr lang="en-US" sz="1800" b="1" kern="1200" dirty="0" smtClean="0">
+              <a:solidFill>
+                <a:srgbClr val="00B0F0"/>
+              </a:solidFill>
+            </a:rPr>
+            <a:t>&lt;</a:t>
+          </a:r>
+          <a:r>
+            <a:rPr lang="en-US" sz="1800" b="1" kern="1200" dirty="0" err="1" smtClean="0">
+              <a:solidFill>
+                <a:srgbClr val="00B0F0"/>
+              </a:solidFill>
+            </a:rPr>
+            <a:t>ql</a:t>
+          </a:r>
+          <a:r>
+            <a:rPr lang="en-US" sz="1800" b="1" kern="1200" dirty="0" smtClean="0">
+              <a:solidFill>
+                <a:srgbClr val="00B0F0"/>
+              </a:solidFill>
+            </a:rPr>
+            <a:t>/methods&gt;</a:t>
+          </a:r>
+          <a:endParaRPr lang="en-US" sz="1800" b="1" kern="1200" dirty="0">
+            <a:solidFill>
+              <a:srgbClr val="00B0F0"/>
+            </a:solidFill>
+          </a:endParaRPr>
+        </a:p>
+      </dsp:txBody>
+      <dsp:txXfrm>
+        <a:off x="4861663" y="4214109"/>
+        <a:ext cx="2006367" cy="1203820"/>
+      </dsp:txXfrm>
+    </dsp:sp>
+    <dsp:sp modelId="{3D17B0CD-4579-410F-A86F-1AE519060AAD}">
+      <dsp:nvSpPr>
+        <dsp:cNvPr id="0" name=""/>
+        <dsp:cNvSpPr/>
+      </dsp:nvSpPr>
+      <dsp:spPr>
+        <a:xfrm>
+          <a:off x="7068667" y="4214109"/>
+          <a:ext cx="2006367" cy="1203820"/>
+        </a:xfrm>
+        <a:prstGeom prst="rect">
+          <a:avLst/>
+        </a:prstGeom>
+        <a:solidFill>
+          <a:schemeClr val="bg1">
+            <a:lumMod val="85000"/>
+            <a:lumOff val="15000"/>
+          </a:schemeClr>
+        </a:solidFill>
+        <a:ln w="15875" cap="rnd" cmpd="sng" algn="ctr">
+          <a:solidFill>
+            <a:srgbClr val="FFC000"/>
+          </a:solidFill>
+          <a:prstDash val="solid"/>
+        </a:ln>
+        <a:effectLst>
+          <a:glow rad="101600">
+            <a:schemeClr val="accent5">
+              <a:satMod val="175000"/>
+              <a:alpha val="40000"/>
+            </a:schemeClr>
+          </a:glow>
+        </a:effectLst>
+      </dsp:spPr>
+      <dsp:style>
+        <a:lnRef idx="2">
+          <a:scrgbClr r="0" g="0" b="0"/>
+        </a:lnRef>
+        <a:fillRef idx="1">
+          <a:scrgbClr r="0" g="0" b="0"/>
+        </a:fillRef>
+        <a:effectRef idx="0">
+          <a:scrgbClr r="0" g="0" b="0"/>
+        </a:effectRef>
+        <a:fontRef idx="minor">
+          <a:schemeClr val="lt1"/>
+        </a:fontRef>
+      </dsp:style>
+      <dsp:txBody>
+        <a:bodyPr spcFirstLastPara="0" vert="horz" wrap="square" lIns="68580" tIns="68580" rIns="68580" bIns="68580" numCol="1" spcCol="1270" anchor="ctr" anchorCtr="0">
+          <a:noAutofit/>
+        </a:bodyPr>
+        <a:lstStyle/>
+        <a:p>
+          <a:pPr lvl="0" algn="ctr" defTabSz="800100">
+            <a:lnSpc>
+              <a:spcPct val="90000"/>
+            </a:lnSpc>
+            <a:spcBef>
+              <a:spcPct val="0"/>
+            </a:spcBef>
+            <a:spcAft>
+              <a:spcPct val="35000"/>
+            </a:spcAft>
+          </a:pPr>
+          <a:r>
+            <a:rPr lang="en-US" sz="1800" b="1" kern="1200" dirty="0" smtClean="0">
+              <a:solidFill>
+                <a:srgbClr val="00B0F0"/>
+              </a:solidFill>
+            </a:rPr>
+            <a:t>Pricing engines</a:t>
+          </a:r>
+          <a:br>
+            <a:rPr lang="en-US" sz="1800" b="1" kern="1200" dirty="0" smtClean="0">
+              <a:solidFill>
+                <a:srgbClr val="00B0F0"/>
+              </a:solidFill>
+            </a:rPr>
+          </a:br>
+          <a:r>
+            <a:rPr lang="en-US" sz="1800" b="1" kern="1200" dirty="0" smtClean="0">
+              <a:solidFill>
+                <a:srgbClr val="00B0F0"/>
+              </a:solidFill>
+            </a:rPr>
+            <a:t>&lt;</a:t>
+          </a:r>
+          <a:r>
+            <a:rPr lang="en-US" sz="1800" b="1" kern="1200" dirty="0" err="1" smtClean="0">
+              <a:solidFill>
+                <a:srgbClr val="00B0F0"/>
+              </a:solidFill>
+            </a:rPr>
+            <a:t>ql</a:t>
+          </a:r>
+          <a:r>
+            <a:rPr lang="en-US" sz="1800" b="1" kern="1200" dirty="0" smtClean="0">
+              <a:solidFill>
+                <a:srgbClr val="00B0F0"/>
+              </a:solidFill>
+            </a:rPr>
+            <a:t>/</a:t>
+          </a:r>
+        </a:p>
+        <a:p>
+          <a:pPr lvl="0" algn="ctr" defTabSz="800100">
+            <a:lnSpc>
+              <a:spcPct val="90000"/>
+            </a:lnSpc>
+            <a:spcBef>
+              <a:spcPct val="0"/>
+            </a:spcBef>
+            <a:spcAft>
+              <a:spcPct val="35000"/>
+            </a:spcAft>
+          </a:pPr>
+          <a:r>
+            <a:rPr lang="en-US" sz="1800" b="1" kern="1200" dirty="0" err="1" smtClean="0">
+              <a:solidFill>
+                <a:srgbClr val="00B0F0"/>
+              </a:solidFill>
+            </a:rPr>
+            <a:t>pricingengines</a:t>
+          </a:r>
+          <a:r>
+            <a:rPr lang="en-US" sz="1800" b="1" kern="1200" dirty="0" smtClean="0">
+              <a:solidFill>
+                <a:srgbClr val="00B0F0"/>
+              </a:solidFill>
+            </a:rPr>
+            <a:t>&gt;</a:t>
+          </a:r>
+          <a:endParaRPr lang="en-US" sz="1800" b="1" kern="1200" dirty="0">
+            <a:solidFill>
+              <a:srgbClr val="00B0F0"/>
+            </a:solidFill>
+          </a:endParaRPr>
+        </a:p>
+      </dsp:txBody>
+      <dsp:txXfrm>
+        <a:off x="7068667" y="4214109"/>
+        <a:ext cx="2006367" cy="1203820"/>
       </dsp:txXfrm>
     </dsp:sp>
   </dsp:spTree>
@@ -2500,7 +7739,1188 @@
 </dgm:layoutDef>
 </file>
 
+<file path=ppt/diagrams/layout2.xml><?xml version="1.0" encoding="utf-8"?>
+<dgm:layoutDef xmlns:dgm="http://schemas.openxmlformats.org/drawingml/2006/diagram" xmlns:a="http://schemas.openxmlformats.org/drawingml/2006/main" uniqueId="urn:microsoft.com/office/officeart/2005/8/layout/default">
+  <dgm:title val=""/>
+  <dgm:desc val=""/>
+  <dgm:catLst>
+    <dgm:cat type="list" pri="400"/>
+  </dgm:catLst>
+  <dgm:sampData>
+    <dgm:dataModel>
+      <dgm:ptLst>
+        <dgm:pt modelId="0" type="doc"/>
+        <dgm:pt modelId="1">
+          <dgm:prSet phldr="1"/>
+        </dgm:pt>
+        <dgm:pt modelId="2">
+          <dgm:prSet phldr="1"/>
+        </dgm:pt>
+        <dgm:pt modelId="3">
+          <dgm:prSet phldr="1"/>
+        </dgm:pt>
+        <dgm:pt modelId="4">
+          <dgm:prSet phldr="1"/>
+        </dgm:pt>
+        <dgm:pt modelId="5">
+          <dgm:prSet phldr="1"/>
+        </dgm:pt>
+      </dgm:ptLst>
+      <dgm:cxnLst>
+        <dgm:cxn modelId="6" srcId="0" destId="1" srcOrd="0" destOrd="0"/>
+        <dgm:cxn modelId="7" srcId="0" destId="2" srcOrd="1" destOrd="0"/>
+        <dgm:cxn modelId="8" srcId="0" destId="3" srcOrd="2" destOrd="0"/>
+        <dgm:cxn modelId="9" srcId="0" destId="4" srcOrd="3" destOrd="0"/>
+        <dgm:cxn modelId="10" srcId="0" destId="5" srcOrd="4" destOrd="0"/>
+      </dgm:cxnLst>
+      <dgm:bg/>
+      <dgm:whole/>
+    </dgm:dataModel>
+  </dgm:sampData>
+  <dgm:styleData>
+    <dgm:dataModel>
+      <dgm:ptLst>
+        <dgm:pt modelId="0" type="doc"/>
+        <dgm:pt modelId="1"/>
+        <dgm:pt modelId="2"/>
+      </dgm:ptLst>
+      <dgm:cxnLst>
+        <dgm:cxn modelId="3" srcId="0" destId="1" srcOrd="0" destOrd="0"/>
+        <dgm:cxn modelId="4" srcId="0" destId="2" srcOrd="1" destOrd="0"/>
+      </dgm:cxnLst>
+      <dgm:bg/>
+      <dgm:whole/>
+    </dgm:dataModel>
+  </dgm:styleData>
+  <dgm:clrData>
+    <dgm:dataModel>
+      <dgm:ptLst>
+        <dgm:pt modelId="0" type="doc"/>
+        <dgm:pt modelId="1"/>
+        <dgm:pt modelId="2"/>
+        <dgm:pt modelId="3"/>
+        <dgm:pt modelId="4"/>
+        <dgm:pt modelId="5"/>
+        <dgm:pt modelId="6"/>
+      </dgm:ptLst>
+      <dgm:cxnLst>
+        <dgm:cxn modelId="7" srcId="0" destId="1" srcOrd="0" destOrd="0"/>
+        <dgm:cxn modelId="8" srcId="0" destId="2" srcOrd="1" destOrd="0"/>
+        <dgm:cxn modelId="9" srcId="0" destId="3" srcOrd="2" destOrd="0"/>
+        <dgm:cxn modelId="10" srcId="0" destId="4" srcOrd="3" destOrd="0"/>
+        <dgm:cxn modelId="11" srcId="0" destId="5" srcOrd="4" destOrd="0"/>
+        <dgm:cxn modelId="12" srcId="0" destId="6" srcOrd="5" destOrd="0"/>
+      </dgm:cxnLst>
+      <dgm:bg/>
+      <dgm:whole/>
+    </dgm:dataModel>
+  </dgm:clrData>
+  <dgm:layoutNode name="diagram">
+    <dgm:varLst>
+      <dgm:dir/>
+      <dgm:resizeHandles val="exact"/>
+    </dgm:varLst>
+    <dgm:choose name="Name0">
+      <dgm:if name="Name1" func="var" arg="dir" op="equ" val="norm">
+        <dgm:alg type="snake">
+          <dgm:param type="grDir" val="tL"/>
+          <dgm:param type="flowDir" val="row"/>
+          <dgm:param type="contDir" val="sameDir"/>
+          <dgm:param type="off" val="ctr"/>
+        </dgm:alg>
+      </dgm:if>
+      <dgm:else name="Name2">
+        <dgm:alg type="snake">
+          <dgm:param type="grDir" val="tR"/>
+          <dgm:param type="flowDir" val="row"/>
+          <dgm:param type="contDir" val="sameDir"/>
+          <dgm:param type="off" val="ctr"/>
+        </dgm:alg>
+      </dgm:else>
+    </dgm:choose>
+    <dgm:shape xmlns:r="http://schemas.openxmlformats.org/officeDocument/2006/relationships" r:blip="">
+      <dgm:adjLst/>
+    </dgm:shape>
+    <dgm:presOf/>
+    <dgm:constrLst>
+      <dgm:constr type="w" for="ch" forName="node" refType="w"/>
+      <dgm:constr type="h" for="ch" forName="node" refType="w" refFor="ch" refForName="node" fact="0.6"/>
+      <dgm:constr type="w" for="ch" forName="sibTrans" refType="w" refFor="ch" refForName="node" fact="0.1"/>
+      <dgm:constr type="sp" refType="w" refFor="ch" refForName="sibTrans"/>
+      <dgm:constr type="primFontSz" for="ch" forName="node" op="equ" val="65"/>
+    </dgm:constrLst>
+    <dgm:ruleLst/>
+    <dgm:forEach name="Name3" axis="ch" ptType="node">
+      <dgm:layoutNode name="node">
+        <dgm:varLst>
+          <dgm:bulletEnabled val="1"/>
+        </dgm:varLst>
+        <dgm:alg type="tx"/>
+        <dgm:shape xmlns:r="http://schemas.openxmlformats.org/officeDocument/2006/relationships" type="rect" r:blip="">
+          <dgm:adjLst/>
+        </dgm:shape>
+        <dgm:presOf axis="desOrSelf" ptType="node"/>
+        <dgm:constrLst>
+          <dgm:constr type="lMarg" refType="primFontSz" fact="0.3"/>
+          <dgm:constr type="rMarg" refType="primFontSz" fact="0.3"/>
+          <dgm:constr type="tMarg" refType="primFontSz" fact="0.3"/>
+          <dgm:constr type="bMarg" refType="primFontSz" fact="0.3"/>
+        </dgm:constrLst>
+        <dgm:ruleLst>
+          <dgm:rule type="primFontSz" val="5" fact="NaN" max="NaN"/>
+        </dgm:ruleLst>
+      </dgm:layoutNode>
+      <dgm:forEach name="Name4" axis="followSib" ptType="sibTrans" cnt="1">
+        <dgm:layoutNode name="sibTrans">
+          <dgm:alg type="sp"/>
+          <dgm:shape xmlns:r="http://schemas.openxmlformats.org/officeDocument/2006/relationships" r:blip="">
+            <dgm:adjLst/>
+          </dgm:shape>
+          <dgm:presOf/>
+          <dgm:constrLst/>
+          <dgm:ruleLst/>
+        </dgm:layoutNode>
+      </dgm:forEach>
+    </dgm:forEach>
+  </dgm:layoutNode>
+</dgm:layoutDef>
+</file>
+
 <file path=ppt/diagrams/quickStyle1.xml><?xml version="1.0" encoding="utf-8"?>
+<dgm:styleDef xmlns:dgm="http://schemas.openxmlformats.org/drawingml/2006/diagram" xmlns:a="http://schemas.openxmlformats.org/drawingml/2006/main" uniqueId="urn:microsoft.com/office/officeart/2005/8/quickstyle/simple1">
+  <dgm:title val=""/>
+  <dgm:desc val=""/>
+  <dgm:catLst>
+    <dgm:cat type="simple" pri="10100"/>
+  </dgm:catLst>
+  <dgm:scene3d>
+    <a:camera prst="orthographicFront"/>
+    <a:lightRig rig="threePt" dir="t"/>
+  </dgm:scene3d>
+  <dgm:styleLbl name="node0">
+    <dgm:scene3d>
+      <a:camera prst="orthographicFront"/>
+      <a:lightRig rig="threePt" dir="t"/>
+    </dgm:scene3d>
+    <dgm:sp3d/>
+    <dgm:txPr/>
+    <dgm:style>
+      <a:lnRef idx="2">
+        <a:scrgbClr r="0" g="0" b="0"/>
+      </a:lnRef>
+      <a:fillRef idx="1">
+        <a:scrgbClr r="0" g="0" b="0"/>
+      </a:fillRef>
+      <a:effectRef idx="0">
+        <a:scrgbClr r="0" g="0" b="0"/>
+      </a:effectRef>
+      <a:fontRef idx="minor">
+        <a:schemeClr val="lt1"/>
+      </a:fontRef>
+    </dgm:style>
+  </dgm:styleLbl>
+  <dgm:styleLbl name="lnNode1">
+    <dgm:scene3d>
+      <a:camera prst="orthographicFront"/>
+      <a:lightRig rig="threePt" dir="t"/>
+    </dgm:scene3d>
+    <dgm:sp3d/>
+    <dgm:txPr/>
+    <dgm:style>
+      <a:lnRef idx="2">
+        <a:scrgbClr r="0" g="0" b="0"/>
+      </a:lnRef>
+      <a:fillRef idx="1">
+        <a:scrgbClr r="0" g="0" b="0"/>
+      </a:fillRef>
+      <a:effectRef idx="0">
+        <a:scrgbClr r="0" g="0" b="0"/>
+      </a:effectRef>
+      <a:fontRef idx="minor">
+        <a:schemeClr val="lt1"/>
+      </a:fontRef>
+    </dgm:style>
+  </dgm:styleLbl>
+  <dgm:styleLbl name="vennNode1">
+    <dgm:scene3d>
+      <a:camera prst="orthographicFront"/>
+      <a:lightRig rig="threePt" dir="t"/>
+    </dgm:scene3d>
+    <dgm:sp3d/>
+    <dgm:txPr/>
+    <dgm:style>
+      <a:lnRef idx="2">
+        <a:scrgbClr r="0" g="0" b="0"/>
+      </a:lnRef>
+      <a:fillRef idx="1">
+        <a:scrgbClr r="0" g="0" b="0"/>
+      </a:fillRef>
+      <a:effectRef idx="0">
+        <a:scrgbClr r="0" g="0" b="0"/>
+      </a:effectRef>
+      <a:fontRef idx="minor">
+        <a:schemeClr val="tx1"/>
+      </a:fontRef>
+    </dgm:style>
+  </dgm:styleLbl>
+  <dgm:styleLbl name="alignNode1">
+    <dgm:scene3d>
+      <a:camera prst="orthographicFront"/>
+      <a:lightRig rig="threePt" dir="t"/>
+    </dgm:scene3d>
+    <dgm:sp3d/>
+    <dgm:txPr/>
+    <dgm:style>
+      <a:lnRef idx="2">
+        <a:scrgbClr r="0" g="0" b="0"/>
+      </a:lnRef>
+      <a:fillRef idx="1">
+        <a:scrgbClr r="0" g="0" b="0"/>
+      </a:fillRef>
+      <a:effectRef idx="0">
+        <a:scrgbClr r="0" g="0" b="0"/>
+      </a:effectRef>
+      <a:fontRef idx="minor">
+        <a:schemeClr val="lt1"/>
+      </a:fontRef>
+    </dgm:style>
+  </dgm:styleLbl>
+  <dgm:styleLbl name="node1">
+    <dgm:scene3d>
+      <a:camera prst="orthographicFront"/>
+      <a:lightRig rig="threePt" dir="t"/>
+    </dgm:scene3d>
+    <dgm:sp3d/>
+    <dgm:txPr/>
+    <dgm:style>
+      <a:lnRef idx="2">
+        <a:scrgbClr r="0" g="0" b="0"/>
+      </a:lnRef>
+      <a:fillRef idx="1">
+        <a:scrgbClr r="0" g="0" b="0"/>
+      </a:fillRef>
+      <a:effectRef idx="0">
+        <a:scrgbClr r="0" g="0" b="0"/>
+      </a:effectRef>
+      <a:fontRef idx="minor">
+        <a:schemeClr val="lt1"/>
+      </a:fontRef>
+    </dgm:style>
+  </dgm:styleLbl>
+  <dgm:styleLbl name="node2">
+    <dgm:scene3d>
+      <a:camera prst="orthographicFront"/>
+      <a:lightRig rig="threePt" dir="t"/>
+    </dgm:scene3d>
+    <dgm:sp3d/>
+    <dgm:txPr/>
+    <dgm:style>
+      <a:lnRef idx="2">
+        <a:scrgbClr r="0" g="0" b="0"/>
+      </a:lnRef>
+      <a:fillRef idx="1">
+        <a:scrgbClr r="0" g="0" b="0"/>
+      </a:fillRef>
+      <a:effectRef idx="0">
+        <a:scrgbClr r="0" g="0" b="0"/>
+      </a:effectRef>
+      <a:fontRef idx="minor">
+        <a:schemeClr val="lt1"/>
+      </a:fontRef>
+    </dgm:style>
+  </dgm:styleLbl>
+  <dgm:styleLbl name="node3">
+    <dgm:scene3d>
+      <a:camera prst="orthographicFront"/>
+      <a:lightRig rig="threePt" dir="t"/>
+    </dgm:scene3d>
+    <dgm:sp3d/>
+    <dgm:txPr/>
+    <dgm:style>
+      <a:lnRef idx="2">
+        <a:scrgbClr r="0" g="0" b="0"/>
+      </a:lnRef>
+      <a:fillRef idx="1">
+        <a:scrgbClr r="0" g="0" b="0"/>
+      </a:fillRef>
+      <a:effectRef idx="0">
+        <a:scrgbClr r="0" g="0" b="0"/>
+      </a:effectRef>
+      <a:fontRef idx="minor">
+        <a:schemeClr val="lt1"/>
+      </a:fontRef>
+    </dgm:style>
+  </dgm:styleLbl>
+  <dgm:styleLbl name="node4">
+    <dgm:scene3d>
+      <a:camera prst="orthographicFront"/>
+      <a:lightRig rig="threePt" dir="t"/>
+    </dgm:scene3d>
+    <dgm:sp3d/>
+    <dgm:txPr/>
+    <dgm:style>
+      <a:lnRef idx="2">
+        <a:scrgbClr r="0" g="0" b="0"/>
+      </a:lnRef>
+      <a:fillRef idx="1">
+        <a:scrgbClr r="0" g="0" b="0"/>
+      </a:fillRef>
+      <a:effectRef idx="0">
+        <a:scrgbClr r="0" g="0" b="0"/>
+      </a:effectRef>
+      <a:fontRef idx="minor">
+        <a:schemeClr val="lt1"/>
+      </a:fontRef>
+    </dgm:style>
+  </dgm:styleLbl>
+  <dgm:styleLbl name="fgImgPlace1">
+    <dgm:scene3d>
+      <a:camera prst="orthographicFront"/>
+      <a:lightRig rig="threePt" dir="t"/>
+    </dgm:scene3d>
+    <dgm:sp3d/>
+    <dgm:txPr/>
+    <dgm:style>
+      <a:lnRef idx="2">
+        <a:scrgbClr r="0" g="0" b="0"/>
+      </a:lnRef>
+      <a:fillRef idx="1">
+        <a:scrgbClr r="0" g="0" b="0"/>
+      </a:fillRef>
+      <a:effectRef idx="0">
+        <a:scrgbClr r="0" g="0" b="0"/>
+      </a:effectRef>
+      <a:fontRef idx="minor"/>
+    </dgm:style>
+  </dgm:styleLbl>
+  <dgm:styleLbl name="alignImgPlace1">
+    <dgm:scene3d>
+      <a:camera prst="orthographicFront"/>
+      <a:lightRig rig="threePt" dir="t"/>
+    </dgm:scene3d>
+    <dgm:sp3d/>
+    <dgm:txPr/>
+    <dgm:style>
+      <a:lnRef idx="2">
+        <a:scrgbClr r="0" g="0" b="0"/>
+      </a:lnRef>
+      <a:fillRef idx="1">
+        <a:scrgbClr r="0" g="0" b="0"/>
+      </a:fillRef>
+      <a:effectRef idx="0">
+        <a:scrgbClr r="0" g="0" b="0"/>
+      </a:effectRef>
+      <a:fontRef idx="minor"/>
+    </dgm:style>
+  </dgm:styleLbl>
+  <dgm:styleLbl name="bgImgPlace1">
+    <dgm:scene3d>
+      <a:camera prst="orthographicFront"/>
+      <a:lightRig rig="threePt" dir="t"/>
+    </dgm:scene3d>
+    <dgm:sp3d/>
+    <dgm:txPr/>
+    <dgm:style>
+      <a:lnRef idx="2">
+        <a:scrgbClr r="0" g="0" b="0"/>
+      </a:lnRef>
+      <a:fillRef idx="1">
+        <a:scrgbClr r="0" g="0" b="0"/>
+      </a:fillRef>
+      <a:effectRef idx="0">
+        <a:scrgbClr r="0" g="0" b="0"/>
+      </a:effectRef>
+      <a:fontRef idx="minor"/>
+    </dgm:style>
+  </dgm:styleLbl>
+  <dgm:styleLbl name="sibTrans2D1">
+    <dgm:scene3d>
+      <a:camera prst="orthographicFront"/>
+      <a:lightRig rig="threePt" dir="t"/>
+    </dgm:scene3d>
+    <dgm:sp3d/>
+    <dgm:txPr/>
+    <dgm:style>
+      <a:lnRef idx="0">
+        <a:scrgbClr r="0" g="0" b="0"/>
+      </a:lnRef>
+      <a:fillRef idx="1">
+        <a:scrgbClr r="0" g="0" b="0"/>
+      </a:fillRef>
+      <a:effectRef idx="0">
+        <a:scrgbClr r="0" g="0" b="0"/>
+      </a:effectRef>
+      <a:fontRef idx="minor">
+        <a:schemeClr val="lt1"/>
+      </a:fontRef>
+    </dgm:style>
+  </dgm:styleLbl>
+  <dgm:styleLbl name="fgSibTrans2D1">
+    <dgm:scene3d>
+      <a:camera prst="orthographicFront"/>
+      <a:lightRig rig="threePt" dir="t"/>
+    </dgm:scene3d>
+    <dgm:sp3d/>
+    <dgm:txPr/>
+    <dgm:style>
+      <a:lnRef idx="0">
+        <a:scrgbClr r="0" g="0" b="0"/>
+      </a:lnRef>
+      <a:fillRef idx="1">
+        <a:scrgbClr r="0" g="0" b="0"/>
+      </a:fillRef>
+      <a:effectRef idx="0">
+        <a:scrgbClr r="0" g="0" b="0"/>
+      </a:effectRef>
+      <a:fontRef idx="minor">
+        <a:schemeClr val="lt1"/>
+      </a:fontRef>
+    </dgm:style>
+  </dgm:styleLbl>
+  <dgm:styleLbl name="bgSibTrans2D1">
+    <dgm:scene3d>
+      <a:camera prst="orthographicFront"/>
+      <a:lightRig rig="threePt" dir="t"/>
+    </dgm:scene3d>
+    <dgm:sp3d/>
+    <dgm:txPr/>
+    <dgm:style>
+      <a:lnRef idx="0">
+        <a:scrgbClr r="0" g="0" b="0"/>
+      </a:lnRef>
+      <a:fillRef idx="1">
+        <a:scrgbClr r="0" g="0" b="0"/>
+      </a:fillRef>
+      <a:effectRef idx="0">
+        <a:scrgbClr r="0" g="0" b="0"/>
+      </a:effectRef>
+      <a:fontRef idx="minor">
+        <a:schemeClr val="lt1"/>
+      </a:fontRef>
+    </dgm:style>
+  </dgm:styleLbl>
+  <dgm:styleLbl name="sibTrans1D1">
+    <dgm:scene3d>
+      <a:camera prst="orthographicFront"/>
+      <a:lightRig rig="threePt" dir="t"/>
+    </dgm:scene3d>
+    <dgm:sp3d/>
+    <dgm:txPr/>
+    <dgm:style>
+      <a:lnRef idx="1">
+        <a:scrgbClr r="0" g="0" b="0"/>
+      </a:lnRef>
+      <a:fillRef idx="0">
+        <a:scrgbClr r="0" g="0" b="0"/>
+      </a:fillRef>
+      <a:effectRef idx="0">
+        <a:scrgbClr r="0" g="0" b="0"/>
+      </a:effectRef>
+      <a:fontRef idx="minor"/>
+    </dgm:style>
+  </dgm:styleLbl>
+  <dgm:styleLbl name="callout">
+    <dgm:scene3d>
+      <a:camera prst="orthographicFront"/>
+      <a:lightRig rig="threePt" dir="t"/>
+    </dgm:scene3d>
+    <dgm:sp3d/>
+    <dgm:txPr/>
+    <dgm:style>
+      <a:lnRef idx="2">
+        <a:scrgbClr r="0" g="0" b="0"/>
+      </a:lnRef>
+      <a:fillRef idx="1">
+        <a:scrgbClr r="0" g="0" b="0"/>
+      </a:fillRef>
+      <a:effectRef idx="0">
+        <a:scrgbClr r="0" g="0" b="0"/>
+      </a:effectRef>
+      <a:fontRef idx="minor"/>
+    </dgm:style>
+  </dgm:styleLbl>
+  <dgm:styleLbl name="asst0">
+    <dgm:scene3d>
+      <a:camera prst="orthographicFront"/>
+      <a:lightRig rig="threePt" dir="t"/>
+    </dgm:scene3d>
+    <dgm:sp3d/>
+    <dgm:txPr/>
+    <dgm:style>
+      <a:lnRef idx="2">
+        <a:scrgbClr r="0" g="0" b="0"/>
+      </a:lnRef>
+      <a:fillRef idx="1">
+        <a:scrgbClr r="0" g="0" b="0"/>
+      </a:fillRef>
+      <a:effectRef idx="0">
+        <a:scrgbClr r="0" g="0" b="0"/>
+      </a:effectRef>
+      <a:fontRef idx="minor">
+        <a:schemeClr val="lt1"/>
+      </a:fontRef>
+    </dgm:style>
+  </dgm:styleLbl>
+  <dgm:styleLbl name="asst1">
+    <dgm:scene3d>
+      <a:camera prst="orthographicFront"/>
+      <a:lightRig rig="threePt" dir="t"/>
+    </dgm:scene3d>
+    <dgm:sp3d/>
+    <dgm:txPr/>
+    <dgm:style>
+      <a:lnRef idx="2">
+        <a:scrgbClr r="0" g="0" b="0"/>
+      </a:lnRef>
+      <a:fillRef idx="1">
+        <a:scrgbClr r="0" g="0" b="0"/>
+      </a:fillRef>
+      <a:effectRef idx="0">
+        <a:scrgbClr r="0" g="0" b="0"/>
+      </a:effectRef>
+      <a:fontRef idx="minor">
+        <a:schemeClr val="lt1"/>
+      </a:fontRef>
+    </dgm:style>
+  </dgm:styleLbl>
+  <dgm:styleLbl name="asst2">
+    <dgm:scene3d>
+      <a:camera prst="orthographicFront"/>
+      <a:lightRig rig="threePt" dir="t"/>
+    </dgm:scene3d>
+    <dgm:sp3d/>
+    <dgm:txPr/>
+    <dgm:style>
+      <a:lnRef idx="2">
+        <a:scrgbClr r="0" g="0" b="0"/>
+      </a:lnRef>
+      <a:fillRef idx="1">
+        <a:scrgbClr r="0" g="0" b="0"/>
+      </a:fillRef>
+      <a:effectRef idx="0">
+        <a:scrgbClr r="0" g="0" b="0"/>
+      </a:effectRef>
+      <a:fontRef idx="minor">
+        <a:schemeClr val="lt1"/>
+      </a:fontRef>
+    </dgm:style>
+  </dgm:styleLbl>
+  <dgm:styleLbl name="asst3">
+    <dgm:scene3d>
+      <a:camera prst="orthographicFront"/>
+      <a:lightRig rig="threePt" dir="t"/>
+    </dgm:scene3d>
+    <dgm:sp3d/>
+    <dgm:txPr/>
+    <dgm:style>
+      <a:lnRef idx="2">
+        <a:scrgbClr r="0" g="0" b="0"/>
+      </a:lnRef>
+      <a:fillRef idx="1">
+        <a:scrgbClr r="0" g="0" b="0"/>
+      </a:fillRef>
+      <a:effectRef idx="0">
+        <a:scrgbClr r="0" g="0" b="0"/>
+      </a:effectRef>
+      <a:fontRef idx="minor">
+        <a:schemeClr val="lt1"/>
+      </a:fontRef>
+    </dgm:style>
+  </dgm:styleLbl>
+  <dgm:styleLbl name="asst4">
+    <dgm:scene3d>
+      <a:camera prst="orthographicFront"/>
+      <a:lightRig rig="threePt" dir="t"/>
+    </dgm:scene3d>
+    <dgm:sp3d/>
+    <dgm:txPr/>
+    <dgm:style>
+      <a:lnRef idx="2">
+        <a:scrgbClr r="0" g="0" b="0"/>
+      </a:lnRef>
+      <a:fillRef idx="1">
+        <a:scrgbClr r="0" g="0" b="0"/>
+      </a:fillRef>
+      <a:effectRef idx="0">
+        <a:scrgbClr r="0" g="0" b="0"/>
+      </a:effectRef>
+      <a:fontRef idx="minor">
+        <a:schemeClr val="lt1"/>
+      </a:fontRef>
+    </dgm:style>
+  </dgm:styleLbl>
+  <dgm:styleLbl name="parChTrans2D1">
+    <dgm:scene3d>
+      <a:camera prst="orthographicFront"/>
+      <a:lightRig rig="threePt" dir="t"/>
+    </dgm:scene3d>
+    <dgm:sp3d/>
+    <dgm:txPr/>
+    <dgm:style>
+      <a:lnRef idx="2">
+        <a:scrgbClr r="0" g="0" b="0"/>
+      </a:lnRef>
+      <a:fillRef idx="1">
+        <a:scrgbClr r="0" g="0" b="0"/>
+      </a:fillRef>
+      <a:effectRef idx="0">
+        <a:scrgbClr r="0" g="0" b="0"/>
+      </a:effectRef>
+      <a:fontRef idx="minor">
+        <a:schemeClr val="lt1"/>
+      </a:fontRef>
+    </dgm:style>
+  </dgm:styleLbl>
+  <dgm:styleLbl name="parChTrans2D2">
+    <dgm:scene3d>
+      <a:camera prst="orthographicFront"/>
+      <a:lightRig rig="threePt" dir="t"/>
+    </dgm:scene3d>
+    <dgm:sp3d/>
+    <dgm:txPr/>
+    <dgm:style>
+      <a:lnRef idx="2">
+        <a:scrgbClr r="0" g="0" b="0"/>
+      </a:lnRef>
+      <a:fillRef idx="1">
+        <a:scrgbClr r="0" g="0" b="0"/>
+      </a:fillRef>
+      <a:effectRef idx="0">
+        <a:scrgbClr r="0" g="0" b="0"/>
+      </a:effectRef>
+      <a:fontRef idx="minor">
+        <a:schemeClr val="lt1"/>
+      </a:fontRef>
+    </dgm:style>
+  </dgm:styleLbl>
+  <dgm:styleLbl name="parChTrans2D3">
+    <dgm:scene3d>
+      <a:camera prst="orthographicFront"/>
+      <a:lightRig rig="threePt" dir="t"/>
+    </dgm:scene3d>
+    <dgm:sp3d/>
+    <dgm:txPr/>
+    <dgm:style>
+      <a:lnRef idx="2">
+        <a:scrgbClr r="0" g="0" b="0"/>
+      </a:lnRef>
+      <a:fillRef idx="1">
+        <a:scrgbClr r="0" g="0" b="0"/>
+      </a:fillRef>
+      <a:effectRef idx="0">
+        <a:scrgbClr r="0" g="0" b="0"/>
+      </a:effectRef>
+      <a:fontRef idx="minor">
+        <a:schemeClr val="lt1"/>
+      </a:fontRef>
+    </dgm:style>
+  </dgm:styleLbl>
+  <dgm:styleLbl name="parChTrans2D4">
+    <dgm:scene3d>
+      <a:camera prst="orthographicFront"/>
+      <a:lightRig rig="threePt" dir="t"/>
+    </dgm:scene3d>
+    <dgm:sp3d/>
+    <dgm:txPr/>
+    <dgm:style>
+      <a:lnRef idx="2">
+        <a:scrgbClr r="0" g="0" b="0"/>
+      </a:lnRef>
+      <a:fillRef idx="1">
+        <a:scrgbClr r="0" g="0" b="0"/>
+      </a:fillRef>
+      <a:effectRef idx="0">
+        <a:scrgbClr r="0" g="0" b="0"/>
+      </a:effectRef>
+      <a:fontRef idx="minor">
+        <a:schemeClr val="lt1"/>
+      </a:fontRef>
+    </dgm:style>
+  </dgm:styleLbl>
+  <dgm:styleLbl name="parChTrans1D1">
+    <dgm:scene3d>
+      <a:camera prst="orthographicFront"/>
+      <a:lightRig rig="threePt" dir="t"/>
+    </dgm:scene3d>
+    <dgm:sp3d/>
+    <dgm:txPr/>
+    <dgm:style>
+      <a:lnRef idx="2">
+        <a:scrgbClr r="0" g="0" b="0"/>
+      </a:lnRef>
+      <a:fillRef idx="0">
+        <a:scrgbClr r="0" g="0" b="0"/>
+      </a:fillRef>
+      <a:effectRef idx="0">
+        <a:scrgbClr r="0" g="0" b="0"/>
+      </a:effectRef>
+      <a:fontRef idx="minor"/>
+    </dgm:style>
+  </dgm:styleLbl>
+  <dgm:styleLbl name="parChTrans1D2">
+    <dgm:scene3d>
+      <a:camera prst="orthographicFront"/>
+      <a:lightRig rig="threePt" dir="t"/>
+    </dgm:scene3d>
+    <dgm:sp3d/>
+    <dgm:txPr/>
+    <dgm:style>
+      <a:lnRef idx="2">
+        <a:scrgbClr r="0" g="0" b="0"/>
+      </a:lnRef>
+      <a:fillRef idx="0">
+        <a:scrgbClr r="0" g="0" b="0"/>
+      </a:fillRef>
+      <a:effectRef idx="0">
+        <a:scrgbClr r="0" g="0" b="0"/>
+      </a:effectRef>
+      <a:fontRef idx="minor"/>
+    </dgm:style>
+  </dgm:styleLbl>
+  <dgm:styleLbl name="parChTrans1D3">
+    <dgm:scene3d>
+      <a:camera prst="orthographicFront"/>
+      <a:lightRig rig="threePt" dir="t"/>
+    </dgm:scene3d>
+    <dgm:sp3d/>
+    <dgm:txPr/>
+    <dgm:style>
+      <a:lnRef idx="2">
+        <a:scrgbClr r="0" g="0" b="0"/>
+      </a:lnRef>
+      <a:fillRef idx="0">
+        <a:scrgbClr r="0" g="0" b="0"/>
+      </a:fillRef>
+      <a:effectRef idx="0">
+        <a:scrgbClr r="0" g="0" b="0"/>
+      </a:effectRef>
+      <a:fontRef idx="minor"/>
+    </dgm:style>
+  </dgm:styleLbl>
+  <dgm:styleLbl name="parChTrans1D4">
+    <dgm:scene3d>
+      <a:camera prst="orthographicFront"/>
+      <a:lightRig rig="threePt" dir="t"/>
+    </dgm:scene3d>
+    <dgm:sp3d/>
+    <dgm:txPr/>
+    <dgm:style>
+      <a:lnRef idx="2">
+        <a:scrgbClr r="0" g="0" b="0"/>
+      </a:lnRef>
+      <a:fillRef idx="0">
+        <a:scrgbClr r="0" g="0" b="0"/>
+      </a:fillRef>
+      <a:effectRef idx="0">
+        <a:scrgbClr r="0" g="0" b="0"/>
+      </a:effectRef>
+      <a:fontRef idx="minor"/>
+    </dgm:style>
+  </dgm:styleLbl>
+  <dgm:styleLbl name="fgAcc1">
+    <dgm:scene3d>
+      <a:camera prst="orthographicFront"/>
+      <a:lightRig rig="threePt" dir="t"/>
+    </dgm:scene3d>
+    <dgm:sp3d/>
+    <dgm:txPr/>
+    <dgm:style>
+      <a:lnRef idx="2">
+        <a:scrgbClr r="0" g="0" b="0"/>
+      </a:lnRef>
+      <a:fillRef idx="1">
+        <a:scrgbClr r="0" g="0" b="0"/>
+      </a:fillRef>
+      <a:effectRef idx="0">
+        <a:scrgbClr r="0" g="0" b="0"/>
+      </a:effectRef>
+      <a:fontRef idx="minor"/>
+    </dgm:style>
+  </dgm:styleLbl>
+  <dgm:styleLbl name="conFgAcc1">
+    <dgm:scene3d>
+      <a:camera prst="orthographicFront"/>
+      <a:lightRig rig="threePt" dir="t"/>
+    </dgm:scene3d>
+    <dgm:sp3d/>
+    <dgm:txPr/>
+    <dgm:style>
+      <a:lnRef idx="2">
+        <a:scrgbClr r="0" g="0" b="0"/>
+      </a:lnRef>
+      <a:fillRef idx="1">
+        <a:scrgbClr r="0" g="0" b="0"/>
+      </a:fillRef>
+      <a:effectRef idx="0">
+        <a:scrgbClr r="0" g="0" b="0"/>
+      </a:effectRef>
+      <a:fontRef idx="minor"/>
+    </dgm:style>
+  </dgm:styleLbl>
+  <dgm:styleLbl name="alignAcc1">
+    <dgm:scene3d>
+      <a:camera prst="orthographicFront"/>
+      <a:lightRig rig="threePt" dir="t"/>
+    </dgm:scene3d>
+    <dgm:sp3d/>
+    <dgm:txPr/>
+    <dgm:style>
+      <a:lnRef idx="2">
+        <a:scrgbClr r="0" g="0" b="0"/>
+      </a:lnRef>
+      <a:fillRef idx="1">
+        <a:scrgbClr r="0" g="0" b="0"/>
+      </a:fillRef>
+      <a:effectRef idx="0">
+        <a:scrgbClr r="0" g="0" b="0"/>
+      </a:effectRef>
+      <a:fontRef idx="minor"/>
+    </dgm:style>
+  </dgm:styleLbl>
+  <dgm:styleLbl name="trAlignAcc1">
+    <dgm:scene3d>
+      <a:camera prst="orthographicFront"/>
+      <a:lightRig rig="threePt" dir="t"/>
+    </dgm:scene3d>
+    <dgm:sp3d/>
+    <dgm:txPr/>
+    <dgm:style>
+      <a:lnRef idx="1">
+        <a:scrgbClr r="0" g="0" b="0"/>
+      </a:lnRef>
+      <a:fillRef idx="1">
+        <a:scrgbClr r="0" g="0" b="0"/>
+      </a:fillRef>
+      <a:effectRef idx="0">
+        <a:scrgbClr r="0" g="0" b="0"/>
+      </a:effectRef>
+      <a:fontRef idx="minor"/>
+    </dgm:style>
+  </dgm:styleLbl>
+  <dgm:styleLbl name="bgAcc1">
+    <dgm:scene3d>
+      <a:camera prst="orthographicFront"/>
+      <a:lightRig rig="threePt" dir="t"/>
+    </dgm:scene3d>
+    <dgm:sp3d/>
+    <dgm:txPr/>
+    <dgm:style>
+      <a:lnRef idx="2">
+        <a:scrgbClr r="0" g="0" b="0"/>
+      </a:lnRef>
+      <a:fillRef idx="1">
+        <a:scrgbClr r="0" g="0" b="0"/>
+      </a:fillRef>
+      <a:effectRef idx="0">
+        <a:scrgbClr r="0" g="0" b="0"/>
+      </a:effectRef>
+      <a:fontRef idx="minor"/>
+    </dgm:style>
+  </dgm:styleLbl>
+  <dgm:styleLbl name="solidFgAcc1">
+    <dgm:scene3d>
+      <a:camera prst="orthographicFront"/>
+      <a:lightRig rig="threePt" dir="t"/>
+    </dgm:scene3d>
+    <dgm:sp3d/>
+    <dgm:txPr/>
+    <dgm:style>
+      <a:lnRef idx="2">
+        <a:scrgbClr r="0" g="0" b="0"/>
+      </a:lnRef>
+      <a:fillRef idx="1">
+        <a:scrgbClr r="0" g="0" b="0"/>
+      </a:fillRef>
+      <a:effectRef idx="0">
+        <a:scrgbClr r="0" g="0" b="0"/>
+      </a:effectRef>
+      <a:fontRef idx="minor"/>
+    </dgm:style>
+  </dgm:styleLbl>
+  <dgm:styleLbl name="solidAlignAcc1">
+    <dgm:scene3d>
+      <a:camera prst="orthographicFront"/>
+      <a:lightRig rig="threePt" dir="t"/>
+    </dgm:scene3d>
+    <dgm:sp3d/>
+    <dgm:txPr/>
+    <dgm:style>
+      <a:lnRef idx="2">
+        <a:scrgbClr r="0" g="0" b="0"/>
+      </a:lnRef>
+      <a:fillRef idx="1">
+        <a:scrgbClr r="0" g="0" b="0"/>
+      </a:fillRef>
+      <a:effectRef idx="0">
+        <a:scrgbClr r="0" g="0" b="0"/>
+      </a:effectRef>
+      <a:fontRef idx="minor"/>
+    </dgm:style>
+  </dgm:styleLbl>
+  <dgm:styleLbl name="solidBgAcc1">
+    <dgm:scene3d>
+      <a:camera prst="orthographicFront"/>
+      <a:lightRig rig="threePt" dir="t"/>
+    </dgm:scene3d>
+    <dgm:sp3d/>
+    <dgm:txPr/>
+    <dgm:style>
+      <a:lnRef idx="2">
+        <a:scrgbClr r="0" g="0" b="0"/>
+      </a:lnRef>
+      <a:fillRef idx="1">
+        <a:scrgbClr r="0" g="0" b="0"/>
+      </a:fillRef>
+      <a:effectRef idx="0">
+        <a:scrgbClr r="0" g="0" b="0"/>
+      </a:effectRef>
+      <a:fontRef idx="minor"/>
+    </dgm:style>
+  </dgm:styleLbl>
+  <dgm:styleLbl name="fgAccFollowNode1">
+    <dgm:scene3d>
+      <a:camera prst="orthographicFront"/>
+      <a:lightRig rig="threePt" dir="t"/>
+    </dgm:scene3d>
+    <dgm:sp3d/>
+    <dgm:txPr/>
+    <dgm:style>
+      <a:lnRef idx="2">
+        <a:scrgbClr r="0" g="0" b="0"/>
+      </a:lnRef>
+      <a:fillRef idx="1">
+        <a:scrgbClr r="0" g="0" b="0"/>
+      </a:fillRef>
+      <a:effectRef idx="0">
+        <a:scrgbClr r="0" g="0" b="0"/>
+      </a:effectRef>
+      <a:fontRef idx="minor"/>
+    </dgm:style>
+  </dgm:styleLbl>
+  <dgm:styleLbl name="alignAccFollowNode1">
+    <dgm:scene3d>
+      <a:camera prst="orthographicFront"/>
+      <a:lightRig rig="threePt" dir="t"/>
+    </dgm:scene3d>
+    <dgm:sp3d/>
+    <dgm:txPr/>
+    <dgm:style>
+      <a:lnRef idx="2">
+        <a:scrgbClr r="0" g="0" b="0"/>
+      </a:lnRef>
+      <a:fillRef idx="1">
+        <a:scrgbClr r="0" g="0" b="0"/>
+      </a:fillRef>
+      <a:effectRef idx="0">
+        <a:scrgbClr r="0" g="0" b="0"/>
+      </a:effectRef>
+      <a:fontRef idx="minor"/>
+    </dgm:style>
+  </dgm:styleLbl>
+  <dgm:styleLbl name="bgAccFollowNode1">
+    <dgm:scene3d>
+      <a:camera prst="orthographicFront"/>
+      <a:lightRig rig="threePt" dir="t"/>
+    </dgm:scene3d>
+    <dgm:sp3d/>
+    <dgm:txPr/>
+    <dgm:style>
+      <a:lnRef idx="2">
+        <a:scrgbClr r="0" g="0" b="0"/>
+      </a:lnRef>
+      <a:fillRef idx="1">
+        <a:scrgbClr r="0" g="0" b="0"/>
+      </a:fillRef>
+      <a:effectRef idx="0">
+        <a:scrgbClr r="0" g="0" b="0"/>
+      </a:effectRef>
+      <a:fontRef idx="minor"/>
+    </dgm:style>
+  </dgm:styleLbl>
+  <dgm:styleLbl name="fgAcc0">
+    <dgm:scene3d>
+      <a:camera prst="orthographicFront"/>
+      <a:lightRig rig="threePt" dir="t"/>
+    </dgm:scene3d>
+    <dgm:sp3d/>
+    <dgm:txPr/>
+    <dgm:style>
+      <a:lnRef idx="2">
+        <a:scrgbClr r="0" g="0" b="0"/>
+      </a:lnRef>
+      <a:fillRef idx="1">
+        <a:scrgbClr r="0" g="0" b="0"/>
+      </a:fillRef>
+      <a:effectRef idx="0">
+        <a:scrgbClr r="0" g="0" b="0"/>
+      </a:effectRef>
+      <a:fontRef idx="minor"/>
+    </dgm:style>
+  </dgm:styleLbl>
+  <dgm:styleLbl name="fgAcc2">
+    <dgm:scene3d>
+      <a:camera prst="orthographicFront"/>
+      <a:lightRig rig="threePt" dir="t"/>
+    </dgm:scene3d>
+    <dgm:sp3d/>
+    <dgm:txPr/>
+    <dgm:style>
+      <a:lnRef idx="2">
+        <a:scrgbClr r="0" g="0" b="0"/>
+      </a:lnRef>
+      <a:fillRef idx="1">
+        <a:scrgbClr r="0" g="0" b="0"/>
+      </a:fillRef>
+      <a:effectRef idx="0">
+        <a:scrgbClr r="0" g="0" b="0"/>
+      </a:effectRef>
+      <a:fontRef idx="minor"/>
+    </dgm:style>
+  </dgm:styleLbl>
+  <dgm:styleLbl name="fgAcc3">
+    <dgm:scene3d>
+      <a:camera prst="orthographicFront"/>
+      <a:lightRig rig="threePt" dir="t"/>
+    </dgm:scene3d>
+    <dgm:sp3d/>
+    <dgm:txPr/>
+    <dgm:style>
+      <a:lnRef idx="2">
+        <a:scrgbClr r="0" g="0" b="0"/>
+      </a:lnRef>
+      <a:fillRef idx="1">
+        <a:scrgbClr r="0" g="0" b="0"/>
+      </a:fillRef>
+      <a:effectRef idx="0">
+        <a:scrgbClr r="0" g="0" b="0"/>
+      </a:effectRef>
+      <a:fontRef idx="minor"/>
+    </dgm:style>
+  </dgm:styleLbl>
+  <dgm:styleLbl name="fgAcc4">
+    <dgm:scene3d>
+      <a:camera prst="orthographicFront"/>
+      <a:lightRig rig="threePt" dir="t"/>
+    </dgm:scene3d>
+    <dgm:sp3d/>
+    <dgm:txPr/>
+    <dgm:style>
+      <a:lnRef idx="2">
+        <a:scrgbClr r="0" g="0" b="0"/>
+      </a:lnRef>
+      <a:fillRef idx="1">
+        <a:scrgbClr r="0" g="0" b="0"/>
+      </a:fillRef>
+      <a:effectRef idx="0">
+        <a:scrgbClr r="0" g="0" b="0"/>
+      </a:effectRef>
+      <a:fontRef idx="minor"/>
+    </dgm:style>
+  </dgm:styleLbl>
+  <dgm:styleLbl name="bgShp">
+    <dgm:scene3d>
+      <a:camera prst="orthographicFront"/>
+      <a:lightRig rig="threePt" dir="t"/>
+    </dgm:scene3d>
+    <dgm:sp3d/>
+    <dgm:txPr/>
+    <dgm:style>
+      <a:lnRef idx="0">
+        <a:scrgbClr r="0" g="0" b="0"/>
+      </a:lnRef>
+      <a:fillRef idx="1">
+        <a:scrgbClr r="0" g="0" b="0"/>
+      </a:fillRef>
+      <a:effectRef idx="0">
+        <a:scrgbClr r="0" g="0" b="0"/>
+      </a:effectRef>
+      <a:fontRef idx="minor"/>
+    </dgm:style>
+  </dgm:styleLbl>
+  <dgm:styleLbl name="dkBgShp">
+    <dgm:scene3d>
+      <a:camera prst="orthographicFront"/>
+      <a:lightRig rig="threePt" dir="t"/>
+    </dgm:scene3d>
+    <dgm:sp3d/>
+    <dgm:txPr/>
+    <dgm:style>
+      <a:lnRef idx="0">
+        <a:scrgbClr r="0" g="0" b="0"/>
+      </a:lnRef>
+      <a:fillRef idx="1">
+        <a:scrgbClr r="0" g="0" b="0"/>
+      </a:fillRef>
+      <a:effectRef idx="0">
+        <a:scrgbClr r="0" g="0" b="0"/>
+      </a:effectRef>
+      <a:fontRef idx="minor"/>
+    </dgm:style>
+  </dgm:styleLbl>
+  <dgm:styleLbl name="trBgShp">
+    <dgm:scene3d>
+      <a:camera prst="orthographicFront"/>
+      <a:lightRig rig="threePt" dir="t"/>
+    </dgm:scene3d>
+    <dgm:sp3d/>
+    <dgm:txPr/>
+    <dgm:style>
+      <a:lnRef idx="0">
+        <a:scrgbClr r="0" g="0" b="0"/>
+      </a:lnRef>
+      <a:fillRef idx="1">
+        <a:scrgbClr r="0" g="0" b="0"/>
+      </a:fillRef>
+      <a:effectRef idx="0">
+        <a:scrgbClr r="0" g="0" b="0"/>
+      </a:effectRef>
+      <a:fontRef idx="minor"/>
+    </dgm:style>
+  </dgm:styleLbl>
+  <dgm:styleLbl name="fgShp">
+    <dgm:scene3d>
+      <a:camera prst="orthographicFront"/>
+      <a:lightRig rig="threePt" dir="t"/>
+    </dgm:scene3d>
+    <dgm:sp3d/>
+    <dgm:txPr/>
+    <dgm:style>
+      <a:lnRef idx="2">
+        <a:scrgbClr r="0" g="0" b="0"/>
+      </a:lnRef>
+      <a:fillRef idx="1">
+        <a:scrgbClr r="0" g="0" b="0"/>
+      </a:fillRef>
+      <a:effectRef idx="0">
+        <a:scrgbClr r="0" g="0" b="0"/>
+      </a:effectRef>
+      <a:fontRef idx="minor"/>
+    </dgm:style>
+  </dgm:styleLbl>
+  <dgm:styleLbl name="revTx">
+    <dgm:scene3d>
+      <a:camera prst="orthographicFront"/>
+      <a:lightRig rig="threePt" dir="t"/>
+    </dgm:scene3d>
+    <dgm:sp3d/>
+    <dgm:txPr/>
+    <dgm:style>
+      <a:lnRef idx="0">
+        <a:scrgbClr r="0" g="0" b="0"/>
+      </a:lnRef>
+      <a:fillRef idx="0">
+        <a:scrgbClr r="0" g="0" b="0"/>
+      </a:fillRef>
+      <a:effectRef idx="0">
+        <a:scrgbClr r="0" g="0" b="0"/>
+      </a:effectRef>
+      <a:fontRef idx="minor"/>
+    </dgm:style>
+  </dgm:styleLbl>
+</dgm:styleDef>
+</file>
+
+<file path=ppt/diagrams/quickStyle2.xml><?xml version="1.0" encoding="utf-8"?>
 <dgm:styleDef xmlns:dgm="http://schemas.openxmlformats.org/drawingml/2006/diagram" xmlns:a="http://schemas.openxmlformats.org/drawingml/2006/main" uniqueId="urn:microsoft.com/office/officeart/2005/8/quickstyle/simple1">
   <dgm:title val=""/>
   <dgm:desc val=""/>
@@ -3682,7 +10102,7 @@
           <a:p>
             <a:fld id="{B2FE3A97-0B40-47F5-A976-A7C7A0FD8429}" type="slidenum">
               <a:rPr lang="en-US" smtClean="0"/>
-              <a:t>‹N°›</a:t>
+              <a:t>‹#›</a:t>
             </a:fld>
             <a:endParaRPr lang="en-US"/>
           </a:p>
@@ -3941,7 +10361,7 @@
           <a:p>
             <a:fld id="{6BA41965-3D40-4735-8368-97257CDCD385}" type="slidenum">
               <a:rPr lang="en-US" smtClean="0"/>
-              <a:t>‹N°›</a:t>
+              <a:t>‹#›</a:t>
             </a:fld>
             <a:endParaRPr lang="en-US"/>
           </a:p>
@@ -4361,141 +10781,20 @@
           <a:lstStyle/>
           <a:p>
             <a:r>
-              <a:rPr lang="fr-FR" dirty="0" smtClean="0"/>
-              <a:t>Instruments </a:t>
+              <a:rPr lang="en-US" noProof="0" dirty="0" smtClean="0"/>
+              <a:t>-Instruments allow to represent</a:t>
             </a:r>
             <a:r>
-              <a:rPr lang="fr-FR" dirty="0" err="1" smtClean="0"/>
-              <a:t>allow</a:t>
+              <a:rPr lang="en-US" baseline="0" noProof="0" dirty="0" smtClean="0"/>
+              <a:t> a financial instrument like a Vanilla Option with its different parameters (volatility, strike, maturity …)</a:t>
             </a:r>
-            <a:r>
-              <a:rPr lang="fr-FR" dirty="0" smtClean="0"/>
-              <a:t> to </a:t>
-            </a:r>
-            <a:r>
-              <a:rPr lang="fr-FR" dirty="0" err="1" smtClean="0"/>
-              <a:t>represent</a:t>
-            </a:r>
-            <a:r>
-              <a:rPr lang="fr-FR" baseline="0" dirty="0" smtClean="0"/>
-              <a:t> an </a:t>
-            </a:r>
-            <a:r>
-              <a:rPr lang="fr-FR" baseline="0" dirty="0" err="1" smtClean="0"/>
-              <a:t>financial</a:t>
-            </a:r>
-            <a:r>
-              <a:rPr lang="fr-FR" baseline="0" dirty="0" smtClean="0"/>
-              <a:t> instrument </a:t>
-            </a:r>
-            <a:r>
-              <a:rPr lang="fr-FR" baseline="0" dirty="0" err="1" smtClean="0"/>
-              <a:t>like</a:t>
-            </a:r>
-            <a:r>
-              <a:rPr lang="fr-FR" baseline="0" dirty="0" smtClean="0"/>
-              <a:t> a </a:t>
-            </a:r>
-            <a:r>
-              <a:rPr lang="fr-FR" baseline="0" dirty="0" err="1" smtClean="0"/>
-              <a:t>Vanilla</a:t>
-            </a:r>
-            <a:r>
-              <a:rPr lang="fr-FR" baseline="0" dirty="0" smtClean="0"/>
-              <a:t> Option </a:t>
-            </a:r>
-            <a:r>
-              <a:rPr lang="fr-FR" baseline="0" dirty="0" err="1" smtClean="0"/>
-              <a:t>with</a:t>
-            </a:r>
-            <a:r>
-              <a:rPr lang="fr-FR" baseline="0" dirty="0" smtClean="0"/>
-              <a:t> </a:t>
-            </a:r>
-            <a:r>
-              <a:rPr lang="fr-FR" baseline="0" dirty="0" err="1" smtClean="0"/>
-              <a:t>this</a:t>
-            </a:r>
-            <a:r>
-              <a:rPr lang="fr-FR" baseline="0" dirty="0" smtClean="0"/>
-              <a:t> </a:t>
-            </a:r>
-            <a:r>
-              <a:rPr lang="fr-FR" baseline="0" dirty="0" err="1" smtClean="0"/>
-              <a:t>differents</a:t>
-            </a:r>
-            <a:r>
-              <a:rPr lang="fr-FR" baseline="0" dirty="0" smtClean="0"/>
-              <a:t> </a:t>
-            </a:r>
-            <a:r>
-              <a:rPr lang="fr-FR" baseline="0" dirty="0" err="1" smtClean="0"/>
-              <a:t>parameters</a:t>
-            </a:r>
-            <a:r>
-              <a:rPr lang="fr-FR" baseline="0" dirty="0" smtClean="0"/>
-              <a:t> (</a:t>
-            </a:r>
-            <a:r>
-              <a:rPr lang="fr-FR" baseline="0" dirty="0" err="1" smtClean="0"/>
-              <a:t>volatility</a:t>
-            </a:r>
-            <a:r>
-              <a:rPr lang="fr-FR" baseline="0" dirty="0" smtClean="0"/>
-              <a:t>, </a:t>
-            </a:r>
-            <a:r>
-              <a:rPr lang="fr-FR" baseline="0" dirty="0" err="1" smtClean="0"/>
-              <a:t>strike</a:t>
-            </a:r>
-            <a:r>
-              <a:rPr lang="fr-FR" baseline="0" dirty="0" smtClean="0"/>
-              <a:t>, </a:t>
-            </a:r>
-            <a:r>
-              <a:rPr lang="fr-FR" baseline="0" dirty="0" err="1" smtClean="0"/>
-              <a:t>maturity</a:t>
-            </a:r>
-            <a:r>
-              <a:rPr lang="fr-FR" baseline="0" dirty="0" smtClean="0"/>
-              <a:t> …)</a:t>
-            </a:r>
-            <a:endParaRPr lang="fr-FR" baseline="0" dirty="0" smtClean="0"/>
           </a:p>
           <a:p>
             <a:r>
-              <a:rPr lang="fr-FR" baseline="0" dirty="0" err="1" smtClean="0"/>
-              <a:t>Pricing</a:t>
+              <a:rPr lang="en-US" baseline="0" noProof="0" dirty="0" smtClean="0"/>
+              <a:t>-Pricing Engine allow to calculate the instrument values.</a:t>
             </a:r>
-            <a:r>
-              <a:rPr lang="fr-FR" baseline="0" dirty="0" smtClean="0"/>
-              <a:t> </a:t>
-            </a:r>
-            <a:r>
-              <a:rPr lang="fr-FR" baseline="0" dirty="0" err="1" smtClean="0"/>
-              <a:t>Engine</a:t>
-            </a:r>
-            <a:r>
-              <a:rPr lang="fr-FR" baseline="0" dirty="0" smtClean="0"/>
-              <a:t> </a:t>
-            </a:r>
-            <a:r>
-              <a:rPr lang="fr-FR" baseline="0" dirty="0" err="1" smtClean="0"/>
-              <a:t>allow</a:t>
-            </a:r>
-            <a:r>
-              <a:rPr lang="fr-FR" baseline="0" dirty="0" smtClean="0"/>
-              <a:t> to </a:t>
-            </a:r>
-            <a:r>
-              <a:rPr lang="fr-FR" baseline="0" dirty="0" err="1" smtClean="0"/>
-              <a:t>calculate</a:t>
-            </a:r>
-            <a:r>
-              <a:rPr lang="fr-FR" baseline="0" dirty="0" smtClean="0"/>
-              <a:t> the instrument values.</a:t>
-            </a:r>
-            <a:endParaRPr lang="fr-FR" dirty="0"/>
+            <a:endParaRPr lang="en-US" noProof="0" dirty="0"/>
           </a:p>
         </p:txBody>
       </p:sp>
@@ -4526,6 +10825,174 @@
     <p:extLst>
       <p:ext uri="{BB962C8B-B14F-4D97-AF65-F5344CB8AC3E}">
         <p14:creationId xmlns:p14="http://schemas.microsoft.com/office/powerpoint/2010/main" val="1679995911"/>
+      </p:ext>
+    </p:extLst>
+  </p:cSld>
+  <p:clrMapOvr>
+    <a:masterClrMapping/>
+  </p:clrMapOvr>
+</p:notes>
+</file>
+
+<file path=ppt/notesSlides/notesSlide4.xml><?xml version="1.0" encoding="utf-8"?>
+<p:notes xmlns:a="http://schemas.openxmlformats.org/drawingml/2006/main" xmlns:r="http://schemas.openxmlformats.org/officeDocument/2006/relationships" xmlns:p="http://schemas.openxmlformats.org/presentationml/2006/main">
+  <p:cSld>
+    <p:spTree>
+      <p:nvGrpSpPr>
+        <p:cNvPr id="1" name=""/>
+        <p:cNvGrpSpPr/>
+        <p:nvPr/>
+      </p:nvGrpSpPr>
+      <p:grpSpPr>
+        <a:xfrm>
+          <a:off x="0" y="0"/>
+          <a:ext cx="0" cy="0"/>
+          <a:chOff x="0" y="0"/>
+          <a:chExt cx="0" cy="0"/>
+        </a:xfrm>
+      </p:grpSpPr>
+      <p:sp>
+        <p:nvSpPr>
+          <p:cNvPr id="2" name="Slide Image Placeholder 1"/>
+          <p:cNvSpPr>
+            <a:spLocks noGrp="1" noRot="1" noChangeAspect="1"/>
+          </p:cNvSpPr>
+          <p:nvPr>
+            <p:ph type="sldImg"/>
+          </p:nvPr>
+        </p:nvSpPr>
+        <p:spPr/>
+      </p:sp>
+      <p:sp>
+        <p:nvSpPr>
+          <p:cNvPr id="3" name="Notes Placeholder 2"/>
+          <p:cNvSpPr>
+            <a:spLocks noGrp="1"/>
+          </p:cNvSpPr>
+          <p:nvPr>
+            <p:ph type="body" idx="1"/>
+          </p:nvPr>
+        </p:nvSpPr>
+        <p:spPr/>
+        <p:txBody>
+          <a:bodyPr/>
+          <a:lstStyle/>
+          <a:p>
+            <a:endParaRPr lang="en-US" dirty="0"/>
+          </a:p>
+        </p:txBody>
+      </p:sp>
+      <p:sp>
+        <p:nvSpPr>
+          <p:cNvPr id="4" name="Slide Number Placeholder 3"/>
+          <p:cNvSpPr>
+            <a:spLocks noGrp="1"/>
+          </p:cNvSpPr>
+          <p:nvPr>
+            <p:ph type="sldNum" sz="quarter" idx="10"/>
+          </p:nvPr>
+        </p:nvSpPr>
+        <p:spPr/>
+        <p:txBody>
+          <a:bodyPr/>
+          <a:lstStyle/>
+          <a:p>
+            <a:fld id="{6BA41965-3D40-4735-8368-97257CDCD385}" type="slidenum">
+              <a:rPr lang="en-US" smtClean="0"/>
+              <a:t>5</a:t>
+            </a:fld>
+            <a:endParaRPr lang="en-US"/>
+          </a:p>
+        </p:txBody>
+      </p:sp>
+    </p:spTree>
+    <p:extLst>
+      <p:ext uri="{BB962C8B-B14F-4D97-AF65-F5344CB8AC3E}">
+        <p14:creationId xmlns:p14="http://schemas.microsoft.com/office/powerpoint/2010/main" val="384983520"/>
+      </p:ext>
+    </p:extLst>
+  </p:cSld>
+  <p:clrMapOvr>
+    <a:masterClrMapping/>
+  </p:clrMapOvr>
+</p:notes>
+</file>
+
+<file path=ppt/notesSlides/notesSlide5.xml><?xml version="1.0" encoding="utf-8"?>
+<p:notes xmlns:a="http://schemas.openxmlformats.org/drawingml/2006/main" xmlns:r="http://schemas.openxmlformats.org/officeDocument/2006/relationships" xmlns:p="http://schemas.openxmlformats.org/presentationml/2006/main">
+  <p:cSld>
+    <p:spTree>
+      <p:nvGrpSpPr>
+        <p:cNvPr id="1" name=""/>
+        <p:cNvGrpSpPr/>
+        <p:nvPr/>
+      </p:nvGrpSpPr>
+      <p:grpSpPr>
+        <a:xfrm>
+          <a:off x="0" y="0"/>
+          <a:ext cx="0" cy="0"/>
+          <a:chOff x="0" y="0"/>
+          <a:chExt cx="0" cy="0"/>
+        </a:xfrm>
+      </p:grpSpPr>
+      <p:sp>
+        <p:nvSpPr>
+          <p:cNvPr id="2" name="Slide Image Placeholder 1"/>
+          <p:cNvSpPr>
+            <a:spLocks noGrp="1" noRot="1" noChangeAspect="1"/>
+          </p:cNvSpPr>
+          <p:nvPr>
+            <p:ph type="sldImg"/>
+          </p:nvPr>
+        </p:nvSpPr>
+        <p:spPr/>
+      </p:sp>
+      <p:sp>
+        <p:nvSpPr>
+          <p:cNvPr id="3" name="Notes Placeholder 2"/>
+          <p:cNvSpPr>
+            <a:spLocks noGrp="1"/>
+          </p:cNvSpPr>
+          <p:nvPr>
+            <p:ph type="body" idx="1"/>
+          </p:nvPr>
+        </p:nvSpPr>
+        <p:spPr/>
+        <p:txBody>
+          <a:bodyPr/>
+          <a:lstStyle/>
+          <a:p>
+            <a:endParaRPr lang="en-US" dirty="0"/>
+          </a:p>
+        </p:txBody>
+      </p:sp>
+      <p:sp>
+        <p:nvSpPr>
+          <p:cNvPr id="4" name="Slide Number Placeholder 3"/>
+          <p:cNvSpPr>
+            <a:spLocks noGrp="1"/>
+          </p:cNvSpPr>
+          <p:nvPr>
+            <p:ph type="sldNum" sz="quarter" idx="10"/>
+          </p:nvPr>
+        </p:nvSpPr>
+        <p:spPr/>
+        <p:txBody>
+          <a:bodyPr/>
+          <a:lstStyle/>
+          <a:p>
+            <a:fld id="{6BA41965-3D40-4735-8368-97257CDCD385}" type="slidenum">
+              <a:rPr lang="en-US" smtClean="0"/>
+              <a:t>7</a:t>
+            </a:fld>
+            <a:endParaRPr lang="en-US"/>
+          </a:p>
+        </p:txBody>
+      </p:sp>
+    </p:spTree>
+    <p:extLst>
+      <p:ext uri="{BB962C8B-B14F-4D97-AF65-F5344CB8AC3E}">
+        <p14:creationId xmlns:p14="http://schemas.microsoft.com/office/powerpoint/2010/main" val="3520252298"/>
       </p:ext>
     </p:extLst>
   </p:cSld>
@@ -4864,7 +11331,7 @@
           <a:p>
             <a:fld id="{91CCA55A-3F50-488D-A5E8-01F0969640CB}" type="slidenum">
               <a:rPr lang="en-US" smtClean="0"/>
-              <a:t>‹N°›</a:t>
+              <a:t>‹#›</a:t>
             </a:fld>
             <a:endParaRPr lang="en-US"/>
           </a:p>
@@ -5182,7 +11649,7 @@
           <a:p>
             <a:fld id="{91CCA55A-3F50-488D-A5E8-01F0969640CB}" type="slidenum">
               <a:rPr lang="en-US" smtClean="0"/>
-              <a:t>‹N°›</a:t>
+              <a:t>‹#›</a:t>
             </a:fld>
             <a:endParaRPr lang="en-US"/>
           </a:p>
@@ -5670,7 +12137,7 @@
           <a:p>
             <a:fld id="{91CCA55A-3F50-488D-A5E8-01F0969640CB}" type="slidenum">
               <a:rPr lang="en-US" smtClean="0"/>
-              <a:t>‹N°›</a:t>
+              <a:t>‹#›</a:t>
             </a:fld>
             <a:endParaRPr lang="en-US"/>
           </a:p>
@@ -6039,7 +12506,7 @@
           <a:p>
             <a:fld id="{91CCA55A-3F50-488D-A5E8-01F0969640CB}" type="slidenum">
               <a:rPr lang="en-US" smtClean="0"/>
-              <a:t>‹N°›</a:t>
+              <a:t>‹#›</a:t>
             </a:fld>
             <a:endParaRPr lang="en-US"/>
           </a:p>
@@ -6312,7 +12779,7 @@
           <a:p>
             <a:fld id="{91CCA55A-3F50-488D-A5E8-01F0969640CB}" type="slidenum">
               <a:rPr lang="en-US" smtClean="0"/>
-              <a:t>‹N°›</a:t>
+              <a:t>‹#›</a:t>
             </a:fld>
             <a:endParaRPr lang="en-US"/>
           </a:p>
@@ -6597,7 +13064,7 @@
           <a:p>
             <a:fld id="{91CCA55A-3F50-488D-A5E8-01F0969640CB}" type="slidenum">
               <a:rPr lang="en-US" smtClean="0"/>
-              <a:t>‹N°›</a:t>
+              <a:t>‹#›</a:t>
             </a:fld>
             <a:endParaRPr lang="en-US"/>
           </a:p>
@@ -6880,7 +13347,7 @@
           <a:p>
             <a:fld id="{91CCA55A-3F50-488D-A5E8-01F0969640CB}" type="slidenum">
               <a:rPr lang="en-US" smtClean="0"/>
-              <a:t>‹N°›</a:t>
+              <a:t>‹#›</a:t>
             </a:fld>
             <a:endParaRPr lang="en-US"/>
           </a:p>
@@ -7223,7 +13690,7 @@
           <a:p>
             <a:fld id="{91CCA55A-3F50-488D-A5E8-01F0969640CB}" type="slidenum">
               <a:rPr lang="en-US" smtClean="0"/>
-              <a:t>‹N°›</a:t>
+              <a:t>‹#›</a:t>
             </a:fld>
             <a:endParaRPr lang="en-US"/>
           </a:p>
@@ -7562,7 +14029,7 @@
           <a:p>
             <a:fld id="{91CCA55A-3F50-488D-A5E8-01F0969640CB}" type="slidenum">
               <a:rPr lang="en-US" smtClean="0"/>
-              <a:t>‹N°›</a:t>
+              <a:t>‹#›</a:t>
             </a:fld>
             <a:endParaRPr lang="en-US"/>
           </a:p>
@@ -8039,7 +14506,7 @@
           <a:p>
             <a:fld id="{91CCA55A-3F50-488D-A5E8-01F0969640CB}" type="slidenum">
               <a:rPr lang="en-US" smtClean="0"/>
-              <a:t>‹N°›</a:t>
+              <a:t>‹#›</a:t>
             </a:fld>
             <a:endParaRPr lang="en-US"/>
           </a:p>
@@ -8260,7 +14727,7 @@
           <a:p>
             <a:fld id="{91CCA55A-3F50-488D-A5E8-01F0969640CB}" type="slidenum">
               <a:rPr lang="en-US" smtClean="0"/>
-              <a:t>‹N°›</a:t>
+              <a:t>‹#›</a:t>
             </a:fld>
             <a:endParaRPr lang="en-US"/>
           </a:p>
@@ -8355,7 +14822,7 @@
           <a:p>
             <a:fld id="{91CCA55A-3F50-488D-A5E8-01F0969640CB}" type="slidenum">
               <a:rPr lang="en-US" smtClean="0"/>
-              <a:t>‹N°›</a:t>
+              <a:t>‹#›</a:t>
             </a:fld>
             <a:endParaRPr lang="en-US"/>
           </a:p>
@@ -8822,7 +15289,7 @@
           <a:p>
             <a:fld id="{91CCA55A-3F50-488D-A5E8-01F0969640CB}" type="slidenum">
               <a:rPr lang="en-US" smtClean="0"/>
-              <a:t>‹N°›</a:t>
+              <a:t>‹#›</a:t>
             </a:fld>
             <a:endParaRPr lang="en-US"/>
           </a:p>
@@ -9145,7 +15612,7 @@
           <a:p>
             <a:fld id="{91CCA55A-3F50-488D-A5E8-01F0969640CB}" type="slidenum">
               <a:rPr lang="en-US" smtClean="0"/>
-              <a:t>‹N°›</a:t>
+              <a:t>‹#›</a:t>
             </a:fld>
             <a:endParaRPr lang="en-US"/>
           </a:p>
@@ -9402,7 +15869,7 @@
           <a:p>
             <a:fld id="{91CCA55A-3F50-488D-A5E8-01F0969640CB}" type="slidenum">
               <a:rPr lang="en-US" smtClean="0"/>
-              <a:t>‹N°›</a:t>
+              <a:t>‹#›</a:t>
             </a:fld>
             <a:endParaRPr lang="en-US"/>
           </a:p>
@@ -10314,7 +16781,7 @@
           <a:p>
             <a:pPr algn="ctr"/>
             <a:r>
-              <a:rPr lang="en-US" sz="2400" dirty="0" smtClean="0">
+              <a:rPr lang="en-US" sz="2400" b="1" dirty="0" smtClean="0">
                 <a:ln w="0"/>
                 <a:solidFill>
                   <a:schemeClr val="accent1"/>
@@ -10333,7 +16800,7 @@
           <a:p>
             <a:pPr algn="ctr"/>
             <a:fld id="{F7D1FE2A-FD33-421D-9B7A-E01FDB112184}" type="datetime1">
-              <a:rPr lang="en-US" sz="2400" smtClean="0">
+              <a:rPr lang="en-US" sz="2400" b="1" smtClean="0">
                 <a:ln w="0"/>
                 <a:solidFill>
                   <a:schemeClr val="accent1"/>
@@ -10349,7 +16816,7 @@
               <a:pPr algn="ctr"/>
               <a:t>1/12/2014</a:t>
             </a:fld>
-            <a:endParaRPr lang="en-US" sz="2400" dirty="0">
+            <a:endParaRPr lang="en-US" sz="2400" b="1" dirty="0">
               <a:ln w="0"/>
               <a:solidFill>
                 <a:schemeClr val="accent1"/>
@@ -10432,7 +16899,7 @@
           <p:nvPr>
             <p:extLst>
               <p:ext uri="{D42A27DB-BD31-4B8C-83A1-F6EECF244321}">
-                <p14:modId xmlns:p14="http://schemas.microsoft.com/office/powerpoint/2010/main" val="4157675187"/>
+                <p14:modId xmlns:p14="http://schemas.microsoft.com/office/powerpoint/2010/main" val="2062832379"/>
               </p:ext>
             </p:extLst>
           </p:nvPr>
@@ -11393,9 +17860,9 @@
                             </p:stCondLst>
                             <p:childTnLst>
                               <p:par>
-                                <p:cTn id="5" presetID="1" presetClass="entr" presetSubtype="0" fill="hold" grpId="0" nodeType="afterEffect">
+                                <p:cTn id="5" presetID="1" presetClass="entr" presetSubtype="0" fill="hold" grpId="0" nodeType="withEffect">
                                   <p:stCondLst>
-                                    <p:cond delay="1000"/>
+                                    <p:cond delay="500"/>
                                   </p:stCondLst>
                                   <p:childTnLst>
                                     <p:set>
@@ -11426,30 +17893,21 @@
                             </p:childTnLst>
                           </p:cTn>
                         </p:par>
-                      </p:childTnLst>
-                    </p:cTn>
-                  </p:par>
-                  <p:par>
-                    <p:cTn id="7" fill="hold">
-                      <p:stCondLst>
-                        <p:cond delay="indefinite"/>
-                      </p:stCondLst>
-                      <p:childTnLst>
                         <p:par>
-                          <p:cTn id="8" fill="hold">
+                          <p:cTn id="7" fill="hold">
                             <p:stCondLst>
-                              <p:cond delay="0"/>
+                              <p:cond delay="500"/>
                             </p:stCondLst>
                             <p:childTnLst>
                               <p:par>
-                                <p:cTn id="9" presetID="1" presetClass="entr" presetSubtype="0" fill="hold" grpId="0" nodeType="clickEffect">
+                                <p:cTn id="8" presetID="1" presetClass="entr" presetSubtype="0" fill="hold" grpId="0" nodeType="afterEffect">
                                   <p:stCondLst>
                                     <p:cond delay="1000"/>
                                   </p:stCondLst>
                                   <p:childTnLst>
                                     <p:set>
                                       <p:cBhvr>
-                                        <p:cTn id="10" dur="1" fill="hold">
+                                        <p:cTn id="9" dur="1" fill="hold">
                                           <p:stCondLst>
                                             <p:cond delay="0"/>
                                           </p:stCondLst>
@@ -11475,30 +17933,21 @@
                             </p:childTnLst>
                           </p:cTn>
                         </p:par>
-                      </p:childTnLst>
-                    </p:cTn>
-                  </p:par>
-                  <p:par>
-                    <p:cTn id="11" fill="hold">
-                      <p:stCondLst>
-                        <p:cond delay="indefinite"/>
-                      </p:stCondLst>
-                      <p:childTnLst>
                         <p:par>
-                          <p:cTn id="12" fill="hold">
+                          <p:cTn id="10" fill="hold">
                             <p:stCondLst>
-                              <p:cond delay="0"/>
+                              <p:cond delay="1500"/>
                             </p:stCondLst>
                             <p:childTnLst>
                               <p:par>
-                                <p:cTn id="13" presetID="1" presetClass="entr" presetSubtype="0" fill="hold" grpId="0" nodeType="clickEffect">
+                                <p:cTn id="11" presetID="1" presetClass="entr" presetSubtype="0" fill="hold" grpId="0" nodeType="afterEffect">
                                   <p:stCondLst>
                                     <p:cond delay="1000"/>
                                   </p:stCondLst>
                                   <p:childTnLst>
                                     <p:set>
                                       <p:cBhvr>
-                                        <p:cTn id="14" dur="1" fill="hold">
+                                        <p:cTn id="12" dur="1" fill="hold">
                                           <p:stCondLst>
                                             <p:cond delay="0"/>
                                           </p:stCondLst>
@@ -11525,20 +17974,20 @@
                           </p:cTn>
                         </p:par>
                         <p:par>
-                          <p:cTn id="15" fill="hold">
+                          <p:cTn id="13" fill="hold">
                             <p:stCondLst>
-                              <p:cond delay="1000"/>
+                              <p:cond delay="2500"/>
                             </p:stCondLst>
                             <p:childTnLst>
                               <p:par>
-                                <p:cTn id="16" presetID="1" presetClass="entr" presetSubtype="0" fill="hold" grpId="0" nodeType="afterEffect">
+                                <p:cTn id="14" presetID="1" presetClass="entr" presetSubtype="0" fill="hold" grpId="0" nodeType="afterEffect">
                                   <p:stCondLst>
                                     <p:cond delay="1000"/>
                                   </p:stCondLst>
                                   <p:childTnLst>
                                     <p:set>
                                       <p:cBhvr>
-                                        <p:cTn id="17" dur="1" fill="hold">
+                                        <p:cTn id="15" dur="1" fill="hold">
                                           <p:stCondLst>
                                             <p:cond delay="0"/>
                                           </p:stCondLst>
@@ -11565,20 +18014,20 @@
                           </p:cTn>
                         </p:par>
                         <p:par>
-                          <p:cTn id="18" fill="hold">
+                          <p:cTn id="16" fill="hold">
                             <p:stCondLst>
-                              <p:cond delay="2000"/>
+                              <p:cond delay="3500"/>
                             </p:stCondLst>
                             <p:childTnLst>
                               <p:par>
-                                <p:cTn id="19" presetID="1" presetClass="entr" presetSubtype="0" fill="hold" grpId="0" nodeType="afterEffect">
+                                <p:cTn id="17" presetID="1" presetClass="entr" presetSubtype="0" fill="hold" grpId="0" nodeType="afterEffect">
                                   <p:stCondLst>
                                     <p:cond delay="1000"/>
                                   </p:stCondLst>
                                   <p:childTnLst>
                                     <p:set>
                                       <p:cBhvr>
-                                        <p:cTn id="20" dur="1" fill="hold">
+                                        <p:cTn id="18" dur="1" fill="hold">
                                           <p:stCondLst>
                                             <p:cond delay="0"/>
                                           </p:stCondLst>
@@ -11629,7 +18078,7 @@
       </p:par>
     </p:tnLst>
     <p:bldLst>
-      <p:bldP spid="3" grpId="0" build="p"/>
+      <p:bldP spid="3" grpId="0" uiExpand="1" build="p"/>
     </p:bldLst>
   </p:timing>
 </p:sld>
@@ -11674,72 +18123,38 @@
           <a:p>
             <a:r>
               <a:rPr lang="en-US" dirty="0" smtClean="0"/>
-              <a:t>II-QuantLib </a:t>
+              <a:t>II-Library </a:t>
             </a:r>
             <a:r>
               <a:rPr lang="en-US" dirty="0"/>
-              <a:t>Architecture</a:t>
+              <a:t>components</a:t>
             </a:r>
-          </a:p>
-        </p:txBody>
-      </p:sp>
-      <p:sp>
-        <p:nvSpPr>
-          <p:cNvPr id="5" name="Content Placeholder 2"/>
-          <p:cNvSpPr>
-            <a:spLocks noGrp="1"/>
-          </p:cNvSpPr>
-          <p:nvPr>
-            <p:ph idx="1"/>
-          </p:nvPr>
-        </p:nvSpPr>
-        <p:spPr>
-          <a:xfrm>
-            <a:off x="818712" y="2222287"/>
-            <a:ext cx="10554574" cy="3636511"/>
-          </a:xfrm>
-        </p:spPr>
-        <p:txBody>
-          <a:bodyPr>
-            <a:normAutofit/>
-          </a:bodyPr>
-          <a:lstStyle/>
-          <a:p>
-            <a:r>
-              <a:rPr lang="en-US" sz="3200" b="1" dirty="0" smtClean="0"/>
-              <a:t>Instruments</a:t>
-            </a:r>
-            <a:endParaRPr lang="fr-FR" sz="3200" b="1" dirty="0" smtClean="0"/>
-          </a:p>
-          <a:p>
-            <a:r>
-              <a:rPr lang="fr-FR" sz="3200" b="1" dirty="0" err="1" smtClean="0"/>
-              <a:t>Pricing</a:t>
-            </a:r>
-            <a:r>
-              <a:rPr lang="fr-FR" sz="3200" b="1" dirty="0" smtClean="0"/>
-              <a:t> </a:t>
-            </a:r>
-            <a:r>
-              <a:rPr lang="fr-FR" sz="3200" b="1" dirty="0" err="1" smtClean="0"/>
-              <a:t>Engine</a:t>
-            </a:r>
-            <a:endParaRPr lang="fr-FR" sz="3200" b="1" dirty="0" smtClean="0"/>
-          </a:p>
-          <a:p>
-            <a:r>
-              <a:rPr lang="en-US" sz="3200" b="1" dirty="0" smtClean="0"/>
-              <a:t>Pattern allow to add new financial instrument</a:t>
-            </a:r>
-          </a:p>
-          <a:p>
-            <a:endParaRPr lang="en-US" sz="3200" b="1" dirty="0" smtClean="0"/>
-          </a:p>
-          <a:p>
             <a:endParaRPr lang="en-US" dirty="0"/>
           </a:p>
         </p:txBody>
       </p:sp>
+      <p:graphicFrame>
+        <p:nvGraphicFramePr>
+          <p:cNvPr id="6" name="Diagram 5"/>
+          <p:cNvGraphicFramePr/>
+          <p:nvPr>
+            <p:extLst>
+              <p:ext uri="{D42A27DB-BD31-4B8C-83A1-F6EECF244321}">
+                <p14:modId xmlns:p14="http://schemas.microsoft.com/office/powerpoint/2010/main" val="2065745760"/>
+              </p:ext>
+            </p:extLst>
+          </p:nvPr>
+        </p:nvGraphicFramePr>
+        <p:xfrm>
+          <a:off x="1334654" y="1443807"/>
+          <a:ext cx="9522690" cy="5418667"/>
+        </p:xfrm>
+        <a:graphic>
+          <a:graphicData uri="http://schemas.openxmlformats.org/drawingml/2006/diagram">
+            <dgm:relIds xmlns:dgm="http://schemas.openxmlformats.org/drawingml/2006/diagram" xmlns:r="http://schemas.openxmlformats.org/officeDocument/2006/relationships" r:dm="rId3" r:lo="rId4" r:qs="rId5" r:cs="rId6"/>
+          </a:graphicData>
+        </a:graphic>
+      </p:graphicFrame>
     </p:spTree>
     <p:extLst>
       <p:ext uri="{BB962C8B-B14F-4D97-AF65-F5344CB8AC3E}">
@@ -11774,9 +18189,9 @@
                             </p:stCondLst>
                             <p:childTnLst>
                               <p:par>
-                                <p:cTn id="5" presetID="1" presetClass="entr" presetSubtype="0" fill="hold" grpId="0" nodeType="afterEffect">
+                                <p:cTn id="5" presetID="53" presetClass="entr" presetSubtype="16" fill="hold" grpId="0" nodeType="afterEffect">
                                   <p:stCondLst>
-                                    <p:cond delay="1000"/>
+                                    <p:cond delay="500"/>
                                   </p:stCondLst>
                                   <p:childTnLst>
                                     <p:set>
@@ -11787,10 +18202,10 @@
                                           </p:stCondLst>
                                         </p:cTn>
                                         <p:tgtEl>
-                                          <p:spTgt spid="5">
-                                            <p:txEl>
-                                              <p:pRg st="0" end="0"/>
-                                            </p:txEl>
+                                          <p:spTgt spid="6">
+                                            <p:graphicEl>
+                                              <a:dgm id="{AC755BD8-DC67-46EF-9D15-700F438CC005}"/>
+                                            </p:graphicEl>
                                           </p:spTgt>
                                         </p:tgtEl>
                                         <p:attrNameLst>
@@ -11801,45 +18216,102 @@
                                         <p:strVal val="visible"/>
                                       </p:to>
                                     </p:set>
+                                    <p:anim calcmode="lin" valueType="num">
+                                      <p:cBhvr>
+                                        <p:cTn id="7" dur="500" fill="hold"/>
+                                        <p:tgtEl>
+                                          <p:spTgt spid="6">
+                                            <p:graphicEl>
+                                              <a:dgm id="{AC755BD8-DC67-46EF-9D15-700F438CC005}"/>
+                                            </p:graphicEl>
+                                          </p:spTgt>
+                                        </p:tgtEl>
+                                        <p:attrNameLst>
+                                          <p:attrName>ppt_w</p:attrName>
+                                        </p:attrNameLst>
+                                      </p:cBhvr>
+                                      <p:tavLst>
+                                        <p:tav tm="0">
+                                          <p:val>
+                                            <p:fltVal val="0"/>
+                                          </p:val>
+                                        </p:tav>
+                                        <p:tav tm="100000">
+                                          <p:val>
+                                            <p:strVal val="#ppt_w"/>
+                                          </p:val>
+                                        </p:tav>
+                                      </p:tavLst>
+                                    </p:anim>
+                                    <p:anim calcmode="lin" valueType="num">
+                                      <p:cBhvr>
+                                        <p:cTn id="8" dur="500" fill="hold"/>
+                                        <p:tgtEl>
+                                          <p:spTgt spid="6">
+                                            <p:graphicEl>
+                                              <a:dgm id="{AC755BD8-DC67-46EF-9D15-700F438CC005}"/>
+                                            </p:graphicEl>
+                                          </p:spTgt>
+                                        </p:tgtEl>
+                                        <p:attrNameLst>
+                                          <p:attrName>ppt_h</p:attrName>
+                                        </p:attrNameLst>
+                                      </p:cBhvr>
+                                      <p:tavLst>
+                                        <p:tav tm="0">
+                                          <p:val>
+                                            <p:fltVal val="0"/>
+                                          </p:val>
+                                        </p:tav>
+                                        <p:tav tm="100000">
+                                          <p:val>
+                                            <p:strVal val="#ppt_h"/>
+                                          </p:val>
+                                        </p:tav>
+                                      </p:tavLst>
+                                    </p:anim>
+                                    <p:animEffect transition="in" filter="fade">
+                                      <p:cBhvr>
+                                        <p:cTn id="9" dur="500"/>
+                                        <p:tgtEl>
+                                          <p:spTgt spid="6">
+                                            <p:graphicEl>
+                                              <a:dgm id="{AC755BD8-DC67-46EF-9D15-700F438CC005}"/>
+                                            </p:graphicEl>
+                                          </p:spTgt>
+                                        </p:tgtEl>
+                                      </p:cBhvr>
+                                    </p:animEffect>
                                   </p:childTnLst>
                                 </p:cTn>
                               </p:par>
                             </p:childTnLst>
                           </p:cTn>
                         </p:par>
-                      </p:childTnLst>
-                    </p:cTn>
-                  </p:par>
-                  <p:par>
-                    <p:cTn id="7" fill="hold">
-                      <p:stCondLst>
-                        <p:cond delay="indefinite"/>
-                      </p:stCondLst>
-                      <p:childTnLst>
                         <p:par>
-                          <p:cTn id="8" fill="hold">
+                          <p:cTn id="10" fill="hold">
                             <p:stCondLst>
-                              <p:cond delay="0"/>
+                              <p:cond delay="1000"/>
                             </p:stCondLst>
                             <p:childTnLst>
                               <p:par>
-                                <p:cTn id="9" presetID="1" presetClass="entr" presetSubtype="0" fill="hold" grpId="0" nodeType="clickEffect">
+                                <p:cTn id="11" presetID="53" presetClass="entr" presetSubtype="16" fill="hold" grpId="0" nodeType="afterEffect">
                                   <p:stCondLst>
-                                    <p:cond delay="1000"/>
+                                    <p:cond delay="500"/>
                                   </p:stCondLst>
                                   <p:childTnLst>
                                     <p:set>
                                       <p:cBhvr>
-                                        <p:cTn id="10" dur="1" fill="hold">
+                                        <p:cTn id="12" dur="1" fill="hold">
                                           <p:stCondLst>
                                             <p:cond delay="0"/>
                                           </p:stCondLst>
                                         </p:cTn>
                                         <p:tgtEl>
-                                          <p:spTgt spid="5">
-                                            <p:txEl>
-                                              <p:pRg st="1" end="1"/>
-                                            </p:txEl>
+                                          <p:spTgt spid="6">
+                                            <p:graphicEl>
+                                              <a:dgm id="{E1B0E9A4-80BC-4BE1-AFC6-851C9D5AEC53}"/>
+                                            </p:graphicEl>
                                           </p:spTgt>
                                         </p:tgtEl>
                                         <p:attrNameLst>
@@ -11850,45 +18322,102 @@
                                         <p:strVal val="visible"/>
                                       </p:to>
                                     </p:set>
+                                    <p:anim calcmode="lin" valueType="num">
+                                      <p:cBhvr>
+                                        <p:cTn id="13" dur="500" fill="hold"/>
+                                        <p:tgtEl>
+                                          <p:spTgt spid="6">
+                                            <p:graphicEl>
+                                              <a:dgm id="{E1B0E9A4-80BC-4BE1-AFC6-851C9D5AEC53}"/>
+                                            </p:graphicEl>
+                                          </p:spTgt>
+                                        </p:tgtEl>
+                                        <p:attrNameLst>
+                                          <p:attrName>ppt_w</p:attrName>
+                                        </p:attrNameLst>
+                                      </p:cBhvr>
+                                      <p:tavLst>
+                                        <p:tav tm="0">
+                                          <p:val>
+                                            <p:fltVal val="0"/>
+                                          </p:val>
+                                        </p:tav>
+                                        <p:tav tm="100000">
+                                          <p:val>
+                                            <p:strVal val="#ppt_w"/>
+                                          </p:val>
+                                        </p:tav>
+                                      </p:tavLst>
+                                    </p:anim>
+                                    <p:anim calcmode="lin" valueType="num">
+                                      <p:cBhvr>
+                                        <p:cTn id="14" dur="500" fill="hold"/>
+                                        <p:tgtEl>
+                                          <p:spTgt spid="6">
+                                            <p:graphicEl>
+                                              <a:dgm id="{E1B0E9A4-80BC-4BE1-AFC6-851C9D5AEC53}"/>
+                                            </p:graphicEl>
+                                          </p:spTgt>
+                                        </p:tgtEl>
+                                        <p:attrNameLst>
+                                          <p:attrName>ppt_h</p:attrName>
+                                        </p:attrNameLst>
+                                      </p:cBhvr>
+                                      <p:tavLst>
+                                        <p:tav tm="0">
+                                          <p:val>
+                                            <p:fltVal val="0"/>
+                                          </p:val>
+                                        </p:tav>
+                                        <p:tav tm="100000">
+                                          <p:val>
+                                            <p:strVal val="#ppt_h"/>
+                                          </p:val>
+                                        </p:tav>
+                                      </p:tavLst>
+                                    </p:anim>
+                                    <p:animEffect transition="in" filter="fade">
+                                      <p:cBhvr>
+                                        <p:cTn id="15" dur="500"/>
+                                        <p:tgtEl>
+                                          <p:spTgt spid="6">
+                                            <p:graphicEl>
+                                              <a:dgm id="{E1B0E9A4-80BC-4BE1-AFC6-851C9D5AEC53}"/>
+                                            </p:graphicEl>
+                                          </p:spTgt>
+                                        </p:tgtEl>
+                                      </p:cBhvr>
+                                    </p:animEffect>
                                   </p:childTnLst>
                                 </p:cTn>
                               </p:par>
                             </p:childTnLst>
                           </p:cTn>
                         </p:par>
-                      </p:childTnLst>
-                    </p:cTn>
-                  </p:par>
-                  <p:par>
-                    <p:cTn id="11" fill="hold">
-                      <p:stCondLst>
-                        <p:cond delay="indefinite"/>
-                      </p:stCondLst>
-                      <p:childTnLst>
                         <p:par>
-                          <p:cTn id="12" fill="hold">
+                          <p:cTn id="16" fill="hold">
                             <p:stCondLst>
-                              <p:cond delay="0"/>
+                              <p:cond delay="2000"/>
                             </p:stCondLst>
                             <p:childTnLst>
                               <p:par>
-                                <p:cTn id="13" presetID="1" presetClass="entr" presetSubtype="0" fill="hold" grpId="0" nodeType="clickEffect">
+                                <p:cTn id="17" presetID="53" presetClass="entr" presetSubtype="16" fill="hold" grpId="0" nodeType="afterEffect">
                                   <p:stCondLst>
-                                    <p:cond delay="1000"/>
+                                    <p:cond delay="500"/>
                                   </p:stCondLst>
                                   <p:childTnLst>
                                     <p:set>
                                       <p:cBhvr>
-                                        <p:cTn id="14" dur="1" fill="hold">
+                                        <p:cTn id="18" dur="1" fill="hold">
                                           <p:stCondLst>
                                             <p:cond delay="0"/>
                                           </p:stCondLst>
                                         </p:cTn>
                                         <p:tgtEl>
-                                          <p:spTgt spid="5">
-                                            <p:txEl>
-                                              <p:pRg st="2" end="2"/>
-                                            </p:txEl>
+                                          <p:spTgt spid="6">
+                                            <p:graphicEl>
+                                              <a:dgm id="{F330022E-AEF2-4F3F-987D-D67ADFE6F099}"/>
+                                            </p:graphicEl>
                                           </p:spTgt>
                                         </p:tgtEl>
                                         <p:attrNameLst>
@@ -11899,6 +18428,1450 @@
                                         <p:strVal val="visible"/>
                                       </p:to>
                                     </p:set>
+                                    <p:anim calcmode="lin" valueType="num">
+                                      <p:cBhvr>
+                                        <p:cTn id="19" dur="500" fill="hold"/>
+                                        <p:tgtEl>
+                                          <p:spTgt spid="6">
+                                            <p:graphicEl>
+                                              <a:dgm id="{F330022E-AEF2-4F3F-987D-D67ADFE6F099}"/>
+                                            </p:graphicEl>
+                                          </p:spTgt>
+                                        </p:tgtEl>
+                                        <p:attrNameLst>
+                                          <p:attrName>ppt_w</p:attrName>
+                                        </p:attrNameLst>
+                                      </p:cBhvr>
+                                      <p:tavLst>
+                                        <p:tav tm="0">
+                                          <p:val>
+                                            <p:fltVal val="0"/>
+                                          </p:val>
+                                        </p:tav>
+                                        <p:tav tm="100000">
+                                          <p:val>
+                                            <p:strVal val="#ppt_w"/>
+                                          </p:val>
+                                        </p:tav>
+                                      </p:tavLst>
+                                    </p:anim>
+                                    <p:anim calcmode="lin" valueType="num">
+                                      <p:cBhvr>
+                                        <p:cTn id="20" dur="500" fill="hold"/>
+                                        <p:tgtEl>
+                                          <p:spTgt spid="6">
+                                            <p:graphicEl>
+                                              <a:dgm id="{F330022E-AEF2-4F3F-987D-D67ADFE6F099}"/>
+                                            </p:graphicEl>
+                                          </p:spTgt>
+                                        </p:tgtEl>
+                                        <p:attrNameLst>
+                                          <p:attrName>ppt_h</p:attrName>
+                                        </p:attrNameLst>
+                                      </p:cBhvr>
+                                      <p:tavLst>
+                                        <p:tav tm="0">
+                                          <p:val>
+                                            <p:fltVal val="0"/>
+                                          </p:val>
+                                        </p:tav>
+                                        <p:tav tm="100000">
+                                          <p:val>
+                                            <p:strVal val="#ppt_h"/>
+                                          </p:val>
+                                        </p:tav>
+                                      </p:tavLst>
+                                    </p:anim>
+                                    <p:animEffect transition="in" filter="fade">
+                                      <p:cBhvr>
+                                        <p:cTn id="21" dur="500"/>
+                                        <p:tgtEl>
+                                          <p:spTgt spid="6">
+                                            <p:graphicEl>
+                                              <a:dgm id="{F330022E-AEF2-4F3F-987D-D67ADFE6F099}"/>
+                                            </p:graphicEl>
+                                          </p:spTgt>
+                                        </p:tgtEl>
+                                      </p:cBhvr>
+                                    </p:animEffect>
+                                  </p:childTnLst>
+                                </p:cTn>
+                              </p:par>
+                            </p:childTnLst>
+                          </p:cTn>
+                        </p:par>
+                        <p:par>
+                          <p:cTn id="22" fill="hold">
+                            <p:stCondLst>
+                              <p:cond delay="3000"/>
+                            </p:stCondLst>
+                            <p:childTnLst>
+                              <p:par>
+                                <p:cTn id="23" presetID="53" presetClass="entr" presetSubtype="16" fill="hold" grpId="0" nodeType="afterEffect">
+                                  <p:stCondLst>
+                                    <p:cond delay="500"/>
+                                  </p:stCondLst>
+                                  <p:childTnLst>
+                                    <p:set>
+                                      <p:cBhvr>
+                                        <p:cTn id="24" dur="1" fill="hold">
+                                          <p:stCondLst>
+                                            <p:cond delay="0"/>
+                                          </p:stCondLst>
+                                        </p:cTn>
+                                        <p:tgtEl>
+                                          <p:spTgt spid="6">
+                                            <p:graphicEl>
+                                              <a:dgm id="{6D247183-54AA-470A-818E-1A1184FF6399}"/>
+                                            </p:graphicEl>
+                                          </p:spTgt>
+                                        </p:tgtEl>
+                                        <p:attrNameLst>
+                                          <p:attrName>style.visibility</p:attrName>
+                                        </p:attrNameLst>
+                                      </p:cBhvr>
+                                      <p:to>
+                                        <p:strVal val="visible"/>
+                                      </p:to>
+                                    </p:set>
+                                    <p:anim calcmode="lin" valueType="num">
+                                      <p:cBhvr>
+                                        <p:cTn id="25" dur="500" fill="hold"/>
+                                        <p:tgtEl>
+                                          <p:spTgt spid="6">
+                                            <p:graphicEl>
+                                              <a:dgm id="{6D247183-54AA-470A-818E-1A1184FF6399}"/>
+                                            </p:graphicEl>
+                                          </p:spTgt>
+                                        </p:tgtEl>
+                                        <p:attrNameLst>
+                                          <p:attrName>ppt_w</p:attrName>
+                                        </p:attrNameLst>
+                                      </p:cBhvr>
+                                      <p:tavLst>
+                                        <p:tav tm="0">
+                                          <p:val>
+                                            <p:fltVal val="0"/>
+                                          </p:val>
+                                        </p:tav>
+                                        <p:tav tm="100000">
+                                          <p:val>
+                                            <p:strVal val="#ppt_w"/>
+                                          </p:val>
+                                        </p:tav>
+                                      </p:tavLst>
+                                    </p:anim>
+                                    <p:anim calcmode="lin" valueType="num">
+                                      <p:cBhvr>
+                                        <p:cTn id="26" dur="500" fill="hold"/>
+                                        <p:tgtEl>
+                                          <p:spTgt spid="6">
+                                            <p:graphicEl>
+                                              <a:dgm id="{6D247183-54AA-470A-818E-1A1184FF6399}"/>
+                                            </p:graphicEl>
+                                          </p:spTgt>
+                                        </p:tgtEl>
+                                        <p:attrNameLst>
+                                          <p:attrName>ppt_h</p:attrName>
+                                        </p:attrNameLst>
+                                      </p:cBhvr>
+                                      <p:tavLst>
+                                        <p:tav tm="0">
+                                          <p:val>
+                                            <p:fltVal val="0"/>
+                                          </p:val>
+                                        </p:tav>
+                                        <p:tav tm="100000">
+                                          <p:val>
+                                            <p:strVal val="#ppt_h"/>
+                                          </p:val>
+                                        </p:tav>
+                                      </p:tavLst>
+                                    </p:anim>
+                                    <p:animEffect transition="in" filter="fade">
+                                      <p:cBhvr>
+                                        <p:cTn id="27" dur="500"/>
+                                        <p:tgtEl>
+                                          <p:spTgt spid="6">
+                                            <p:graphicEl>
+                                              <a:dgm id="{6D247183-54AA-470A-818E-1A1184FF6399}"/>
+                                            </p:graphicEl>
+                                          </p:spTgt>
+                                        </p:tgtEl>
+                                      </p:cBhvr>
+                                    </p:animEffect>
+                                  </p:childTnLst>
+                                </p:cTn>
+                              </p:par>
+                            </p:childTnLst>
+                          </p:cTn>
+                        </p:par>
+                        <p:par>
+                          <p:cTn id="28" fill="hold">
+                            <p:stCondLst>
+                              <p:cond delay="4000"/>
+                            </p:stCondLst>
+                            <p:childTnLst>
+                              <p:par>
+                                <p:cTn id="29" presetID="53" presetClass="entr" presetSubtype="16" fill="hold" grpId="0" nodeType="afterEffect">
+                                  <p:stCondLst>
+                                    <p:cond delay="500"/>
+                                  </p:stCondLst>
+                                  <p:childTnLst>
+                                    <p:set>
+                                      <p:cBhvr>
+                                        <p:cTn id="30" dur="1" fill="hold">
+                                          <p:stCondLst>
+                                            <p:cond delay="0"/>
+                                          </p:stCondLst>
+                                        </p:cTn>
+                                        <p:tgtEl>
+                                          <p:spTgt spid="6">
+                                            <p:graphicEl>
+                                              <a:dgm id="{6A53CF5B-9893-4B1C-B44C-E79FBB2092FC}"/>
+                                            </p:graphicEl>
+                                          </p:spTgt>
+                                        </p:tgtEl>
+                                        <p:attrNameLst>
+                                          <p:attrName>style.visibility</p:attrName>
+                                        </p:attrNameLst>
+                                      </p:cBhvr>
+                                      <p:to>
+                                        <p:strVal val="visible"/>
+                                      </p:to>
+                                    </p:set>
+                                    <p:anim calcmode="lin" valueType="num">
+                                      <p:cBhvr>
+                                        <p:cTn id="31" dur="500" fill="hold"/>
+                                        <p:tgtEl>
+                                          <p:spTgt spid="6">
+                                            <p:graphicEl>
+                                              <a:dgm id="{6A53CF5B-9893-4B1C-B44C-E79FBB2092FC}"/>
+                                            </p:graphicEl>
+                                          </p:spTgt>
+                                        </p:tgtEl>
+                                        <p:attrNameLst>
+                                          <p:attrName>ppt_w</p:attrName>
+                                        </p:attrNameLst>
+                                      </p:cBhvr>
+                                      <p:tavLst>
+                                        <p:tav tm="0">
+                                          <p:val>
+                                            <p:fltVal val="0"/>
+                                          </p:val>
+                                        </p:tav>
+                                        <p:tav tm="100000">
+                                          <p:val>
+                                            <p:strVal val="#ppt_w"/>
+                                          </p:val>
+                                        </p:tav>
+                                      </p:tavLst>
+                                    </p:anim>
+                                    <p:anim calcmode="lin" valueType="num">
+                                      <p:cBhvr>
+                                        <p:cTn id="32" dur="500" fill="hold"/>
+                                        <p:tgtEl>
+                                          <p:spTgt spid="6">
+                                            <p:graphicEl>
+                                              <a:dgm id="{6A53CF5B-9893-4B1C-B44C-E79FBB2092FC}"/>
+                                            </p:graphicEl>
+                                          </p:spTgt>
+                                        </p:tgtEl>
+                                        <p:attrNameLst>
+                                          <p:attrName>ppt_h</p:attrName>
+                                        </p:attrNameLst>
+                                      </p:cBhvr>
+                                      <p:tavLst>
+                                        <p:tav tm="0">
+                                          <p:val>
+                                            <p:fltVal val="0"/>
+                                          </p:val>
+                                        </p:tav>
+                                        <p:tav tm="100000">
+                                          <p:val>
+                                            <p:strVal val="#ppt_h"/>
+                                          </p:val>
+                                        </p:tav>
+                                      </p:tavLst>
+                                    </p:anim>
+                                    <p:animEffect transition="in" filter="fade">
+                                      <p:cBhvr>
+                                        <p:cTn id="33" dur="500"/>
+                                        <p:tgtEl>
+                                          <p:spTgt spid="6">
+                                            <p:graphicEl>
+                                              <a:dgm id="{6A53CF5B-9893-4B1C-B44C-E79FBB2092FC}"/>
+                                            </p:graphicEl>
+                                          </p:spTgt>
+                                        </p:tgtEl>
+                                      </p:cBhvr>
+                                    </p:animEffect>
+                                  </p:childTnLst>
+                                </p:cTn>
+                              </p:par>
+                            </p:childTnLst>
+                          </p:cTn>
+                        </p:par>
+                        <p:par>
+                          <p:cTn id="34" fill="hold">
+                            <p:stCondLst>
+                              <p:cond delay="5000"/>
+                            </p:stCondLst>
+                            <p:childTnLst>
+                              <p:par>
+                                <p:cTn id="35" presetID="53" presetClass="entr" presetSubtype="16" fill="hold" grpId="0" nodeType="afterEffect">
+                                  <p:stCondLst>
+                                    <p:cond delay="500"/>
+                                  </p:stCondLst>
+                                  <p:childTnLst>
+                                    <p:set>
+                                      <p:cBhvr>
+                                        <p:cTn id="36" dur="1" fill="hold">
+                                          <p:stCondLst>
+                                            <p:cond delay="0"/>
+                                          </p:stCondLst>
+                                        </p:cTn>
+                                        <p:tgtEl>
+                                          <p:spTgt spid="6">
+                                            <p:graphicEl>
+                                              <a:dgm id="{2C53E5C2-566A-461A-9257-EDC0680E4DFF}"/>
+                                            </p:graphicEl>
+                                          </p:spTgt>
+                                        </p:tgtEl>
+                                        <p:attrNameLst>
+                                          <p:attrName>style.visibility</p:attrName>
+                                        </p:attrNameLst>
+                                      </p:cBhvr>
+                                      <p:to>
+                                        <p:strVal val="visible"/>
+                                      </p:to>
+                                    </p:set>
+                                    <p:anim calcmode="lin" valueType="num">
+                                      <p:cBhvr>
+                                        <p:cTn id="37" dur="500" fill="hold"/>
+                                        <p:tgtEl>
+                                          <p:spTgt spid="6">
+                                            <p:graphicEl>
+                                              <a:dgm id="{2C53E5C2-566A-461A-9257-EDC0680E4DFF}"/>
+                                            </p:graphicEl>
+                                          </p:spTgt>
+                                        </p:tgtEl>
+                                        <p:attrNameLst>
+                                          <p:attrName>ppt_w</p:attrName>
+                                        </p:attrNameLst>
+                                      </p:cBhvr>
+                                      <p:tavLst>
+                                        <p:tav tm="0">
+                                          <p:val>
+                                            <p:fltVal val="0"/>
+                                          </p:val>
+                                        </p:tav>
+                                        <p:tav tm="100000">
+                                          <p:val>
+                                            <p:strVal val="#ppt_w"/>
+                                          </p:val>
+                                        </p:tav>
+                                      </p:tavLst>
+                                    </p:anim>
+                                    <p:anim calcmode="lin" valueType="num">
+                                      <p:cBhvr>
+                                        <p:cTn id="38" dur="500" fill="hold"/>
+                                        <p:tgtEl>
+                                          <p:spTgt spid="6">
+                                            <p:graphicEl>
+                                              <a:dgm id="{2C53E5C2-566A-461A-9257-EDC0680E4DFF}"/>
+                                            </p:graphicEl>
+                                          </p:spTgt>
+                                        </p:tgtEl>
+                                        <p:attrNameLst>
+                                          <p:attrName>ppt_h</p:attrName>
+                                        </p:attrNameLst>
+                                      </p:cBhvr>
+                                      <p:tavLst>
+                                        <p:tav tm="0">
+                                          <p:val>
+                                            <p:fltVal val="0"/>
+                                          </p:val>
+                                        </p:tav>
+                                        <p:tav tm="100000">
+                                          <p:val>
+                                            <p:strVal val="#ppt_h"/>
+                                          </p:val>
+                                        </p:tav>
+                                      </p:tavLst>
+                                    </p:anim>
+                                    <p:animEffect transition="in" filter="fade">
+                                      <p:cBhvr>
+                                        <p:cTn id="39" dur="500"/>
+                                        <p:tgtEl>
+                                          <p:spTgt spid="6">
+                                            <p:graphicEl>
+                                              <a:dgm id="{2C53E5C2-566A-461A-9257-EDC0680E4DFF}"/>
+                                            </p:graphicEl>
+                                          </p:spTgt>
+                                        </p:tgtEl>
+                                      </p:cBhvr>
+                                    </p:animEffect>
+                                  </p:childTnLst>
+                                </p:cTn>
+                              </p:par>
+                            </p:childTnLst>
+                          </p:cTn>
+                        </p:par>
+                        <p:par>
+                          <p:cTn id="40" fill="hold">
+                            <p:stCondLst>
+                              <p:cond delay="6000"/>
+                            </p:stCondLst>
+                            <p:childTnLst>
+                              <p:par>
+                                <p:cTn id="41" presetID="53" presetClass="entr" presetSubtype="16" fill="hold" grpId="0" nodeType="afterEffect">
+                                  <p:stCondLst>
+                                    <p:cond delay="500"/>
+                                  </p:stCondLst>
+                                  <p:childTnLst>
+                                    <p:set>
+                                      <p:cBhvr>
+                                        <p:cTn id="42" dur="1" fill="hold">
+                                          <p:stCondLst>
+                                            <p:cond delay="0"/>
+                                          </p:stCondLst>
+                                        </p:cTn>
+                                        <p:tgtEl>
+                                          <p:spTgt spid="6">
+                                            <p:graphicEl>
+                                              <a:dgm id="{74DEC44E-F9F0-4333-A04E-3F9D13DDA045}"/>
+                                            </p:graphicEl>
+                                          </p:spTgt>
+                                        </p:tgtEl>
+                                        <p:attrNameLst>
+                                          <p:attrName>style.visibility</p:attrName>
+                                        </p:attrNameLst>
+                                      </p:cBhvr>
+                                      <p:to>
+                                        <p:strVal val="visible"/>
+                                      </p:to>
+                                    </p:set>
+                                    <p:anim calcmode="lin" valueType="num">
+                                      <p:cBhvr>
+                                        <p:cTn id="43" dur="500" fill="hold"/>
+                                        <p:tgtEl>
+                                          <p:spTgt spid="6">
+                                            <p:graphicEl>
+                                              <a:dgm id="{74DEC44E-F9F0-4333-A04E-3F9D13DDA045}"/>
+                                            </p:graphicEl>
+                                          </p:spTgt>
+                                        </p:tgtEl>
+                                        <p:attrNameLst>
+                                          <p:attrName>ppt_w</p:attrName>
+                                        </p:attrNameLst>
+                                      </p:cBhvr>
+                                      <p:tavLst>
+                                        <p:tav tm="0">
+                                          <p:val>
+                                            <p:fltVal val="0"/>
+                                          </p:val>
+                                        </p:tav>
+                                        <p:tav tm="100000">
+                                          <p:val>
+                                            <p:strVal val="#ppt_w"/>
+                                          </p:val>
+                                        </p:tav>
+                                      </p:tavLst>
+                                    </p:anim>
+                                    <p:anim calcmode="lin" valueType="num">
+                                      <p:cBhvr>
+                                        <p:cTn id="44" dur="500" fill="hold"/>
+                                        <p:tgtEl>
+                                          <p:spTgt spid="6">
+                                            <p:graphicEl>
+                                              <a:dgm id="{74DEC44E-F9F0-4333-A04E-3F9D13DDA045}"/>
+                                            </p:graphicEl>
+                                          </p:spTgt>
+                                        </p:tgtEl>
+                                        <p:attrNameLst>
+                                          <p:attrName>ppt_h</p:attrName>
+                                        </p:attrNameLst>
+                                      </p:cBhvr>
+                                      <p:tavLst>
+                                        <p:tav tm="0">
+                                          <p:val>
+                                            <p:fltVal val="0"/>
+                                          </p:val>
+                                        </p:tav>
+                                        <p:tav tm="100000">
+                                          <p:val>
+                                            <p:strVal val="#ppt_h"/>
+                                          </p:val>
+                                        </p:tav>
+                                      </p:tavLst>
+                                    </p:anim>
+                                    <p:animEffect transition="in" filter="fade">
+                                      <p:cBhvr>
+                                        <p:cTn id="45" dur="500"/>
+                                        <p:tgtEl>
+                                          <p:spTgt spid="6">
+                                            <p:graphicEl>
+                                              <a:dgm id="{74DEC44E-F9F0-4333-A04E-3F9D13DDA045}"/>
+                                            </p:graphicEl>
+                                          </p:spTgt>
+                                        </p:tgtEl>
+                                      </p:cBhvr>
+                                    </p:animEffect>
+                                  </p:childTnLst>
+                                </p:cTn>
+                              </p:par>
+                            </p:childTnLst>
+                          </p:cTn>
+                        </p:par>
+                        <p:par>
+                          <p:cTn id="46" fill="hold">
+                            <p:stCondLst>
+                              <p:cond delay="7000"/>
+                            </p:stCondLst>
+                            <p:childTnLst>
+                              <p:par>
+                                <p:cTn id="47" presetID="53" presetClass="entr" presetSubtype="16" fill="hold" grpId="0" nodeType="afterEffect">
+                                  <p:stCondLst>
+                                    <p:cond delay="500"/>
+                                  </p:stCondLst>
+                                  <p:childTnLst>
+                                    <p:set>
+                                      <p:cBhvr>
+                                        <p:cTn id="48" dur="1" fill="hold">
+                                          <p:stCondLst>
+                                            <p:cond delay="0"/>
+                                          </p:stCondLst>
+                                        </p:cTn>
+                                        <p:tgtEl>
+                                          <p:spTgt spid="6">
+                                            <p:graphicEl>
+                                              <a:dgm id="{C31FE0EB-84D7-4A83-B6CE-DC7E615AAA5D}"/>
+                                            </p:graphicEl>
+                                          </p:spTgt>
+                                        </p:tgtEl>
+                                        <p:attrNameLst>
+                                          <p:attrName>style.visibility</p:attrName>
+                                        </p:attrNameLst>
+                                      </p:cBhvr>
+                                      <p:to>
+                                        <p:strVal val="visible"/>
+                                      </p:to>
+                                    </p:set>
+                                    <p:anim calcmode="lin" valueType="num">
+                                      <p:cBhvr>
+                                        <p:cTn id="49" dur="500" fill="hold"/>
+                                        <p:tgtEl>
+                                          <p:spTgt spid="6">
+                                            <p:graphicEl>
+                                              <a:dgm id="{C31FE0EB-84D7-4A83-B6CE-DC7E615AAA5D}"/>
+                                            </p:graphicEl>
+                                          </p:spTgt>
+                                        </p:tgtEl>
+                                        <p:attrNameLst>
+                                          <p:attrName>ppt_w</p:attrName>
+                                        </p:attrNameLst>
+                                      </p:cBhvr>
+                                      <p:tavLst>
+                                        <p:tav tm="0">
+                                          <p:val>
+                                            <p:fltVal val="0"/>
+                                          </p:val>
+                                        </p:tav>
+                                        <p:tav tm="100000">
+                                          <p:val>
+                                            <p:strVal val="#ppt_w"/>
+                                          </p:val>
+                                        </p:tav>
+                                      </p:tavLst>
+                                    </p:anim>
+                                    <p:anim calcmode="lin" valueType="num">
+                                      <p:cBhvr>
+                                        <p:cTn id="50" dur="500" fill="hold"/>
+                                        <p:tgtEl>
+                                          <p:spTgt spid="6">
+                                            <p:graphicEl>
+                                              <a:dgm id="{C31FE0EB-84D7-4A83-B6CE-DC7E615AAA5D}"/>
+                                            </p:graphicEl>
+                                          </p:spTgt>
+                                        </p:tgtEl>
+                                        <p:attrNameLst>
+                                          <p:attrName>ppt_h</p:attrName>
+                                        </p:attrNameLst>
+                                      </p:cBhvr>
+                                      <p:tavLst>
+                                        <p:tav tm="0">
+                                          <p:val>
+                                            <p:fltVal val="0"/>
+                                          </p:val>
+                                        </p:tav>
+                                        <p:tav tm="100000">
+                                          <p:val>
+                                            <p:strVal val="#ppt_h"/>
+                                          </p:val>
+                                        </p:tav>
+                                      </p:tavLst>
+                                    </p:anim>
+                                    <p:animEffect transition="in" filter="fade">
+                                      <p:cBhvr>
+                                        <p:cTn id="51" dur="500"/>
+                                        <p:tgtEl>
+                                          <p:spTgt spid="6">
+                                            <p:graphicEl>
+                                              <a:dgm id="{C31FE0EB-84D7-4A83-B6CE-DC7E615AAA5D}"/>
+                                            </p:graphicEl>
+                                          </p:spTgt>
+                                        </p:tgtEl>
+                                      </p:cBhvr>
+                                    </p:animEffect>
+                                  </p:childTnLst>
+                                </p:cTn>
+                              </p:par>
+                            </p:childTnLst>
+                          </p:cTn>
+                        </p:par>
+                        <p:par>
+                          <p:cTn id="52" fill="hold">
+                            <p:stCondLst>
+                              <p:cond delay="8000"/>
+                            </p:stCondLst>
+                            <p:childTnLst>
+                              <p:par>
+                                <p:cTn id="53" presetID="53" presetClass="entr" presetSubtype="16" fill="hold" grpId="0" nodeType="afterEffect">
+                                  <p:stCondLst>
+                                    <p:cond delay="500"/>
+                                  </p:stCondLst>
+                                  <p:childTnLst>
+                                    <p:set>
+                                      <p:cBhvr>
+                                        <p:cTn id="54" dur="1" fill="hold">
+                                          <p:stCondLst>
+                                            <p:cond delay="0"/>
+                                          </p:stCondLst>
+                                        </p:cTn>
+                                        <p:tgtEl>
+                                          <p:spTgt spid="6">
+                                            <p:graphicEl>
+                                              <a:dgm id="{50649DEC-791A-4FF7-9B18-579EC07E270C}"/>
+                                            </p:graphicEl>
+                                          </p:spTgt>
+                                        </p:tgtEl>
+                                        <p:attrNameLst>
+                                          <p:attrName>style.visibility</p:attrName>
+                                        </p:attrNameLst>
+                                      </p:cBhvr>
+                                      <p:to>
+                                        <p:strVal val="visible"/>
+                                      </p:to>
+                                    </p:set>
+                                    <p:anim calcmode="lin" valueType="num">
+                                      <p:cBhvr>
+                                        <p:cTn id="55" dur="500" fill="hold"/>
+                                        <p:tgtEl>
+                                          <p:spTgt spid="6">
+                                            <p:graphicEl>
+                                              <a:dgm id="{50649DEC-791A-4FF7-9B18-579EC07E270C}"/>
+                                            </p:graphicEl>
+                                          </p:spTgt>
+                                        </p:tgtEl>
+                                        <p:attrNameLst>
+                                          <p:attrName>ppt_w</p:attrName>
+                                        </p:attrNameLst>
+                                      </p:cBhvr>
+                                      <p:tavLst>
+                                        <p:tav tm="0">
+                                          <p:val>
+                                            <p:fltVal val="0"/>
+                                          </p:val>
+                                        </p:tav>
+                                        <p:tav tm="100000">
+                                          <p:val>
+                                            <p:strVal val="#ppt_w"/>
+                                          </p:val>
+                                        </p:tav>
+                                      </p:tavLst>
+                                    </p:anim>
+                                    <p:anim calcmode="lin" valueType="num">
+                                      <p:cBhvr>
+                                        <p:cTn id="56" dur="500" fill="hold"/>
+                                        <p:tgtEl>
+                                          <p:spTgt spid="6">
+                                            <p:graphicEl>
+                                              <a:dgm id="{50649DEC-791A-4FF7-9B18-579EC07E270C}"/>
+                                            </p:graphicEl>
+                                          </p:spTgt>
+                                        </p:tgtEl>
+                                        <p:attrNameLst>
+                                          <p:attrName>ppt_h</p:attrName>
+                                        </p:attrNameLst>
+                                      </p:cBhvr>
+                                      <p:tavLst>
+                                        <p:tav tm="0">
+                                          <p:val>
+                                            <p:fltVal val="0"/>
+                                          </p:val>
+                                        </p:tav>
+                                        <p:tav tm="100000">
+                                          <p:val>
+                                            <p:strVal val="#ppt_h"/>
+                                          </p:val>
+                                        </p:tav>
+                                      </p:tavLst>
+                                    </p:anim>
+                                    <p:animEffect transition="in" filter="fade">
+                                      <p:cBhvr>
+                                        <p:cTn id="57" dur="500"/>
+                                        <p:tgtEl>
+                                          <p:spTgt spid="6">
+                                            <p:graphicEl>
+                                              <a:dgm id="{50649DEC-791A-4FF7-9B18-579EC07E270C}"/>
+                                            </p:graphicEl>
+                                          </p:spTgt>
+                                        </p:tgtEl>
+                                      </p:cBhvr>
+                                    </p:animEffect>
+                                  </p:childTnLst>
+                                </p:cTn>
+                              </p:par>
+                            </p:childTnLst>
+                          </p:cTn>
+                        </p:par>
+                        <p:par>
+                          <p:cTn id="58" fill="hold">
+                            <p:stCondLst>
+                              <p:cond delay="9000"/>
+                            </p:stCondLst>
+                            <p:childTnLst>
+                              <p:par>
+                                <p:cTn id="59" presetID="53" presetClass="entr" presetSubtype="16" fill="hold" grpId="0" nodeType="afterEffect">
+                                  <p:stCondLst>
+                                    <p:cond delay="500"/>
+                                  </p:stCondLst>
+                                  <p:childTnLst>
+                                    <p:set>
+                                      <p:cBhvr>
+                                        <p:cTn id="60" dur="1" fill="hold">
+                                          <p:stCondLst>
+                                            <p:cond delay="0"/>
+                                          </p:stCondLst>
+                                        </p:cTn>
+                                        <p:tgtEl>
+                                          <p:spTgt spid="6">
+                                            <p:graphicEl>
+                                              <a:dgm id="{9F8A8351-82EF-4AE4-82D6-56EA0A0B511F}"/>
+                                            </p:graphicEl>
+                                          </p:spTgt>
+                                        </p:tgtEl>
+                                        <p:attrNameLst>
+                                          <p:attrName>style.visibility</p:attrName>
+                                        </p:attrNameLst>
+                                      </p:cBhvr>
+                                      <p:to>
+                                        <p:strVal val="visible"/>
+                                      </p:to>
+                                    </p:set>
+                                    <p:anim calcmode="lin" valueType="num">
+                                      <p:cBhvr>
+                                        <p:cTn id="61" dur="500" fill="hold"/>
+                                        <p:tgtEl>
+                                          <p:spTgt spid="6">
+                                            <p:graphicEl>
+                                              <a:dgm id="{9F8A8351-82EF-4AE4-82D6-56EA0A0B511F}"/>
+                                            </p:graphicEl>
+                                          </p:spTgt>
+                                        </p:tgtEl>
+                                        <p:attrNameLst>
+                                          <p:attrName>ppt_w</p:attrName>
+                                        </p:attrNameLst>
+                                      </p:cBhvr>
+                                      <p:tavLst>
+                                        <p:tav tm="0">
+                                          <p:val>
+                                            <p:fltVal val="0"/>
+                                          </p:val>
+                                        </p:tav>
+                                        <p:tav tm="100000">
+                                          <p:val>
+                                            <p:strVal val="#ppt_w"/>
+                                          </p:val>
+                                        </p:tav>
+                                      </p:tavLst>
+                                    </p:anim>
+                                    <p:anim calcmode="lin" valueType="num">
+                                      <p:cBhvr>
+                                        <p:cTn id="62" dur="500" fill="hold"/>
+                                        <p:tgtEl>
+                                          <p:spTgt spid="6">
+                                            <p:graphicEl>
+                                              <a:dgm id="{9F8A8351-82EF-4AE4-82D6-56EA0A0B511F}"/>
+                                            </p:graphicEl>
+                                          </p:spTgt>
+                                        </p:tgtEl>
+                                        <p:attrNameLst>
+                                          <p:attrName>ppt_h</p:attrName>
+                                        </p:attrNameLst>
+                                      </p:cBhvr>
+                                      <p:tavLst>
+                                        <p:tav tm="0">
+                                          <p:val>
+                                            <p:fltVal val="0"/>
+                                          </p:val>
+                                        </p:tav>
+                                        <p:tav tm="100000">
+                                          <p:val>
+                                            <p:strVal val="#ppt_h"/>
+                                          </p:val>
+                                        </p:tav>
+                                      </p:tavLst>
+                                    </p:anim>
+                                    <p:animEffect transition="in" filter="fade">
+                                      <p:cBhvr>
+                                        <p:cTn id="63" dur="500"/>
+                                        <p:tgtEl>
+                                          <p:spTgt spid="6">
+                                            <p:graphicEl>
+                                              <a:dgm id="{9F8A8351-82EF-4AE4-82D6-56EA0A0B511F}"/>
+                                            </p:graphicEl>
+                                          </p:spTgt>
+                                        </p:tgtEl>
+                                      </p:cBhvr>
+                                    </p:animEffect>
+                                  </p:childTnLst>
+                                </p:cTn>
+                              </p:par>
+                            </p:childTnLst>
+                          </p:cTn>
+                        </p:par>
+                        <p:par>
+                          <p:cTn id="64" fill="hold">
+                            <p:stCondLst>
+                              <p:cond delay="10000"/>
+                            </p:stCondLst>
+                            <p:childTnLst>
+                              <p:par>
+                                <p:cTn id="65" presetID="53" presetClass="entr" presetSubtype="16" fill="hold" grpId="0" nodeType="afterEffect">
+                                  <p:stCondLst>
+                                    <p:cond delay="500"/>
+                                  </p:stCondLst>
+                                  <p:childTnLst>
+                                    <p:set>
+                                      <p:cBhvr>
+                                        <p:cTn id="66" dur="1" fill="hold">
+                                          <p:stCondLst>
+                                            <p:cond delay="0"/>
+                                          </p:stCondLst>
+                                        </p:cTn>
+                                        <p:tgtEl>
+                                          <p:spTgt spid="6">
+                                            <p:graphicEl>
+                                              <a:dgm id="{86017A4D-0547-4BD9-8D95-8425BFFB89D0}"/>
+                                            </p:graphicEl>
+                                          </p:spTgt>
+                                        </p:tgtEl>
+                                        <p:attrNameLst>
+                                          <p:attrName>style.visibility</p:attrName>
+                                        </p:attrNameLst>
+                                      </p:cBhvr>
+                                      <p:to>
+                                        <p:strVal val="visible"/>
+                                      </p:to>
+                                    </p:set>
+                                    <p:anim calcmode="lin" valueType="num">
+                                      <p:cBhvr>
+                                        <p:cTn id="67" dur="500" fill="hold"/>
+                                        <p:tgtEl>
+                                          <p:spTgt spid="6">
+                                            <p:graphicEl>
+                                              <a:dgm id="{86017A4D-0547-4BD9-8D95-8425BFFB89D0}"/>
+                                            </p:graphicEl>
+                                          </p:spTgt>
+                                        </p:tgtEl>
+                                        <p:attrNameLst>
+                                          <p:attrName>ppt_w</p:attrName>
+                                        </p:attrNameLst>
+                                      </p:cBhvr>
+                                      <p:tavLst>
+                                        <p:tav tm="0">
+                                          <p:val>
+                                            <p:fltVal val="0"/>
+                                          </p:val>
+                                        </p:tav>
+                                        <p:tav tm="100000">
+                                          <p:val>
+                                            <p:strVal val="#ppt_w"/>
+                                          </p:val>
+                                        </p:tav>
+                                      </p:tavLst>
+                                    </p:anim>
+                                    <p:anim calcmode="lin" valueType="num">
+                                      <p:cBhvr>
+                                        <p:cTn id="68" dur="500" fill="hold"/>
+                                        <p:tgtEl>
+                                          <p:spTgt spid="6">
+                                            <p:graphicEl>
+                                              <a:dgm id="{86017A4D-0547-4BD9-8D95-8425BFFB89D0}"/>
+                                            </p:graphicEl>
+                                          </p:spTgt>
+                                        </p:tgtEl>
+                                        <p:attrNameLst>
+                                          <p:attrName>ppt_h</p:attrName>
+                                        </p:attrNameLst>
+                                      </p:cBhvr>
+                                      <p:tavLst>
+                                        <p:tav tm="0">
+                                          <p:val>
+                                            <p:fltVal val="0"/>
+                                          </p:val>
+                                        </p:tav>
+                                        <p:tav tm="100000">
+                                          <p:val>
+                                            <p:strVal val="#ppt_h"/>
+                                          </p:val>
+                                        </p:tav>
+                                      </p:tavLst>
+                                    </p:anim>
+                                    <p:animEffect transition="in" filter="fade">
+                                      <p:cBhvr>
+                                        <p:cTn id="69" dur="500"/>
+                                        <p:tgtEl>
+                                          <p:spTgt spid="6">
+                                            <p:graphicEl>
+                                              <a:dgm id="{86017A4D-0547-4BD9-8D95-8425BFFB89D0}"/>
+                                            </p:graphicEl>
+                                          </p:spTgt>
+                                        </p:tgtEl>
+                                      </p:cBhvr>
+                                    </p:animEffect>
+                                  </p:childTnLst>
+                                </p:cTn>
+                              </p:par>
+                            </p:childTnLst>
+                          </p:cTn>
+                        </p:par>
+                        <p:par>
+                          <p:cTn id="70" fill="hold">
+                            <p:stCondLst>
+                              <p:cond delay="11000"/>
+                            </p:stCondLst>
+                            <p:childTnLst>
+                              <p:par>
+                                <p:cTn id="71" presetID="53" presetClass="entr" presetSubtype="16" fill="hold" grpId="0" nodeType="afterEffect">
+                                  <p:stCondLst>
+                                    <p:cond delay="500"/>
+                                  </p:stCondLst>
+                                  <p:childTnLst>
+                                    <p:set>
+                                      <p:cBhvr>
+                                        <p:cTn id="72" dur="1" fill="hold">
+                                          <p:stCondLst>
+                                            <p:cond delay="0"/>
+                                          </p:stCondLst>
+                                        </p:cTn>
+                                        <p:tgtEl>
+                                          <p:spTgt spid="6">
+                                            <p:graphicEl>
+                                              <a:dgm id="{138AFA0B-F911-438F-9D6E-4483510E0887}"/>
+                                            </p:graphicEl>
+                                          </p:spTgt>
+                                        </p:tgtEl>
+                                        <p:attrNameLst>
+                                          <p:attrName>style.visibility</p:attrName>
+                                        </p:attrNameLst>
+                                      </p:cBhvr>
+                                      <p:to>
+                                        <p:strVal val="visible"/>
+                                      </p:to>
+                                    </p:set>
+                                    <p:anim calcmode="lin" valueType="num">
+                                      <p:cBhvr>
+                                        <p:cTn id="73" dur="500" fill="hold"/>
+                                        <p:tgtEl>
+                                          <p:spTgt spid="6">
+                                            <p:graphicEl>
+                                              <a:dgm id="{138AFA0B-F911-438F-9D6E-4483510E0887}"/>
+                                            </p:graphicEl>
+                                          </p:spTgt>
+                                        </p:tgtEl>
+                                        <p:attrNameLst>
+                                          <p:attrName>ppt_w</p:attrName>
+                                        </p:attrNameLst>
+                                      </p:cBhvr>
+                                      <p:tavLst>
+                                        <p:tav tm="0">
+                                          <p:val>
+                                            <p:fltVal val="0"/>
+                                          </p:val>
+                                        </p:tav>
+                                        <p:tav tm="100000">
+                                          <p:val>
+                                            <p:strVal val="#ppt_w"/>
+                                          </p:val>
+                                        </p:tav>
+                                      </p:tavLst>
+                                    </p:anim>
+                                    <p:anim calcmode="lin" valueType="num">
+                                      <p:cBhvr>
+                                        <p:cTn id="74" dur="500" fill="hold"/>
+                                        <p:tgtEl>
+                                          <p:spTgt spid="6">
+                                            <p:graphicEl>
+                                              <a:dgm id="{138AFA0B-F911-438F-9D6E-4483510E0887}"/>
+                                            </p:graphicEl>
+                                          </p:spTgt>
+                                        </p:tgtEl>
+                                        <p:attrNameLst>
+                                          <p:attrName>ppt_h</p:attrName>
+                                        </p:attrNameLst>
+                                      </p:cBhvr>
+                                      <p:tavLst>
+                                        <p:tav tm="0">
+                                          <p:val>
+                                            <p:fltVal val="0"/>
+                                          </p:val>
+                                        </p:tav>
+                                        <p:tav tm="100000">
+                                          <p:val>
+                                            <p:strVal val="#ppt_h"/>
+                                          </p:val>
+                                        </p:tav>
+                                      </p:tavLst>
+                                    </p:anim>
+                                    <p:animEffect transition="in" filter="fade">
+                                      <p:cBhvr>
+                                        <p:cTn id="75" dur="500"/>
+                                        <p:tgtEl>
+                                          <p:spTgt spid="6">
+                                            <p:graphicEl>
+                                              <a:dgm id="{138AFA0B-F911-438F-9D6E-4483510E0887}"/>
+                                            </p:graphicEl>
+                                          </p:spTgt>
+                                        </p:tgtEl>
+                                      </p:cBhvr>
+                                    </p:animEffect>
+                                  </p:childTnLst>
+                                </p:cTn>
+                              </p:par>
+                            </p:childTnLst>
+                          </p:cTn>
+                        </p:par>
+                        <p:par>
+                          <p:cTn id="76" fill="hold">
+                            <p:stCondLst>
+                              <p:cond delay="12000"/>
+                            </p:stCondLst>
+                            <p:childTnLst>
+                              <p:par>
+                                <p:cTn id="77" presetID="53" presetClass="entr" presetSubtype="16" fill="hold" grpId="0" nodeType="afterEffect">
+                                  <p:stCondLst>
+                                    <p:cond delay="500"/>
+                                  </p:stCondLst>
+                                  <p:childTnLst>
+                                    <p:set>
+                                      <p:cBhvr>
+                                        <p:cTn id="78" dur="1" fill="hold">
+                                          <p:stCondLst>
+                                            <p:cond delay="0"/>
+                                          </p:stCondLst>
+                                        </p:cTn>
+                                        <p:tgtEl>
+                                          <p:spTgt spid="6">
+                                            <p:graphicEl>
+                                              <a:dgm id="{4EF6EB47-A064-400A-807C-204EE74E3E61}"/>
+                                            </p:graphicEl>
+                                          </p:spTgt>
+                                        </p:tgtEl>
+                                        <p:attrNameLst>
+                                          <p:attrName>style.visibility</p:attrName>
+                                        </p:attrNameLst>
+                                      </p:cBhvr>
+                                      <p:to>
+                                        <p:strVal val="visible"/>
+                                      </p:to>
+                                    </p:set>
+                                    <p:anim calcmode="lin" valueType="num">
+                                      <p:cBhvr>
+                                        <p:cTn id="79" dur="500" fill="hold"/>
+                                        <p:tgtEl>
+                                          <p:spTgt spid="6">
+                                            <p:graphicEl>
+                                              <a:dgm id="{4EF6EB47-A064-400A-807C-204EE74E3E61}"/>
+                                            </p:graphicEl>
+                                          </p:spTgt>
+                                        </p:tgtEl>
+                                        <p:attrNameLst>
+                                          <p:attrName>ppt_w</p:attrName>
+                                        </p:attrNameLst>
+                                      </p:cBhvr>
+                                      <p:tavLst>
+                                        <p:tav tm="0">
+                                          <p:val>
+                                            <p:fltVal val="0"/>
+                                          </p:val>
+                                        </p:tav>
+                                        <p:tav tm="100000">
+                                          <p:val>
+                                            <p:strVal val="#ppt_w"/>
+                                          </p:val>
+                                        </p:tav>
+                                      </p:tavLst>
+                                    </p:anim>
+                                    <p:anim calcmode="lin" valueType="num">
+                                      <p:cBhvr>
+                                        <p:cTn id="80" dur="500" fill="hold"/>
+                                        <p:tgtEl>
+                                          <p:spTgt spid="6">
+                                            <p:graphicEl>
+                                              <a:dgm id="{4EF6EB47-A064-400A-807C-204EE74E3E61}"/>
+                                            </p:graphicEl>
+                                          </p:spTgt>
+                                        </p:tgtEl>
+                                        <p:attrNameLst>
+                                          <p:attrName>ppt_h</p:attrName>
+                                        </p:attrNameLst>
+                                      </p:cBhvr>
+                                      <p:tavLst>
+                                        <p:tav tm="0">
+                                          <p:val>
+                                            <p:fltVal val="0"/>
+                                          </p:val>
+                                        </p:tav>
+                                        <p:tav tm="100000">
+                                          <p:val>
+                                            <p:strVal val="#ppt_h"/>
+                                          </p:val>
+                                        </p:tav>
+                                      </p:tavLst>
+                                    </p:anim>
+                                    <p:animEffect transition="in" filter="fade">
+                                      <p:cBhvr>
+                                        <p:cTn id="81" dur="500"/>
+                                        <p:tgtEl>
+                                          <p:spTgt spid="6">
+                                            <p:graphicEl>
+                                              <a:dgm id="{4EF6EB47-A064-400A-807C-204EE74E3E61}"/>
+                                            </p:graphicEl>
+                                          </p:spTgt>
+                                        </p:tgtEl>
+                                      </p:cBhvr>
+                                    </p:animEffect>
+                                  </p:childTnLst>
+                                </p:cTn>
+                              </p:par>
+                            </p:childTnLst>
+                          </p:cTn>
+                        </p:par>
+                        <p:par>
+                          <p:cTn id="82" fill="hold">
+                            <p:stCondLst>
+                              <p:cond delay="13000"/>
+                            </p:stCondLst>
+                            <p:childTnLst>
+                              <p:par>
+                                <p:cTn id="83" presetID="53" presetClass="entr" presetSubtype="16" fill="hold" grpId="0" nodeType="afterEffect">
+                                  <p:stCondLst>
+                                    <p:cond delay="500"/>
+                                  </p:stCondLst>
+                                  <p:childTnLst>
+                                    <p:set>
+                                      <p:cBhvr>
+                                        <p:cTn id="84" dur="1" fill="hold">
+                                          <p:stCondLst>
+                                            <p:cond delay="0"/>
+                                          </p:stCondLst>
+                                        </p:cTn>
+                                        <p:tgtEl>
+                                          <p:spTgt spid="6">
+                                            <p:graphicEl>
+                                              <a:dgm id="{25EF8A6E-5345-4F34-9AFD-D8E4DF2CC5DA}"/>
+                                            </p:graphicEl>
+                                          </p:spTgt>
+                                        </p:tgtEl>
+                                        <p:attrNameLst>
+                                          <p:attrName>style.visibility</p:attrName>
+                                        </p:attrNameLst>
+                                      </p:cBhvr>
+                                      <p:to>
+                                        <p:strVal val="visible"/>
+                                      </p:to>
+                                    </p:set>
+                                    <p:anim calcmode="lin" valueType="num">
+                                      <p:cBhvr>
+                                        <p:cTn id="85" dur="500" fill="hold"/>
+                                        <p:tgtEl>
+                                          <p:spTgt spid="6">
+                                            <p:graphicEl>
+                                              <a:dgm id="{25EF8A6E-5345-4F34-9AFD-D8E4DF2CC5DA}"/>
+                                            </p:graphicEl>
+                                          </p:spTgt>
+                                        </p:tgtEl>
+                                        <p:attrNameLst>
+                                          <p:attrName>ppt_w</p:attrName>
+                                        </p:attrNameLst>
+                                      </p:cBhvr>
+                                      <p:tavLst>
+                                        <p:tav tm="0">
+                                          <p:val>
+                                            <p:fltVal val="0"/>
+                                          </p:val>
+                                        </p:tav>
+                                        <p:tav tm="100000">
+                                          <p:val>
+                                            <p:strVal val="#ppt_w"/>
+                                          </p:val>
+                                        </p:tav>
+                                      </p:tavLst>
+                                    </p:anim>
+                                    <p:anim calcmode="lin" valueType="num">
+                                      <p:cBhvr>
+                                        <p:cTn id="86" dur="500" fill="hold"/>
+                                        <p:tgtEl>
+                                          <p:spTgt spid="6">
+                                            <p:graphicEl>
+                                              <a:dgm id="{25EF8A6E-5345-4F34-9AFD-D8E4DF2CC5DA}"/>
+                                            </p:graphicEl>
+                                          </p:spTgt>
+                                        </p:tgtEl>
+                                        <p:attrNameLst>
+                                          <p:attrName>ppt_h</p:attrName>
+                                        </p:attrNameLst>
+                                      </p:cBhvr>
+                                      <p:tavLst>
+                                        <p:tav tm="0">
+                                          <p:val>
+                                            <p:fltVal val="0"/>
+                                          </p:val>
+                                        </p:tav>
+                                        <p:tav tm="100000">
+                                          <p:val>
+                                            <p:strVal val="#ppt_h"/>
+                                          </p:val>
+                                        </p:tav>
+                                      </p:tavLst>
+                                    </p:anim>
+                                    <p:animEffect transition="in" filter="fade">
+                                      <p:cBhvr>
+                                        <p:cTn id="87" dur="500"/>
+                                        <p:tgtEl>
+                                          <p:spTgt spid="6">
+                                            <p:graphicEl>
+                                              <a:dgm id="{25EF8A6E-5345-4F34-9AFD-D8E4DF2CC5DA}"/>
+                                            </p:graphicEl>
+                                          </p:spTgt>
+                                        </p:tgtEl>
+                                      </p:cBhvr>
+                                    </p:animEffect>
+                                  </p:childTnLst>
+                                </p:cTn>
+                              </p:par>
+                            </p:childTnLst>
+                          </p:cTn>
+                        </p:par>
+                        <p:par>
+                          <p:cTn id="88" fill="hold">
+                            <p:stCondLst>
+                              <p:cond delay="14000"/>
+                            </p:stCondLst>
+                            <p:childTnLst>
+                              <p:par>
+                                <p:cTn id="89" presetID="53" presetClass="entr" presetSubtype="16" fill="hold" grpId="0" nodeType="afterEffect">
+                                  <p:stCondLst>
+                                    <p:cond delay="500"/>
+                                  </p:stCondLst>
+                                  <p:childTnLst>
+                                    <p:set>
+                                      <p:cBhvr>
+                                        <p:cTn id="90" dur="1" fill="hold">
+                                          <p:stCondLst>
+                                            <p:cond delay="0"/>
+                                          </p:stCondLst>
+                                        </p:cTn>
+                                        <p:tgtEl>
+                                          <p:spTgt spid="6">
+                                            <p:graphicEl>
+                                              <a:dgm id="{3E1C0D1B-A561-4DCF-A5F1-08D512C181E2}"/>
+                                            </p:graphicEl>
+                                          </p:spTgt>
+                                        </p:tgtEl>
+                                        <p:attrNameLst>
+                                          <p:attrName>style.visibility</p:attrName>
+                                        </p:attrNameLst>
+                                      </p:cBhvr>
+                                      <p:to>
+                                        <p:strVal val="visible"/>
+                                      </p:to>
+                                    </p:set>
+                                    <p:anim calcmode="lin" valueType="num">
+                                      <p:cBhvr>
+                                        <p:cTn id="91" dur="500" fill="hold"/>
+                                        <p:tgtEl>
+                                          <p:spTgt spid="6">
+                                            <p:graphicEl>
+                                              <a:dgm id="{3E1C0D1B-A561-4DCF-A5F1-08D512C181E2}"/>
+                                            </p:graphicEl>
+                                          </p:spTgt>
+                                        </p:tgtEl>
+                                        <p:attrNameLst>
+                                          <p:attrName>ppt_w</p:attrName>
+                                        </p:attrNameLst>
+                                      </p:cBhvr>
+                                      <p:tavLst>
+                                        <p:tav tm="0">
+                                          <p:val>
+                                            <p:fltVal val="0"/>
+                                          </p:val>
+                                        </p:tav>
+                                        <p:tav tm="100000">
+                                          <p:val>
+                                            <p:strVal val="#ppt_w"/>
+                                          </p:val>
+                                        </p:tav>
+                                      </p:tavLst>
+                                    </p:anim>
+                                    <p:anim calcmode="lin" valueType="num">
+                                      <p:cBhvr>
+                                        <p:cTn id="92" dur="500" fill="hold"/>
+                                        <p:tgtEl>
+                                          <p:spTgt spid="6">
+                                            <p:graphicEl>
+                                              <a:dgm id="{3E1C0D1B-A561-4DCF-A5F1-08D512C181E2}"/>
+                                            </p:graphicEl>
+                                          </p:spTgt>
+                                        </p:tgtEl>
+                                        <p:attrNameLst>
+                                          <p:attrName>ppt_h</p:attrName>
+                                        </p:attrNameLst>
+                                      </p:cBhvr>
+                                      <p:tavLst>
+                                        <p:tav tm="0">
+                                          <p:val>
+                                            <p:fltVal val="0"/>
+                                          </p:val>
+                                        </p:tav>
+                                        <p:tav tm="100000">
+                                          <p:val>
+                                            <p:strVal val="#ppt_h"/>
+                                          </p:val>
+                                        </p:tav>
+                                      </p:tavLst>
+                                    </p:anim>
+                                    <p:animEffect transition="in" filter="fade">
+                                      <p:cBhvr>
+                                        <p:cTn id="93" dur="500"/>
+                                        <p:tgtEl>
+                                          <p:spTgt spid="6">
+                                            <p:graphicEl>
+                                              <a:dgm id="{3E1C0D1B-A561-4DCF-A5F1-08D512C181E2}"/>
+                                            </p:graphicEl>
+                                          </p:spTgt>
+                                        </p:tgtEl>
+                                      </p:cBhvr>
+                                    </p:animEffect>
+                                  </p:childTnLst>
+                                </p:cTn>
+                              </p:par>
+                            </p:childTnLst>
+                          </p:cTn>
+                        </p:par>
+                        <p:par>
+                          <p:cTn id="94" fill="hold">
+                            <p:stCondLst>
+                              <p:cond delay="15000"/>
+                            </p:stCondLst>
+                            <p:childTnLst>
+                              <p:par>
+                                <p:cTn id="95" presetID="53" presetClass="entr" presetSubtype="16" fill="hold" grpId="0" nodeType="afterEffect">
+                                  <p:stCondLst>
+                                    <p:cond delay="500"/>
+                                  </p:stCondLst>
+                                  <p:childTnLst>
+                                    <p:set>
+                                      <p:cBhvr>
+                                        <p:cTn id="96" dur="1" fill="hold">
+                                          <p:stCondLst>
+                                            <p:cond delay="0"/>
+                                          </p:stCondLst>
+                                        </p:cTn>
+                                        <p:tgtEl>
+                                          <p:spTgt spid="6">
+                                            <p:graphicEl>
+                                              <a:dgm id="{3D17B0CD-4579-410F-A86F-1AE519060AAD}"/>
+                                            </p:graphicEl>
+                                          </p:spTgt>
+                                        </p:tgtEl>
+                                        <p:attrNameLst>
+                                          <p:attrName>style.visibility</p:attrName>
+                                        </p:attrNameLst>
+                                      </p:cBhvr>
+                                      <p:to>
+                                        <p:strVal val="visible"/>
+                                      </p:to>
+                                    </p:set>
+                                    <p:anim calcmode="lin" valueType="num">
+                                      <p:cBhvr>
+                                        <p:cTn id="97" dur="500" fill="hold"/>
+                                        <p:tgtEl>
+                                          <p:spTgt spid="6">
+                                            <p:graphicEl>
+                                              <a:dgm id="{3D17B0CD-4579-410F-A86F-1AE519060AAD}"/>
+                                            </p:graphicEl>
+                                          </p:spTgt>
+                                        </p:tgtEl>
+                                        <p:attrNameLst>
+                                          <p:attrName>ppt_w</p:attrName>
+                                        </p:attrNameLst>
+                                      </p:cBhvr>
+                                      <p:tavLst>
+                                        <p:tav tm="0">
+                                          <p:val>
+                                            <p:fltVal val="0"/>
+                                          </p:val>
+                                        </p:tav>
+                                        <p:tav tm="100000">
+                                          <p:val>
+                                            <p:strVal val="#ppt_w"/>
+                                          </p:val>
+                                        </p:tav>
+                                      </p:tavLst>
+                                    </p:anim>
+                                    <p:anim calcmode="lin" valueType="num">
+                                      <p:cBhvr>
+                                        <p:cTn id="98" dur="500" fill="hold"/>
+                                        <p:tgtEl>
+                                          <p:spTgt spid="6">
+                                            <p:graphicEl>
+                                              <a:dgm id="{3D17B0CD-4579-410F-A86F-1AE519060AAD}"/>
+                                            </p:graphicEl>
+                                          </p:spTgt>
+                                        </p:tgtEl>
+                                        <p:attrNameLst>
+                                          <p:attrName>ppt_h</p:attrName>
+                                        </p:attrNameLst>
+                                      </p:cBhvr>
+                                      <p:tavLst>
+                                        <p:tav tm="0">
+                                          <p:val>
+                                            <p:fltVal val="0"/>
+                                          </p:val>
+                                        </p:tav>
+                                        <p:tav tm="100000">
+                                          <p:val>
+                                            <p:strVal val="#ppt_h"/>
+                                          </p:val>
+                                        </p:tav>
+                                      </p:tavLst>
+                                    </p:anim>
+                                    <p:animEffect transition="in" filter="fade">
+                                      <p:cBhvr>
+                                        <p:cTn id="99" dur="500"/>
+                                        <p:tgtEl>
+                                          <p:spTgt spid="6">
+                                            <p:graphicEl>
+                                              <a:dgm id="{3D17B0CD-4579-410F-A86F-1AE519060AAD}"/>
+                                            </p:graphicEl>
+                                          </p:spTgt>
+                                        </p:tgtEl>
+                                      </p:cBhvr>
+                                    </p:animEffect>
                                   </p:childTnLst>
                                 </p:cTn>
                               </p:par>
@@ -11930,87 +19903,17 @@
       </p:par>
     </p:tnLst>
     <p:bldLst>
-      <p:bldP spid="5" grpId="0" build="p"/>
+      <p:bldGraphic spid="6" grpId="0">
+        <p:bldSub>
+          <a:bldDgm bld="one"/>
+        </p:bldSub>
+      </p:bldGraphic>
     </p:bldLst>
   </p:timing>
 </p:sld>
 </file>
 
 <file path=ppt/slides/slide5.xml><?xml version="1.0" encoding="utf-8"?>
-<p:sld xmlns:a="http://schemas.openxmlformats.org/drawingml/2006/main" xmlns:r="http://schemas.openxmlformats.org/officeDocument/2006/relationships" xmlns:p="http://schemas.openxmlformats.org/presentationml/2006/main">
-  <p:cSld>
-    <p:bg>
-      <p:bgPr>
-        <a:pattFill prst="pct5">
-          <a:fgClr>
-            <a:schemeClr val="bg2"/>
-          </a:fgClr>
-          <a:bgClr>
-            <a:schemeClr val="bg1"/>
-          </a:bgClr>
-        </a:pattFill>
-        <a:effectLst/>
-      </p:bgPr>
-    </p:bg>
-    <p:spTree>
-      <p:nvGrpSpPr>
-        <p:cNvPr id="1" name=""/>
-        <p:cNvGrpSpPr/>
-        <p:nvPr/>
-      </p:nvGrpSpPr>
-      <p:grpSpPr>
-        <a:xfrm>
-          <a:off x="0" y="0"/>
-          <a:ext cx="0" cy="0"/>
-          <a:chOff x="0" y="0"/>
-          <a:chExt cx="0" cy="0"/>
-        </a:xfrm>
-      </p:grpSpPr>
-      <p:pic>
-        <p:nvPicPr>
-          <p:cNvPr id="4" name="Image 3"/>
-          <p:cNvPicPr>
-            <a:picLocks noChangeAspect="1"/>
-          </p:cNvPicPr>
-          <p:nvPr/>
-        </p:nvPicPr>
-        <p:blipFill>
-          <a:blip r:embed="rId2"/>
-          <a:stretch>
-            <a:fillRect/>
-          </a:stretch>
-        </p:blipFill>
-        <p:spPr>
-          <a:xfrm>
-            <a:off x="1995056" y="0"/>
-            <a:ext cx="8312726" cy="6858000"/>
-          </a:xfrm>
-          <a:prstGeom prst="rect">
-            <a:avLst/>
-          </a:prstGeom>
-        </p:spPr>
-      </p:pic>
-    </p:spTree>
-    <p:extLst>
-      <p:ext uri="{BB962C8B-B14F-4D97-AF65-F5344CB8AC3E}">
-        <p14:creationId xmlns:p14="http://schemas.microsoft.com/office/powerpoint/2010/main" val="1600448702"/>
-      </p:ext>
-    </p:extLst>
-  </p:cSld>
-  <p:clrMapOvr>
-    <a:masterClrMapping/>
-  </p:clrMapOvr>
-  <p:timing>
-    <p:tnLst>
-      <p:par>
-        <p:cTn id="1" dur="indefinite" restart="never" nodeType="tmRoot"/>
-      </p:par>
-    </p:tnLst>
-  </p:timing>
-</p:sld>
-</file>
-
-<file path=ppt/slides/slide6.xml><?xml version="1.0" encoding="utf-8"?>
 <p:sld xmlns:a="http://schemas.openxmlformats.org/drawingml/2006/main" xmlns:r="http://schemas.openxmlformats.org/officeDocument/2006/relationships" xmlns:p="http://schemas.openxmlformats.org/presentationml/2006/main">
   <p:cSld>
     <p:spTree>
@@ -12045,28 +19948,13 @@
             <a:pPr lvl="0"/>
             <a:r>
               <a:rPr lang="en-US" dirty="0" smtClean="0"/>
-              <a:t>III-Library components</a:t>
+              <a:t>II-Library </a:t>
+            </a:r>
+            <a:r>
+              <a:rPr lang="en-US" dirty="0" smtClean="0"/>
+              <a:t>components</a:t>
             </a:r>
             <a:endParaRPr lang="en-US" dirty="0"/>
-          </a:p>
-        </p:txBody>
-      </p:sp>
-      <p:sp>
-        <p:nvSpPr>
-          <p:cNvPr id="3" name="Content Placeholder 2"/>
-          <p:cNvSpPr>
-            <a:spLocks noGrp="1"/>
-          </p:cNvSpPr>
-          <p:nvPr>
-            <p:ph idx="1"/>
-          </p:nvPr>
-        </p:nvSpPr>
-        <p:spPr/>
-        <p:txBody>
-          <a:bodyPr/>
-          <a:lstStyle/>
-          <a:p>
-            <a:endParaRPr lang="en-US"/>
           </a:p>
         </p:txBody>
       </p:sp>
@@ -12090,7 +19978,579 @@
 </p:sld>
 </file>
 
+<file path=ppt/slides/slide6.xml><?xml version="1.0" encoding="utf-8"?>
+<p:sld xmlns:a="http://schemas.openxmlformats.org/drawingml/2006/main" xmlns:r="http://schemas.openxmlformats.org/officeDocument/2006/relationships" xmlns:p="http://schemas.openxmlformats.org/presentationml/2006/main">
+  <p:cSld>
+    <p:bg>
+      <p:bgPr>
+        <a:pattFill prst="pct5">
+          <a:fgClr>
+            <a:schemeClr val="bg2"/>
+          </a:fgClr>
+          <a:bgClr>
+            <a:schemeClr val="bg1"/>
+          </a:bgClr>
+        </a:pattFill>
+        <a:effectLst/>
+      </p:bgPr>
+    </p:bg>
+    <p:spTree>
+      <p:nvGrpSpPr>
+        <p:cNvPr id="1" name=""/>
+        <p:cNvGrpSpPr/>
+        <p:nvPr/>
+      </p:nvGrpSpPr>
+      <p:grpSpPr>
+        <a:xfrm>
+          <a:off x="0" y="0"/>
+          <a:ext cx="0" cy="0"/>
+          <a:chOff x="0" y="0"/>
+          <a:chExt cx="0" cy="0"/>
+        </a:xfrm>
+      </p:grpSpPr>
+      <p:pic>
+        <p:nvPicPr>
+          <p:cNvPr id="5" name="Picture 4"/>
+          <p:cNvPicPr>
+            <a:picLocks noChangeAspect="1"/>
+          </p:cNvPicPr>
+          <p:nvPr/>
+        </p:nvPicPr>
+        <p:blipFill>
+          <a:blip r:embed="rId2" cstate="print">
+            <a:extLst>
+              <a:ext uri="{28A0092B-C50C-407E-A947-70E740481C1C}">
+                <a14:useLocalDpi xmlns:a14="http://schemas.microsoft.com/office/drawing/2010/main" val="0"/>
+              </a:ext>
+            </a:extLst>
+          </a:blip>
+          <a:stretch>
+            <a:fillRect/>
+          </a:stretch>
+        </p:blipFill>
+        <p:spPr>
+          <a:xfrm>
+            <a:off x="1500785" y="1786303"/>
+            <a:ext cx="8445074" cy="5071697"/>
+          </a:xfrm>
+          <a:prstGeom prst="rect">
+            <a:avLst/>
+          </a:prstGeom>
+        </p:spPr>
+      </p:pic>
+      <p:sp>
+        <p:nvSpPr>
+          <p:cNvPr id="7" name="Title 1"/>
+          <p:cNvSpPr>
+            <a:spLocks noGrp="1"/>
+          </p:cNvSpPr>
+          <p:nvPr>
+            <p:ph type="title"/>
+          </p:nvPr>
+        </p:nvSpPr>
+        <p:spPr>
+          <a:xfrm>
+            <a:off x="810000" y="447188"/>
+            <a:ext cx="10571998" cy="970450"/>
+          </a:xfrm>
+        </p:spPr>
+        <p:txBody>
+          <a:bodyPr/>
+          <a:lstStyle/>
+          <a:p>
+            <a:pPr lvl="0"/>
+            <a:r>
+              <a:rPr lang="en-US" dirty="0" smtClean="0"/>
+              <a:t>III-Barrier Options</a:t>
+            </a:r>
+            <a:endParaRPr lang="en-US" dirty="0"/>
+          </a:p>
+        </p:txBody>
+      </p:sp>
+    </p:spTree>
+    <p:extLst>
+      <p:ext uri="{BB962C8B-B14F-4D97-AF65-F5344CB8AC3E}">
+        <p14:creationId xmlns:p14="http://schemas.microsoft.com/office/powerpoint/2010/main" val="1600448702"/>
+      </p:ext>
+    </p:extLst>
+  </p:cSld>
+  <p:clrMapOvr>
+    <a:masterClrMapping/>
+  </p:clrMapOvr>
+  <p:timing>
+    <p:tnLst>
+      <p:par>
+        <p:cTn id="1" dur="indefinite" restart="never" nodeType="tmRoot">
+          <p:childTnLst>
+            <p:seq concurrent="1" nextAc="seek">
+              <p:cTn id="2" dur="indefinite" nodeType="mainSeq">
+                <p:childTnLst>
+                  <p:par>
+                    <p:cTn id="3" fill="hold">
+                      <p:stCondLst>
+                        <p:cond delay="indefinite"/>
+                        <p:cond evt="onBegin" delay="0">
+                          <p:tn val="2"/>
+                        </p:cond>
+                      </p:stCondLst>
+                      <p:childTnLst>
+                        <p:par>
+                          <p:cTn id="4" fill="hold">
+                            <p:stCondLst>
+                              <p:cond delay="0"/>
+                            </p:stCondLst>
+                            <p:childTnLst>
+                              <p:par>
+                                <p:cTn id="5" presetID="53" presetClass="entr" presetSubtype="16" fill="hold" nodeType="afterEffect">
+                                  <p:stCondLst>
+                                    <p:cond delay="500"/>
+                                  </p:stCondLst>
+                                  <p:childTnLst>
+                                    <p:set>
+                                      <p:cBhvr>
+                                        <p:cTn id="6" dur="1" fill="hold">
+                                          <p:stCondLst>
+                                            <p:cond delay="0"/>
+                                          </p:stCondLst>
+                                        </p:cTn>
+                                        <p:tgtEl>
+                                          <p:spTgt spid="5"/>
+                                        </p:tgtEl>
+                                        <p:attrNameLst>
+                                          <p:attrName>style.visibility</p:attrName>
+                                        </p:attrNameLst>
+                                      </p:cBhvr>
+                                      <p:to>
+                                        <p:strVal val="visible"/>
+                                      </p:to>
+                                    </p:set>
+                                    <p:anim calcmode="lin" valueType="num">
+                                      <p:cBhvr>
+                                        <p:cTn id="7" dur="500" fill="hold"/>
+                                        <p:tgtEl>
+                                          <p:spTgt spid="5"/>
+                                        </p:tgtEl>
+                                        <p:attrNameLst>
+                                          <p:attrName>ppt_w</p:attrName>
+                                        </p:attrNameLst>
+                                      </p:cBhvr>
+                                      <p:tavLst>
+                                        <p:tav tm="0">
+                                          <p:val>
+                                            <p:fltVal val="0"/>
+                                          </p:val>
+                                        </p:tav>
+                                        <p:tav tm="100000">
+                                          <p:val>
+                                            <p:strVal val="#ppt_w"/>
+                                          </p:val>
+                                        </p:tav>
+                                      </p:tavLst>
+                                    </p:anim>
+                                    <p:anim calcmode="lin" valueType="num">
+                                      <p:cBhvr>
+                                        <p:cTn id="8" dur="500" fill="hold"/>
+                                        <p:tgtEl>
+                                          <p:spTgt spid="5"/>
+                                        </p:tgtEl>
+                                        <p:attrNameLst>
+                                          <p:attrName>ppt_h</p:attrName>
+                                        </p:attrNameLst>
+                                      </p:cBhvr>
+                                      <p:tavLst>
+                                        <p:tav tm="0">
+                                          <p:val>
+                                            <p:fltVal val="0"/>
+                                          </p:val>
+                                        </p:tav>
+                                        <p:tav tm="100000">
+                                          <p:val>
+                                            <p:strVal val="#ppt_h"/>
+                                          </p:val>
+                                        </p:tav>
+                                      </p:tavLst>
+                                    </p:anim>
+                                    <p:animEffect transition="in" filter="fade">
+                                      <p:cBhvr>
+                                        <p:cTn id="9" dur="500"/>
+                                        <p:tgtEl>
+                                          <p:spTgt spid="5"/>
+                                        </p:tgtEl>
+                                      </p:cBhvr>
+                                    </p:animEffect>
+                                  </p:childTnLst>
+                                </p:cTn>
+                              </p:par>
+                            </p:childTnLst>
+                          </p:cTn>
+                        </p:par>
+                      </p:childTnLst>
+                    </p:cTn>
+                  </p:par>
+                </p:childTnLst>
+              </p:cTn>
+              <p:prevCondLst>
+                <p:cond evt="onPrev" delay="0">
+                  <p:tgtEl>
+                    <p:sldTgt/>
+                  </p:tgtEl>
+                </p:cond>
+              </p:prevCondLst>
+              <p:nextCondLst>
+                <p:cond evt="onNext" delay="0">
+                  <p:tgtEl>
+                    <p:sldTgt/>
+                  </p:tgtEl>
+                </p:cond>
+              </p:nextCondLst>
+            </p:seq>
+          </p:childTnLst>
+        </p:cTn>
+      </p:par>
+    </p:tnLst>
+  </p:timing>
+</p:sld>
+</file>
+
 <file path=ppt/slides/slide7.xml><?xml version="1.0" encoding="utf-8"?>
+<p:sld xmlns:a="http://schemas.openxmlformats.org/drawingml/2006/main" xmlns:r="http://schemas.openxmlformats.org/officeDocument/2006/relationships" xmlns:p="http://schemas.openxmlformats.org/presentationml/2006/main">
+  <p:cSld>
+    <p:bg>
+      <p:bgPr>
+        <a:pattFill prst="pct5">
+          <a:fgClr>
+            <a:schemeClr val="bg2"/>
+          </a:fgClr>
+          <a:bgClr>
+            <a:schemeClr val="bg1"/>
+          </a:bgClr>
+        </a:pattFill>
+        <a:effectLst/>
+      </p:bgPr>
+    </p:bg>
+    <p:spTree>
+      <p:nvGrpSpPr>
+        <p:cNvPr id="1" name=""/>
+        <p:cNvGrpSpPr/>
+        <p:nvPr/>
+      </p:nvGrpSpPr>
+      <p:grpSpPr>
+        <a:xfrm>
+          <a:off x="0" y="0"/>
+          <a:ext cx="0" cy="0"/>
+          <a:chOff x="0" y="0"/>
+          <a:chExt cx="0" cy="0"/>
+        </a:xfrm>
+      </p:grpSpPr>
+      <p:sp>
+        <p:nvSpPr>
+          <p:cNvPr id="7" name="Title 1"/>
+          <p:cNvSpPr>
+            <a:spLocks noGrp="1"/>
+          </p:cNvSpPr>
+          <p:nvPr>
+            <p:ph type="title"/>
+          </p:nvPr>
+        </p:nvSpPr>
+        <p:spPr>
+          <a:xfrm>
+            <a:off x="810000" y="447188"/>
+            <a:ext cx="10571998" cy="970450"/>
+          </a:xfrm>
+        </p:spPr>
+        <p:txBody>
+          <a:bodyPr/>
+          <a:lstStyle/>
+          <a:p>
+            <a:pPr lvl="0"/>
+            <a:r>
+              <a:rPr lang="en-US" dirty="0" smtClean="0"/>
+              <a:t>III-Barrier Options</a:t>
+            </a:r>
+            <a:endParaRPr lang="en-US" dirty="0"/>
+          </a:p>
+        </p:txBody>
+      </p:sp>
+      <p:pic>
+        <p:nvPicPr>
+          <p:cNvPr id="3" name="Picture 2"/>
+          <p:cNvPicPr>
+            <a:picLocks noChangeAspect="1"/>
+          </p:cNvPicPr>
+          <p:nvPr/>
+        </p:nvPicPr>
+        <p:blipFill>
+          <a:blip r:embed="rId3" cstate="print">
+            <a:extLst>
+              <a:ext uri="{28A0092B-C50C-407E-A947-70E740481C1C}">
+                <a14:useLocalDpi xmlns:a14="http://schemas.microsoft.com/office/drawing/2010/main" val="0"/>
+              </a:ext>
+            </a:extLst>
+          </a:blip>
+          <a:stretch>
+            <a:fillRect/>
+          </a:stretch>
+        </p:blipFill>
+        <p:spPr>
+          <a:xfrm>
+            <a:off x="810000" y="2024356"/>
+            <a:ext cx="2594382" cy="4666990"/>
+          </a:xfrm>
+          <a:prstGeom prst="rect">
+            <a:avLst/>
+          </a:prstGeom>
+        </p:spPr>
+      </p:pic>
+      <p:pic>
+        <p:nvPicPr>
+          <p:cNvPr id="4" name="Picture 3"/>
+          <p:cNvPicPr>
+            <a:picLocks noChangeAspect="1"/>
+          </p:cNvPicPr>
+          <p:nvPr/>
+        </p:nvPicPr>
+        <p:blipFill>
+          <a:blip r:embed="rId4" cstate="print">
+            <a:extLst>
+              <a:ext uri="{28A0092B-C50C-407E-A947-70E740481C1C}">
+                <a14:useLocalDpi xmlns:a14="http://schemas.microsoft.com/office/drawing/2010/main" val="0"/>
+              </a:ext>
+            </a:extLst>
+          </a:blip>
+          <a:stretch>
+            <a:fillRect/>
+          </a:stretch>
+        </p:blipFill>
+        <p:spPr>
+          <a:xfrm>
+            <a:off x="9326427" y="1857702"/>
+            <a:ext cx="2055571" cy="5000297"/>
+          </a:xfrm>
+          <a:prstGeom prst="rect">
+            <a:avLst/>
+          </a:prstGeom>
+        </p:spPr>
+      </p:pic>
+    </p:spTree>
+    <p:extLst>
+      <p:ext uri="{BB962C8B-B14F-4D97-AF65-F5344CB8AC3E}">
+        <p14:creationId xmlns:p14="http://schemas.microsoft.com/office/powerpoint/2010/main" val="3131125267"/>
+      </p:ext>
+    </p:extLst>
+  </p:cSld>
+  <p:clrMapOvr>
+    <a:masterClrMapping/>
+  </p:clrMapOvr>
+  <p:timing>
+    <p:tnLst>
+      <p:par>
+        <p:cTn id="1" dur="indefinite" restart="never" nodeType="tmRoot">
+          <p:childTnLst>
+            <p:seq concurrent="1" nextAc="seek">
+              <p:cTn id="2" dur="indefinite" nodeType="mainSeq">
+                <p:childTnLst>
+                  <p:par>
+                    <p:cTn id="3" fill="hold">
+                      <p:stCondLst>
+                        <p:cond delay="indefinite"/>
+                        <p:cond evt="onBegin" delay="0">
+                          <p:tn val="2"/>
+                        </p:cond>
+                      </p:stCondLst>
+                      <p:childTnLst>
+                        <p:par>
+                          <p:cTn id="4" fill="hold">
+                            <p:stCondLst>
+                              <p:cond delay="0"/>
+                            </p:stCondLst>
+                            <p:childTnLst>
+                              <p:par>
+                                <p:cTn id="5" presetID="2" presetClass="entr" presetSubtype="1" fill="hold" nodeType="afterEffect">
+                                  <p:stCondLst>
+                                    <p:cond delay="0"/>
+                                  </p:stCondLst>
+                                  <p:childTnLst>
+                                    <p:set>
+                                      <p:cBhvr>
+                                        <p:cTn id="6" dur="1" fill="hold">
+                                          <p:stCondLst>
+                                            <p:cond delay="0"/>
+                                          </p:stCondLst>
+                                        </p:cTn>
+                                        <p:tgtEl>
+                                          <p:spTgt spid="4"/>
+                                        </p:tgtEl>
+                                        <p:attrNameLst>
+                                          <p:attrName>style.visibility</p:attrName>
+                                        </p:attrNameLst>
+                                      </p:cBhvr>
+                                      <p:to>
+                                        <p:strVal val="visible"/>
+                                      </p:to>
+                                    </p:set>
+                                    <p:anim calcmode="lin" valueType="num">
+                                      <p:cBhvr additive="base">
+                                        <p:cTn id="7" dur="500" fill="hold"/>
+                                        <p:tgtEl>
+                                          <p:spTgt spid="4"/>
+                                        </p:tgtEl>
+                                        <p:attrNameLst>
+                                          <p:attrName>ppt_x</p:attrName>
+                                        </p:attrNameLst>
+                                      </p:cBhvr>
+                                      <p:tavLst>
+                                        <p:tav tm="0">
+                                          <p:val>
+                                            <p:strVal val="#ppt_x"/>
+                                          </p:val>
+                                        </p:tav>
+                                        <p:tav tm="100000">
+                                          <p:val>
+                                            <p:strVal val="#ppt_x"/>
+                                          </p:val>
+                                        </p:tav>
+                                      </p:tavLst>
+                                    </p:anim>
+                                    <p:anim calcmode="lin" valueType="num">
+                                      <p:cBhvr additive="base">
+                                        <p:cTn id="8" dur="500" fill="hold"/>
+                                        <p:tgtEl>
+                                          <p:spTgt spid="4"/>
+                                        </p:tgtEl>
+                                        <p:attrNameLst>
+                                          <p:attrName>ppt_y</p:attrName>
+                                        </p:attrNameLst>
+                                      </p:cBhvr>
+                                      <p:tavLst>
+                                        <p:tav tm="0">
+                                          <p:val>
+                                            <p:strVal val="0-#ppt_h/2"/>
+                                          </p:val>
+                                        </p:tav>
+                                        <p:tav tm="100000">
+                                          <p:val>
+                                            <p:strVal val="#ppt_y"/>
+                                          </p:val>
+                                        </p:tav>
+                                      </p:tavLst>
+                                    </p:anim>
+                                  </p:childTnLst>
+                                </p:cTn>
+                              </p:par>
+                            </p:childTnLst>
+                          </p:cTn>
+                        </p:par>
+                        <p:par>
+                          <p:cTn id="9" fill="hold">
+                            <p:stCondLst>
+                              <p:cond delay="500"/>
+                            </p:stCondLst>
+                            <p:childTnLst>
+                              <p:par>
+                                <p:cTn id="10" presetID="2" presetClass="entr" presetSubtype="4" fill="hold" nodeType="afterEffect">
+                                  <p:stCondLst>
+                                    <p:cond delay="0"/>
+                                  </p:stCondLst>
+                                  <p:childTnLst>
+                                    <p:set>
+                                      <p:cBhvr>
+                                        <p:cTn id="11" dur="1" fill="hold">
+                                          <p:stCondLst>
+                                            <p:cond delay="0"/>
+                                          </p:stCondLst>
+                                        </p:cTn>
+                                        <p:tgtEl>
+                                          <p:spTgt spid="3"/>
+                                        </p:tgtEl>
+                                        <p:attrNameLst>
+                                          <p:attrName>style.visibility</p:attrName>
+                                        </p:attrNameLst>
+                                      </p:cBhvr>
+                                      <p:to>
+                                        <p:strVal val="visible"/>
+                                      </p:to>
+                                    </p:set>
+                                    <p:anim calcmode="lin" valueType="num">
+                                      <p:cBhvr additive="base">
+                                        <p:cTn id="12" dur="500" fill="hold"/>
+                                        <p:tgtEl>
+                                          <p:spTgt spid="3"/>
+                                        </p:tgtEl>
+                                        <p:attrNameLst>
+                                          <p:attrName>ppt_x</p:attrName>
+                                        </p:attrNameLst>
+                                      </p:cBhvr>
+                                      <p:tavLst>
+                                        <p:tav tm="0">
+                                          <p:val>
+                                            <p:strVal val="#ppt_x"/>
+                                          </p:val>
+                                        </p:tav>
+                                        <p:tav tm="100000">
+                                          <p:val>
+                                            <p:strVal val="#ppt_x"/>
+                                          </p:val>
+                                        </p:tav>
+                                      </p:tavLst>
+                                    </p:anim>
+                                    <p:anim calcmode="lin" valueType="num">
+                                      <p:cBhvr additive="base">
+                                        <p:cTn id="13" dur="500" fill="hold"/>
+                                        <p:tgtEl>
+                                          <p:spTgt spid="3"/>
+                                        </p:tgtEl>
+                                        <p:attrNameLst>
+                                          <p:attrName>ppt_y</p:attrName>
+                                        </p:attrNameLst>
+                                      </p:cBhvr>
+                                      <p:tavLst>
+                                        <p:tav tm="0">
+                                          <p:val>
+                                            <p:strVal val="1+#ppt_h/2"/>
+                                          </p:val>
+                                        </p:tav>
+                                        <p:tav tm="100000">
+                                          <p:val>
+                                            <p:strVal val="#ppt_y"/>
+                                          </p:val>
+                                        </p:tav>
+                                      </p:tavLst>
+                                    </p:anim>
+                                  </p:childTnLst>
+                                </p:cTn>
+                              </p:par>
+                            </p:childTnLst>
+                          </p:cTn>
+                        </p:par>
+                      </p:childTnLst>
+                    </p:cTn>
+                  </p:par>
+                </p:childTnLst>
+              </p:cTn>
+              <p:prevCondLst>
+                <p:cond evt="onPrev" delay="0">
+                  <p:tgtEl>
+                    <p:sldTgt/>
+                  </p:tgtEl>
+                </p:cond>
+              </p:prevCondLst>
+              <p:nextCondLst>
+                <p:cond evt="onNext" delay="0">
+                  <p:tgtEl>
+                    <p:sldTgt/>
+                  </p:tgtEl>
+                </p:cond>
+              </p:nextCondLst>
+            </p:seq>
+          </p:childTnLst>
+        </p:cTn>
+      </p:par>
+    </p:tnLst>
+  </p:timing>
+</p:sld>
+</file>
+
+<file path=ppt/slides/slide8.xml><?xml version="1.0" encoding="utf-8"?>
 <p:sld xmlns:a="http://schemas.openxmlformats.org/drawingml/2006/main" xmlns:r="http://schemas.openxmlformats.org/officeDocument/2006/relationships" xmlns:p="http://schemas.openxmlformats.org/presentationml/2006/main">
   <p:cSld>
     <p:spTree>
@@ -12131,25 +20591,36 @@
           </a:p>
         </p:txBody>
       </p:sp>
-      <p:sp>
-        <p:nvSpPr>
-          <p:cNvPr id="3" name="Content Placeholder 2"/>
-          <p:cNvSpPr>
-            <a:spLocks noGrp="1"/>
-          </p:cNvSpPr>
-          <p:nvPr>
-            <p:ph idx="1"/>
-          </p:nvPr>
-        </p:nvSpPr>
-        <p:spPr/>
-        <p:txBody>
-          <a:bodyPr/>
-          <a:lstStyle/>
-          <a:p>
-            <a:endParaRPr lang="en-US"/>
-          </a:p>
-        </p:txBody>
-      </p:sp>
+      <p:pic>
+        <p:nvPicPr>
+          <p:cNvPr id="4" name="Picture 3"/>
+          <p:cNvPicPr>
+            <a:picLocks noChangeAspect="1"/>
+          </p:cNvPicPr>
+          <p:nvPr/>
+        </p:nvPicPr>
+        <p:blipFill>
+          <a:blip r:embed="rId2">
+            <a:extLst>
+              <a:ext uri="{28A0092B-C50C-407E-A947-70E740481C1C}">
+                <a14:useLocalDpi xmlns:a14="http://schemas.microsoft.com/office/drawing/2010/main" val="0"/>
+              </a:ext>
+            </a:extLst>
+          </a:blip>
+          <a:stretch>
+            <a:fillRect/>
+          </a:stretch>
+        </p:blipFill>
+        <p:spPr>
+          <a:xfrm>
+            <a:off x="273308" y="2878307"/>
+            <a:ext cx="11645381" cy="3255205"/>
+          </a:xfrm>
+          <a:prstGeom prst="rect">
+            <a:avLst/>
+          </a:prstGeom>
+        </p:spPr>
+      </p:pic>
     </p:spTree>
     <p:extLst>
       <p:ext uri="{BB962C8B-B14F-4D97-AF65-F5344CB8AC3E}">
@@ -12163,14 +20634,131 @@
   <p:timing>
     <p:tnLst>
       <p:par>
-        <p:cTn id="1" dur="indefinite" restart="never" nodeType="tmRoot"/>
+        <p:cTn id="1" dur="indefinite" restart="never" nodeType="tmRoot">
+          <p:childTnLst>
+            <p:seq concurrent="1" nextAc="seek">
+              <p:cTn id="2" dur="indefinite" nodeType="mainSeq">
+                <p:childTnLst>
+                  <p:par>
+                    <p:cTn id="3" fill="hold">
+                      <p:stCondLst>
+                        <p:cond delay="indefinite"/>
+                        <p:cond evt="onBegin" delay="0">
+                          <p:tn val="2"/>
+                        </p:cond>
+                      </p:stCondLst>
+                      <p:childTnLst>
+                        <p:par>
+                          <p:cTn id="4" fill="hold">
+                            <p:stCondLst>
+                              <p:cond delay="0"/>
+                            </p:stCondLst>
+                            <p:childTnLst>
+                              <p:par>
+                                <p:cTn id="5" presetID="2" presetClass="entr" presetSubtype="8" fill="hold" nodeType="afterEffect">
+                                  <p:stCondLst>
+                                    <p:cond delay="0"/>
+                                  </p:stCondLst>
+                                  <p:childTnLst>
+                                    <p:set>
+                                      <p:cBhvr>
+                                        <p:cTn id="6" dur="1" fill="hold">
+                                          <p:stCondLst>
+                                            <p:cond delay="0"/>
+                                          </p:stCondLst>
+                                        </p:cTn>
+                                        <p:tgtEl>
+                                          <p:spTgt spid="4"/>
+                                        </p:tgtEl>
+                                        <p:attrNameLst>
+                                          <p:attrName>style.visibility</p:attrName>
+                                        </p:attrNameLst>
+                                      </p:cBhvr>
+                                      <p:to>
+                                        <p:strVal val="visible"/>
+                                      </p:to>
+                                    </p:set>
+                                    <p:anim calcmode="lin" valueType="num">
+                                      <p:cBhvr additive="base">
+                                        <p:cTn id="7" dur="1000" fill="hold"/>
+                                        <p:tgtEl>
+                                          <p:spTgt spid="4"/>
+                                        </p:tgtEl>
+                                        <p:attrNameLst>
+                                          <p:attrName>ppt_x</p:attrName>
+                                        </p:attrNameLst>
+                                      </p:cBhvr>
+                                      <p:tavLst>
+                                        <p:tav tm="0">
+                                          <p:val>
+                                            <p:strVal val="0-#ppt_w/2"/>
+                                          </p:val>
+                                        </p:tav>
+                                        <p:tav tm="100000">
+                                          <p:val>
+                                            <p:strVal val="#ppt_x"/>
+                                          </p:val>
+                                        </p:tav>
+                                      </p:tavLst>
+                                    </p:anim>
+                                    <p:anim calcmode="lin" valueType="num">
+                                      <p:cBhvr additive="base">
+                                        <p:cTn id="8" dur="1000" fill="hold"/>
+                                        <p:tgtEl>
+                                          <p:spTgt spid="4"/>
+                                        </p:tgtEl>
+                                        <p:attrNameLst>
+                                          <p:attrName>ppt_y</p:attrName>
+                                        </p:attrNameLst>
+                                      </p:cBhvr>
+                                      <p:tavLst>
+                                        <p:tav tm="0">
+                                          <p:val>
+                                            <p:strVal val="#ppt_y"/>
+                                          </p:val>
+                                        </p:tav>
+                                        <p:tav tm="100000">
+                                          <p:val>
+                                            <p:strVal val="#ppt_y"/>
+                                          </p:val>
+                                        </p:tav>
+                                      </p:tavLst>
+                                    </p:anim>
+                                  </p:childTnLst>
+                                </p:cTn>
+                              </p:par>
+                            </p:childTnLst>
+                          </p:cTn>
+                        </p:par>
+                      </p:childTnLst>
+                    </p:cTn>
+                  </p:par>
+                </p:childTnLst>
+              </p:cTn>
+              <p:prevCondLst>
+                <p:cond evt="onPrev" delay="0">
+                  <p:tgtEl>
+                    <p:sldTgt/>
+                  </p:tgtEl>
+                </p:cond>
+              </p:prevCondLst>
+              <p:nextCondLst>
+                <p:cond evt="onNext" delay="0">
+                  <p:tgtEl>
+                    <p:sldTgt/>
+                  </p:tgtEl>
+                </p:cond>
+              </p:nextCondLst>
+            </p:seq>
+          </p:childTnLst>
+        </p:cTn>
       </p:par>
     </p:tnLst>
   </p:timing>
 </p:sld>
 </file>
 
-<file path=ppt/slides/slide8.xml><?xml version="1.0" encoding="utf-8"?>
+<file path=ppt/slides/slide9.xml><?xml version="1.0" encoding="utf-8"?>
 <p:sld xmlns:a="http://schemas.openxmlformats.org/drawingml/2006/main" xmlns:r="http://schemas.openxmlformats.org/officeDocument/2006/relationships" xmlns:p="http://schemas.openxmlformats.org/presentationml/2006/main">
   <p:cSld>
     <p:spTree>
